--- a/시스템 설계도.pptx
+++ b/시스템 설계도.pptx
@@ -4,14 +4,15 @@
   <p:sldMasterIdLst>
     <p:sldMasterId id="2147483648" r:id="rId1"/>
   </p:sldMasterIdLst>
+  <p:notesMasterIdLst>
+    <p:notesMasterId r:id="rId7"/>
+  </p:notesMasterIdLst>
   <p:sldIdLst>
     <p:sldId id="256" r:id="rId2"/>
     <p:sldId id="257" r:id="rId3"/>
-    <p:sldId id="268" r:id="rId4"/>
-    <p:sldId id="272" r:id="rId5"/>
-    <p:sldId id="270" r:id="rId6"/>
-    <p:sldId id="271" r:id="rId7"/>
-    <p:sldId id="269" r:id="rId8"/>
+    <p:sldId id="273" r:id="rId4"/>
+    <p:sldId id="268" r:id="rId5"/>
+    <p:sldId id="269" r:id="rId6"/>
   </p:sldIdLst>
   <p:sldSz cx="12192000" cy="6858000"/>
   <p:notesSz cx="6858000" cy="9144000"/>
@@ -110,7 +111,446 @@
       </a:defRPr>
     </a:lvl9pPr>
   </p:defaultTextStyle>
+  <p:extLst>
+    <p:ext uri="{EFAFB233-063F-42B5-8137-9DF3F51BA10A}">
+      <p15:sldGuideLst xmlns:p15="http://schemas.microsoft.com/office/powerpoint/2012/main"/>
+    </p:ext>
+  </p:extLst>
 </p:presentation>
+</file>
+
+<file path=ppt/notesMasters/notesMaster1.xml><?xml version="1.0" encoding="utf-8"?>
+<p:notesMaster xmlns:a="http://schemas.openxmlformats.org/drawingml/2006/main" xmlns:r="http://schemas.openxmlformats.org/officeDocument/2006/relationships" xmlns:p="http://schemas.openxmlformats.org/presentationml/2006/main">
+  <p:cSld>
+    <p:bg>
+      <p:bgRef idx="1001">
+        <a:schemeClr val="bg1"/>
+      </p:bgRef>
+    </p:bg>
+    <p:spTree>
+      <p:nvGrpSpPr>
+        <p:cNvPr id="1" name=""/>
+        <p:cNvGrpSpPr/>
+        <p:nvPr/>
+      </p:nvGrpSpPr>
+      <p:grpSpPr>
+        <a:xfrm>
+          <a:off x="0" y="0"/>
+          <a:ext cx="0" cy="0"/>
+          <a:chOff x="0" y="0"/>
+          <a:chExt cx="0" cy="0"/>
+        </a:xfrm>
+      </p:grpSpPr>
+      <p:sp>
+        <p:nvSpPr>
+          <p:cNvPr id="2" name="머리글 개체 틀 1"/>
+          <p:cNvSpPr>
+            <a:spLocks noGrp="1"/>
+          </p:cNvSpPr>
+          <p:nvPr>
+            <p:ph type="hdr" sz="quarter"/>
+          </p:nvPr>
+        </p:nvSpPr>
+        <p:spPr>
+          <a:xfrm>
+            <a:off x="0" y="0"/>
+            <a:ext cx="2971800" cy="458788"/>
+          </a:xfrm>
+          <a:prstGeom prst="rect">
+            <a:avLst/>
+          </a:prstGeom>
+        </p:spPr>
+        <p:txBody>
+          <a:bodyPr vert="horz" lIns="91440" tIns="45720" rIns="91440" bIns="45720" rtlCol="0"/>
+          <a:lstStyle>
+            <a:lvl1pPr algn="l">
+              <a:defRPr sz="1200"/>
+            </a:lvl1pPr>
+          </a:lstStyle>
+          <a:p>
+            <a:endParaRPr lang="ko-KR" altLang="en-US"/>
+          </a:p>
+        </p:txBody>
+      </p:sp>
+      <p:sp>
+        <p:nvSpPr>
+          <p:cNvPr id="3" name="날짜 개체 틀 2"/>
+          <p:cNvSpPr>
+            <a:spLocks noGrp="1"/>
+          </p:cNvSpPr>
+          <p:nvPr>
+            <p:ph type="dt" idx="1"/>
+          </p:nvPr>
+        </p:nvSpPr>
+        <p:spPr>
+          <a:xfrm>
+            <a:off x="3884613" y="0"/>
+            <a:ext cx="2971800" cy="458788"/>
+          </a:xfrm>
+          <a:prstGeom prst="rect">
+            <a:avLst/>
+          </a:prstGeom>
+        </p:spPr>
+        <p:txBody>
+          <a:bodyPr vert="horz" lIns="91440" tIns="45720" rIns="91440" bIns="45720" rtlCol="0"/>
+          <a:lstStyle>
+            <a:lvl1pPr algn="r">
+              <a:defRPr sz="1200"/>
+            </a:lvl1pPr>
+          </a:lstStyle>
+          <a:p>
+            <a:fld id="{569F5EC4-47E6-4672-A22A-0BA91B49A62D}" type="datetimeFigureOut">
+              <a:rPr lang="ko-KR" altLang="en-US" smtClean="0"/>
+              <a:t>2025-03-14</a:t>
+            </a:fld>
+            <a:endParaRPr lang="ko-KR" altLang="en-US"/>
+          </a:p>
+        </p:txBody>
+      </p:sp>
+      <p:sp>
+        <p:nvSpPr>
+          <p:cNvPr id="4" name="슬라이드 이미지 개체 틀 3"/>
+          <p:cNvSpPr>
+            <a:spLocks noGrp="1" noRot="1" noChangeAspect="1"/>
+          </p:cNvSpPr>
+          <p:nvPr>
+            <p:ph type="sldImg" idx="2"/>
+          </p:nvPr>
+        </p:nvSpPr>
+        <p:spPr>
+          <a:xfrm>
+            <a:off x="685800" y="1143000"/>
+            <a:ext cx="5486400" cy="3086100"/>
+          </a:xfrm>
+          <a:prstGeom prst="rect">
+            <a:avLst/>
+          </a:prstGeom>
+          <a:noFill/>
+          <a:ln w="12700">
+            <a:solidFill>
+              <a:prstClr val="black"/>
+            </a:solidFill>
+          </a:ln>
+        </p:spPr>
+        <p:txBody>
+          <a:bodyPr vert="horz" lIns="91440" tIns="45720" rIns="91440" bIns="45720" rtlCol="0" anchor="ctr"/>
+          <a:lstStyle/>
+          <a:p>
+            <a:endParaRPr lang="ko-KR" altLang="en-US"/>
+          </a:p>
+        </p:txBody>
+      </p:sp>
+      <p:sp>
+        <p:nvSpPr>
+          <p:cNvPr id="5" name="슬라이드 노트 개체 틀 4"/>
+          <p:cNvSpPr>
+            <a:spLocks noGrp="1"/>
+          </p:cNvSpPr>
+          <p:nvPr>
+            <p:ph type="body" sz="quarter" idx="3"/>
+          </p:nvPr>
+        </p:nvSpPr>
+        <p:spPr>
+          <a:xfrm>
+            <a:off x="685800" y="4400550"/>
+            <a:ext cx="5486400" cy="3600450"/>
+          </a:xfrm>
+          <a:prstGeom prst="rect">
+            <a:avLst/>
+          </a:prstGeom>
+        </p:spPr>
+        <p:txBody>
+          <a:bodyPr vert="horz" lIns="91440" tIns="45720" rIns="91440" bIns="45720" rtlCol="0"/>
+          <a:lstStyle/>
+          <a:p>
+            <a:pPr lvl="0"/>
+            <a:r>
+              <a:rPr lang="ko-KR" altLang="en-US" smtClean="0"/>
+              <a:t>마스터 텍스트 스타일 편집</a:t>
+            </a:r>
+          </a:p>
+          <a:p>
+            <a:pPr lvl="1"/>
+            <a:r>
+              <a:rPr lang="ko-KR" altLang="en-US" smtClean="0"/>
+              <a:t>둘째 수준</a:t>
+            </a:r>
+          </a:p>
+          <a:p>
+            <a:pPr lvl="2"/>
+            <a:r>
+              <a:rPr lang="ko-KR" altLang="en-US" smtClean="0"/>
+              <a:t>셋째 수준</a:t>
+            </a:r>
+          </a:p>
+          <a:p>
+            <a:pPr lvl="3"/>
+            <a:r>
+              <a:rPr lang="ko-KR" altLang="en-US" smtClean="0"/>
+              <a:t>넷째 수준</a:t>
+            </a:r>
+          </a:p>
+          <a:p>
+            <a:pPr lvl="4"/>
+            <a:r>
+              <a:rPr lang="ko-KR" altLang="en-US" smtClean="0"/>
+              <a:t>다섯째 수준</a:t>
+            </a:r>
+            <a:endParaRPr lang="ko-KR" altLang="en-US"/>
+          </a:p>
+        </p:txBody>
+      </p:sp>
+      <p:sp>
+        <p:nvSpPr>
+          <p:cNvPr id="6" name="바닥글 개체 틀 5"/>
+          <p:cNvSpPr>
+            <a:spLocks noGrp="1"/>
+          </p:cNvSpPr>
+          <p:nvPr>
+            <p:ph type="ftr" sz="quarter" idx="4"/>
+          </p:nvPr>
+        </p:nvSpPr>
+        <p:spPr>
+          <a:xfrm>
+            <a:off x="0" y="8685213"/>
+            <a:ext cx="2971800" cy="458787"/>
+          </a:xfrm>
+          <a:prstGeom prst="rect">
+            <a:avLst/>
+          </a:prstGeom>
+        </p:spPr>
+        <p:txBody>
+          <a:bodyPr vert="horz" lIns="91440" tIns="45720" rIns="91440" bIns="45720" rtlCol="0" anchor="b"/>
+          <a:lstStyle>
+            <a:lvl1pPr algn="l">
+              <a:defRPr sz="1200"/>
+            </a:lvl1pPr>
+          </a:lstStyle>
+          <a:p>
+            <a:endParaRPr lang="ko-KR" altLang="en-US"/>
+          </a:p>
+        </p:txBody>
+      </p:sp>
+      <p:sp>
+        <p:nvSpPr>
+          <p:cNvPr id="7" name="슬라이드 번호 개체 틀 6"/>
+          <p:cNvSpPr>
+            <a:spLocks noGrp="1"/>
+          </p:cNvSpPr>
+          <p:nvPr>
+            <p:ph type="sldNum" sz="quarter" idx="5"/>
+          </p:nvPr>
+        </p:nvSpPr>
+        <p:spPr>
+          <a:xfrm>
+            <a:off x="3884613" y="8685213"/>
+            <a:ext cx="2971800" cy="458787"/>
+          </a:xfrm>
+          <a:prstGeom prst="rect">
+            <a:avLst/>
+          </a:prstGeom>
+        </p:spPr>
+        <p:txBody>
+          <a:bodyPr vert="horz" lIns="91440" tIns="45720" rIns="91440" bIns="45720" rtlCol="0" anchor="b"/>
+          <a:lstStyle>
+            <a:lvl1pPr algn="r">
+              <a:defRPr sz="1200"/>
+            </a:lvl1pPr>
+          </a:lstStyle>
+          <a:p>
+            <a:fld id="{C47BC87D-0C85-46F4-9A78-2CD8A6C9CCCC}" type="slidenum">
+              <a:rPr lang="ko-KR" altLang="en-US" smtClean="0"/>
+              <a:t>‹#›</a:t>
+            </a:fld>
+            <a:endParaRPr lang="ko-KR" altLang="en-US"/>
+          </a:p>
+        </p:txBody>
+      </p:sp>
+    </p:spTree>
+    <p:extLst>
+      <p:ext uri="{BB962C8B-B14F-4D97-AF65-F5344CB8AC3E}">
+        <p14:creationId xmlns:p14="http://schemas.microsoft.com/office/powerpoint/2010/main" val="404484453"/>
+      </p:ext>
+    </p:extLst>
+  </p:cSld>
+  <p:clrMap bg1="lt1" tx1="dk1" bg2="lt2" tx2="dk2" accent1="accent1" accent2="accent2" accent3="accent3" accent4="accent4" accent5="accent5" accent6="accent6" hlink="hlink" folHlink="folHlink"/>
+  <p:notesStyle>
+    <a:lvl1pPr marL="0" algn="l" defTabSz="914400" rtl="0" eaLnBrk="1" latinLnBrk="1" hangingPunct="1">
+      <a:defRPr sz="1200" kern="1200">
+        <a:solidFill>
+          <a:schemeClr val="tx1"/>
+        </a:solidFill>
+        <a:latin typeface="+mn-lt"/>
+        <a:ea typeface="+mn-ea"/>
+        <a:cs typeface="+mn-cs"/>
+      </a:defRPr>
+    </a:lvl1pPr>
+    <a:lvl2pPr marL="457200" algn="l" defTabSz="914400" rtl="0" eaLnBrk="1" latinLnBrk="1" hangingPunct="1">
+      <a:defRPr sz="1200" kern="1200">
+        <a:solidFill>
+          <a:schemeClr val="tx1"/>
+        </a:solidFill>
+        <a:latin typeface="+mn-lt"/>
+        <a:ea typeface="+mn-ea"/>
+        <a:cs typeface="+mn-cs"/>
+      </a:defRPr>
+    </a:lvl2pPr>
+    <a:lvl3pPr marL="914400" algn="l" defTabSz="914400" rtl="0" eaLnBrk="1" latinLnBrk="1" hangingPunct="1">
+      <a:defRPr sz="1200" kern="1200">
+        <a:solidFill>
+          <a:schemeClr val="tx1"/>
+        </a:solidFill>
+        <a:latin typeface="+mn-lt"/>
+        <a:ea typeface="+mn-ea"/>
+        <a:cs typeface="+mn-cs"/>
+      </a:defRPr>
+    </a:lvl3pPr>
+    <a:lvl4pPr marL="1371600" algn="l" defTabSz="914400" rtl="0" eaLnBrk="1" latinLnBrk="1" hangingPunct="1">
+      <a:defRPr sz="1200" kern="1200">
+        <a:solidFill>
+          <a:schemeClr val="tx1"/>
+        </a:solidFill>
+        <a:latin typeface="+mn-lt"/>
+        <a:ea typeface="+mn-ea"/>
+        <a:cs typeface="+mn-cs"/>
+      </a:defRPr>
+    </a:lvl4pPr>
+    <a:lvl5pPr marL="1828800" algn="l" defTabSz="914400" rtl="0" eaLnBrk="1" latinLnBrk="1" hangingPunct="1">
+      <a:defRPr sz="1200" kern="1200">
+        <a:solidFill>
+          <a:schemeClr val="tx1"/>
+        </a:solidFill>
+        <a:latin typeface="+mn-lt"/>
+        <a:ea typeface="+mn-ea"/>
+        <a:cs typeface="+mn-cs"/>
+      </a:defRPr>
+    </a:lvl5pPr>
+    <a:lvl6pPr marL="2286000" algn="l" defTabSz="914400" rtl="0" eaLnBrk="1" latinLnBrk="1" hangingPunct="1">
+      <a:defRPr sz="1200" kern="1200">
+        <a:solidFill>
+          <a:schemeClr val="tx1"/>
+        </a:solidFill>
+        <a:latin typeface="+mn-lt"/>
+        <a:ea typeface="+mn-ea"/>
+        <a:cs typeface="+mn-cs"/>
+      </a:defRPr>
+    </a:lvl6pPr>
+    <a:lvl7pPr marL="2743200" algn="l" defTabSz="914400" rtl="0" eaLnBrk="1" latinLnBrk="1" hangingPunct="1">
+      <a:defRPr sz="1200" kern="1200">
+        <a:solidFill>
+          <a:schemeClr val="tx1"/>
+        </a:solidFill>
+        <a:latin typeface="+mn-lt"/>
+        <a:ea typeface="+mn-ea"/>
+        <a:cs typeface="+mn-cs"/>
+      </a:defRPr>
+    </a:lvl7pPr>
+    <a:lvl8pPr marL="3200400" algn="l" defTabSz="914400" rtl="0" eaLnBrk="1" latinLnBrk="1" hangingPunct="1">
+      <a:defRPr sz="1200" kern="1200">
+        <a:solidFill>
+          <a:schemeClr val="tx1"/>
+        </a:solidFill>
+        <a:latin typeface="+mn-lt"/>
+        <a:ea typeface="+mn-ea"/>
+        <a:cs typeface="+mn-cs"/>
+      </a:defRPr>
+    </a:lvl8pPr>
+    <a:lvl9pPr marL="3657600" algn="l" defTabSz="914400" rtl="0" eaLnBrk="1" latinLnBrk="1" hangingPunct="1">
+      <a:defRPr sz="1200" kern="1200">
+        <a:solidFill>
+          <a:schemeClr val="tx1"/>
+        </a:solidFill>
+        <a:latin typeface="+mn-lt"/>
+        <a:ea typeface="+mn-ea"/>
+        <a:cs typeface="+mn-cs"/>
+      </a:defRPr>
+    </a:lvl9pPr>
+  </p:notesStyle>
+</p:notesMaster>
+</file>
+
+<file path=ppt/notesSlides/notesSlide1.xml><?xml version="1.0" encoding="utf-8"?>
+<p:notes xmlns:a="http://schemas.openxmlformats.org/drawingml/2006/main" xmlns:r="http://schemas.openxmlformats.org/officeDocument/2006/relationships" xmlns:p="http://schemas.openxmlformats.org/presentationml/2006/main">
+  <p:cSld>
+    <p:spTree>
+      <p:nvGrpSpPr>
+        <p:cNvPr id="1" name=""/>
+        <p:cNvGrpSpPr/>
+        <p:nvPr/>
+      </p:nvGrpSpPr>
+      <p:grpSpPr>
+        <a:xfrm>
+          <a:off x="0" y="0"/>
+          <a:ext cx="0" cy="0"/>
+          <a:chOff x="0" y="0"/>
+          <a:chExt cx="0" cy="0"/>
+        </a:xfrm>
+      </p:grpSpPr>
+      <p:sp>
+        <p:nvSpPr>
+          <p:cNvPr id="2" name="슬라이드 이미지 개체 틀 1"/>
+          <p:cNvSpPr>
+            <a:spLocks noGrp="1" noRot="1" noChangeAspect="1"/>
+          </p:cNvSpPr>
+          <p:nvPr>
+            <p:ph type="sldImg"/>
+          </p:nvPr>
+        </p:nvSpPr>
+        <p:spPr/>
+      </p:sp>
+      <p:sp>
+        <p:nvSpPr>
+          <p:cNvPr id="3" name="슬라이드 노트 개체 틀 2"/>
+          <p:cNvSpPr>
+            <a:spLocks noGrp="1"/>
+          </p:cNvSpPr>
+          <p:nvPr>
+            <p:ph type="body" idx="1"/>
+          </p:nvPr>
+        </p:nvSpPr>
+        <p:spPr/>
+        <p:txBody>
+          <a:bodyPr/>
+          <a:lstStyle/>
+          <a:p>
+            <a:endParaRPr lang="ko-KR" altLang="en-US" dirty="0"/>
+          </a:p>
+        </p:txBody>
+      </p:sp>
+      <p:sp>
+        <p:nvSpPr>
+          <p:cNvPr id="4" name="슬라이드 번호 개체 틀 3"/>
+          <p:cNvSpPr>
+            <a:spLocks noGrp="1"/>
+          </p:cNvSpPr>
+          <p:nvPr>
+            <p:ph type="sldNum" sz="quarter" idx="10"/>
+          </p:nvPr>
+        </p:nvSpPr>
+        <p:spPr/>
+        <p:txBody>
+          <a:bodyPr/>
+          <a:lstStyle/>
+          <a:p>
+            <a:fld id="{C47BC87D-0C85-46F4-9A78-2CD8A6C9CCCC}" type="slidenum">
+              <a:rPr lang="ko-KR" altLang="en-US" smtClean="0"/>
+              <a:t>1</a:t>
+            </a:fld>
+            <a:endParaRPr lang="ko-KR" altLang="en-US"/>
+          </a:p>
+        </p:txBody>
+      </p:sp>
+    </p:spTree>
+    <p:extLst>
+      <p:ext uri="{BB962C8B-B14F-4D97-AF65-F5344CB8AC3E}">
+        <p14:creationId xmlns:p14="http://schemas.microsoft.com/office/powerpoint/2010/main" val="4136051085"/>
+      </p:ext>
+    </p:extLst>
+  </p:cSld>
+  <p:clrMapOvr>
+    <a:masterClrMapping/>
+  </p:clrMapOvr>
+</p:notes>
 </file>
 
 <file path=ppt/slideLayouts/slideLayout1.xml><?xml version="1.0" encoding="utf-8"?>
@@ -244,7 +684,7 @@
           <a:p>
             <a:fld id="{6CA2144F-5261-45C2-AF35-9E74089734CA}" type="datetimeFigureOut">
               <a:rPr lang="ko-KR" altLang="en-US" smtClean="0"/>
-              <a:t>2025-03-05</a:t>
+              <a:t>2025-03-14</a:t>
             </a:fld>
             <a:endParaRPr lang="ko-KR" altLang="en-US"/>
           </a:p>
@@ -414,7 +854,7 @@
           <a:p>
             <a:fld id="{6CA2144F-5261-45C2-AF35-9E74089734CA}" type="datetimeFigureOut">
               <a:rPr lang="ko-KR" altLang="en-US" smtClean="0"/>
-              <a:t>2025-03-05</a:t>
+              <a:t>2025-03-14</a:t>
             </a:fld>
             <a:endParaRPr lang="ko-KR" altLang="en-US"/>
           </a:p>
@@ -594,7 +1034,7 @@
           <a:p>
             <a:fld id="{6CA2144F-5261-45C2-AF35-9E74089734CA}" type="datetimeFigureOut">
               <a:rPr lang="ko-KR" altLang="en-US" smtClean="0"/>
-              <a:t>2025-03-05</a:t>
+              <a:t>2025-03-14</a:t>
             </a:fld>
             <a:endParaRPr lang="ko-KR" altLang="en-US"/>
           </a:p>
@@ -764,7 +1204,7 @@
           <a:p>
             <a:fld id="{6CA2144F-5261-45C2-AF35-9E74089734CA}" type="datetimeFigureOut">
               <a:rPr lang="ko-KR" altLang="en-US" smtClean="0"/>
-              <a:t>2025-03-05</a:t>
+              <a:t>2025-03-14</a:t>
             </a:fld>
             <a:endParaRPr lang="ko-KR" altLang="en-US"/>
           </a:p>
@@ -1010,7 +1450,7 @@
           <a:p>
             <a:fld id="{6CA2144F-5261-45C2-AF35-9E74089734CA}" type="datetimeFigureOut">
               <a:rPr lang="ko-KR" altLang="en-US" smtClean="0"/>
-              <a:t>2025-03-05</a:t>
+              <a:t>2025-03-14</a:t>
             </a:fld>
             <a:endParaRPr lang="ko-KR" altLang="en-US"/>
           </a:p>
@@ -1242,7 +1682,7 @@
           <a:p>
             <a:fld id="{6CA2144F-5261-45C2-AF35-9E74089734CA}" type="datetimeFigureOut">
               <a:rPr lang="ko-KR" altLang="en-US" smtClean="0"/>
-              <a:t>2025-03-05</a:t>
+              <a:t>2025-03-14</a:t>
             </a:fld>
             <a:endParaRPr lang="ko-KR" altLang="en-US"/>
           </a:p>
@@ -1609,7 +2049,7 @@
           <a:p>
             <a:fld id="{6CA2144F-5261-45C2-AF35-9E74089734CA}" type="datetimeFigureOut">
               <a:rPr lang="ko-KR" altLang="en-US" smtClean="0"/>
-              <a:t>2025-03-05</a:t>
+              <a:t>2025-03-14</a:t>
             </a:fld>
             <a:endParaRPr lang="ko-KR" altLang="en-US"/>
           </a:p>
@@ -1727,7 +2167,7 @@
           <a:p>
             <a:fld id="{6CA2144F-5261-45C2-AF35-9E74089734CA}" type="datetimeFigureOut">
               <a:rPr lang="ko-KR" altLang="en-US" smtClean="0"/>
-              <a:t>2025-03-05</a:t>
+              <a:t>2025-03-14</a:t>
             </a:fld>
             <a:endParaRPr lang="ko-KR" altLang="en-US"/>
           </a:p>
@@ -1822,7 +2262,7 @@
           <a:p>
             <a:fld id="{6CA2144F-5261-45C2-AF35-9E74089734CA}" type="datetimeFigureOut">
               <a:rPr lang="ko-KR" altLang="en-US" smtClean="0"/>
-              <a:t>2025-03-05</a:t>
+              <a:t>2025-03-14</a:t>
             </a:fld>
             <a:endParaRPr lang="ko-KR" altLang="en-US"/>
           </a:p>
@@ -2099,7 +2539,7 @@
           <a:p>
             <a:fld id="{6CA2144F-5261-45C2-AF35-9E74089734CA}" type="datetimeFigureOut">
               <a:rPr lang="ko-KR" altLang="en-US" smtClean="0"/>
-              <a:t>2025-03-05</a:t>
+              <a:t>2025-03-14</a:t>
             </a:fld>
             <a:endParaRPr lang="ko-KR" altLang="en-US"/>
           </a:p>
@@ -2352,7 +2792,7 @@
           <a:p>
             <a:fld id="{6CA2144F-5261-45C2-AF35-9E74089734CA}" type="datetimeFigureOut">
               <a:rPr lang="ko-KR" altLang="en-US" smtClean="0"/>
-              <a:t>2025-03-05</a:t>
+              <a:t>2025-03-14</a:t>
             </a:fld>
             <a:endParaRPr lang="ko-KR" altLang="en-US"/>
           </a:p>
@@ -2565,7 +3005,7 @@
           <a:p>
             <a:fld id="{6CA2144F-5261-45C2-AF35-9E74089734CA}" type="datetimeFigureOut">
               <a:rPr lang="ko-KR" altLang="en-US" smtClean="0"/>
-              <a:t>2025-03-05</a:t>
+              <a:t>2025-03-14</a:t>
             </a:fld>
             <a:endParaRPr lang="ko-KR" altLang="en-US"/>
           </a:p>
@@ -2986,8 +3426,8 @@
           <a:lstStyle/>
           <a:p>
             <a:r>
-              <a:rPr lang="ko-KR" altLang="en-US" dirty="0" smtClean="0"/>
-              <a:t>이드</a:t>
+              <a:rPr lang="ko-KR" altLang="en-US" dirty="0" err="1" smtClean="0"/>
+              <a:t>메모미</a:t>
             </a:r>
             <a:r>
               <a:rPr lang="en-US" altLang="ko-KR" dirty="0" smtClean="0"/>
@@ -3019,7 +3459,7 @@
           <a:p>
             <a:r>
               <a:rPr lang="ko-KR" altLang="en-US" dirty="0" smtClean="0"/>
-              <a:t>가족보다 날 더 잘 아는 맞춤형 비서</a:t>
+              <a:t>나에게 하는 메모</a:t>
             </a:r>
             <a:endParaRPr lang="ko-KR" altLang="en-US" dirty="0"/>
           </a:p>
@@ -3034,7 +3474,7 @@
           <p:nvPr/>
         </p:nvPicPr>
         <p:blipFill>
-          <a:blip r:embed="rId2">
+          <a:blip r:embed="rId3">
             <a:extLst>
               <a:ext uri="{28A0092B-C50C-407E-A947-70E740481C1C}">
                 <a14:useLocalDpi xmlns:a14="http://schemas.microsoft.com/office/drawing/2010/main" val="0"/>
@@ -3161,7 +3601,7 @@
           <a:p>
             <a:r>
               <a:rPr lang="ko-KR" altLang="en-US" dirty="0" smtClean="0"/>
-              <a:t>그나마 메모하거나 </a:t>
+              <a:t>메모하거나 </a:t>
             </a:r>
             <a:r>
               <a:rPr lang="ko-KR" altLang="en-US" dirty="0" err="1" smtClean="0"/>
@@ -3177,7 +3617,23 @@
             </a:r>
             <a:r>
               <a:rPr lang="ko-KR" altLang="en-US" dirty="0" smtClean="0"/>
-              <a:t>이마저도 안될 때가 많다</a:t>
+              <a:t>이마저도 </a:t>
+            </a:r>
+            <a:r>
+              <a:rPr lang="ko-KR" altLang="en-US" dirty="0" smtClean="0"/>
+              <a:t>귀찮을 때가 많다</a:t>
+            </a:r>
+            <a:r>
+              <a:rPr lang="en-US" altLang="ko-KR" dirty="0" smtClean="0"/>
+              <a:t>. </a:t>
+            </a:r>
+            <a:r>
+              <a:rPr lang="ko-KR" altLang="en-US" dirty="0" smtClean="0"/>
+              <a:t>불필요하게 열어둔 탭은 덤</a:t>
+            </a:r>
+            <a:r>
+              <a:rPr lang="en-US" altLang="ko-KR" dirty="0" smtClean="0"/>
+              <a:t>..</a:t>
             </a:r>
             <a:endParaRPr lang="ko-KR" altLang="en-US" dirty="0"/>
           </a:p>
@@ -3310,7 +3766,7 @@
           <a:p>
             <a:r>
               <a:rPr lang="ko-KR" altLang="en-US" dirty="0" smtClean="0"/>
-              <a:t>활동 분석</a:t>
+              <a:t>핵심 기능</a:t>
             </a:r>
             <a:endParaRPr lang="ko-KR" altLang="en-US" dirty="0"/>
           </a:p>
@@ -3331,195 +3787,75 @@
           <a:bodyPr/>
           <a:lstStyle/>
           <a:p>
-            <a:pPr marL="0" indent="0">
-              <a:buNone/>
+            <a:pPr marL="514350" indent="-514350">
+              <a:buAutoNum type="arabicPeriod"/>
             </a:pPr>
             <a:r>
-              <a:rPr lang="en-US" altLang="ko-KR" dirty="0" smtClean="0">
-                <a:effectLst/>
-              </a:rPr>
-              <a:t>a. </a:t>
-            </a:r>
-            <a:r>
-              <a:rPr lang="ko-KR" altLang="en-US" dirty="0" smtClean="0">
-                <a:effectLst/>
-              </a:rPr>
-              <a:t>크롬 확장 프로그램 </a:t>
-            </a:r>
-            <a:r>
-              <a:rPr lang="en-US" altLang="ko-KR" dirty="0" smtClean="0">
-                <a:effectLst/>
-              </a:rPr>
-              <a:t>: </a:t>
-            </a:r>
-            <a:r>
-              <a:rPr lang="ko-KR" altLang="en-US" dirty="0" smtClean="0">
-                <a:effectLst/>
-              </a:rPr>
-              <a:t>방문 기록을 따오기</a:t>
-            </a:r>
-            <a:endParaRPr lang="en-US" altLang="ko-KR" dirty="0" smtClean="0">
-              <a:effectLst/>
-            </a:endParaRPr>
-          </a:p>
-          <a:p>
-            <a:pPr marL="0" indent="0">
-              <a:buNone/>
+              <a:rPr lang="ko-KR" altLang="en-US" dirty="0" smtClean="0"/>
+              <a:t>단기 기억</a:t>
+            </a:r>
+            <a:endParaRPr lang="en-US" altLang="ko-KR" dirty="0" smtClean="0"/>
+          </a:p>
+          <a:p>
+            <a:pPr marL="971550" lvl="1" indent="-514350">
+              <a:buAutoNum type="arabicPeriod"/>
             </a:pPr>
             <a:r>
-              <a:rPr lang="ko-KR" altLang="en-US" dirty="0" smtClean="0">
-                <a:effectLst/>
-              </a:rPr>
-              <a:t/>
-            </a:r>
-            <a:br>
-              <a:rPr lang="ko-KR" altLang="en-US" dirty="0" smtClean="0">
-                <a:effectLst/>
-              </a:rPr>
-            </a:br>
-            <a:r>
-              <a:rPr lang="en-US" altLang="ko-KR" dirty="0" smtClean="0">
-                <a:effectLst/>
-              </a:rPr>
-              <a:t>b. Flask </a:t>
-            </a:r>
-            <a:r>
-              <a:rPr lang="ko-KR" altLang="en-US" dirty="0" err="1" smtClean="0">
-                <a:effectLst/>
-              </a:rPr>
-              <a:t>파이썬</a:t>
-            </a:r>
-            <a:r>
-              <a:rPr lang="ko-KR" altLang="en-US" dirty="0" smtClean="0">
-                <a:effectLst/>
-              </a:rPr>
-              <a:t> 서버</a:t>
-            </a:r>
-            <a:br>
-              <a:rPr lang="ko-KR" altLang="en-US" dirty="0" smtClean="0">
-                <a:effectLst/>
-              </a:rPr>
-            </a:br>
-            <a:r>
-              <a:rPr lang="en-US" altLang="ko-KR" dirty="0"/>
-              <a:t>	</a:t>
-            </a:r>
-            <a:r>
-              <a:rPr lang="en-US" altLang="ko-KR" dirty="0" smtClean="0">
-                <a:effectLst/>
-              </a:rPr>
-              <a:t>1</a:t>
-            </a:r>
-            <a:r>
-              <a:rPr lang="ko-KR" altLang="en-US" dirty="0" smtClean="0">
-                <a:effectLst/>
-              </a:rPr>
-              <a:t>단계</a:t>
-            </a:r>
-            <a:r>
-              <a:rPr lang="en-US" altLang="ko-KR" dirty="0" smtClean="0">
-                <a:effectLst/>
-              </a:rPr>
-              <a:t>: </a:t>
-            </a:r>
-            <a:r>
-              <a:rPr lang="ko-KR" altLang="en-US" dirty="0" smtClean="0">
-                <a:effectLst/>
-              </a:rPr>
-              <a:t>데이터 정제</a:t>
-            </a:r>
-            <a:endParaRPr lang="en-US" altLang="ko-KR" dirty="0" smtClean="0">
-              <a:effectLst/>
-            </a:endParaRPr>
-          </a:p>
-          <a:p>
-            <a:pPr marL="0" indent="0">
-              <a:buNone/>
+              <a:rPr lang="ko-KR" altLang="en-US" dirty="0" smtClean="0"/>
+              <a:t>일정 관리</a:t>
+            </a:r>
+            <a:endParaRPr lang="en-US" altLang="ko-KR" dirty="0" smtClean="0"/>
+          </a:p>
+          <a:p>
+            <a:pPr marL="971550" lvl="1" indent="-514350">
+              <a:buAutoNum type="arabicPeriod"/>
             </a:pPr>
             <a:r>
-              <a:rPr lang="ko-KR" altLang="en-US" dirty="0" smtClean="0">
-                <a:effectLst/>
-              </a:rPr>
-              <a:t/>
-            </a:r>
-            <a:br>
-              <a:rPr lang="ko-KR" altLang="en-US" dirty="0" smtClean="0">
-                <a:effectLst/>
-              </a:rPr>
-            </a:br>
-            <a:r>
-              <a:rPr lang="en-US" altLang="ko-KR" dirty="0" smtClean="0">
-                <a:effectLst/>
-              </a:rPr>
-              <a:t>	2</a:t>
-            </a:r>
-            <a:r>
-              <a:rPr lang="ko-KR" altLang="en-US" dirty="0" smtClean="0">
-                <a:effectLst/>
-              </a:rPr>
-              <a:t>단계</a:t>
-            </a:r>
-            <a:r>
-              <a:rPr lang="en-US" altLang="ko-KR" dirty="0" smtClean="0">
-                <a:effectLst/>
-              </a:rPr>
-              <a:t>: </a:t>
-            </a:r>
-            <a:r>
-              <a:rPr lang="ko-KR" altLang="en-US" dirty="0" smtClean="0">
-                <a:effectLst/>
-              </a:rPr>
-              <a:t>데이터 분석</a:t>
-            </a:r>
-            <a:endParaRPr lang="en-US" altLang="ko-KR" dirty="0" smtClean="0">
-              <a:effectLst/>
-            </a:endParaRPr>
-          </a:p>
-          <a:p>
-            <a:pPr marL="0" indent="0">
-              <a:buNone/>
+              <a:rPr lang="ko-KR" altLang="en-US" dirty="0" smtClean="0"/>
+              <a:t>단순 메모</a:t>
+            </a:r>
+            <a:endParaRPr lang="en-US" altLang="ko-KR" dirty="0" smtClean="0"/>
+          </a:p>
+          <a:p>
+            <a:pPr marL="514350" indent="-514350">
+              <a:buAutoNum type="arabicPeriod"/>
             </a:pPr>
             <a:r>
-              <a:rPr lang="ko-KR" altLang="en-US" dirty="0" smtClean="0">
-                <a:effectLst/>
-              </a:rPr>
-              <a:t/>
-            </a:r>
-            <a:br>
-              <a:rPr lang="ko-KR" altLang="en-US" dirty="0" smtClean="0">
-                <a:effectLst/>
-              </a:rPr>
-            </a:br>
-            <a:r>
-              <a:rPr lang="en-US" altLang="ko-KR" dirty="0" smtClean="0">
-                <a:effectLst/>
-              </a:rPr>
-              <a:t>	3</a:t>
-            </a:r>
-            <a:r>
-              <a:rPr lang="ko-KR" altLang="en-US" dirty="0" smtClean="0">
-                <a:effectLst/>
-              </a:rPr>
-              <a:t>단계</a:t>
-            </a:r>
-            <a:r>
-              <a:rPr lang="en-US" altLang="ko-KR" dirty="0" smtClean="0">
-                <a:effectLst/>
-              </a:rPr>
-              <a:t>: LLM </a:t>
-            </a:r>
-            <a:r>
-              <a:rPr lang="ko-KR" altLang="en-US" dirty="0" err="1" smtClean="0"/>
-              <a:t>프롬포팅</a:t>
-            </a:r>
-            <a:endParaRPr lang="ko-KR" altLang="en-US" dirty="0"/>
+              <a:rPr lang="ko-KR" altLang="en-US" dirty="0" smtClean="0"/>
+              <a:t>장기 기억</a:t>
+            </a:r>
+            <a:endParaRPr lang="en-US" altLang="ko-KR" dirty="0"/>
+          </a:p>
+          <a:p>
+            <a:pPr marL="971550" lvl="1" indent="-514350">
+              <a:buAutoNum type="arabicPeriod"/>
+            </a:pPr>
+            <a:r>
+              <a:rPr lang="ko-KR" altLang="en-US" dirty="0" smtClean="0"/>
+              <a:t>일반 상식</a:t>
+            </a:r>
+            <a:endParaRPr lang="en-US" altLang="ko-KR" dirty="0"/>
+          </a:p>
+          <a:p>
+            <a:pPr marL="971550" lvl="1" indent="-514350">
+              <a:buAutoNum type="arabicPeriod"/>
+            </a:pPr>
+            <a:r>
+              <a:rPr lang="ko-KR" altLang="en-US" dirty="0"/>
+              <a:t>기술 </a:t>
+            </a:r>
+            <a:r>
+              <a:rPr lang="ko-KR" altLang="en-US" dirty="0" smtClean="0"/>
+              <a:t>정보</a:t>
+            </a:r>
+            <a:endParaRPr lang="en-US" altLang="ko-KR" dirty="0"/>
           </a:p>
         </p:txBody>
       </p:sp>
     </p:spTree>
     <p:extLst>
       <p:ext uri="{BB962C8B-B14F-4D97-AF65-F5344CB8AC3E}">
-        <p14:creationId xmlns:p14="http://schemas.microsoft.com/office/powerpoint/2010/main" val="3344816255"/>
+        <p14:creationId xmlns:p14="http://schemas.microsoft.com/office/powerpoint/2010/main" val="2639189755"/>
       </p:ext>
     </p:extLst>
   </p:cSld>
@@ -3568,7 +3904,11 @@
           <a:bodyPr/>
           <a:lstStyle/>
           <a:p>
-            <a:endParaRPr lang="ko-KR" altLang="en-US"/>
+            <a:r>
+              <a:rPr lang="ko-KR" altLang="en-US" dirty="0" smtClean="0"/>
+              <a:t>활동 분석</a:t>
+            </a:r>
+            <a:endParaRPr lang="ko-KR" altLang="en-US" dirty="0"/>
           </a:p>
         </p:txBody>
       </p:sp>
@@ -3587,66 +3927,138 @@
           <a:bodyPr/>
           <a:lstStyle/>
           <a:p>
+            <a:pPr marL="0" indent="0">
+              <a:buNone/>
+            </a:pPr>
+            <a:r>
+              <a:rPr lang="en-US" altLang="ko-KR" dirty="0"/>
+              <a:t>1</a:t>
+            </a:r>
+            <a:r>
+              <a:rPr lang="en-US" altLang="ko-KR" dirty="0" smtClean="0">
+                <a:effectLst/>
+              </a:rPr>
+              <a:t>. </a:t>
+            </a:r>
+            <a:r>
+              <a:rPr lang="ko-KR" altLang="en-US" dirty="0" smtClean="0">
+                <a:effectLst/>
+              </a:rPr>
+              <a:t>크롬 확장 프로그램 </a:t>
+            </a:r>
+            <a:r>
+              <a:rPr lang="en-US" altLang="ko-KR" dirty="0" smtClean="0">
+                <a:effectLst/>
+              </a:rPr>
+              <a:t>: </a:t>
+            </a:r>
+            <a:r>
+              <a:rPr lang="ko-KR" altLang="en-US" dirty="0" smtClean="0">
+                <a:effectLst/>
+              </a:rPr>
+              <a:t>방문 기록을 따오기</a:t>
+            </a:r>
+            <a:endParaRPr lang="en-US" altLang="ko-KR" dirty="0" smtClean="0">
+              <a:effectLst/>
+            </a:endParaRPr>
+          </a:p>
+          <a:p>
+            <a:pPr marL="0" indent="0">
+              <a:buNone/>
+            </a:pPr>
+            <a:r>
+              <a:rPr lang="ko-KR" altLang="en-US" dirty="0" smtClean="0">
+                <a:effectLst/>
+              </a:rPr>
+              <a:t/>
+            </a:r>
+            <a:br>
+              <a:rPr lang="ko-KR" altLang="en-US" dirty="0" smtClean="0">
+                <a:effectLst/>
+              </a:rPr>
+            </a:br>
+            <a:r>
+              <a:rPr lang="en-US" altLang="ko-KR" dirty="0"/>
+              <a:t>2</a:t>
+            </a:r>
+            <a:r>
+              <a:rPr lang="en-US" altLang="ko-KR" dirty="0" smtClean="0">
+                <a:effectLst/>
+              </a:rPr>
+              <a:t>. </a:t>
+            </a:r>
+            <a:r>
+              <a:rPr lang="en-US" altLang="ko-KR" dirty="0" err="1" smtClean="0">
+                <a:effectLst/>
+              </a:rPr>
+              <a:t>FastAPI</a:t>
+            </a:r>
+            <a:endParaRPr lang="en-US" altLang="ko-KR" dirty="0" smtClean="0">
+              <a:effectLst/>
+            </a:endParaRPr>
+          </a:p>
+          <a:p>
+            <a:pPr marL="0" indent="0">
+              <a:buNone/>
+            </a:pPr>
+            <a:r>
+              <a:rPr lang="en-US" altLang="ko-KR" dirty="0" smtClean="0"/>
+              <a:t>	a. </a:t>
+            </a:r>
             <a:r>
               <a:rPr lang="ko-KR" altLang="en-US" dirty="0" smtClean="0"/>
-              <a:t>일정관리 및 </a:t>
-            </a:r>
-            <a:r>
-              <a:rPr lang="ko-KR" altLang="en-US" dirty="0" err="1" smtClean="0"/>
-              <a:t>메모시</a:t>
+              <a:t>방문 기록 제목 </a:t>
+            </a:r>
+            <a:r>
+              <a:rPr lang="en-US" altLang="ko-KR" dirty="0" smtClean="0"/>
+              <a:t>-&gt; [“</a:t>
             </a:r>
             <a:r>
               <a:rPr lang="ko-KR" altLang="en-US" dirty="0" smtClean="0"/>
-              <a:t> 톡톡 튀어나오는 대화</a:t>
+              <a:t>단어</a:t>
             </a:r>
             <a:r>
               <a:rPr lang="en-US" altLang="ko-KR" dirty="0" smtClean="0"/>
-              <a:t>?</a:t>
-            </a:r>
-          </a:p>
-          <a:p>
-            <a:endParaRPr lang="en-US" altLang="ko-KR" dirty="0"/>
-          </a:p>
-          <a:p>
-            <a:r>
-              <a:rPr lang="ko-KR" altLang="en-US" dirty="0" err="1" smtClean="0"/>
-              <a:t>예를들면</a:t>
+              <a:t>“, “</a:t>
             </a:r>
             <a:r>
               <a:rPr lang="ko-KR" altLang="en-US" dirty="0" smtClean="0"/>
-              <a:t> 미용실 </a:t>
-            </a:r>
-            <a:r>
-              <a:rPr lang="ko-KR" altLang="en-US" dirty="0" err="1" smtClean="0"/>
-              <a:t>예약시</a:t>
+              <a:t>분리</a:t>
             </a:r>
             <a:r>
               <a:rPr lang="en-US" altLang="ko-KR" dirty="0" smtClean="0"/>
-              <a:t>, </a:t>
+              <a:t>“…]</a:t>
+            </a:r>
+          </a:p>
+          <a:p>
+            <a:pPr marL="0" indent="0">
+              <a:buNone/>
+            </a:pPr>
+            <a:r>
+              <a:rPr lang="en-US" altLang="ko-KR" dirty="0"/>
+              <a:t>	</a:t>
+            </a:r>
+            <a:r>
+              <a:rPr lang="en-US" altLang="ko-KR" dirty="0" smtClean="0"/>
+              <a:t>b. </a:t>
             </a:r>
             <a:r>
               <a:rPr lang="ko-KR" altLang="en-US" dirty="0" smtClean="0"/>
-              <a:t>머리 하네</a:t>
-            </a:r>
+              <a:t>단어 군집화 및 핵심 키워드 추출</a:t>
+            </a:r>
+            <a:endParaRPr lang="en-US" altLang="ko-KR" dirty="0" smtClean="0"/>
+          </a:p>
+          <a:p>
+            <a:pPr marL="0" indent="0">
+              <a:buNone/>
+            </a:pPr>
             <a:r>
               <a:rPr lang="en-US" altLang="ko-KR" dirty="0" smtClean="0"/>
-              <a:t>? </a:t>
-            </a:r>
-            <a:r>
-              <a:rPr lang="ko-KR" altLang="en-US" dirty="0" smtClean="0"/>
-              <a:t>등</a:t>
-            </a:r>
-            <a:r>
-              <a:rPr lang="en-US" altLang="ko-KR" dirty="0" smtClean="0"/>
-              <a:t>(+</a:t>
-            </a:r>
-            <a:r>
-              <a:rPr lang="ko-KR" altLang="en-US" dirty="0" smtClean="0"/>
-              <a:t>이전 대화 참고</a:t>
-            </a:r>
-            <a:r>
-              <a:rPr lang="en-US" altLang="ko-KR" dirty="0" smtClean="0"/>
-              <a:t>)</a:t>
+              <a:t>	c. ???</a:t>
+            </a:r>
+            <a:r>
+              <a:rPr lang="en-US" altLang="ko-KR" dirty="0"/>
+              <a:t>	</a:t>
             </a:r>
             <a:endParaRPr lang="ko-KR" altLang="en-US" dirty="0"/>
           </a:p>
@@ -3655,7 +4067,7 @@
     </p:spTree>
     <p:extLst>
       <p:ext uri="{BB962C8B-B14F-4D97-AF65-F5344CB8AC3E}">
-        <p14:creationId xmlns:p14="http://schemas.microsoft.com/office/powerpoint/2010/main" val="4148859558"/>
+        <p14:creationId xmlns:p14="http://schemas.microsoft.com/office/powerpoint/2010/main" val="3344816255"/>
       </p:ext>
     </p:extLst>
   </p:cSld>
@@ -3673,481 +4085,6 @@
 </file>
 
 <file path=ppt/slides/slide5.xml><?xml version="1.0" encoding="utf-8"?>
-<p:sld xmlns:a="http://schemas.openxmlformats.org/drawingml/2006/main" xmlns:r="http://schemas.openxmlformats.org/officeDocument/2006/relationships" xmlns:p="http://schemas.openxmlformats.org/presentationml/2006/main">
-  <p:cSld>
-    <p:spTree>
-      <p:nvGrpSpPr>
-        <p:cNvPr id="1" name=""/>
-        <p:cNvGrpSpPr/>
-        <p:nvPr/>
-      </p:nvGrpSpPr>
-      <p:grpSpPr>
-        <a:xfrm>
-          <a:off x="0" y="0"/>
-          <a:ext cx="0" cy="0"/>
-          <a:chOff x="0" y="0"/>
-          <a:chExt cx="0" cy="0"/>
-        </a:xfrm>
-      </p:grpSpPr>
-      <p:sp>
-        <p:nvSpPr>
-          <p:cNvPr id="2" name="제목 1"/>
-          <p:cNvSpPr>
-            <a:spLocks noGrp="1"/>
-          </p:cNvSpPr>
-          <p:nvPr>
-            <p:ph type="title"/>
-          </p:nvPr>
-        </p:nvSpPr>
-        <p:spPr/>
-        <p:txBody>
-          <a:bodyPr/>
-          <a:lstStyle/>
-          <a:p>
-            <a:endParaRPr lang="ko-KR" altLang="en-US"/>
-          </a:p>
-        </p:txBody>
-      </p:sp>
-      <p:sp>
-        <p:nvSpPr>
-          <p:cNvPr id="3" name="내용 개체 틀 2"/>
-          <p:cNvSpPr>
-            <a:spLocks noGrp="1"/>
-          </p:cNvSpPr>
-          <p:nvPr>
-            <p:ph idx="1"/>
-          </p:nvPr>
-        </p:nvSpPr>
-        <p:spPr/>
-        <p:txBody>
-          <a:bodyPr/>
-          <a:lstStyle/>
-          <a:p>
-            <a:r>
-              <a:rPr lang="ko-KR" altLang="en-US" dirty="0" smtClean="0"/>
-              <a:t>성격 유형 파악</a:t>
-            </a:r>
-            <a:endParaRPr lang="en-US" altLang="ko-KR" dirty="0" smtClean="0"/>
-          </a:p>
-          <a:p>
-            <a:r>
-              <a:rPr lang="ko-KR" altLang="en-US" dirty="0" smtClean="0"/>
-              <a:t>파악된 성격 유형에 맞는 대응</a:t>
-            </a:r>
-            <a:endParaRPr lang="en-US" altLang="ko-KR" dirty="0" smtClean="0"/>
-          </a:p>
-          <a:p>
-            <a:endParaRPr lang="en-US" altLang="ko-KR" dirty="0"/>
-          </a:p>
-          <a:p>
-            <a:endParaRPr lang="en-US" altLang="ko-KR" dirty="0" smtClean="0"/>
-          </a:p>
-          <a:p>
-            <a:r>
-              <a:rPr lang="ko-KR" altLang="en-US" dirty="0" smtClean="0"/>
-              <a:t>이드</a:t>
-            </a:r>
-            <a:r>
-              <a:rPr lang="en-US" altLang="ko-KR" dirty="0" smtClean="0"/>
-              <a:t>: </a:t>
-            </a:r>
-            <a:r>
-              <a:rPr lang="ko-KR" altLang="en-US" dirty="0" smtClean="0"/>
-              <a:t>친해지는 단계 </a:t>
-            </a:r>
-            <a:r>
-              <a:rPr lang="en-US" altLang="ko-KR" dirty="0" smtClean="0"/>
-              <a:t>- ~ </a:t>
-            </a:r>
-            <a:r>
-              <a:rPr lang="ko-KR" altLang="en-US" dirty="0" smtClean="0"/>
-              <a:t>단계</a:t>
-            </a:r>
-            <a:r>
-              <a:rPr lang="en-US" altLang="ko-KR" dirty="0"/>
-              <a:t> </a:t>
-            </a:r>
-            <a:r>
-              <a:rPr lang="en-US" altLang="ko-KR" dirty="0" smtClean="0"/>
-              <a:t>- ~ </a:t>
-            </a:r>
-            <a:r>
-              <a:rPr lang="ko-KR" altLang="en-US" dirty="0" smtClean="0"/>
-              <a:t>단계</a:t>
-            </a:r>
-            <a:endParaRPr lang="en-US" altLang="ko-KR" dirty="0" smtClean="0"/>
-          </a:p>
-          <a:p>
-            <a:endParaRPr lang="en-US" altLang="ko-KR" dirty="0"/>
-          </a:p>
-          <a:p>
-            <a:r>
-              <a:rPr lang="ko-KR" altLang="en-US" dirty="0" smtClean="0"/>
-              <a:t>친밀감 단계</a:t>
-            </a:r>
-            <a:r>
-              <a:rPr lang="en-US" altLang="ko-KR" dirty="0" smtClean="0"/>
-              <a:t>: </a:t>
-            </a:r>
-            <a:r>
-              <a:rPr lang="ko-KR" altLang="en-US" dirty="0" smtClean="0"/>
-              <a:t>사용자 </a:t>
-            </a:r>
-            <a:r>
-              <a:rPr lang="ko-KR" altLang="en-US" dirty="0" err="1" smtClean="0"/>
-              <a:t>데이터량</a:t>
-            </a:r>
-            <a:r>
-              <a:rPr lang="en-US" altLang="ko-KR" dirty="0" smtClean="0"/>
-              <a:t>*</a:t>
-            </a:r>
-            <a:r>
-              <a:rPr lang="ko-KR" altLang="en-US" dirty="0" smtClean="0"/>
-              <a:t>사용시간에 비례</a:t>
-            </a:r>
-            <a:endParaRPr lang="ko-KR" altLang="en-US" dirty="0"/>
-          </a:p>
-        </p:txBody>
-      </p:sp>
-      <p:pic>
-        <p:nvPicPr>
-          <p:cNvPr id="8194" name="Picture 2" descr="마음애심리상담센터|인천심리상담센터"/>
-          <p:cNvPicPr>
-            <a:picLocks noChangeAspect="1" noChangeArrowheads="1"/>
-          </p:cNvPicPr>
-          <p:nvPr/>
-        </p:nvPicPr>
-        <p:blipFill>
-          <a:blip r:embed="rId2">
-            <a:extLst>
-              <a:ext uri="{28A0092B-C50C-407E-A947-70E740481C1C}">
-                <a14:useLocalDpi xmlns:a14="http://schemas.microsoft.com/office/drawing/2010/main" val="0"/>
-              </a:ext>
-            </a:extLst>
-          </a:blip>
-          <a:srcRect/>
-          <a:stretch>
-            <a:fillRect/>
-          </a:stretch>
-        </p:blipFill>
-        <p:spPr bwMode="auto">
-          <a:xfrm>
-            <a:off x="8282539" y="1473524"/>
-            <a:ext cx="3733800" cy="2971801"/>
-          </a:xfrm>
-          <a:prstGeom prst="rect">
-            <a:avLst/>
-          </a:prstGeom>
-          <a:noFill/>
-          <a:extLst>
-            <a:ext uri="{909E8E84-426E-40DD-AFC4-6F175D3DCCD1}">
-              <a14:hiddenFill xmlns:a14="http://schemas.microsoft.com/office/drawing/2010/main">
-                <a:solidFill>
-                  <a:srgbClr val="FFFFFF"/>
-                </a:solidFill>
-              </a14:hiddenFill>
-            </a:ext>
-          </a:extLst>
-        </p:spPr>
-      </p:pic>
-      <p:pic>
-        <p:nvPicPr>
-          <p:cNvPr id="8196" name="Picture 4" descr="15화 연인관계와 성격, 성인 애착"/>
-          <p:cNvPicPr>
-            <a:picLocks noChangeAspect="1" noChangeArrowheads="1"/>
-          </p:cNvPicPr>
-          <p:nvPr/>
-        </p:nvPicPr>
-        <p:blipFill>
-          <a:blip r:embed="rId3" cstate="print">
-            <a:extLst>
-              <a:ext uri="{28A0092B-C50C-407E-A947-70E740481C1C}">
-                <a14:useLocalDpi xmlns:a14="http://schemas.microsoft.com/office/drawing/2010/main" val="0"/>
-              </a:ext>
-            </a:extLst>
-          </a:blip>
-          <a:srcRect/>
-          <a:stretch>
-            <a:fillRect/>
-          </a:stretch>
-        </p:blipFill>
-        <p:spPr bwMode="auto">
-          <a:xfrm>
-            <a:off x="9225838" y="4580262"/>
-            <a:ext cx="2790501" cy="2092876"/>
-          </a:xfrm>
-          <a:prstGeom prst="rect">
-            <a:avLst/>
-          </a:prstGeom>
-          <a:noFill/>
-          <a:extLst>
-            <a:ext uri="{909E8E84-426E-40DD-AFC4-6F175D3DCCD1}">
-              <a14:hiddenFill xmlns:a14="http://schemas.microsoft.com/office/drawing/2010/main">
-                <a:solidFill>
-                  <a:srgbClr val="FFFFFF"/>
-                </a:solidFill>
-              </a14:hiddenFill>
-            </a:ext>
-          </a:extLst>
-        </p:spPr>
-      </p:pic>
-    </p:spTree>
-    <p:extLst>
-      <p:ext uri="{BB962C8B-B14F-4D97-AF65-F5344CB8AC3E}">
-        <p14:creationId xmlns:p14="http://schemas.microsoft.com/office/powerpoint/2010/main" val="2569064388"/>
-      </p:ext>
-    </p:extLst>
-  </p:cSld>
-  <p:clrMapOvr>
-    <a:masterClrMapping/>
-  </p:clrMapOvr>
-  <p:timing>
-    <p:tnLst>
-      <p:par>
-        <p:cTn id="1" dur="indefinite" restart="never" nodeType="tmRoot"/>
-      </p:par>
-    </p:tnLst>
-  </p:timing>
-</p:sld>
-</file>
-
-<file path=ppt/slides/slide6.xml><?xml version="1.0" encoding="utf-8"?>
-<p:sld xmlns:a="http://schemas.openxmlformats.org/drawingml/2006/main" xmlns:r="http://schemas.openxmlformats.org/officeDocument/2006/relationships" xmlns:p="http://schemas.openxmlformats.org/presentationml/2006/main">
-  <p:cSld>
-    <p:spTree>
-      <p:nvGrpSpPr>
-        <p:cNvPr id="1" name=""/>
-        <p:cNvGrpSpPr/>
-        <p:nvPr/>
-      </p:nvGrpSpPr>
-      <p:grpSpPr>
-        <a:xfrm>
-          <a:off x="0" y="0"/>
-          <a:ext cx="0" cy="0"/>
-          <a:chOff x="0" y="0"/>
-          <a:chExt cx="0" cy="0"/>
-        </a:xfrm>
-      </p:grpSpPr>
-      <p:sp>
-        <p:nvSpPr>
-          <p:cNvPr id="2" name="제목 1"/>
-          <p:cNvSpPr>
-            <a:spLocks noGrp="1"/>
-          </p:cNvSpPr>
-          <p:nvPr>
-            <p:ph type="title"/>
-          </p:nvPr>
-        </p:nvSpPr>
-        <p:spPr/>
-        <p:txBody>
-          <a:bodyPr/>
-          <a:lstStyle/>
-          <a:p>
-            <a:endParaRPr lang="ko-KR" altLang="en-US" dirty="0"/>
-          </a:p>
-        </p:txBody>
-      </p:sp>
-      <p:sp>
-        <p:nvSpPr>
-          <p:cNvPr id="3" name="내용 개체 틀 2"/>
-          <p:cNvSpPr>
-            <a:spLocks noGrp="1"/>
-          </p:cNvSpPr>
-          <p:nvPr>
-            <p:ph idx="1"/>
-          </p:nvPr>
-        </p:nvSpPr>
-        <p:spPr/>
-        <p:txBody>
-          <a:bodyPr/>
-          <a:lstStyle/>
-          <a:p>
-            <a:r>
-              <a:rPr lang="ko-KR" altLang="en-US" dirty="0" err="1" smtClean="0"/>
-              <a:t>방문기록</a:t>
-            </a:r>
-            <a:r>
-              <a:rPr lang="ko-KR" altLang="en-US" dirty="0" smtClean="0"/>
-              <a:t> </a:t>
-            </a:r>
-            <a:r>
-              <a:rPr lang="en-US" altLang="ko-KR" dirty="0" smtClean="0"/>
-              <a:t>+ </a:t>
-            </a:r>
-            <a:r>
-              <a:rPr lang="ko-KR" altLang="en-US" dirty="0" smtClean="0"/>
-              <a:t>고민상담 대화 데이터 활용</a:t>
-            </a:r>
-            <a:endParaRPr lang="en-US" altLang="ko-KR" dirty="0" smtClean="0"/>
-          </a:p>
-          <a:p>
-            <a:endParaRPr lang="en-US" altLang="ko-KR" dirty="0"/>
-          </a:p>
-          <a:p>
-            <a:r>
-              <a:rPr lang="ko-KR" altLang="en-US" dirty="0" smtClean="0"/>
-              <a:t>오늘 하루 </a:t>
-            </a:r>
-            <a:r>
-              <a:rPr lang="ko-KR" altLang="en-US" dirty="0" err="1" smtClean="0"/>
-              <a:t>어땠어</a:t>
-            </a:r>
-            <a:r>
-              <a:rPr lang="en-US" altLang="ko-KR" dirty="0" smtClean="0"/>
-              <a:t>? </a:t>
-            </a:r>
-            <a:r>
-              <a:rPr lang="ko-KR" altLang="en-US" dirty="0" smtClean="0"/>
-              <a:t>등 활용</a:t>
-            </a:r>
-            <a:endParaRPr lang="en-US" altLang="ko-KR" dirty="0" smtClean="0"/>
-          </a:p>
-          <a:p>
-            <a:r>
-              <a:rPr lang="ko-KR" altLang="en-US" dirty="0" smtClean="0"/>
-              <a:t>반대로 얘도 고민상담 요청</a:t>
-            </a:r>
-            <a:r>
-              <a:rPr lang="en-US" altLang="ko-KR" dirty="0" smtClean="0"/>
-              <a:t>(</a:t>
-            </a:r>
-            <a:r>
-              <a:rPr lang="ko-KR" altLang="en-US" dirty="0" smtClean="0"/>
-              <a:t>사람인척하는</a:t>
-            </a:r>
-            <a:r>
-              <a:rPr lang="en-US" altLang="ko-KR" dirty="0" smtClean="0"/>
-              <a:t>, </a:t>
-            </a:r>
-            <a:r>
-              <a:rPr lang="ko-KR" altLang="en-US" dirty="0" smtClean="0"/>
-              <a:t>친밀감 일정 </a:t>
-            </a:r>
-            <a:r>
-              <a:rPr lang="ko-KR" altLang="en-US" dirty="0" err="1" smtClean="0"/>
-              <a:t>이상시</a:t>
-            </a:r>
-            <a:r>
-              <a:rPr lang="en-US" altLang="ko-KR" dirty="0" smtClean="0"/>
-              <a:t>)</a:t>
-            </a:r>
-          </a:p>
-          <a:p>
-            <a:pPr marL="0" indent="0">
-              <a:buNone/>
-            </a:pPr>
-            <a:r>
-              <a:rPr lang="en-US" altLang="ko-KR" dirty="0" smtClean="0"/>
-              <a:t>-&gt; </a:t>
-            </a:r>
-            <a:r>
-              <a:rPr lang="ko-KR" altLang="en-US" dirty="0" smtClean="0"/>
-              <a:t>뉴스 보고 오거나 </a:t>
-            </a:r>
-            <a:r>
-              <a:rPr lang="ko-KR" altLang="en-US" dirty="0" err="1" smtClean="0"/>
-              <a:t>핫이슈</a:t>
-            </a:r>
-            <a:r>
-              <a:rPr lang="ko-KR" altLang="en-US" dirty="0" smtClean="0"/>
-              <a:t> </a:t>
-            </a:r>
-            <a:r>
-              <a:rPr lang="ko-KR" altLang="en-US" dirty="0" err="1" smtClean="0"/>
-              <a:t>말꺼내기</a:t>
-            </a:r>
-            <a:endParaRPr lang="en-US" altLang="ko-KR" dirty="0" smtClean="0"/>
-          </a:p>
-          <a:p>
-            <a:pPr marL="0" indent="0">
-              <a:buNone/>
-            </a:pPr>
-            <a:r>
-              <a:rPr lang="en-US" altLang="ko-KR" dirty="0" smtClean="0"/>
-              <a:t>-&gt; </a:t>
-            </a:r>
-            <a:r>
-              <a:rPr lang="ko-KR" altLang="en-US" dirty="0" smtClean="0"/>
-              <a:t>다시 </a:t>
-            </a:r>
-            <a:r>
-              <a:rPr lang="ko-KR" altLang="en-US" dirty="0" err="1" smtClean="0"/>
-              <a:t>온거에</a:t>
-            </a:r>
-            <a:r>
-              <a:rPr lang="ko-KR" altLang="en-US" dirty="0" smtClean="0"/>
-              <a:t> 대해 어</a:t>
-            </a:r>
-            <a:r>
-              <a:rPr lang="en-US" altLang="ko-KR" dirty="0" smtClean="0"/>
-              <a:t>? </a:t>
-            </a:r>
-            <a:r>
-              <a:rPr lang="ko-KR" altLang="en-US" dirty="0" smtClean="0"/>
-              <a:t>여기 </a:t>
-            </a:r>
-            <a:r>
-              <a:rPr lang="ko-KR" altLang="en-US" dirty="0" err="1" smtClean="0"/>
-              <a:t>거기네</a:t>
-            </a:r>
-            <a:r>
-              <a:rPr lang="ko-KR" altLang="en-US" dirty="0" smtClean="0"/>
-              <a:t> 해주기</a:t>
-            </a:r>
-            <a:endParaRPr lang="en-US" altLang="ko-KR" dirty="0"/>
-          </a:p>
-          <a:p>
-            <a:pPr marL="0" indent="0">
-              <a:buNone/>
-            </a:pPr>
-            <a:endParaRPr lang="en-US" altLang="ko-KR" dirty="0" smtClean="0"/>
-          </a:p>
-          <a:p>
-            <a:r>
-              <a:rPr lang="ko-KR" altLang="en-US" dirty="0" smtClean="0"/>
-              <a:t>고민상담 </a:t>
-            </a:r>
-            <a:r>
-              <a:rPr lang="en-US" altLang="ko-KR" dirty="0" smtClean="0"/>
-              <a:t>= </a:t>
-            </a:r>
-            <a:r>
-              <a:rPr lang="ko-KR" altLang="en-US" dirty="0" smtClean="0"/>
-              <a:t>해결해주기 </a:t>
-            </a:r>
-            <a:r>
-              <a:rPr lang="en-US" altLang="ko-KR" dirty="0" smtClean="0"/>
-              <a:t>/ </a:t>
-            </a:r>
-            <a:r>
-              <a:rPr lang="ko-KR" altLang="en-US" dirty="0" smtClean="0"/>
-              <a:t>그냥 들어주기</a:t>
-            </a:r>
-            <a:endParaRPr lang="ko-KR" altLang="en-US" dirty="0"/>
-          </a:p>
-        </p:txBody>
-      </p:sp>
-    </p:spTree>
-    <p:extLst>
-      <p:ext uri="{BB962C8B-B14F-4D97-AF65-F5344CB8AC3E}">
-        <p14:creationId xmlns:p14="http://schemas.microsoft.com/office/powerpoint/2010/main" val="2394797681"/>
-      </p:ext>
-    </p:extLst>
-  </p:cSld>
-  <p:clrMapOvr>
-    <a:masterClrMapping/>
-  </p:clrMapOvr>
-  <p:timing>
-    <p:tnLst>
-      <p:par>
-        <p:cTn id="1" dur="indefinite" restart="never" nodeType="tmRoot"/>
-      </p:par>
-    </p:tnLst>
-  </p:timing>
-</p:sld>
-</file>
-
-<file path=ppt/slides/slide7.xml><?xml version="1.0" encoding="utf-8"?>
 <p:sld xmlns:a="http://schemas.openxmlformats.org/drawingml/2006/main" xmlns:r="http://schemas.openxmlformats.org/officeDocument/2006/relationships" xmlns:p="http://schemas.openxmlformats.org/presentationml/2006/main">
   <p:cSld>
     <p:spTree>
@@ -5525,4 +5462,265 @@
     </a:ext>
   </a:extLst>
 </a:theme>
+</file>
+
+<file path=ppt/theme/theme2.xml><?xml version="1.0" encoding="utf-8"?>
+<a:theme xmlns:a="http://schemas.openxmlformats.org/drawingml/2006/main" name="Office 테마">
+  <a:themeElements>
+    <a:clrScheme name="Office">
+      <a:dk1>
+        <a:sysClr val="windowText" lastClr="000000"/>
+      </a:dk1>
+      <a:lt1>
+        <a:sysClr val="window" lastClr="FFFFFF"/>
+      </a:lt1>
+      <a:dk2>
+        <a:srgbClr val="44546A"/>
+      </a:dk2>
+      <a:lt2>
+        <a:srgbClr val="E7E6E6"/>
+      </a:lt2>
+      <a:accent1>
+        <a:srgbClr val="5B9BD5"/>
+      </a:accent1>
+      <a:accent2>
+        <a:srgbClr val="ED7D31"/>
+      </a:accent2>
+      <a:accent3>
+        <a:srgbClr val="A5A5A5"/>
+      </a:accent3>
+      <a:accent4>
+        <a:srgbClr val="FFC000"/>
+      </a:accent4>
+      <a:accent5>
+        <a:srgbClr val="4472C4"/>
+      </a:accent5>
+      <a:accent6>
+        <a:srgbClr val="70AD47"/>
+      </a:accent6>
+      <a:hlink>
+        <a:srgbClr val="0563C1"/>
+      </a:hlink>
+      <a:folHlink>
+        <a:srgbClr val="954F72"/>
+      </a:folHlink>
+    </a:clrScheme>
+    <a:fontScheme name="Office">
+      <a:majorFont>
+        <a:latin typeface="맑은 고딕" panose="020F0302020204030204"/>
+        <a:ea typeface=""/>
+        <a:cs typeface=""/>
+        <a:font script="Jpan" typeface="游ゴシック Light"/>
+        <a:font script="Hang" typeface="맑은 고딕"/>
+        <a:font script="Hans" typeface="等线 Light"/>
+        <a:font script="Hant" typeface="新細明體"/>
+        <a:font script="Arab" typeface="Times New Roman"/>
+        <a:font script="Hebr" typeface="Times New Roman"/>
+        <a:font script="Thai" typeface="Angsana New"/>
+        <a:font script="Ethi" typeface="Nyala"/>
+        <a:font script="Beng" typeface="Vrinda"/>
+        <a:font script="Gujr" typeface="Shruti"/>
+        <a:font script="Khmr" typeface="MoolBoran"/>
+        <a:font script="Knda" typeface="Tunga"/>
+        <a:font script="Guru" typeface="Raavi"/>
+        <a:font script="Cans" typeface="Euphemia"/>
+        <a:font script="Cher" typeface="Plantagenet Cherokee"/>
+        <a:font script="Yiii" typeface="Microsoft Yi Baiti"/>
+        <a:font script="Tibt" typeface="Microsoft Himalaya"/>
+        <a:font script="Thaa" typeface="MV Boli"/>
+        <a:font script="Deva" typeface="Mangal"/>
+        <a:font script="Telu" typeface="Gautami"/>
+        <a:font script="Taml" typeface="Latha"/>
+        <a:font script="Syrc" typeface="Estrangelo Edessa"/>
+        <a:font script="Orya" typeface="Kalinga"/>
+        <a:font script="Mlym" typeface="Kartika"/>
+        <a:font script="Laoo" typeface="DokChampa"/>
+        <a:font script="Sinh" typeface="Iskoola Pota"/>
+        <a:font script="Mong" typeface="Mongolian Baiti"/>
+        <a:font script="Viet" typeface="Times New Roman"/>
+        <a:font script="Uigh" typeface="Microsoft Uighur"/>
+        <a:font script="Geor" typeface="Sylfaen"/>
+      </a:majorFont>
+      <a:minorFont>
+        <a:latin typeface="맑은 고딕" panose="020F0502020204030204"/>
+        <a:ea typeface=""/>
+        <a:cs typeface=""/>
+        <a:font script="Jpan" typeface="游ゴシック"/>
+        <a:font script="Hang" typeface="맑은 고딕"/>
+        <a:font script="Hans" typeface="等线"/>
+        <a:font script="Hant" typeface="新細明體"/>
+        <a:font script="Arab" typeface="Arial"/>
+        <a:font script="Hebr" typeface="Arial"/>
+        <a:font script="Thai" typeface="Cordia New"/>
+        <a:font script="Ethi" typeface="Nyala"/>
+        <a:font script="Beng" typeface="Vrinda"/>
+        <a:font script="Gujr" typeface="Shruti"/>
+        <a:font script="Khmr" typeface="DaunPenh"/>
+        <a:font script="Knda" typeface="Tunga"/>
+        <a:font script="Guru" typeface="Raavi"/>
+        <a:font script="Cans" typeface="Euphemia"/>
+        <a:font script="Cher" typeface="Plantagenet Cherokee"/>
+        <a:font script="Yiii" typeface="Microsoft Yi Baiti"/>
+        <a:font script="Tibt" typeface="Microsoft Himalaya"/>
+        <a:font script="Thaa" typeface="MV Boli"/>
+        <a:font script="Deva" typeface="Mangal"/>
+        <a:font script="Telu" typeface="Gautami"/>
+        <a:font script="Taml" typeface="Latha"/>
+        <a:font script="Syrc" typeface="Estrangelo Edessa"/>
+        <a:font script="Orya" typeface="Kalinga"/>
+        <a:font script="Mlym" typeface="Kartika"/>
+        <a:font script="Laoo" typeface="DokChampa"/>
+        <a:font script="Sinh" typeface="Iskoola Pota"/>
+        <a:font script="Mong" typeface="Mongolian Baiti"/>
+        <a:font script="Viet" typeface="Arial"/>
+        <a:font script="Uigh" typeface="Microsoft Uighur"/>
+        <a:font script="Geor" typeface="Sylfaen"/>
+      </a:minorFont>
+    </a:fontScheme>
+    <a:fmtScheme name="Office">
+      <a:fillStyleLst>
+        <a:solidFill>
+          <a:schemeClr val="phClr"/>
+        </a:solidFill>
+        <a:gradFill rotWithShape="1">
+          <a:gsLst>
+            <a:gs pos="0">
+              <a:schemeClr val="phClr">
+                <a:lumMod val="110000"/>
+                <a:satMod val="105000"/>
+                <a:tint val="67000"/>
+              </a:schemeClr>
+            </a:gs>
+            <a:gs pos="50000">
+              <a:schemeClr val="phClr">
+                <a:lumMod val="105000"/>
+                <a:satMod val="103000"/>
+                <a:tint val="73000"/>
+              </a:schemeClr>
+            </a:gs>
+            <a:gs pos="100000">
+              <a:schemeClr val="phClr">
+                <a:lumMod val="105000"/>
+                <a:satMod val="109000"/>
+                <a:tint val="81000"/>
+              </a:schemeClr>
+            </a:gs>
+          </a:gsLst>
+          <a:lin ang="5400000" scaled="0"/>
+        </a:gradFill>
+        <a:gradFill rotWithShape="1">
+          <a:gsLst>
+            <a:gs pos="0">
+              <a:schemeClr val="phClr">
+                <a:satMod val="103000"/>
+                <a:lumMod val="102000"/>
+                <a:tint val="94000"/>
+              </a:schemeClr>
+            </a:gs>
+            <a:gs pos="50000">
+              <a:schemeClr val="phClr">
+                <a:satMod val="110000"/>
+                <a:lumMod val="100000"/>
+                <a:shade val="100000"/>
+              </a:schemeClr>
+            </a:gs>
+            <a:gs pos="100000">
+              <a:schemeClr val="phClr">
+                <a:lumMod val="99000"/>
+                <a:satMod val="120000"/>
+                <a:shade val="78000"/>
+              </a:schemeClr>
+            </a:gs>
+          </a:gsLst>
+          <a:lin ang="5400000" scaled="0"/>
+        </a:gradFill>
+      </a:fillStyleLst>
+      <a:lnStyleLst>
+        <a:ln w="6350" cap="flat" cmpd="sng" algn="ctr">
+          <a:solidFill>
+            <a:schemeClr val="phClr"/>
+          </a:solidFill>
+          <a:prstDash val="solid"/>
+          <a:miter lim="800000"/>
+        </a:ln>
+        <a:ln w="12700" cap="flat" cmpd="sng" algn="ctr">
+          <a:solidFill>
+            <a:schemeClr val="phClr"/>
+          </a:solidFill>
+          <a:prstDash val="solid"/>
+          <a:miter lim="800000"/>
+        </a:ln>
+        <a:ln w="19050" cap="flat" cmpd="sng" algn="ctr">
+          <a:solidFill>
+            <a:schemeClr val="phClr"/>
+          </a:solidFill>
+          <a:prstDash val="solid"/>
+          <a:miter lim="800000"/>
+        </a:ln>
+      </a:lnStyleLst>
+      <a:effectStyleLst>
+        <a:effectStyle>
+          <a:effectLst/>
+        </a:effectStyle>
+        <a:effectStyle>
+          <a:effectLst/>
+        </a:effectStyle>
+        <a:effectStyle>
+          <a:effectLst>
+            <a:outerShdw blurRad="57150" dist="19050" dir="5400000" algn="ctr" rotWithShape="0">
+              <a:srgbClr val="000000">
+                <a:alpha val="63000"/>
+              </a:srgbClr>
+            </a:outerShdw>
+          </a:effectLst>
+        </a:effectStyle>
+      </a:effectStyleLst>
+      <a:bgFillStyleLst>
+        <a:solidFill>
+          <a:schemeClr val="phClr"/>
+        </a:solidFill>
+        <a:solidFill>
+          <a:schemeClr val="phClr">
+            <a:tint val="95000"/>
+            <a:satMod val="170000"/>
+          </a:schemeClr>
+        </a:solidFill>
+        <a:gradFill rotWithShape="1">
+          <a:gsLst>
+            <a:gs pos="0">
+              <a:schemeClr val="phClr">
+                <a:tint val="93000"/>
+                <a:satMod val="150000"/>
+                <a:shade val="98000"/>
+                <a:lumMod val="102000"/>
+              </a:schemeClr>
+            </a:gs>
+            <a:gs pos="50000">
+              <a:schemeClr val="phClr">
+                <a:tint val="98000"/>
+                <a:satMod val="130000"/>
+                <a:shade val="90000"/>
+                <a:lumMod val="103000"/>
+              </a:schemeClr>
+            </a:gs>
+            <a:gs pos="100000">
+              <a:schemeClr val="phClr">
+                <a:shade val="63000"/>
+                <a:satMod val="120000"/>
+              </a:schemeClr>
+            </a:gs>
+          </a:gsLst>
+          <a:lin ang="5400000" scaled="0"/>
+        </a:gradFill>
+      </a:bgFillStyleLst>
+    </a:fmtScheme>
+  </a:themeElements>
+  <a:objectDefaults/>
+  <a:extraClrSchemeLst/>
+  <a:extLst>
+    <a:ext uri="{05A4C25C-085E-4340-85A3-A5531E510DB2}">
+      <thm15:themeFamily xmlns:thm15="http://schemas.microsoft.com/office/thememl/2012/main" name="Office Theme" id="{62F939B6-93AF-4DB8-9C6B-D6C7DFDC589F}" vid="{4A3C46E8-61CC-4603-A589-7422A47A8E4A}"/>
+    </a:ext>
+  </a:extLst>
+</a:theme>
 </file>
--- a/시스템 설계도.pptx
+++ b/시스템 설계도.pptx
@@ -5,14 +5,15 @@
     <p:sldMasterId id="2147483648" r:id="rId1"/>
   </p:sldMasterIdLst>
   <p:notesMasterIdLst>
-    <p:notesMasterId r:id="rId7"/>
+    <p:notesMasterId r:id="rId8"/>
   </p:notesMasterIdLst>
   <p:sldIdLst>
     <p:sldId id="256" r:id="rId2"/>
-    <p:sldId id="257" r:id="rId3"/>
-    <p:sldId id="273" r:id="rId4"/>
-    <p:sldId id="268" r:id="rId5"/>
-    <p:sldId id="269" r:id="rId6"/>
+    <p:sldId id="274" r:id="rId3"/>
+    <p:sldId id="257" r:id="rId4"/>
+    <p:sldId id="273" r:id="rId5"/>
+    <p:sldId id="268" r:id="rId6"/>
+    <p:sldId id="269" r:id="rId7"/>
   </p:sldIdLst>
   <p:sldSz cx="12192000" cy="6858000"/>
   <p:notesSz cx="6858000" cy="9144000"/>
@@ -201,7 +202,7 @@
           <a:p>
             <a:fld id="{569F5EC4-47E6-4672-A22A-0BA91B49A62D}" type="datetimeFigureOut">
               <a:rPr lang="ko-KR" altLang="en-US" smtClean="0"/>
-              <a:t>2025-03-14</a:t>
+              <a:t>2025-03-18</a:t>
             </a:fld>
             <a:endParaRPr lang="ko-KR" altLang="en-US"/>
           </a:p>
@@ -265,38 +266,37 @@
           <a:p>
             <a:pPr lvl="0"/>
             <a:r>
-              <a:rPr lang="ko-KR" altLang="en-US" smtClean="0"/>
+              <a:rPr lang="ko-KR" altLang="en-US"/>
               <a:t>마스터 텍스트 스타일 편집</a:t>
             </a:r>
           </a:p>
           <a:p>
             <a:pPr lvl="1"/>
             <a:r>
-              <a:rPr lang="ko-KR" altLang="en-US" smtClean="0"/>
+              <a:rPr lang="ko-KR" altLang="en-US"/>
               <a:t>둘째 수준</a:t>
             </a:r>
           </a:p>
           <a:p>
             <a:pPr lvl="2"/>
             <a:r>
-              <a:rPr lang="ko-KR" altLang="en-US" smtClean="0"/>
+              <a:rPr lang="ko-KR" altLang="en-US"/>
               <a:t>셋째 수준</a:t>
             </a:r>
           </a:p>
           <a:p>
             <a:pPr lvl="3"/>
             <a:r>
-              <a:rPr lang="ko-KR" altLang="en-US" smtClean="0"/>
+              <a:rPr lang="ko-KR" altLang="en-US"/>
               <a:t>넷째 수준</a:t>
             </a:r>
           </a:p>
           <a:p>
             <a:pPr lvl="4"/>
             <a:r>
-              <a:rPr lang="ko-KR" altLang="en-US" smtClean="0"/>
+              <a:rPr lang="ko-KR" altLang="en-US"/>
               <a:t>다섯째 수준</a:t>
             </a:r>
-            <a:endParaRPr lang="ko-KR" altLang="en-US"/>
           </a:p>
         </p:txBody>
       </p:sp>
@@ -595,10 +595,9 @@
           </a:lstStyle>
           <a:p>
             <a:r>
-              <a:rPr lang="ko-KR" altLang="en-US" smtClean="0"/>
+              <a:rPr lang="ko-KR" altLang="en-US"/>
               <a:t>마스터 제목 스타일 편집</a:t>
             </a:r>
-            <a:endParaRPr lang="ko-KR" altLang="en-US"/>
           </a:p>
         </p:txBody>
       </p:sp>
@@ -660,10 +659,9 @@
           </a:lstStyle>
           <a:p>
             <a:r>
-              <a:rPr lang="ko-KR" altLang="en-US" smtClean="0"/>
+              <a:rPr lang="ko-KR" altLang="en-US"/>
               <a:t>클릭하여 마스터 부제목 스타일 편집</a:t>
             </a:r>
-            <a:endParaRPr lang="ko-KR" altLang="en-US"/>
           </a:p>
         </p:txBody>
       </p:sp>
@@ -684,7 +682,7 @@
           <a:p>
             <a:fld id="{6CA2144F-5261-45C2-AF35-9E74089734CA}" type="datetimeFigureOut">
               <a:rPr lang="ko-KR" altLang="en-US" smtClean="0"/>
-              <a:t>2025-03-14</a:t>
+              <a:t>2025-03-18</a:t>
             </a:fld>
             <a:endParaRPr lang="ko-KR" altLang="en-US"/>
           </a:p>
@@ -778,10 +776,9 @@
           <a:lstStyle/>
           <a:p>
             <a:r>
-              <a:rPr lang="ko-KR" altLang="en-US" smtClean="0"/>
+              <a:rPr lang="ko-KR" altLang="en-US"/>
               <a:t>마스터 제목 스타일 편집</a:t>
             </a:r>
-            <a:endParaRPr lang="ko-KR" altLang="en-US"/>
           </a:p>
         </p:txBody>
       </p:sp>
@@ -802,38 +799,37 @@
           <a:p>
             <a:pPr lvl="0"/>
             <a:r>
-              <a:rPr lang="ko-KR" altLang="en-US" smtClean="0"/>
+              <a:rPr lang="ko-KR" altLang="en-US"/>
               <a:t>마스터 텍스트 스타일 편집</a:t>
             </a:r>
           </a:p>
           <a:p>
             <a:pPr lvl="1"/>
             <a:r>
-              <a:rPr lang="ko-KR" altLang="en-US" smtClean="0"/>
+              <a:rPr lang="ko-KR" altLang="en-US"/>
               <a:t>둘째 수준</a:t>
             </a:r>
           </a:p>
           <a:p>
             <a:pPr lvl="2"/>
             <a:r>
-              <a:rPr lang="ko-KR" altLang="en-US" smtClean="0"/>
+              <a:rPr lang="ko-KR" altLang="en-US"/>
               <a:t>셋째 수준</a:t>
             </a:r>
           </a:p>
           <a:p>
             <a:pPr lvl="3"/>
             <a:r>
-              <a:rPr lang="ko-KR" altLang="en-US" smtClean="0"/>
+              <a:rPr lang="ko-KR" altLang="en-US"/>
               <a:t>넷째 수준</a:t>
             </a:r>
           </a:p>
           <a:p>
             <a:pPr lvl="4"/>
             <a:r>
-              <a:rPr lang="ko-KR" altLang="en-US" smtClean="0"/>
+              <a:rPr lang="ko-KR" altLang="en-US"/>
               <a:t>다섯째 수준</a:t>
             </a:r>
-            <a:endParaRPr lang="ko-KR" altLang="en-US"/>
           </a:p>
         </p:txBody>
       </p:sp>
@@ -854,7 +850,7 @@
           <a:p>
             <a:fld id="{6CA2144F-5261-45C2-AF35-9E74089734CA}" type="datetimeFigureOut">
               <a:rPr lang="ko-KR" altLang="en-US" smtClean="0"/>
-              <a:t>2025-03-14</a:t>
+              <a:t>2025-03-18</a:t>
             </a:fld>
             <a:endParaRPr lang="ko-KR" altLang="en-US"/>
           </a:p>
@@ -953,10 +949,9 @@
           <a:lstStyle/>
           <a:p>
             <a:r>
-              <a:rPr lang="ko-KR" altLang="en-US" smtClean="0"/>
+              <a:rPr lang="ko-KR" altLang="en-US"/>
               <a:t>마스터 제목 스타일 편집</a:t>
             </a:r>
-            <a:endParaRPr lang="ko-KR" altLang="en-US"/>
           </a:p>
         </p:txBody>
       </p:sp>
@@ -982,38 +977,37 @@
           <a:p>
             <a:pPr lvl="0"/>
             <a:r>
-              <a:rPr lang="ko-KR" altLang="en-US" smtClean="0"/>
+              <a:rPr lang="ko-KR" altLang="en-US"/>
               <a:t>마스터 텍스트 스타일 편집</a:t>
             </a:r>
           </a:p>
           <a:p>
             <a:pPr lvl="1"/>
             <a:r>
-              <a:rPr lang="ko-KR" altLang="en-US" smtClean="0"/>
+              <a:rPr lang="ko-KR" altLang="en-US"/>
               <a:t>둘째 수준</a:t>
             </a:r>
           </a:p>
           <a:p>
             <a:pPr lvl="2"/>
             <a:r>
-              <a:rPr lang="ko-KR" altLang="en-US" smtClean="0"/>
+              <a:rPr lang="ko-KR" altLang="en-US"/>
               <a:t>셋째 수준</a:t>
             </a:r>
           </a:p>
           <a:p>
             <a:pPr lvl="3"/>
             <a:r>
-              <a:rPr lang="ko-KR" altLang="en-US" smtClean="0"/>
+              <a:rPr lang="ko-KR" altLang="en-US"/>
               <a:t>넷째 수준</a:t>
             </a:r>
           </a:p>
           <a:p>
             <a:pPr lvl="4"/>
             <a:r>
-              <a:rPr lang="ko-KR" altLang="en-US" smtClean="0"/>
+              <a:rPr lang="ko-KR" altLang="en-US"/>
               <a:t>다섯째 수준</a:t>
             </a:r>
-            <a:endParaRPr lang="ko-KR" altLang="en-US"/>
           </a:p>
         </p:txBody>
       </p:sp>
@@ -1034,7 +1028,7 @@
           <a:p>
             <a:fld id="{6CA2144F-5261-45C2-AF35-9E74089734CA}" type="datetimeFigureOut">
               <a:rPr lang="ko-KR" altLang="en-US" smtClean="0"/>
-              <a:t>2025-03-14</a:t>
+              <a:t>2025-03-18</a:t>
             </a:fld>
             <a:endParaRPr lang="ko-KR" altLang="en-US"/>
           </a:p>
@@ -1128,10 +1122,9 @@
           <a:lstStyle/>
           <a:p>
             <a:r>
-              <a:rPr lang="ko-KR" altLang="en-US" smtClean="0"/>
+              <a:rPr lang="ko-KR" altLang="en-US"/>
               <a:t>마스터 제목 스타일 편집</a:t>
             </a:r>
-            <a:endParaRPr lang="ko-KR" altLang="en-US"/>
           </a:p>
         </p:txBody>
       </p:sp>
@@ -1152,38 +1145,37 @@
           <a:p>
             <a:pPr lvl="0"/>
             <a:r>
-              <a:rPr lang="ko-KR" altLang="en-US" smtClean="0"/>
+              <a:rPr lang="ko-KR" altLang="en-US"/>
               <a:t>마스터 텍스트 스타일 편집</a:t>
             </a:r>
           </a:p>
           <a:p>
             <a:pPr lvl="1"/>
             <a:r>
-              <a:rPr lang="ko-KR" altLang="en-US" smtClean="0"/>
+              <a:rPr lang="ko-KR" altLang="en-US"/>
               <a:t>둘째 수준</a:t>
             </a:r>
           </a:p>
           <a:p>
             <a:pPr lvl="2"/>
             <a:r>
-              <a:rPr lang="ko-KR" altLang="en-US" smtClean="0"/>
+              <a:rPr lang="ko-KR" altLang="en-US"/>
               <a:t>셋째 수준</a:t>
             </a:r>
           </a:p>
           <a:p>
             <a:pPr lvl="3"/>
             <a:r>
-              <a:rPr lang="ko-KR" altLang="en-US" smtClean="0"/>
+              <a:rPr lang="ko-KR" altLang="en-US"/>
               <a:t>넷째 수준</a:t>
             </a:r>
           </a:p>
           <a:p>
             <a:pPr lvl="4"/>
             <a:r>
-              <a:rPr lang="ko-KR" altLang="en-US" smtClean="0"/>
+              <a:rPr lang="ko-KR" altLang="en-US"/>
               <a:t>다섯째 수준</a:t>
             </a:r>
-            <a:endParaRPr lang="ko-KR" altLang="en-US"/>
           </a:p>
         </p:txBody>
       </p:sp>
@@ -1204,7 +1196,7 @@
           <a:p>
             <a:fld id="{6CA2144F-5261-45C2-AF35-9E74089734CA}" type="datetimeFigureOut">
               <a:rPr lang="ko-KR" altLang="en-US" smtClean="0"/>
-              <a:t>2025-03-14</a:t>
+              <a:t>2025-03-18</a:t>
             </a:fld>
             <a:endParaRPr lang="ko-KR" altLang="en-US"/>
           </a:p>
@@ -1307,10 +1299,9 @@
           </a:lstStyle>
           <a:p>
             <a:r>
-              <a:rPr lang="ko-KR" altLang="en-US" smtClean="0"/>
+              <a:rPr lang="ko-KR" altLang="en-US"/>
               <a:t>마스터 제목 스타일 편집</a:t>
             </a:r>
-            <a:endParaRPr lang="ko-KR" altLang="en-US"/>
           </a:p>
         </p:txBody>
       </p:sp>
@@ -1427,7 +1418,7 @@
           <a:p>
             <a:pPr lvl="0"/>
             <a:r>
-              <a:rPr lang="ko-KR" altLang="en-US" smtClean="0"/>
+              <a:rPr lang="ko-KR" altLang="en-US"/>
               <a:t>마스터 텍스트 스타일 편집</a:t>
             </a:r>
           </a:p>
@@ -1450,7 +1441,7 @@
           <a:p>
             <a:fld id="{6CA2144F-5261-45C2-AF35-9E74089734CA}" type="datetimeFigureOut">
               <a:rPr lang="ko-KR" altLang="en-US" smtClean="0"/>
-              <a:t>2025-03-14</a:t>
+              <a:t>2025-03-18</a:t>
             </a:fld>
             <a:endParaRPr lang="ko-KR" altLang="en-US"/>
           </a:p>
@@ -1544,10 +1535,9 @@
           <a:lstStyle/>
           <a:p>
             <a:r>
-              <a:rPr lang="ko-KR" altLang="en-US" smtClean="0"/>
+              <a:rPr lang="ko-KR" altLang="en-US"/>
               <a:t>마스터 제목 스타일 편집</a:t>
             </a:r>
-            <a:endParaRPr lang="ko-KR" altLang="en-US"/>
           </a:p>
         </p:txBody>
       </p:sp>
@@ -1573,38 +1563,37 @@
           <a:p>
             <a:pPr lvl="0"/>
             <a:r>
-              <a:rPr lang="ko-KR" altLang="en-US" smtClean="0"/>
+              <a:rPr lang="ko-KR" altLang="en-US"/>
               <a:t>마스터 텍스트 스타일 편집</a:t>
             </a:r>
           </a:p>
           <a:p>
             <a:pPr lvl="1"/>
             <a:r>
-              <a:rPr lang="ko-KR" altLang="en-US" smtClean="0"/>
+              <a:rPr lang="ko-KR" altLang="en-US"/>
               <a:t>둘째 수준</a:t>
             </a:r>
           </a:p>
           <a:p>
             <a:pPr lvl="2"/>
             <a:r>
-              <a:rPr lang="ko-KR" altLang="en-US" smtClean="0"/>
+              <a:rPr lang="ko-KR" altLang="en-US"/>
               <a:t>셋째 수준</a:t>
             </a:r>
           </a:p>
           <a:p>
             <a:pPr lvl="3"/>
             <a:r>
-              <a:rPr lang="ko-KR" altLang="en-US" smtClean="0"/>
+              <a:rPr lang="ko-KR" altLang="en-US"/>
               <a:t>넷째 수준</a:t>
             </a:r>
           </a:p>
           <a:p>
             <a:pPr lvl="4"/>
             <a:r>
-              <a:rPr lang="ko-KR" altLang="en-US" smtClean="0"/>
+              <a:rPr lang="ko-KR" altLang="en-US"/>
               <a:t>다섯째 수준</a:t>
             </a:r>
-            <a:endParaRPr lang="ko-KR" altLang="en-US"/>
           </a:p>
         </p:txBody>
       </p:sp>
@@ -1630,38 +1619,37 @@
           <a:p>
             <a:pPr lvl="0"/>
             <a:r>
-              <a:rPr lang="ko-KR" altLang="en-US" smtClean="0"/>
+              <a:rPr lang="ko-KR" altLang="en-US"/>
               <a:t>마스터 텍스트 스타일 편집</a:t>
             </a:r>
           </a:p>
           <a:p>
             <a:pPr lvl="1"/>
             <a:r>
-              <a:rPr lang="ko-KR" altLang="en-US" smtClean="0"/>
+              <a:rPr lang="ko-KR" altLang="en-US"/>
               <a:t>둘째 수준</a:t>
             </a:r>
           </a:p>
           <a:p>
             <a:pPr lvl="2"/>
             <a:r>
-              <a:rPr lang="ko-KR" altLang="en-US" smtClean="0"/>
+              <a:rPr lang="ko-KR" altLang="en-US"/>
               <a:t>셋째 수준</a:t>
             </a:r>
           </a:p>
           <a:p>
             <a:pPr lvl="3"/>
             <a:r>
-              <a:rPr lang="ko-KR" altLang="en-US" smtClean="0"/>
+              <a:rPr lang="ko-KR" altLang="en-US"/>
               <a:t>넷째 수준</a:t>
             </a:r>
           </a:p>
           <a:p>
             <a:pPr lvl="4"/>
             <a:r>
-              <a:rPr lang="ko-KR" altLang="en-US" smtClean="0"/>
+              <a:rPr lang="ko-KR" altLang="en-US"/>
               <a:t>다섯째 수준</a:t>
             </a:r>
-            <a:endParaRPr lang="ko-KR" altLang="en-US"/>
           </a:p>
         </p:txBody>
       </p:sp>
@@ -1682,7 +1670,7 @@
           <a:p>
             <a:fld id="{6CA2144F-5261-45C2-AF35-9E74089734CA}" type="datetimeFigureOut">
               <a:rPr lang="ko-KR" altLang="en-US" smtClean="0"/>
-              <a:t>2025-03-14</a:t>
+              <a:t>2025-03-18</a:t>
             </a:fld>
             <a:endParaRPr lang="ko-KR" altLang="en-US"/>
           </a:p>
@@ -1781,10 +1769,9 @@
           <a:lstStyle/>
           <a:p>
             <a:r>
-              <a:rPr lang="ko-KR" altLang="en-US" smtClean="0"/>
+              <a:rPr lang="ko-KR" altLang="en-US"/>
               <a:t>마스터 제목 스타일 편집</a:t>
             </a:r>
-            <a:endParaRPr lang="ko-KR" altLang="en-US"/>
           </a:p>
         </p:txBody>
       </p:sp>
@@ -1847,7 +1834,7 @@
           <a:p>
             <a:pPr lvl="0"/>
             <a:r>
-              <a:rPr lang="ko-KR" altLang="en-US" smtClean="0"/>
+              <a:rPr lang="ko-KR" altLang="en-US"/>
               <a:t>마스터 텍스트 스타일 편집</a:t>
             </a:r>
           </a:p>
@@ -1875,38 +1862,37 @@
           <a:p>
             <a:pPr lvl="0"/>
             <a:r>
-              <a:rPr lang="ko-KR" altLang="en-US" smtClean="0"/>
+              <a:rPr lang="ko-KR" altLang="en-US"/>
               <a:t>마스터 텍스트 스타일 편집</a:t>
             </a:r>
           </a:p>
           <a:p>
             <a:pPr lvl="1"/>
             <a:r>
-              <a:rPr lang="ko-KR" altLang="en-US" smtClean="0"/>
+              <a:rPr lang="ko-KR" altLang="en-US"/>
               <a:t>둘째 수준</a:t>
             </a:r>
           </a:p>
           <a:p>
             <a:pPr lvl="2"/>
             <a:r>
-              <a:rPr lang="ko-KR" altLang="en-US" smtClean="0"/>
+              <a:rPr lang="ko-KR" altLang="en-US"/>
               <a:t>셋째 수준</a:t>
             </a:r>
           </a:p>
           <a:p>
             <a:pPr lvl="3"/>
             <a:r>
-              <a:rPr lang="ko-KR" altLang="en-US" smtClean="0"/>
+              <a:rPr lang="ko-KR" altLang="en-US"/>
               <a:t>넷째 수준</a:t>
             </a:r>
           </a:p>
           <a:p>
             <a:pPr lvl="4"/>
             <a:r>
-              <a:rPr lang="ko-KR" altLang="en-US" smtClean="0"/>
+              <a:rPr lang="ko-KR" altLang="en-US"/>
               <a:t>다섯째 수준</a:t>
             </a:r>
-            <a:endParaRPr lang="ko-KR" altLang="en-US"/>
           </a:p>
         </p:txBody>
       </p:sp>
@@ -1969,7 +1955,7 @@
           <a:p>
             <a:pPr lvl="0"/>
             <a:r>
-              <a:rPr lang="ko-KR" altLang="en-US" smtClean="0"/>
+              <a:rPr lang="ko-KR" altLang="en-US"/>
               <a:t>마스터 텍스트 스타일 편집</a:t>
             </a:r>
           </a:p>
@@ -1997,38 +1983,37 @@
           <a:p>
             <a:pPr lvl="0"/>
             <a:r>
-              <a:rPr lang="ko-KR" altLang="en-US" smtClean="0"/>
+              <a:rPr lang="ko-KR" altLang="en-US"/>
               <a:t>마스터 텍스트 스타일 편집</a:t>
             </a:r>
           </a:p>
           <a:p>
             <a:pPr lvl="1"/>
             <a:r>
-              <a:rPr lang="ko-KR" altLang="en-US" smtClean="0"/>
+              <a:rPr lang="ko-KR" altLang="en-US"/>
               <a:t>둘째 수준</a:t>
             </a:r>
           </a:p>
           <a:p>
             <a:pPr lvl="2"/>
             <a:r>
-              <a:rPr lang="ko-KR" altLang="en-US" smtClean="0"/>
+              <a:rPr lang="ko-KR" altLang="en-US"/>
               <a:t>셋째 수준</a:t>
             </a:r>
           </a:p>
           <a:p>
             <a:pPr lvl="3"/>
             <a:r>
-              <a:rPr lang="ko-KR" altLang="en-US" smtClean="0"/>
+              <a:rPr lang="ko-KR" altLang="en-US"/>
               <a:t>넷째 수준</a:t>
             </a:r>
           </a:p>
           <a:p>
             <a:pPr lvl="4"/>
             <a:r>
-              <a:rPr lang="ko-KR" altLang="en-US" smtClean="0"/>
+              <a:rPr lang="ko-KR" altLang="en-US"/>
               <a:t>다섯째 수준</a:t>
             </a:r>
-            <a:endParaRPr lang="ko-KR" altLang="en-US"/>
           </a:p>
         </p:txBody>
       </p:sp>
@@ -2049,7 +2034,7 @@
           <a:p>
             <a:fld id="{6CA2144F-5261-45C2-AF35-9E74089734CA}" type="datetimeFigureOut">
               <a:rPr lang="ko-KR" altLang="en-US" smtClean="0"/>
-              <a:t>2025-03-14</a:t>
+              <a:t>2025-03-18</a:t>
             </a:fld>
             <a:endParaRPr lang="ko-KR" altLang="en-US"/>
           </a:p>
@@ -2143,10 +2128,9 @@
           <a:lstStyle/>
           <a:p>
             <a:r>
-              <a:rPr lang="ko-KR" altLang="en-US" smtClean="0"/>
+              <a:rPr lang="ko-KR" altLang="en-US"/>
               <a:t>마스터 제목 스타일 편집</a:t>
             </a:r>
-            <a:endParaRPr lang="ko-KR" altLang="en-US"/>
           </a:p>
         </p:txBody>
       </p:sp>
@@ -2167,7 +2151,7 @@
           <a:p>
             <a:fld id="{6CA2144F-5261-45C2-AF35-9E74089734CA}" type="datetimeFigureOut">
               <a:rPr lang="ko-KR" altLang="en-US" smtClean="0"/>
-              <a:t>2025-03-14</a:t>
+              <a:t>2025-03-18</a:t>
             </a:fld>
             <a:endParaRPr lang="ko-KR" altLang="en-US"/>
           </a:p>
@@ -2262,7 +2246,7 @@
           <a:p>
             <a:fld id="{6CA2144F-5261-45C2-AF35-9E74089734CA}" type="datetimeFigureOut">
               <a:rPr lang="ko-KR" altLang="en-US" smtClean="0"/>
-              <a:t>2025-03-14</a:t>
+              <a:t>2025-03-18</a:t>
             </a:fld>
             <a:endParaRPr lang="ko-KR" altLang="en-US"/>
           </a:p>
@@ -2365,10 +2349,9 @@
           </a:lstStyle>
           <a:p>
             <a:r>
-              <a:rPr lang="ko-KR" altLang="en-US" smtClean="0"/>
+              <a:rPr lang="ko-KR" altLang="en-US"/>
               <a:t>마스터 제목 스타일 편집</a:t>
             </a:r>
-            <a:endParaRPr lang="ko-KR" altLang="en-US"/>
           </a:p>
         </p:txBody>
       </p:sp>
@@ -2422,38 +2405,37 @@
           <a:p>
             <a:pPr lvl="0"/>
             <a:r>
-              <a:rPr lang="ko-KR" altLang="en-US" smtClean="0"/>
+              <a:rPr lang="ko-KR" altLang="en-US"/>
               <a:t>마스터 텍스트 스타일 편집</a:t>
             </a:r>
           </a:p>
           <a:p>
             <a:pPr lvl="1"/>
             <a:r>
-              <a:rPr lang="ko-KR" altLang="en-US" smtClean="0"/>
+              <a:rPr lang="ko-KR" altLang="en-US"/>
               <a:t>둘째 수준</a:t>
             </a:r>
           </a:p>
           <a:p>
             <a:pPr lvl="2"/>
             <a:r>
-              <a:rPr lang="ko-KR" altLang="en-US" smtClean="0"/>
+              <a:rPr lang="ko-KR" altLang="en-US"/>
               <a:t>셋째 수준</a:t>
             </a:r>
           </a:p>
           <a:p>
             <a:pPr lvl="3"/>
             <a:r>
-              <a:rPr lang="ko-KR" altLang="en-US" smtClean="0"/>
+              <a:rPr lang="ko-KR" altLang="en-US"/>
               <a:t>넷째 수준</a:t>
             </a:r>
           </a:p>
           <a:p>
             <a:pPr lvl="4"/>
             <a:r>
-              <a:rPr lang="ko-KR" altLang="en-US" smtClean="0"/>
+              <a:rPr lang="ko-KR" altLang="en-US"/>
               <a:t>다섯째 수준</a:t>
             </a:r>
-            <a:endParaRPr lang="ko-KR" altLang="en-US"/>
           </a:p>
         </p:txBody>
       </p:sp>
@@ -2516,7 +2498,7 @@
           <a:p>
             <a:pPr lvl="0"/>
             <a:r>
-              <a:rPr lang="ko-KR" altLang="en-US" smtClean="0"/>
+              <a:rPr lang="ko-KR" altLang="en-US"/>
               <a:t>마스터 텍스트 스타일 편집</a:t>
             </a:r>
           </a:p>
@@ -2539,7 +2521,7 @@
           <a:p>
             <a:fld id="{6CA2144F-5261-45C2-AF35-9E74089734CA}" type="datetimeFigureOut">
               <a:rPr lang="ko-KR" altLang="en-US" smtClean="0"/>
-              <a:t>2025-03-14</a:t>
+              <a:t>2025-03-18</a:t>
             </a:fld>
             <a:endParaRPr lang="ko-KR" altLang="en-US"/>
           </a:p>
@@ -2642,10 +2624,9 @@
           </a:lstStyle>
           <a:p>
             <a:r>
-              <a:rPr lang="ko-KR" altLang="en-US" smtClean="0"/>
+              <a:rPr lang="ko-KR" altLang="en-US"/>
               <a:t>마스터 제목 스타일 편집</a:t>
             </a:r>
-            <a:endParaRPr lang="ko-KR" altLang="en-US"/>
           </a:p>
         </p:txBody>
       </p:sp>
@@ -2769,7 +2750,7 @@
           <a:p>
             <a:pPr lvl="0"/>
             <a:r>
-              <a:rPr lang="ko-KR" altLang="en-US" smtClean="0"/>
+              <a:rPr lang="ko-KR" altLang="en-US"/>
               <a:t>마스터 텍스트 스타일 편집</a:t>
             </a:r>
           </a:p>
@@ -2792,7 +2773,7 @@
           <a:p>
             <a:fld id="{6CA2144F-5261-45C2-AF35-9E74089734CA}" type="datetimeFigureOut">
               <a:rPr lang="ko-KR" altLang="en-US" smtClean="0"/>
-              <a:t>2025-03-14</a:t>
+              <a:t>2025-03-18</a:t>
             </a:fld>
             <a:endParaRPr lang="ko-KR" altLang="en-US"/>
           </a:p>
@@ -2901,10 +2882,9 @@
           <a:lstStyle/>
           <a:p>
             <a:r>
-              <a:rPr lang="ko-KR" altLang="en-US" smtClean="0"/>
+              <a:rPr lang="ko-KR" altLang="en-US"/>
               <a:t>마스터 제목 스타일 편집</a:t>
             </a:r>
-            <a:endParaRPr lang="ko-KR" altLang="en-US"/>
           </a:p>
         </p:txBody>
       </p:sp>
@@ -2935,38 +2915,37 @@
           <a:p>
             <a:pPr lvl="0"/>
             <a:r>
-              <a:rPr lang="ko-KR" altLang="en-US" smtClean="0"/>
+              <a:rPr lang="ko-KR" altLang="en-US"/>
               <a:t>마스터 텍스트 스타일 편집</a:t>
             </a:r>
           </a:p>
           <a:p>
             <a:pPr lvl="1"/>
             <a:r>
-              <a:rPr lang="ko-KR" altLang="en-US" smtClean="0"/>
+              <a:rPr lang="ko-KR" altLang="en-US"/>
               <a:t>둘째 수준</a:t>
             </a:r>
           </a:p>
           <a:p>
             <a:pPr lvl="2"/>
             <a:r>
-              <a:rPr lang="ko-KR" altLang="en-US" smtClean="0"/>
+              <a:rPr lang="ko-KR" altLang="en-US"/>
               <a:t>셋째 수준</a:t>
             </a:r>
           </a:p>
           <a:p>
             <a:pPr lvl="3"/>
             <a:r>
-              <a:rPr lang="ko-KR" altLang="en-US" smtClean="0"/>
+              <a:rPr lang="ko-KR" altLang="en-US"/>
               <a:t>넷째 수준</a:t>
             </a:r>
           </a:p>
           <a:p>
             <a:pPr lvl="4"/>
             <a:r>
-              <a:rPr lang="ko-KR" altLang="en-US" smtClean="0"/>
+              <a:rPr lang="ko-KR" altLang="en-US"/>
               <a:t>다섯째 수준</a:t>
             </a:r>
-            <a:endParaRPr lang="ko-KR" altLang="en-US"/>
           </a:p>
         </p:txBody>
       </p:sp>
@@ -3005,7 +2984,7 @@
           <a:p>
             <a:fld id="{6CA2144F-5261-45C2-AF35-9E74089734CA}" type="datetimeFigureOut">
               <a:rPr lang="ko-KR" altLang="en-US" smtClean="0"/>
-              <a:t>2025-03-14</a:t>
+              <a:t>2025-03-18</a:t>
             </a:fld>
             <a:endParaRPr lang="ko-KR" altLang="en-US"/>
           </a:p>
@@ -3426,11 +3405,11 @@
           <a:lstStyle/>
           <a:p>
             <a:r>
-              <a:rPr lang="ko-KR" altLang="en-US" dirty="0" err="1" smtClean="0"/>
-              <a:t>메모미</a:t>
-            </a:r>
-            <a:r>
-              <a:rPr lang="en-US" altLang="ko-KR" dirty="0" smtClean="0"/>
+              <a:rPr lang="ko-KR" altLang="en-US" dirty="0"/>
+              <a:t>이드</a:t>
+            </a:r>
+            <a:r>
+              <a:rPr lang="en-US" altLang="ko-KR" dirty="0"/>
               <a:t>(Id)</a:t>
             </a:r>
             <a:endParaRPr lang="ko-KR" altLang="en-US" dirty="0"/>
@@ -3458,8 +3437,12 @@
           <a:lstStyle/>
           <a:p>
             <a:r>
-              <a:rPr lang="ko-KR" altLang="en-US" dirty="0" smtClean="0"/>
-              <a:t>나에게 하는 메모</a:t>
+              <a:rPr lang="ko-KR" altLang="en-US" dirty="0"/>
+              <a:t>당신의 기억을 대신 해드립니다</a:t>
+            </a:r>
+            <a:r>
+              <a:rPr lang="en-US" altLang="ko-KR" dirty="0"/>
+              <a:t>.</a:t>
             </a:r>
             <a:endParaRPr lang="ko-KR" altLang="en-US" dirty="0"/>
           </a:p>
@@ -3516,13 +3499,6 @@
   <p:clrMapOvr>
     <a:masterClrMapping/>
   </p:clrMapOvr>
-  <p:timing>
-    <p:tnLst>
-      <p:par>
-        <p:cTn id="1" dur="indefinite" restart="never" nodeType="tmRoot"/>
-      </p:par>
-    </p:tnLst>
-  </p:timing>
 </p:sld>
 </file>
 
@@ -3545,112 +3521,206 @@
       </p:grpSpPr>
       <p:sp>
         <p:nvSpPr>
-          <p:cNvPr id="2" name="제목 1"/>
-          <p:cNvSpPr>
-            <a:spLocks noGrp="1"/>
-          </p:cNvSpPr>
-          <p:nvPr>
-            <p:ph type="title"/>
-          </p:nvPr>
-        </p:nvSpPr>
-        <p:spPr/>
-        <p:txBody>
-          <a:bodyPr/>
-          <a:lstStyle/>
-          <a:p>
-            <a:r>
-              <a:rPr lang="ko-KR" altLang="en-US" dirty="0" smtClean="0"/>
-              <a:t>서비스 목적</a:t>
-            </a:r>
-            <a:endParaRPr lang="ko-KR" altLang="en-US" dirty="0"/>
-          </a:p>
-        </p:txBody>
-      </p:sp>
-      <p:sp>
-        <p:nvSpPr>
-          <p:cNvPr id="3" name="내용 개체 틀 2"/>
-          <p:cNvSpPr>
-            <a:spLocks noGrp="1"/>
-          </p:cNvSpPr>
-          <p:nvPr>
-            <p:ph idx="1"/>
-          </p:nvPr>
-        </p:nvSpPr>
-        <p:spPr/>
-        <p:txBody>
-          <a:bodyPr/>
-          <a:lstStyle/>
-          <a:p>
-            <a:r>
-              <a:rPr lang="ko-KR" altLang="en-US" dirty="0" smtClean="0"/>
-              <a:t>하루에 절반 이상 인터넷 활동을 하지만</a:t>
-            </a:r>
-            <a:r>
-              <a:rPr lang="en-US" altLang="ko-KR" dirty="0" smtClean="0"/>
-              <a:t>, </a:t>
-            </a:r>
-            <a:r>
-              <a:rPr lang="ko-KR" altLang="en-US" dirty="0" smtClean="0"/>
-              <a:t>돌아서면 기억에 남는 것은 하나도 없다</a:t>
-            </a:r>
-            <a:endParaRPr lang="en-US" altLang="ko-KR" dirty="0" smtClean="0"/>
-          </a:p>
-          <a:p>
-            <a:endParaRPr lang="en-US" altLang="ko-KR" dirty="0" smtClean="0"/>
-          </a:p>
-          <a:p>
-            <a:r>
-              <a:rPr lang="ko-KR" altLang="en-US" dirty="0" smtClean="0"/>
-              <a:t>메모하거나 </a:t>
-            </a:r>
-            <a:r>
-              <a:rPr lang="ko-KR" altLang="en-US" dirty="0" err="1" smtClean="0"/>
-              <a:t>북마크</a:t>
-            </a:r>
-            <a:r>
-              <a:rPr lang="ko-KR" altLang="en-US" dirty="0" smtClean="0"/>
-              <a:t> 해둬야 기억하는데</a:t>
-            </a:r>
-            <a:r>
-              <a:rPr lang="en-US" altLang="ko-KR" dirty="0" smtClean="0"/>
-              <a:t>, </a:t>
-            </a:r>
-            <a:r>
-              <a:rPr lang="ko-KR" altLang="en-US" dirty="0" smtClean="0"/>
-              <a:t>이마저도 </a:t>
-            </a:r>
-            <a:r>
-              <a:rPr lang="ko-KR" altLang="en-US" dirty="0" smtClean="0"/>
-              <a:t>귀찮을 때가 많다</a:t>
-            </a:r>
-            <a:r>
-              <a:rPr lang="en-US" altLang="ko-KR" dirty="0" smtClean="0"/>
-              <a:t>. </a:t>
-            </a:r>
-            <a:r>
-              <a:rPr lang="ko-KR" altLang="en-US" dirty="0" smtClean="0"/>
-              <a:t>불필요하게 열어둔 탭은 덤</a:t>
-            </a:r>
-            <a:r>
-              <a:rPr lang="en-US" altLang="ko-KR" dirty="0" smtClean="0"/>
-              <a:t>..</a:t>
-            </a:r>
-            <a:endParaRPr lang="ko-KR" altLang="en-US" dirty="0"/>
-          </a:p>
-        </p:txBody>
-      </p:sp>
-      <p:sp>
-        <p:nvSpPr>
-          <p:cNvPr id="4" name="오른쪽 화살표 3"/>
+          <p:cNvPr id="4" name="직사각형 3">
+            <a:extLst>
+              <a:ext uri="{FF2B5EF4-FFF2-40B4-BE49-F238E27FC236}">
+                <a16:creationId xmlns:a16="http://schemas.microsoft.com/office/drawing/2014/main" id="{CEC2C5EA-FFE8-4D1F-BD64-35F77F10D960}"/>
+              </a:ext>
+            </a:extLst>
+          </p:cNvPr>
           <p:cNvSpPr/>
           <p:nvPr/>
         </p:nvSpPr>
         <p:spPr>
           <a:xfrm>
-            <a:off x="653143" y="5197151"/>
-            <a:ext cx="1315616" cy="811861"/>
+            <a:off x="248514" y="2157259"/>
+            <a:ext cx="1905913" cy="986532"/>
+          </a:xfrm>
+          <a:prstGeom prst="rect">
+            <a:avLst/>
+          </a:prstGeom>
+        </p:spPr>
+        <p:style>
+          <a:lnRef idx="2">
+            <a:schemeClr val="accent2">
+              <a:shade val="50000"/>
+            </a:schemeClr>
+          </a:lnRef>
+          <a:fillRef idx="1">
+            <a:schemeClr val="accent2"/>
+          </a:fillRef>
+          <a:effectRef idx="0">
+            <a:schemeClr val="accent2"/>
+          </a:effectRef>
+          <a:fontRef idx="minor">
+            <a:schemeClr val="lt1"/>
+          </a:fontRef>
+        </p:style>
+        <p:txBody>
+          <a:bodyPr rtlCol="0" anchor="ctr"/>
+          <a:lstStyle/>
+          <a:p>
+            <a:pPr algn="ctr"/>
+            <a:r>
+              <a:rPr lang="ko-KR" altLang="en-US"/>
+              <a:t>방문 기록</a:t>
+            </a:r>
+          </a:p>
+        </p:txBody>
+      </p:sp>
+      <p:sp>
+        <p:nvSpPr>
+          <p:cNvPr id="5" name="TextBox 4">
+            <a:extLst>
+              <a:ext uri="{FF2B5EF4-FFF2-40B4-BE49-F238E27FC236}">
+                <a16:creationId xmlns:a16="http://schemas.microsoft.com/office/drawing/2014/main" id="{094303C6-324F-4061-A865-9C9275CE1DC6}"/>
+              </a:ext>
+            </a:extLst>
+          </p:cNvPr>
+          <p:cNvSpPr txBox="1"/>
+          <p:nvPr/>
+        </p:nvSpPr>
+        <p:spPr>
+          <a:xfrm>
+            <a:off x="139944" y="1503051"/>
+            <a:ext cx="2113079" cy="369332"/>
+          </a:xfrm>
+          <a:prstGeom prst="rect">
+            <a:avLst/>
+          </a:prstGeom>
+          <a:noFill/>
+        </p:spPr>
+        <p:txBody>
+          <a:bodyPr wrap="none" rtlCol="0">
+            <a:spAutoFit/>
+          </a:bodyPr>
+          <a:lstStyle/>
+          <a:p>
+            <a:r>
+              <a:rPr lang="ko-KR" altLang="en-US" dirty="0"/>
+              <a:t>크롬 확장프로그램</a:t>
+            </a:r>
+          </a:p>
+        </p:txBody>
+      </p:sp>
+      <p:pic>
+        <p:nvPicPr>
+          <p:cNvPr id="6" name="Picture 2" descr="구글 크롬 로고 크롬 웹 스토어 웹 브라우저 바탕 화면, 크롬, 로고, 컴퓨터 벽지 png | PNGEgg">
+            <a:extLst>
+              <a:ext uri="{FF2B5EF4-FFF2-40B4-BE49-F238E27FC236}">
+                <a16:creationId xmlns:a16="http://schemas.microsoft.com/office/drawing/2014/main" id="{593E381B-EEAC-4485-9C52-6759663A1875}"/>
+              </a:ext>
+            </a:extLst>
+          </p:cNvPr>
+          <p:cNvPicPr>
+            <a:picLocks noChangeAspect="1" noChangeArrowheads="1"/>
+          </p:cNvPicPr>
+          <p:nvPr/>
+        </p:nvPicPr>
+        <p:blipFill>
+          <a:blip r:embed="rId2" cstate="print">
+            <a:extLst>
+              <a:ext uri="{28A0092B-C50C-407E-A947-70E740481C1C}">
+                <a14:useLocalDpi xmlns:a14="http://schemas.microsoft.com/office/drawing/2010/main" val="0"/>
+              </a:ext>
+            </a:extLst>
+          </a:blip>
+          <a:srcRect/>
+          <a:stretch>
+            <a:fillRect/>
+          </a:stretch>
+        </p:blipFill>
+        <p:spPr bwMode="auto">
+          <a:xfrm>
+            <a:off x="492992" y="540706"/>
+            <a:ext cx="1406982" cy="887962"/>
+          </a:xfrm>
+          <a:prstGeom prst="rect">
+            <a:avLst/>
+          </a:prstGeom>
+          <a:noFill/>
+          <a:extLst>
+            <a:ext uri="{909E8E84-426E-40DD-AFC4-6F175D3DCCD1}">
+              <a14:hiddenFill xmlns:a14="http://schemas.microsoft.com/office/drawing/2010/main">
+                <a:solidFill>
+                  <a:srgbClr val="FFFFFF"/>
+                </a:solidFill>
+              </a14:hiddenFill>
+            </a:ext>
+          </a:extLst>
+        </p:spPr>
+      </p:pic>
+      <p:sp>
+        <p:nvSpPr>
+          <p:cNvPr id="7" name="오른쪽 화살표 33">
+            <a:extLst>
+              <a:ext uri="{FF2B5EF4-FFF2-40B4-BE49-F238E27FC236}">
+                <a16:creationId xmlns:a16="http://schemas.microsoft.com/office/drawing/2014/main" id="{F3F47CA5-D777-4694-B75A-801AD17551A2}"/>
+              </a:ext>
+            </a:extLst>
+          </p:cNvPr>
+          <p:cNvSpPr/>
+          <p:nvPr/>
+        </p:nvSpPr>
+        <p:spPr>
+          <a:xfrm>
+            <a:off x="2539130" y="2316416"/>
+            <a:ext cx="1732585" cy="668218"/>
           </a:xfrm>
           <a:prstGeom prst="rightArrow">
+            <a:avLst/>
+          </a:prstGeom>
+        </p:spPr>
+        <p:style>
+          <a:lnRef idx="2">
+            <a:schemeClr val="accent4">
+              <a:shade val="50000"/>
+            </a:schemeClr>
+          </a:lnRef>
+          <a:fillRef idx="1">
+            <a:schemeClr val="accent4"/>
+          </a:fillRef>
+          <a:effectRef idx="0">
+            <a:schemeClr val="accent4"/>
+          </a:effectRef>
+          <a:fontRef idx="minor">
+            <a:schemeClr val="lt1"/>
+          </a:fontRef>
+        </p:style>
+        <p:txBody>
+          <a:bodyPr rtlCol="0" anchor="ctr"/>
+          <a:lstStyle/>
+          <a:p>
+            <a:pPr algn="ctr"/>
+            <a:r>
+              <a:rPr lang="ko-KR" altLang="en-US" dirty="0">
+                <a:solidFill>
+                  <a:schemeClr val="tx1"/>
+                </a:solidFill>
+              </a:rPr>
+              <a:t>수집</a:t>
+            </a:r>
+          </a:p>
+        </p:txBody>
+      </p:sp>
+      <p:sp>
+        <p:nvSpPr>
+          <p:cNvPr id="8" name="직사각형 7">
+            <a:extLst>
+              <a:ext uri="{FF2B5EF4-FFF2-40B4-BE49-F238E27FC236}">
+                <a16:creationId xmlns:a16="http://schemas.microsoft.com/office/drawing/2014/main" id="{9B116915-945E-4E9D-8E8E-C18A0059FADD}"/>
+              </a:ext>
+            </a:extLst>
+          </p:cNvPr>
+          <p:cNvSpPr/>
+          <p:nvPr/>
+        </p:nvSpPr>
+        <p:spPr>
+          <a:xfrm>
+            <a:off x="4766540" y="2157259"/>
+            <a:ext cx="3153747" cy="1163218"/>
+          </a:xfrm>
+          <a:prstGeom prst="rect">
             <a:avLst/>
           </a:prstGeom>
         </p:spPr>
@@ -3675,60 +3745,264 @@
           <a:lstStyle/>
           <a:p>
             <a:pPr algn="ctr"/>
-            <a:endParaRPr lang="ko-KR" altLang="en-US"/>
-          </a:p>
-        </p:txBody>
-      </p:sp>
-      <p:sp>
-        <p:nvSpPr>
-          <p:cNvPr id="5" name="TextBox 4"/>
-          <p:cNvSpPr txBox="1"/>
+            <a:r>
+              <a:rPr lang="ko-KR" altLang="en-US" dirty="0"/>
+              <a:t>사용자 니즈 분석</a:t>
+            </a:r>
+          </a:p>
+        </p:txBody>
+      </p:sp>
+      <p:pic>
+        <p:nvPicPr>
+          <p:cNvPr id="1026" name="Picture 2" descr="FastAPI 파이썬으로 간단하게 웹 API 만들기">
+            <a:extLst>
+              <a:ext uri="{FF2B5EF4-FFF2-40B4-BE49-F238E27FC236}">
+                <a16:creationId xmlns:a16="http://schemas.microsoft.com/office/drawing/2014/main" id="{705A0D73-29DD-46C1-B163-3610E5900D22}"/>
+              </a:ext>
+            </a:extLst>
+          </p:cNvPr>
+          <p:cNvPicPr>
+            <a:picLocks noChangeAspect="1" noChangeArrowheads="1"/>
+          </p:cNvPicPr>
           <p:nvPr/>
-        </p:nvSpPr>
-        <p:spPr>
-          <a:xfrm>
-            <a:off x="2153816" y="5383764"/>
-            <a:ext cx="9668070" cy="461665"/>
+        </p:nvPicPr>
+        <p:blipFill>
+          <a:blip r:embed="rId3" cstate="print">
+            <a:extLst>
+              <a:ext uri="{28A0092B-C50C-407E-A947-70E740481C1C}">
+                <a14:useLocalDpi xmlns:a14="http://schemas.microsoft.com/office/drawing/2010/main" val="0"/>
+              </a:ext>
+            </a:extLst>
+          </a:blip>
+          <a:srcRect/>
+          <a:stretch>
+            <a:fillRect/>
+          </a:stretch>
+        </p:blipFill>
+        <p:spPr bwMode="auto">
+          <a:xfrm>
+            <a:off x="5171622" y="1265047"/>
+            <a:ext cx="2343581" cy="845339"/>
           </a:xfrm>
           <a:prstGeom prst="rect">
             <a:avLst/>
           </a:prstGeom>
           <a:noFill/>
-        </p:spPr>
-        <p:txBody>
-          <a:bodyPr wrap="square" rtlCol="0">
-            <a:spAutoFit/>
-          </a:bodyPr>
-          <a:lstStyle/>
-          <a:p>
-            <a:r>
-              <a:rPr lang="ko-KR" altLang="en-US" sz="2400" b="1" dirty="0" smtClean="0">
+          <a:extLst>
+            <a:ext uri="{909E8E84-426E-40DD-AFC4-6F175D3DCCD1}">
+              <a14:hiddenFill xmlns:a14="http://schemas.microsoft.com/office/drawing/2010/main">
                 <a:solidFill>
-                  <a:schemeClr val="accent1"/>
+                  <a:srgbClr val="FFFFFF"/>
+                </a:solidFill>
+              </a14:hiddenFill>
+            </a:ext>
+          </a:extLst>
+        </p:spPr>
+      </p:pic>
+      <p:pic>
+        <p:nvPicPr>
+          <p:cNvPr id="10" name="그림 9">
+            <a:extLst>
+              <a:ext uri="{FF2B5EF4-FFF2-40B4-BE49-F238E27FC236}">
+                <a16:creationId xmlns:a16="http://schemas.microsoft.com/office/drawing/2014/main" id="{34EEDE34-7111-468D-84B6-7F917BAA6A34}"/>
+              </a:ext>
+            </a:extLst>
+          </p:cNvPr>
+          <p:cNvPicPr>
+            <a:picLocks noChangeAspect="1"/>
+          </p:cNvPicPr>
+          <p:nvPr/>
+        </p:nvPicPr>
+        <p:blipFill>
+          <a:blip r:embed="rId4"/>
+          <a:stretch>
+            <a:fillRect/>
+          </a:stretch>
+        </p:blipFill>
+        <p:spPr>
+          <a:xfrm>
+            <a:off x="248514" y="4848154"/>
+            <a:ext cx="3535891" cy="1060767"/>
+          </a:xfrm>
+          <a:prstGeom prst="rect">
+            <a:avLst/>
+          </a:prstGeom>
+          <a:ln w="38100" cap="sq">
+            <a:solidFill>
+              <a:srgbClr val="000000"/>
+            </a:solidFill>
+            <a:prstDash val="solid"/>
+            <a:miter lim="800000"/>
+          </a:ln>
+          <a:effectLst>
+            <a:outerShdw blurRad="50800" dist="38100" dir="2700000" algn="tl" rotWithShape="0">
+              <a:srgbClr val="000000">
+                <a:alpha val="43000"/>
+              </a:srgbClr>
+            </a:outerShdw>
+          </a:effectLst>
+        </p:spPr>
+      </p:pic>
+      <p:pic>
+        <p:nvPicPr>
+          <p:cNvPr id="11" name="Picture 6" descr="IA : Une web interface à Ollama avec Ollama LLM UI (Projet en dev) - Wiki -  Wiki">
+            <a:extLst>
+              <a:ext uri="{FF2B5EF4-FFF2-40B4-BE49-F238E27FC236}">
+                <a16:creationId xmlns:a16="http://schemas.microsoft.com/office/drawing/2014/main" id="{4FEDC1BD-C5EB-42E0-997C-4B5483141F0F}"/>
+              </a:ext>
+            </a:extLst>
+          </p:cNvPr>
+          <p:cNvPicPr>
+            <a:picLocks noChangeAspect="1" noChangeArrowheads="1"/>
+          </p:cNvPicPr>
+          <p:nvPr/>
+        </p:nvPicPr>
+        <p:blipFill>
+          <a:blip r:embed="rId5" cstate="print">
+            <a:extLst>
+              <a:ext uri="{28A0092B-C50C-407E-A947-70E740481C1C}">
+                <a14:useLocalDpi xmlns:a14="http://schemas.microsoft.com/office/drawing/2010/main" val="0"/>
+              </a:ext>
+            </a:extLst>
+          </a:blip>
+          <a:srcRect/>
+          <a:stretch>
+            <a:fillRect/>
+          </a:stretch>
+        </p:blipFill>
+        <p:spPr bwMode="auto">
+          <a:xfrm>
+            <a:off x="335286" y="3873367"/>
+            <a:ext cx="1819141" cy="627604"/>
+          </a:xfrm>
+          <a:prstGeom prst="rect">
+            <a:avLst/>
+          </a:prstGeom>
+          <a:noFill/>
+          <a:extLst>
+            <a:ext uri="{909E8E84-426E-40DD-AFC4-6F175D3DCCD1}">
+              <a14:hiddenFill xmlns:a14="http://schemas.microsoft.com/office/drawing/2010/main">
+                <a:solidFill>
+                  <a:srgbClr val="FFFFFF"/>
+                </a:solidFill>
+              </a14:hiddenFill>
+            </a:ext>
+          </a:extLst>
+        </p:spPr>
+      </p:pic>
+      <p:sp>
+        <p:nvSpPr>
+          <p:cNvPr id="12" name="오른쪽 화살표 33">
+            <a:extLst>
+              <a:ext uri="{FF2B5EF4-FFF2-40B4-BE49-F238E27FC236}">
+                <a16:creationId xmlns:a16="http://schemas.microsoft.com/office/drawing/2014/main" id="{823301FF-A054-4B32-BD85-3FF2611DAD19}"/>
+              </a:ext>
+            </a:extLst>
+          </p:cNvPr>
+          <p:cNvSpPr/>
+          <p:nvPr/>
+        </p:nvSpPr>
+        <p:spPr>
+          <a:xfrm>
+            <a:off x="4271715" y="5044428"/>
+            <a:ext cx="1732585" cy="668218"/>
+          </a:xfrm>
+          <a:prstGeom prst="rightArrow">
+            <a:avLst/>
+          </a:prstGeom>
+        </p:spPr>
+        <p:style>
+          <a:lnRef idx="2">
+            <a:schemeClr val="accent4">
+              <a:shade val="50000"/>
+            </a:schemeClr>
+          </a:lnRef>
+          <a:fillRef idx="1">
+            <a:schemeClr val="accent4"/>
+          </a:fillRef>
+          <a:effectRef idx="0">
+            <a:schemeClr val="accent4"/>
+          </a:effectRef>
+          <a:fontRef idx="minor">
+            <a:schemeClr val="lt1"/>
+          </a:fontRef>
+        </p:style>
+        <p:txBody>
+          <a:bodyPr rtlCol="0" anchor="ctr"/>
+          <a:lstStyle/>
+          <a:p>
+            <a:pPr algn="ctr"/>
+            <a:r>
+              <a:rPr lang="ko-KR" altLang="en-US" dirty="0">
+                <a:solidFill>
+                  <a:schemeClr val="tx1"/>
                 </a:solidFill>
               </a:rPr>
-              <a:t>인터넷 활동을 지속적으로 모니터링 및 분석하여 사용자 편의 개선</a:t>
-            </a:r>
+              <a:t>수집</a:t>
+            </a:r>
+          </a:p>
+        </p:txBody>
+      </p:sp>
+      <p:sp>
+        <p:nvSpPr>
+          <p:cNvPr id="13" name="직사각형 12">
+            <a:extLst>
+              <a:ext uri="{FF2B5EF4-FFF2-40B4-BE49-F238E27FC236}">
+                <a16:creationId xmlns:a16="http://schemas.microsoft.com/office/drawing/2014/main" id="{ADB6BA0D-1068-40CB-9479-CFD02DA83AF2}"/>
+              </a:ext>
+            </a:extLst>
+          </p:cNvPr>
+          <p:cNvSpPr/>
+          <p:nvPr/>
+        </p:nvSpPr>
+        <p:spPr>
+          <a:xfrm>
+            <a:off x="6491610" y="4848154"/>
+            <a:ext cx="3153747" cy="1163218"/>
+          </a:xfrm>
+          <a:prstGeom prst="rect">
+            <a:avLst/>
+          </a:prstGeom>
+        </p:spPr>
+        <p:style>
+          <a:lnRef idx="2">
+            <a:schemeClr val="accent5">
+              <a:shade val="50000"/>
+            </a:schemeClr>
+          </a:lnRef>
+          <a:fillRef idx="1">
+            <a:schemeClr val="accent5"/>
+          </a:fillRef>
+          <a:effectRef idx="0">
+            <a:schemeClr val="accent5"/>
+          </a:effectRef>
+          <a:fontRef idx="minor">
+            <a:schemeClr val="lt1"/>
+          </a:fontRef>
+        </p:style>
+        <p:txBody>
+          <a:bodyPr rtlCol="0" anchor="ctr"/>
+          <a:lstStyle/>
+          <a:p>
+            <a:pPr algn="ctr"/>
+            <a:r>
+              <a:rPr lang="en-US" altLang="ko-KR" dirty="0"/>
+              <a:t>??</a:t>
+            </a:r>
+            <a:endParaRPr lang="ko-KR" altLang="en-US" dirty="0"/>
           </a:p>
         </p:txBody>
       </p:sp>
     </p:spTree>
     <p:extLst>
       <p:ext uri="{BB962C8B-B14F-4D97-AF65-F5344CB8AC3E}">
-        <p14:creationId xmlns:p14="http://schemas.microsoft.com/office/powerpoint/2010/main" val="1430559157"/>
+        <p14:creationId xmlns:p14="http://schemas.microsoft.com/office/powerpoint/2010/main" val="1277760340"/>
       </p:ext>
     </p:extLst>
   </p:cSld>
   <p:clrMapOvr>
     <a:masterClrMapping/>
   </p:clrMapOvr>
-  <p:timing>
-    <p:tnLst>
-      <p:par>
-        <p:cTn id="1" dur="indefinite" restart="never" nodeType="tmRoot"/>
-      </p:par>
-    </p:tnLst>
-  </p:timing>
 </p:sld>
 </file>
 
@@ -3765,8 +4039,76 @@
           <a:lstStyle/>
           <a:p>
             <a:r>
-              <a:rPr lang="ko-KR" altLang="en-US" dirty="0" smtClean="0"/>
-              <a:t>핵심 기능</a:t>
+              <a:rPr lang="ko-KR" altLang="en-US" dirty="0"/>
+              <a:t>서비스 목적</a:t>
+            </a:r>
+          </a:p>
+        </p:txBody>
+      </p:sp>
+      <p:sp>
+        <p:nvSpPr>
+          <p:cNvPr id="3" name="내용 개체 틀 2"/>
+          <p:cNvSpPr>
+            <a:spLocks noGrp="1"/>
+          </p:cNvSpPr>
+          <p:nvPr>
+            <p:ph idx="1"/>
+          </p:nvPr>
+        </p:nvSpPr>
+        <p:spPr/>
+        <p:txBody>
+          <a:bodyPr/>
+          <a:lstStyle/>
+          <a:p>
+            <a:r>
+              <a:rPr lang="ko-KR" altLang="en-US" dirty="0"/>
+              <a:t>하루에 절반 이상 인터넷 활동을 하지만</a:t>
+            </a:r>
+            <a:r>
+              <a:rPr lang="en-US" altLang="ko-KR" dirty="0"/>
+              <a:t>, </a:t>
+            </a:r>
+            <a:r>
+              <a:rPr lang="ko-KR" altLang="en-US" dirty="0"/>
+              <a:t>돌아서면 기억에 남는 것은 하나도 없다</a:t>
+            </a:r>
+            <a:endParaRPr lang="en-US" altLang="ko-KR" dirty="0"/>
+          </a:p>
+          <a:p>
+            <a:endParaRPr lang="en-US" altLang="ko-KR" dirty="0"/>
+          </a:p>
+          <a:p>
+            <a:r>
+              <a:rPr lang="ko-KR" altLang="en-US" dirty="0"/>
+              <a:t>메모하거나 </a:t>
+            </a:r>
+            <a:r>
+              <a:rPr lang="ko-KR" altLang="en-US" dirty="0" err="1"/>
+              <a:t>북마크</a:t>
+            </a:r>
+            <a:r>
+              <a:rPr lang="ko-KR" altLang="en-US" dirty="0"/>
+              <a:t> 해둬야 기억하는데</a:t>
+            </a:r>
+            <a:r>
+              <a:rPr lang="en-US" altLang="ko-KR" dirty="0"/>
+              <a:t>, </a:t>
+            </a:r>
+            <a:r>
+              <a:rPr lang="ko-KR" altLang="en-US" dirty="0"/>
+              <a:t>이마저도 귀찮을 때가 많다</a:t>
+            </a:r>
+            <a:r>
+              <a:rPr lang="en-US" altLang="ko-KR" dirty="0"/>
+              <a:t>. </a:t>
+            </a:r>
+            <a:r>
+              <a:rPr lang="ko-KR" altLang="en-US" dirty="0"/>
+              <a:t>불필요하게 열어둔 탭은 덤</a:t>
+            </a:r>
+            <a:r>
+              <a:rPr lang="en-US" altLang="ko-KR" dirty="0"/>
+              <a:t>..</a:t>
             </a:r>
             <a:endParaRPr lang="ko-KR" altLang="en-US" dirty="0"/>
           </a:p>
@@ -3774,101 +4116,87 @@
       </p:sp>
       <p:sp>
         <p:nvSpPr>
-          <p:cNvPr id="3" name="내용 개체 틀 2"/>
-          <p:cNvSpPr>
-            <a:spLocks noGrp="1"/>
-          </p:cNvSpPr>
-          <p:nvPr>
-            <p:ph idx="1"/>
-          </p:nvPr>
-        </p:nvSpPr>
-        <p:spPr/>
-        <p:txBody>
-          <a:bodyPr/>
-          <a:lstStyle/>
-          <a:p>
-            <a:pPr marL="514350" indent="-514350">
-              <a:buAutoNum type="arabicPeriod"/>
-            </a:pPr>
-            <a:r>
-              <a:rPr lang="ko-KR" altLang="en-US" dirty="0" smtClean="0"/>
-              <a:t>단기 기억</a:t>
-            </a:r>
-            <a:endParaRPr lang="en-US" altLang="ko-KR" dirty="0" smtClean="0"/>
-          </a:p>
-          <a:p>
-            <a:pPr marL="971550" lvl="1" indent="-514350">
-              <a:buAutoNum type="arabicPeriod"/>
-            </a:pPr>
-            <a:r>
-              <a:rPr lang="ko-KR" altLang="en-US" dirty="0" smtClean="0"/>
-              <a:t>일정 관리</a:t>
-            </a:r>
-            <a:endParaRPr lang="en-US" altLang="ko-KR" dirty="0" smtClean="0"/>
-          </a:p>
-          <a:p>
-            <a:pPr marL="971550" lvl="1" indent="-514350">
-              <a:buAutoNum type="arabicPeriod"/>
-            </a:pPr>
-            <a:r>
-              <a:rPr lang="ko-KR" altLang="en-US" dirty="0" smtClean="0"/>
-              <a:t>단순 메모</a:t>
-            </a:r>
-            <a:endParaRPr lang="en-US" altLang="ko-KR" dirty="0" smtClean="0"/>
-          </a:p>
-          <a:p>
-            <a:pPr marL="514350" indent="-514350">
-              <a:buAutoNum type="arabicPeriod"/>
-            </a:pPr>
-            <a:r>
-              <a:rPr lang="ko-KR" altLang="en-US" dirty="0" smtClean="0"/>
-              <a:t>장기 기억</a:t>
-            </a:r>
-            <a:endParaRPr lang="en-US" altLang="ko-KR" dirty="0"/>
-          </a:p>
-          <a:p>
-            <a:pPr marL="971550" lvl="1" indent="-514350">
-              <a:buAutoNum type="arabicPeriod"/>
-            </a:pPr>
-            <a:r>
-              <a:rPr lang="ko-KR" altLang="en-US" dirty="0" smtClean="0"/>
-              <a:t>일반 상식</a:t>
-            </a:r>
-            <a:endParaRPr lang="en-US" altLang="ko-KR" dirty="0"/>
-          </a:p>
-          <a:p>
-            <a:pPr marL="971550" lvl="1" indent="-514350">
-              <a:buAutoNum type="arabicPeriod"/>
-            </a:pPr>
-            <a:r>
-              <a:rPr lang="ko-KR" altLang="en-US" dirty="0"/>
-              <a:t>기술 </a:t>
-            </a:r>
-            <a:r>
-              <a:rPr lang="ko-KR" altLang="en-US" dirty="0" smtClean="0"/>
-              <a:t>정보</a:t>
-            </a:r>
-            <a:endParaRPr lang="en-US" altLang="ko-KR" dirty="0"/>
+          <p:cNvPr id="4" name="오른쪽 화살표 3"/>
+          <p:cNvSpPr/>
+          <p:nvPr/>
+        </p:nvSpPr>
+        <p:spPr>
+          <a:xfrm>
+            <a:off x="653143" y="5197151"/>
+            <a:ext cx="1315616" cy="811861"/>
+          </a:xfrm>
+          <a:prstGeom prst="rightArrow">
+            <a:avLst/>
+          </a:prstGeom>
+        </p:spPr>
+        <p:style>
+          <a:lnRef idx="2">
+            <a:schemeClr val="accent1">
+              <a:shade val="50000"/>
+            </a:schemeClr>
+          </a:lnRef>
+          <a:fillRef idx="1">
+            <a:schemeClr val="accent1"/>
+          </a:fillRef>
+          <a:effectRef idx="0">
+            <a:schemeClr val="accent1"/>
+          </a:effectRef>
+          <a:fontRef idx="minor">
+            <a:schemeClr val="lt1"/>
+          </a:fontRef>
+        </p:style>
+        <p:txBody>
+          <a:bodyPr rtlCol="0" anchor="ctr"/>
+          <a:lstStyle/>
+          <a:p>
+            <a:pPr algn="ctr"/>
+            <a:endParaRPr lang="ko-KR" altLang="en-US"/>
+          </a:p>
+        </p:txBody>
+      </p:sp>
+      <p:sp>
+        <p:nvSpPr>
+          <p:cNvPr id="5" name="TextBox 4"/>
+          <p:cNvSpPr txBox="1"/>
+          <p:nvPr/>
+        </p:nvSpPr>
+        <p:spPr>
+          <a:xfrm>
+            <a:off x="2153816" y="5383764"/>
+            <a:ext cx="9668070" cy="461665"/>
+          </a:xfrm>
+          <a:prstGeom prst="rect">
+            <a:avLst/>
+          </a:prstGeom>
+          <a:noFill/>
+        </p:spPr>
+        <p:txBody>
+          <a:bodyPr wrap="square" rtlCol="0">
+            <a:spAutoFit/>
+          </a:bodyPr>
+          <a:lstStyle/>
+          <a:p>
+            <a:r>
+              <a:rPr lang="ko-KR" altLang="en-US" sz="2400" b="1" dirty="0">
+                <a:solidFill>
+                  <a:schemeClr val="accent1"/>
+                </a:solidFill>
+              </a:rPr>
+              <a:t>인터넷 활동을 지속적으로 모니터링 및 분석하여 사용자 편의 개선</a:t>
+            </a:r>
           </a:p>
         </p:txBody>
       </p:sp>
     </p:spTree>
     <p:extLst>
       <p:ext uri="{BB962C8B-B14F-4D97-AF65-F5344CB8AC3E}">
-        <p14:creationId xmlns:p14="http://schemas.microsoft.com/office/powerpoint/2010/main" val="2639189755"/>
+        <p14:creationId xmlns:p14="http://schemas.microsoft.com/office/powerpoint/2010/main" val="1430559157"/>
       </p:ext>
     </p:extLst>
   </p:cSld>
   <p:clrMapOvr>
     <a:masterClrMapping/>
   </p:clrMapOvr>
-  <p:timing>
-    <p:tnLst>
-      <p:par>
-        <p:cTn id="1" dur="indefinite" restart="never" nodeType="tmRoot"/>
-      </p:par>
-    </p:tnLst>
-  </p:timing>
 </p:sld>
 </file>
 
@@ -3905,10 +4233,9 @@
           <a:lstStyle/>
           <a:p>
             <a:r>
-              <a:rPr lang="ko-KR" altLang="en-US" dirty="0" smtClean="0"/>
-              <a:t>활동 분석</a:t>
-            </a:r>
-            <a:endParaRPr lang="ko-KR" altLang="en-US" dirty="0"/>
+              <a:rPr lang="ko-KR" altLang="en-US" dirty="0"/>
+              <a:t>핵심 기능</a:t>
+            </a:r>
           </a:p>
         </p:txBody>
       </p:sp>
@@ -3927,160 +4254,77 @@
           <a:bodyPr/>
           <a:lstStyle/>
           <a:p>
-            <a:pPr marL="0" indent="0">
-              <a:buNone/>
+            <a:pPr marL="514350" indent="-514350">
+              <a:buAutoNum type="arabicPeriod"/>
             </a:pPr>
             <a:r>
-              <a:rPr lang="en-US" altLang="ko-KR" dirty="0"/>
-              <a:t>1</a:t>
-            </a:r>
-            <a:r>
-              <a:rPr lang="en-US" altLang="ko-KR" dirty="0" smtClean="0">
-                <a:effectLst/>
-              </a:rPr>
-              <a:t>. </a:t>
-            </a:r>
-            <a:r>
-              <a:rPr lang="ko-KR" altLang="en-US" dirty="0" smtClean="0">
-                <a:effectLst/>
-              </a:rPr>
-              <a:t>크롬 확장 프로그램 </a:t>
-            </a:r>
-            <a:r>
-              <a:rPr lang="en-US" altLang="ko-KR" dirty="0" smtClean="0">
-                <a:effectLst/>
-              </a:rPr>
-              <a:t>: </a:t>
-            </a:r>
-            <a:r>
-              <a:rPr lang="ko-KR" altLang="en-US" dirty="0" smtClean="0">
-                <a:effectLst/>
-              </a:rPr>
-              <a:t>방문 기록을 따오기</a:t>
-            </a:r>
-            <a:endParaRPr lang="en-US" altLang="ko-KR" dirty="0" smtClean="0">
-              <a:effectLst/>
-            </a:endParaRPr>
-          </a:p>
-          <a:p>
-            <a:pPr marL="0" indent="0">
-              <a:buNone/>
+              <a:rPr lang="ko-KR" altLang="en-US" dirty="0"/>
+              <a:t>단기 기억</a:t>
+            </a:r>
+            <a:endParaRPr lang="en-US" altLang="ko-KR" dirty="0"/>
+          </a:p>
+          <a:p>
+            <a:pPr marL="971550" lvl="1" indent="-514350">
+              <a:buAutoNum type="arabicPeriod"/>
             </a:pPr>
             <a:r>
-              <a:rPr lang="ko-KR" altLang="en-US" dirty="0" smtClean="0">
-                <a:effectLst/>
-              </a:rPr>
-              <a:t/>
-            </a:r>
-            <a:br>
-              <a:rPr lang="ko-KR" altLang="en-US" dirty="0" smtClean="0">
-                <a:effectLst/>
-              </a:rPr>
-            </a:br>
-            <a:r>
-              <a:rPr lang="en-US" altLang="ko-KR" dirty="0"/>
-              <a:t>2</a:t>
-            </a:r>
-            <a:r>
-              <a:rPr lang="en-US" altLang="ko-KR" dirty="0" smtClean="0">
-                <a:effectLst/>
-              </a:rPr>
-              <a:t>. </a:t>
-            </a:r>
-            <a:r>
-              <a:rPr lang="en-US" altLang="ko-KR" dirty="0" err="1" smtClean="0">
-                <a:effectLst/>
-              </a:rPr>
-              <a:t>FastAPI</a:t>
-            </a:r>
-            <a:endParaRPr lang="en-US" altLang="ko-KR" dirty="0" smtClean="0">
-              <a:effectLst/>
-            </a:endParaRPr>
-          </a:p>
-          <a:p>
-            <a:pPr marL="0" indent="0">
-              <a:buNone/>
+              <a:rPr lang="ko-KR" altLang="en-US" dirty="0"/>
+              <a:t>일정 관리</a:t>
+            </a:r>
+            <a:endParaRPr lang="en-US" altLang="ko-KR" dirty="0"/>
+          </a:p>
+          <a:p>
+            <a:pPr marL="971550" lvl="1" indent="-514350">
+              <a:buAutoNum type="arabicPeriod"/>
             </a:pPr>
             <a:r>
-              <a:rPr lang="en-US" altLang="ko-KR" dirty="0" smtClean="0"/>
-              <a:t>	a. </a:t>
-            </a:r>
-            <a:r>
-              <a:rPr lang="ko-KR" altLang="en-US" dirty="0" smtClean="0"/>
-              <a:t>방문 기록 제목 </a:t>
-            </a:r>
-            <a:r>
-              <a:rPr lang="en-US" altLang="ko-KR" dirty="0" smtClean="0"/>
-              <a:t>-&gt; [“</a:t>
-            </a:r>
-            <a:r>
-              <a:rPr lang="ko-KR" altLang="en-US" dirty="0" smtClean="0"/>
-              <a:t>단어</a:t>
-            </a:r>
-            <a:r>
-              <a:rPr lang="en-US" altLang="ko-KR" dirty="0" smtClean="0"/>
-              <a:t>“, “</a:t>
-            </a:r>
-            <a:r>
-              <a:rPr lang="ko-KR" altLang="en-US" dirty="0" smtClean="0"/>
-              <a:t>분리</a:t>
-            </a:r>
-            <a:r>
-              <a:rPr lang="en-US" altLang="ko-KR" dirty="0" smtClean="0"/>
-              <a:t>“…]</a:t>
-            </a:r>
-          </a:p>
-          <a:p>
-            <a:pPr marL="0" indent="0">
-              <a:buNone/>
+              <a:rPr lang="ko-KR" altLang="en-US" dirty="0"/>
+              <a:t>단순 메모</a:t>
+            </a:r>
+            <a:endParaRPr lang="en-US" altLang="ko-KR" dirty="0"/>
+          </a:p>
+          <a:p>
+            <a:pPr marL="514350" indent="-514350">
+              <a:buAutoNum type="arabicPeriod"/>
             </a:pPr>
             <a:r>
-              <a:rPr lang="en-US" altLang="ko-KR" dirty="0"/>
-              <a:t>	</a:t>
-            </a:r>
-            <a:r>
-              <a:rPr lang="en-US" altLang="ko-KR" dirty="0" smtClean="0"/>
-              <a:t>b. </a:t>
-            </a:r>
-            <a:r>
-              <a:rPr lang="ko-KR" altLang="en-US" dirty="0" smtClean="0"/>
-              <a:t>단어 군집화 및 핵심 키워드 추출</a:t>
-            </a:r>
-            <a:endParaRPr lang="en-US" altLang="ko-KR" dirty="0" smtClean="0"/>
-          </a:p>
-          <a:p>
-            <a:pPr marL="0" indent="0">
-              <a:buNone/>
+              <a:rPr lang="ko-KR" altLang="en-US" dirty="0"/>
+              <a:t>장기 기억</a:t>
+            </a:r>
+            <a:endParaRPr lang="en-US" altLang="ko-KR" dirty="0"/>
+          </a:p>
+          <a:p>
+            <a:pPr marL="971550" lvl="1" indent="-514350">
+              <a:buAutoNum type="arabicPeriod"/>
             </a:pPr>
             <a:r>
-              <a:rPr lang="en-US" altLang="ko-KR" dirty="0" smtClean="0"/>
-              <a:t>	c. ???</a:t>
-            </a:r>
-            <a:r>
-              <a:rPr lang="en-US" altLang="ko-KR" dirty="0"/>
-              <a:t>	</a:t>
-            </a:r>
-            <a:endParaRPr lang="ko-KR" altLang="en-US" dirty="0"/>
+              <a:rPr lang="ko-KR" altLang="en-US" dirty="0"/>
+              <a:t>일반 상식</a:t>
+            </a:r>
+            <a:endParaRPr lang="en-US" altLang="ko-KR" dirty="0"/>
+          </a:p>
+          <a:p>
+            <a:pPr marL="971550" lvl="1" indent="-514350">
+              <a:buAutoNum type="arabicPeriod"/>
+            </a:pPr>
+            <a:r>
+              <a:rPr lang="ko-KR" altLang="en-US" dirty="0"/>
+              <a:t>기술 정보</a:t>
+            </a:r>
+            <a:endParaRPr lang="en-US" altLang="ko-KR" dirty="0"/>
           </a:p>
         </p:txBody>
       </p:sp>
     </p:spTree>
     <p:extLst>
       <p:ext uri="{BB962C8B-B14F-4D97-AF65-F5344CB8AC3E}">
-        <p14:creationId xmlns:p14="http://schemas.microsoft.com/office/powerpoint/2010/main" val="3344816255"/>
+        <p14:creationId xmlns:p14="http://schemas.microsoft.com/office/powerpoint/2010/main" val="2639189755"/>
       </p:ext>
     </p:extLst>
   </p:cSld>
   <p:clrMapOvr>
     <a:masterClrMapping/>
   </p:clrMapOvr>
-  <p:timing>
-    <p:tnLst>
-      <p:par>
-        <p:cTn id="1" dur="indefinite" restart="never" nodeType="tmRoot"/>
-      </p:par>
-    </p:tnLst>
-  </p:timing>
 </p:sld>
 </file>
 
@@ -4103,6 +4347,196 @@
       </p:grpSpPr>
       <p:sp>
         <p:nvSpPr>
+          <p:cNvPr id="2" name="제목 1"/>
+          <p:cNvSpPr>
+            <a:spLocks noGrp="1"/>
+          </p:cNvSpPr>
+          <p:nvPr>
+            <p:ph type="title"/>
+          </p:nvPr>
+        </p:nvSpPr>
+        <p:spPr/>
+        <p:txBody>
+          <a:bodyPr/>
+          <a:lstStyle/>
+          <a:p>
+            <a:r>
+              <a:rPr lang="ko-KR" altLang="en-US" dirty="0"/>
+              <a:t>활동 분석</a:t>
+            </a:r>
+          </a:p>
+        </p:txBody>
+      </p:sp>
+      <p:sp>
+        <p:nvSpPr>
+          <p:cNvPr id="3" name="내용 개체 틀 2"/>
+          <p:cNvSpPr>
+            <a:spLocks noGrp="1"/>
+          </p:cNvSpPr>
+          <p:nvPr>
+            <p:ph idx="1"/>
+          </p:nvPr>
+        </p:nvSpPr>
+        <p:spPr/>
+        <p:txBody>
+          <a:bodyPr/>
+          <a:lstStyle/>
+          <a:p>
+            <a:pPr marL="0" indent="0">
+              <a:buNone/>
+            </a:pPr>
+            <a:r>
+              <a:rPr lang="en-US" altLang="ko-KR" dirty="0"/>
+              <a:t>1</a:t>
+            </a:r>
+            <a:r>
+              <a:rPr lang="en-US" altLang="ko-KR" dirty="0">
+                <a:effectLst/>
+              </a:rPr>
+              <a:t>. </a:t>
+            </a:r>
+            <a:r>
+              <a:rPr lang="ko-KR" altLang="en-US" dirty="0">
+                <a:effectLst/>
+              </a:rPr>
+              <a:t>크롬 확장 프로그램 </a:t>
+            </a:r>
+            <a:r>
+              <a:rPr lang="en-US" altLang="ko-KR" dirty="0">
+                <a:effectLst/>
+              </a:rPr>
+              <a:t>: </a:t>
+            </a:r>
+            <a:r>
+              <a:rPr lang="ko-KR" altLang="en-US" dirty="0">
+                <a:effectLst/>
+              </a:rPr>
+              <a:t>방문 기록을 따오기</a:t>
+            </a:r>
+            <a:endParaRPr lang="en-US" altLang="ko-KR" dirty="0">
+              <a:effectLst/>
+            </a:endParaRPr>
+          </a:p>
+          <a:p>
+            <a:pPr marL="0" indent="0">
+              <a:buNone/>
+            </a:pPr>
+            <a:br>
+              <a:rPr lang="ko-KR" altLang="en-US" dirty="0">
+                <a:effectLst/>
+              </a:rPr>
+            </a:br>
+            <a:r>
+              <a:rPr lang="en-US" altLang="ko-KR" dirty="0"/>
+              <a:t>2</a:t>
+            </a:r>
+            <a:r>
+              <a:rPr lang="en-US" altLang="ko-KR" dirty="0">
+                <a:effectLst/>
+              </a:rPr>
+              <a:t>. </a:t>
+            </a:r>
+            <a:r>
+              <a:rPr lang="en-US" altLang="ko-KR" dirty="0" err="1">
+                <a:effectLst/>
+              </a:rPr>
+              <a:t>FastAPI</a:t>
+            </a:r>
+            <a:endParaRPr lang="en-US" altLang="ko-KR" dirty="0">
+              <a:effectLst/>
+            </a:endParaRPr>
+          </a:p>
+          <a:p>
+            <a:pPr marL="0" indent="0">
+              <a:buNone/>
+            </a:pPr>
+            <a:r>
+              <a:rPr lang="en-US" altLang="ko-KR" dirty="0"/>
+              <a:t>	a. </a:t>
+            </a:r>
+            <a:r>
+              <a:rPr lang="ko-KR" altLang="en-US" dirty="0"/>
+              <a:t>방문 기록 제목 </a:t>
+            </a:r>
+            <a:r>
+              <a:rPr lang="en-US" altLang="ko-KR" dirty="0"/>
+              <a:t>-&gt; [“</a:t>
+            </a:r>
+            <a:r>
+              <a:rPr lang="ko-KR" altLang="en-US" dirty="0"/>
+              <a:t>단어</a:t>
+            </a:r>
+            <a:r>
+              <a:rPr lang="en-US" altLang="ko-KR" dirty="0"/>
+              <a:t>“, “</a:t>
+            </a:r>
+            <a:r>
+              <a:rPr lang="ko-KR" altLang="en-US" dirty="0"/>
+              <a:t>분리</a:t>
+            </a:r>
+            <a:r>
+              <a:rPr lang="en-US" altLang="ko-KR" dirty="0"/>
+              <a:t>“…]</a:t>
+            </a:r>
+          </a:p>
+          <a:p>
+            <a:pPr marL="0" indent="0">
+              <a:buNone/>
+            </a:pPr>
+            <a:r>
+              <a:rPr lang="en-US" altLang="ko-KR" dirty="0"/>
+              <a:t>	b. </a:t>
+            </a:r>
+            <a:r>
+              <a:rPr lang="ko-KR" altLang="en-US" dirty="0"/>
+              <a:t>단어 군집화 및 핵심 키워드 추출</a:t>
+            </a:r>
+            <a:endParaRPr lang="en-US" altLang="ko-KR" dirty="0"/>
+          </a:p>
+          <a:p>
+            <a:pPr marL="0" indent="0">
+              <a:buNone/>
+            </a:pPr>
+            <a:r>
+              <a:rPr lang="en-US" altLang="ko-KR" dirty="0"/>
+              <a:t>	c. ???	</a:t>
+            </a:r>
+            <a:endParaRPr lang="ko-KR" altLang="en-US" dirty="0"/>
+          </a:p>
+        </p:txBody>
+      </p:sp>
+    </p:spTree>
+    <p:extLst>
+      <p:ext uri="{BB962C8B-B14F-4D97-AF65-F5344CB8AC3E}">
+        <p14:creationId xmlns:p14="http://schemas.microsoft.com/office/powerpoint/2010/main" val="3344816255"/>
+      </p:ext>
+    </p:extLst>
+  </p:cSld>
+  <p:clrMapOvr>
+    <a:masterClrMapping/>
+  </p:clrMapOvr>
+</p:sld>
+</file>
+
+<file path=ppt/slides/slide6.xml><?xml version="1.0" encoding="utf-8"?>
+<p:sld xmlns:a="http://schemas.openxmlformats.org/drawingml/2006/main" xmlns:r="http://schemas.openxmlformats.org/officeDocument/2006/relationships" xmlns:p="http://schemas.openxmlformats.org/presentationml/2006/main">
+  <p:cSld>
+    <p:spTree>
+      <p:nvGrpSpPr>
+        <p:cNvPr id="1" name=""/>
+        <p:cNvGrpSpPr/>
+        <p:nvPr/>
+      </p:nvGrpSpPr>
+      <p:grpSpPr>
+        <a:xfrm>
+          <a:off x="0" y="0"/>
+          <a:ext cx="0" cy="0"/>
+          <a:chOff x="0" y="0"/>
+          <a:chExt cx="0" cy="0"/>
+        </a:xfrm>
+      </p:grpSpPr>
+      <p:sp>
+        <p:nvSpPr>
           <p:cNvPr id="4" name="직사각형 3"/>
           <p:cNvSpPr/>
           <p:nvPr/>
@@ -4138,11 +4572,11 @@
           <a:p>
             <a:pPr algn="ctr"/>
             <a:r>
-              <a:rPr lang="ko-KR" altLang="en-US" dirty="0" err="1" smtClean="0"/>
+              <a:rPr lang="ko-KR" altLang="en-US" dirty="0" err="1"/>
               <a:t>챗봇</a:t>
             </a:r>
             <a:r>
-              <a:rPr lang="en-US" altLang="ko-KR" dirty="0" smtClean="0"/>
+              <a:rPr lang="en-US" altLang="ko-KR" dirty="0"/>
               <a:t>(LLM)</a:t>
             </a:r>
             <a:endParaRPr lang="ko-KR" altLang="en-US" dirty="0"/>
@@ -4186,23 +4620,23 @@
           <a:p>
             <a:pPr algn="ctr"/>
             <a:r>
-              <a:rPr lang="ko-KR" altLang="en-US" dirty="0" smtClean="0"/>
+              <a:rPr lang="ko-KR" altLang="en-US" dirty="0"/>
               <a:t>단기 기억</a:t>
             </a:r>
-            <a:endParaRPr lang="en-US" altLang="ko-KR" dirty="0" smtClean="0"/>
+            <a:endParaRPr lang="en-US" altLang="ko-KR" dirty="0"/>
           </a:p>
           <a:p>
             <a:pPr algn="ctr"/>
             <a:r>
-              <a:rPr lang="en-US" altLang="ko-KR" dirty="0" smtClean="0"/>
+              <a:rPr lang="en-US" altLang="ko-KR" dirty="0"/>
               <a:t>(</a:t>
             </a:r>
             <a:r>
-              <a:rPr lang="ko-KR" altLang="en-US" dirty="0" smtClean="0"/>
+              <a:rPr lang="ko-KR" altLang="en-US" dirty="0"/>
               <a:t>개인 메모</a:t>
             </a:r>
             <a:r>
-              <a:rPr lang="en-US" altLang="ko-KR" dirty="0" smtClean="0"/>
+              <a:rPr lang="en-US" altLang="ko-KR" dirty="0"/>
               <a:t>)</a:t>
             </a:r>
             <a:endParaRPr lang="ko-KR" altLang="en-US" dirty="0"/>
@@ -4246,26 +4680,22 @@
           <a:p>
             <a:pPr algn="ctr"/>
             <a:r>
-              <a:rPr lang="ko-KR" altLang="en-US" dirty="0" smtClean="0"/>
+              <a:rPr lang="ko-KR" altLang="en-US" dirty="0"/>
               <a:t>장기 기억</a:t>
             </a:r>
-            <a:r>
-              <a:rPr lang="en-US" altLang="ko-KR" dirty="0" smtClean="0"/>
-              <a:t/>
-            </a:r>
             <a:br>
-              <a:rPr lang="en-US" altLang="ko-KR" dirty="0" smtClean="0"/>
+              <a:rPr lang="en-US" altLang="ko-KR" dirty="0"/>
             </a:br>
             <a:r>
-              <a:rPr lang="en-US" altLang="ko-KR" dirty="0" smtClean="0"/>
+              <a:rPr lang="en-US" altLang="ko-KR" dirty="0"/>
               <a:t>(</a:t>
             </a:r>
             <a:r>
-              <a:rPr lang="ko-KR" altLang="en-US" dirty="0" smtClean="0"/>
+              <a:rPr lang="ko-KR" altLang="en-US" dirty="0"/>
               <a:t>기록 저장소</a:t>
             </a:r>
             <a:r>
-              <a:rPr lang="en-US" altLang="ko-KR" dirty="0" smtClean="0"/>
+              <a:rPr lang="en-US" altLang="ko-KR" dirty="0"/>
               <a:t>)</a:t>
             </a:r>
             <a:endParaRPr lang="ko-KR" altLang="en-US" dirty="0"/>
@@ -4309,18 +4739,13 @@
           <a:p>
             <a:pPr algn="ctr"/>
             <a:r>
-              <a:rPr lang="ko-KR" altLang="en-US" dirty="0" smtClean="0">
+              <a:rPr lang="ko-KR" altLang="en-US" dirty="0">
                 <a:solidFill>
                   <a:schemeClr val="tx1"/>
                 </a:solidFill>
               </a:rPr>
               <a:t>기억해</a:t>
             </a:r>
-            <a:endParaRPr lang="ko-KR" altLang="en-US" dirty="0">
-              <a:solidFill>
-                <a:schemeClr val="tx1"/>
-              </a:solidFill>
-            </a:endParaRPr>
           </a:p>
         </p:txBody>
       </p:sp>
@@ -4361,18 +4786,13 @@
           <a:p>
             <a:pPr algn="ctr"/>
             <a:r>
-              <a:rPr lang="ko-KR" altLang="en-US" dirty="0" smtClean="0">
+              <a:rPr lang="ko-KR" altLang="en-US" dirty="0">
                 <a:solidFill>
                   <a:schemeClr val="tx1"/>
                 </a:solidFill>
               </a:rPr>
               <a:t>알려줘</a:t>
             </a:r>
-            <a:endParaRPr lang="ko-KR" altLang="en-US" dirty="0">
-              <a:solidFill>
-                <a:schemeClr val="tx1"/>
-              </a:solidFill>
-            </a:endParaRPr>
           </a:p>
         </p:txBody>
       </p:sp>
@@ -4399,19 +4819,19 @@
           <a:lstStyle/>
           <a:p>
             <a:r>
-              <a:rPr lang="ko-KR" altLang="en-US" dirty="0" smtClean="0"/>
+              <a:rPr lang="ko-KR" altLang="en-US" dirty="0"/>
               <a:t>웹</a:t>
             </a:r>
             <a:r>
-              <a:rPr lang="en-US" altLang="ko-KR" dirty="0" smtClean="0"/>
+              <a:rPr lang="en-US" altLang="ko-KR" dirty="0"/>
               <a:t>/</a:t>
             </a:r>
             <a:r>
-              <a:rPr lang="ko-KR" altLang="en-US" dirty="0" smtClean="0"/>
+              <a:rPr lang="ko-KR" altLang="en-US" dirty="0"/>
               <a:t>앱 </a:t>
             </a:r>
             <a:r>
-              <a:rPr lang="en-US" altLang="ko-KR" dirty="0" smtClean="0"/>
+              <a:rPr lang="en-US" altLang="ko-KR" dirty="0"/>
               <a:t>= PWA</a:t>
             </a:r>
             <a:endParaRPr lang="ko-KR" altLang="en-US" dirty="0"/>
@@ -4493,23 +4913,23 @@
           <a:p>
             <a:pPr algn="ctr"/>
             <a:r>
-              <a:rPr lang="ko-KR" altLang="en-US" dirty="0" smtClean="0"/>
+              <a:rPr lang="ko-KR" altLang="en-US" dirty="0"/>
               <a:t>웹 스크랩</a:t>
             </a:r>
-            <a:endParaRPr lang="en-US" altLang="ko-KR" dirty="0" smtClean="0"/>
+            <a:endParaRPr lang="en-US" altLang="ko-KR" dirty="0"/>
           </a:p>
           <a:p>
             <a:pPr algn="ctr"/>
             <a:r>
-              <a:rPr lang="en-US" altLang="ko-KR" dirty="0" smtClean="0"/>
+              <a:rPr lang="en-US" altLang="ko-KR" dirty="0"/>
               <a:t>(</a:t>
             </a:r>
             <a:r>
-              <a:rPr lang="ko-KR" altLang="en-US" dirty="0" smtClean="0"/>
+              <a:rPr lang="ko-KR" altLang="en-US" dirty="0"/>
               <a:t>사용자 행동</a:t>
             </a:r>
             <a:r>
-              <a:rPr lang="en-US" altLang="ko-KR" dirty="0" smtClean="0"/>
+              <a:rPr lang="en-US" altLang="ko-KR" dirty="0"/>
               <a:t>)</a:t>
             </a:r>
             <a:endParaRPr lang="ko-KR" altLang="en-US" dirty="0"/>
@@ -4553,18 +4973,13 @@
           <a:p>
             <a:pPr algn="ctr"/>
             <a:r>
-              <a:rPr lang="ko-KR" altLang="en-US" dirty="0" smtClean="0">
+              <a:rPr lang="ko-KR" altLang="en-US" dirty="0">
                 <a:solidFill>
                   <a:schemeClr val="tx1"/>
                 </a:solidFill>
               </a:rPr>
               <a:t>저장</a:t>
             </a:r>
-            <a:endParaRPr lang="ko-KR" altLang="en-US" dirty="0">
-              <a:solidFill>
-                <a:schemeClr val="tx1"/>
-              </a:solidFill>
-            </a:endParaRPr>
           </a:p>
         </p:txBody>
       </p:sp>
@@ -4605,10 +5020,9 @@
           <a:p>
             <a:pPr algn="ctr"/>
             <a:r>
-              <a:rPr lang="ko-KR" altLang="en-US" smtClean="0"/>
+              <a:rPr lang="ko-KR" altLang="en-US"/>
               <a:t>방문 기록</a:t>
             </a:r>
-            <a:endParaRPr lang="ko-KR" altLang="en-US"/>
           </a:p>
         </p:txBody>
       </p:sp>
@@ -4649,18 +5063,13 @@
           <a:p>
             <a:pPr algn="ctr"/>
             <a:r>
-              <a:rPr lang="ko-KR" altLang="en-US" dirty="0" smtClean="0">
+              <a:rPr lang="ko-KR" altLang="en-US" dirty="0">
                 <a:solidFill>
                   <a:schemeClr val="tx1"/>
                 </a:solidFill>
               </a:rPr>
               <a:t>자동화</a:t>
             </a:r>
-            <a:endParaRPr lang="ko-KR" altLang="en-US" dirty="0">
-              <a:solidFill>
-                <a:schemeClr val="tx1"/>
-              </a:solidFill>
-            </a:endParaRPr>
           </a:p>
         </p:txBody>
       </p:sp>
@@ -4687,10 +5096,9 @@
           <a:lstStyle/>
           <a:p>
             <a:r>
-              <a:rPr lang="ko-KR" altLang="en-US" dirty="0" smtClean="0"/>
+              <a:rPr lang="ko-KR" altLang="en-US" dirty="0"/>
               <a:t>크롬 확장프로그램</a:t>
             </a:r>
-            <a:endParaRPr lang="ko-KR" altLang="en-US" dirty="0"/>
           </a:p>
         </p:txBody>
       </p:sp>
@@ -4972,7 +5380,7 @@
           <a:p>
             <a:pPr algn="ctr"/>
             <a:r>
-              <a:rPr lang="ko-KR" altLang="en-US" dirty="0" smtClean="0">
+              <a:rPr lang="ko-KR" altLang="en-US" dirty="0">
                 <a:solidFill>
                   <a:schemeClr val="tx1"/>
                 </a:solidFill>
@@ -4980,7 +5388,7 @@
               <a:t>조회 </a:t>
             </a:r>
             <a:r>
-              <a:rPr lang="en-US" altLang="ko-KR" dirty="0" smtClean="0">
+              <a:rPr lang="en-US" altLang="ko-KR" dirty="0">
                 <a:solidFill>
                   <a:schemeClr val="tx1"/>
                 </a:solidFill>
@@ -4988,18 +5396,13 @@
               <a:t>&amp; </a:t>
             </a:r>
             <a:r>
-              <a:rPr lang="ko-KR" altLang="en-US" dirty="0" smtClean="0">
+              <a:rPr lang="ko-KR" altLang="en-US" dirty="0">
                 <a:solidFill>
                   <a:schemeClr val="tx1"/>
                 </a:solidFill>
               </a:rPr>
               <a:t>수정</a:t>
             </a:r>
-            <a:endParaRPr lang="ko-KR" altLang="en-US" dirty="0">
-              <a:solidFill>
-                <a:schemeClr val="tx1"/>
-              </a:solidFill>
-            </a:endParaRPr>
           </a:p>
         </p:txBody>
       </p:sp>
@@ -5040,7 +5443,7 @@
           <a:p>
             <a:pPr algn="ctr"/>
             <a:r>
-              <a:rPr lang="ko-KR" altLang="en-US" smtClean="0">
+              <a:rPr lang="ko-KR" altLang="en-US">
                 <a:solidFill>
                   <a:schemeClr val="tx1"/>
                 </a:solidFill>
@@ -5092,18 +5495,13 @@
           <a:p>
             <a:pPr algn="ctr"/>
             <a:r>
-              <a:rPr lang="ko-KR" altLang="en-US" dirty="0" smtClean="0">
+              <a:rPr lang="ko-KR" altLang="en-US" dirty="0">
                 <a:solidFill>
                   <a:srgbClr val="C00000"/>
                 </a:solidFill>
               </a:rPr>
               <a:t>조회 불가</a:t>
             </a:r>
-            <a:endParaRPr lang="ko-KR" altLang="en-US" dirty="0">
-              <a:solidFill>
-                <a:srgbClr val="C00000"/>
-              </a:solidFill>
-            </a:endParaRPr>
           </a:p>
         </p:txBody>
       </p:sp>
@@ -5144,7 +5542,7 @@
           <a:p>
             <a:pPr algn="ctr"/>
             <a:r>
-              <a:rPr lang="ko-KR" altLang="en-US" dirty="0" smtClean="0">
+              <a:rPr lang="ko-KR" altLang="en-US" dirty="0">
                 <a:solidFill>
                   <a:schemeClr val="tx1"/>
                 </a:solidFill>
@@ -5152,7 +5550,7 @@
               <a:t>피드백 요청</a:t>
             </a:r>
             <a:r>
-              <a:rPr lang="en-US" altLang="ko-KR" dirty="0" smtClean="0">
+              <a:rPr lang="en-US" altLang="ko-KR" dirty="0">
                 <a:solidFill>
                   <a:schemeClr val="tx1"/>
                 </a:solidFill>
@@ -5160,7 +5558,7 @@
               <a:t>(</a:t>
             </a:r>
             <a:r>
-              <a:rPr lang="ko-KR" altLang="en-US" dirty="0" err="1" smtClean="0">
+              <a:rPr lang="ko-KR" altLang="en-US" dirty="0" err="1">
                 <a:solidFill>
                   <a:schemeClr val="tx1"/>
                 </a:solidFill>
@@ -5168,7 +5566,7 @@
               <a:t>선톡</a:t>
             </a:r>
             <a:r>
-              <a:rPr lang="en-US" altLang="ko-KR" dirty="0" smtClean="0">
+              <a:rPr lang="en-US" altLang="ko-KR" dirty="0">
                 <a:solidFill>
                   <a:schemeClr val="tx1"/>
                 </a:solidFill>
@@ -5193,13 +5591,6 @@
   <p:clrMapOvr>
     <a:masterClrMapping/>
   </p:clrMapOvr>
-  <p:timing>
-    <p:tnLst>
-      <p:par>
-        <p:cTn id="1" dur="indefinite" restart="never" nodeType="tmRoot"/>
-      </p:par>
-    </p:tnLst>
-  </p:timing>
 </p:sld>
 </file>
 

--- a/시스템 설계도.pptx
+++ b/시스템 설계도.pptx
@@ -5,15 +5,14 @@
     <p:sldMasterId id="2147483648" r:id="rId1"/>
   </p:sldMasterIdLst>
   <p:notesMasterIdLst>
-    <p:notesMasterId r:id="rId8"/>
+    <p:notesMasterId r:id="rId7"/>
   </p:notesMasterIdLst>
   <p:sldIdLst>
     <p:sldId id="256" r:id="rId2"/>
-    <p:sldId id="274" r:id="rId3"/>
-    <p:sldId id="257" r:id="rId4"/>
-    <p:sldId id="273" r:id="rId5"/>
-    <p:sldId id="268" r:id="rId6"/>
-    <p:sldId id="269" r:id="rId7"/>
+    <p:sldId id="257" r:id="rId3"/>
+    <p:sldId id="273" r:id="rId4"/>
+    <p:sldId id="280" r:id="rId5"/>
+    <p:sldId id="279" r:id="rId6"/>
   </p:sldIdLst>
   <p:sldSz cx="12192000" cy="6858000"/>
   <p:notesSz cx="6858000" cy="9144000"/>
@@ -202,7 +201,7 @@
           <a:p>
             <a:fld id="{569F5EC4-47E6-4672-A22A-0BA91B49A62D}" type="datetimeFigureOut">
               <a:rPr lang="ko-KR" altLang="en-US" smtClean="0"/>
-              <a:t>2025-03-18</a:t>
+              <a:t>2025-03-19</a:t>
             </a:fld>
             <a:endParaRPr lang="ko-KR" altLang="en-US"/>
           </a:p>
@@ -682,7 +681,7 @@
           <a:p>
             <a:fld id="{6CA2144F-5261-45C2-AF35-9E74089734CA}" type="datetimeFigureOut">
               <a:rPr lang="ko-KR" altLang="en-US" smtClean="0"/>
-              <a:t>2025-03-18</a:t>
+              <a:t>2025-03-19</a:t>
             </a:fld>
             <a:endParaRPr lang="ko-KR" altLang="en-US"/>
           </a:p>
@@ -850,7 +849,7 @@
           <a:p>
             <a:fld id="{6CA2144F-5261-45C2-AF35-9E74089734CA}" type="datetimeFigureOut">
               <a:rPr lang="ko-KR" altLang="en-US" smtClean="0"/>
-              <a:t>2025-03-18</a:t>
+              <a:t>2025-03-19</a:t>
             </a:fld>
             <a:endParaRPr lang="ko-KR" altLang="en-US"/>
           </a:p>
@@ -1028,7 +1027,7 @@
           <a:p>
             <a:fld id="{6CA2144F-5261-45C2-AF35-9E74089734CA}" type="datetimeFigureOut">
               <a:rPr lang="ko-KR" altLang="en-US" smtClean="0"/>
-              <a:t>2025-03-18</a:t>
+              <a:t>2025-03-19</a:t>
             </a:fld>
             <a:endParaRPr lang="ko-KR" altLang="en-US"/>
           </a:p>
@@ -1196,7 +1195,7 @@
           <a:p>
             <a:fld id="{6CA2144F-5261-45C2-AF35-9E74089734CA}" type="datetimeFigureOut">
               <a:rPr lang="ko-KR" altLang="en-US" smtClean="0"/>
-              <a:t>2025-03-18</a:t>
+              <a:t>2025-03-19</a:t>
             </a:fld>
             <a:endParaRPr lang="ko-KR" altLang="en-US"/>
           </a:p>
@@ -1441,7 +1440,7 @@
           <a:p>
             <a:fld id="{6CA2144F-5261-45C2-AF35-9E74089734CA}" type="datetimeFigureOut">
               <a:rPr lang="ko-KR" altLang="en-US" smtClean="0"/>
-              <a:t>2025-03-18</a:t>
+              <a:t>2025-03-19</a:t>
             </a:fld>
             <a:endParaRPr lang="ko-KR" altLang="en-US"/>
           </a:p>
@@ -1670,7 +1669,7 @@
           <a:p>
             <a:fld id="{6CA2144F-5261-45C2-AF35-9E74089734CA}" type="datetimeFigureOut">
               <a:rPr lang="ko-KR" altLang="en-US" smtClean="0"/>
-              <a:t>2025-03-18</a:t>
+              <a:t>2025-03-19</a:t>
             </a:fld>
             <a:endParaRPr lang="ko-KR" altLang="en-US"/>
           </a:p>
@@ -2034,7 +2033,7 @@
           <a:p>
             <a:fld id="{6CA2144F-5261-45C2-AF35-9E74089734CA}" type="datetimeFigureOut">
               <a:rPr lang="ko-KR" altLang="en-US" smtClean="0"/>
-              <a:t>2025-03-18</a:t>
+              <a:t>2025-03-19</a:t>
             </a:fld>
             <a:endParaRPr lang="ko-KR" altLang="en-US"/>
           </a:p>
@@ -2151,7 +2150,7 @@
           <a:p>
             <a:fld id="{6CA2144F-5261-45C2-AF35-9E74089734CA}" type="datetimeFigureOut">
               <a:rPr lang="ko-KR" altLang="en-US" smtClean="0"/>
-              <a:t>2025-03-18</a:t>
+              <a:t>2025-03-19</a:t>
             </a:fld>
             <a:endParaRPr lang="ko-KR" altLang="en-US"/>
           </a:p>
@@ -2246,7 +2245,7 @@
           <a:p>
             <a:fld id="{6CA2144F-5261-45C2-AF35-9E74089734CA}" type="datetimeFigureOut">
               <a:rPr lang="ko-KR" altLang="en-US" smtClean="0"/>
-              <a:t>2025-03-18</a:t>
+              <a:t>2025-03-19</a:t>
             </a:fld>
             <a:endParaRPr lang="ko-KR" altLang="en-US"/>
           </a:p>
@@ -2521,7 +2520,7 @@
           <a:p>
             <a:fld id="{6CA2144F-5261-45C2-AF35-9E74089734CA}" type="datetimeFigureOut">
               <a:rPr lang="ko-KR" altLang="en-US" smtClean="0"/>
-              <a:t>2025-03-18</a:t>
+              <a:t>2025-03-19</a:t>
             </a:fld>
             <a:endParaRPr lang="ko-KR" altLang="en-US"/>
           </a:p>
@@ -2773,7 +2772,7 @@
           <a:p>
             <a:fld id="{6CA2144F-5261-45C2-AF35-9E74089734CA}" type="datetimeFigureOut">
               <a:rPr lang="ko-KR" altLang="en-US" smtClean="0"/>
-              <a:t>2025-03-18</a:t>
+              <a:t>2025-03-19</a:t>
             </a:fld>
             <a:endParaRPr lang="ko-KR" altLang="en-US"/>
           </a:p>
@@ -2984,7 +2983,7 @@
           <a:p>
             <a:fld id="{6CA2144F-5261-45C2-AF35-9E74089734CA}" type="datetimeFigureOut">
               <a:rPr lang="ko-KR" altLang="en-US" smtClean="0"/>
-              <a:t>2025-03-18</a:t>
+              <a:t>2025-03-19</a:t>
             </a:fld>
             <a:endParaRPr lang="ko-KR" altLang="en-US"/>
           </a:p>
@@ -3521,206 +3520,81 @@
       </p:grpSpPr>
       <p:sp>
         <p:nvSpPr>
-          <p:cNvPr id="4" name="직사각형 3">
-            <a:extLst>
-              <a:ext uri="{FF2B5EF4-FFF2-40B4-BE49-F238E27FC236}">
-                <a16:creationId xmlns:a16="http://schemas.microsoft.com/office/drawing/2014/main" id="{CEC2C5EA-FFE8-4D1F-BD64-35F77F10D960}"/>
-              </a:ext>
-            </a:extLst>
-          </p:cNvPr>
+          <p:cNvPr id="2" name="제목 1"/>
+          <p:cNvSpPr>
+            <a:spLocks noGrp="1"/>
+          </p:cNvSpPr>
+          <p:nvPr>
+            <p:ph type="title"/>
+          </p:nvPr>
+        </p:nvSpPr>
+        <p:spPr/>
+        <p:txBody>
+          <a:bodyPr/>
+          <a:lstStyle/>
+          <a:p>
+            <a:r>
+              <a:rPr lang="ko-KR" altLang="en-US" dirty="0"/>
+              <a:t>서비스 목적</a:t>
+            </a:r>
+          </a:p>
+        </p:txBody>
+      </p:sp>
+      <p:sp>
+        <p:nvSpPr>
+          <p:cNvPr id="3" name="내용 개체 틀 2"/>
+          <p:cNvSpPr>
+            <a:spLocks noGrp="1"/>
+          </p:cNvSpPr>
+          <p:nvPr>
+            <p:ph idx="1"/>
+          </p:nvPr>
+        </p:nvSpPr>
+        <p:spPr/>
+        <p:txBody>
+          <a:bodyPr/>
+          <a:lstStyle/>
+          <a:p>
+            <a:r>
+              <a:rPr lang="ko-KR" altLang="en-US" dirty="0"/>
+              <a:t>바쁜 일상 속에 기억해야 할 것은 많고 기억나는 것은 많지 않다</a:t>
+            </a:r>
+            <a:endParaRPr lang="en-US" altLang="ko-KR" dirty="0"/>
+          </a:p>
+          <a:p>
+            <a:pPr marL="0" indent="0">
+              <a:buNone/>
+            </a:pPr>
+            <a:endParaRPr lang="en-US" altLang="ko-KR" dirty="0"/>
+          </a:p>
+          <a:p>
+            <a:r>
+              <a:rPr lang="ko-KR" altLang="en-US" dirty="0"/>
+              <a:t>하루하루 바쁘게 보내며 정작 내 하루는 어땠는지</a:t>
+            </a:r>
+            <a:r>
+              <a:rPr lang="en-US" altLang="ko-KR" dirty="0"/>
+              <a:t>, </a:t>
+            </a:r>
+            <a:r>
+              <a:rPr lang="ko-KR" altLang="en-US" dirty="0"/>
+              <a:t>나는 누구인지 모른 채로 지낼 때가 많다</a:t>
+            </a:r>
+          </a:p>
+        </p:txBody>
+      </p:sp>
+      <p:sp>
+        <p:nvSpPr>
+          <p:cNvPr id="4" name="오른쪽 화살표 3"/>
           <p:cNvSpPr/>
           <p:nvPr/>
         </p:nvSpPr>
         <p:spPr>
           <a:xfrm>
-            <a:off x="248514" y="2157259"/>
-            <a:ext cx="1905913" cy="986532"/>
-          </a:xfrm>
-          <a:prstGeom prst="rect">
-            <a:avLst/>
-          </a:prstGeom>
-        </p:spPr>
-        <p:style>
-          <a:lnRef idx="2">
-            <a:schemeClr val="accent2">
-              <a:shade val="50000"/>
-            </a:schemeClr>
-          </a:lnRef>
-          <a:fillRef idx="1">
-            <a:schemeClr val="accent2"/>
-          </a:fillRef>
-          <a:effectRef idx="0">
-            <a:schemeClr val="accent2"/>
-          </a:effectRef>
-          <a:fontRef idx="minor">
-            <a:schemeClr val="lt1"/>
-          </a:fontRef>
-        </p:style>
-        <p:txBody>
-          <a:bodyPr rtlCol="0" anchor="ctr"/>
-          <a:lstStyle/>
-          <a:p>
-            <a:pPr algn="ctr"/>
-            <a:r>
-              <a:rPr lang="ko-KR" altLang="en-US"/>
-              <a:t>방문 기록</a:t>
-            </a:r>
-          </a:p>
-        </p:txBody>
-      </p:sp>
-      <p:sp>
-        <p:nvSpPr>
-          <p:cNvPr id="5" name="TextBox 4">
-            <a:extLst>
-              <a:ext uri="{FF2B5EF4-FFF2-40B4-BE49-F238E27FC236}">
-                <a16:creationId xmlns:a16="http://schemas.microsoft.com/office/drawing/2014/main" id="{094303C6-324F-4061-A865-9C9275CE1DC6}"/>
-              </a:ext>
-            </a:extLst>
-          </p:cNvPr>
-          <p:cNvSpPr txBox="1"/>
-          <p:nvPr/>
-        </p:nvSpPr>
-        <p:spPr>
-          <a:xfrm>
-            <a:off x="139944" y="1503051"/>
-            <a:ext cx="2113079" cy="369332"/>
-          </a:xfrm>
-          <a:prstGeom prst="rect">
-            <a:avLst/>
-          </a:prstGeom>
-          <a:noFill/>
-        </p:spPr>
-        <p:txBody>
-          <a:bodyPr wrap="none" rtlCol="0">
-            <a:spAutoFit/>
-          </a:bodyPr>
-          <a:lstStyle/>
-          <a:p>
-            <a:r>
-              <a:rPr lang="ko-KR" altLang="en-US" dirty="0"/>
-              <a:t>크롬 확장프로그램</a:t>
-            </a:r>
-          </a:p>
-        </p:txBody>
-      </p:sp>
-      <p:pic>
-        <p:nvPicPr>
-          <p:cNvPr id="6" name="Picture 2" descr="구글 크롬 로고 크롬 웹 스토어 웹 브라우저 바탕 화면, 크롬, 로고, 컴퓨터 벽지 png | PNGEgg">
-            <a:extLst>
-              <a:ext uri="{FF2B5EF4-FFF2-40B4-BE49-F238E27FC236}">
-                <a16:creationId xmlns:a16="http://schemas.microsoft.com/office/drawing/2014/main" id="{593E381B-EEAC-4485-9C52-6759663A1875}"/>
-              </a:ext>
-            </a:extLst>
-          </p:cNvPr>
-          <p:cNvPicPr>
-            <a:picLocks noChangeAspect="1" noChangeArrowheads="1"/>
-          </p:cNvPicPr>
-          <p:nvPr/>
-        </p:nvPicPr>
-        <p:blipFill>
-          <a:blip r:embed="rId2" cstate="print">
-            <a:extLst>
-              <a:ext uri="{28A0092B-C50C-407E-A947-70E740481C1C}">
-                <a14:useLocalDpi xmlns:a14="http://schemas.microsoft.com/office/drawing/2010/main" val="0"/>
-              </a:ext>
-            </a:extLst>
-          </a:blip>
-          <a:srcRect/>
-          <a:stretch>
-            <a:fillRect/>
-          </a:stretch>
-        </p:blipFill>
-        <p:spPr bwMode="auto">
-          <a:xfrm>
-            <a:off x="492992" y="540706"/>
-            <a:ext cx="1406982" cy="887962"/>
-          </a:xfrm>
-          <a:prstGeom prst="rect">
-            <a:avLst/>
-          </a:prstGeom>
-          <a:noFill/>
-          <a:extLst>
-            <a:ext uri="{909E8E84-426E-40DD-AFC4-6F175D3DCCD1}">
-              <a14:hiddenFill xmlns:a14="http://schemas.microsoft.com/office/drawing/2010/main">
-                <a:solidFill>
-                  <a:srgbClr val="FFFFFF"/>
-                </a:solidFill>
-              </a14:hiddenFill>
-            </a:ext>
-          </a:extLst>
-        </p:spPr>
-      </p:pic>
-      <p:sp>
-        <p:nvSpPr>
-          <p:cNvPr id="7" name="오른쪽 화살표 33">
-            <a:extLst>
-              <a:ext uri="{FF2B5EF4-FFF2-40B4-BE49-F238E27FC236}">
-                <a16:creationId xmlns:a16="http://schemas.microsoft.com/office/drawing/2014/main" id="{F3F47CA5-D777-4694-B75A-801AD17551A2}"/>
-              </a:ext>
-            </a:extLst>
-          </p:cNvPr>
-          <p:cNvSpPr/>
-          <p:nvPr/>
-        </p:nvSpPr>
-        <p:spPr>
-          <a:xfrm>
-            <a:off x="2539130" y="2316416"/>
-            <a:ext cx="1732585" cy="668218"/>
+            <a:off x="653143" y="5197151"/>
+            <a:ext cx="1315616" cy="811861"/>
           </a:xfrm>
           <a:prstGeom prst="rightArrow">
-            <a:avLst/>
-          </a:prstGeom>
-        </p:spPr>
-        <p:style>
-          <a:lnRef idx="2">
-            <a:schemeClr val="accent4">
-              <a:shade val="50000"/>
-            </a:schemeClr>
-          </a:lnRef>
-          <a:fillRef idx="1">
-            <a:schemeClr val="accent4"/>
-          </a:fillRef>
-          <a:effectRef idx="0">
-            <a:schemeClr val="accent4"/>
-          </a:effectRef>
-          <a:fontRef idx="minor">
-            <a:schemeClr val="lt1"/>
-          </a:fontRef>
-        </p:style>
-        <p:txBody>
-          <a:bodyPr rtlCol="0" anchor="ctr"/>
-          <a:lstStyle/>
-          <a:p>
-            <a:pPr algn="ctr"/>
-            <a:r>
-              <a:rPr lang="ko-KR" altLang="en-US" dirty="0">
-                <a:solidFill>
-                  <a:schemeClr val="tx1"/>
-                </a:solidFill>
-              </a:rPr>
-              <a:t>수집</a:t>
-            </a:r>
-          </a:p>
-        </p:txBody>
-      </p:sp>
-      <p:sp>
-        <p:nvSpPr>
-          <p:cNvPr id="8" name="직사각형 7">
-            <a:extLst>
-              <a:ext uri="{FF2B5EF4-FFF2-40B4-BE49-F238E27FC236}">
-                <a16:creationId xmlns:a16="http://schemas.microsoft.com/office/drawing/2014/main" id="{9B116915-945E-4E9D-8E8E-C18A0059FADD}"/>
-              </a:ext>
-            </a:extLst>
-          </p:cNvPr>
-          <p:cNvSpPr/>
-          <p:nvPr/>
-        </p:nvSpPr>
-        <p:spPr>
-          <a:xfrm>
-            <a:off x="4766540" y="2157259"/>
-            <a:ext cx="3153747" cy="1163218"/>
-          </a:xfrm>
-          <a:prstGeom prst="rect">
             <a:avLst/>
           </a:prstGeom>
         </p:spPr>
@@ -3745,258 +3619,203 @@
           <a:lstStyle/>
           <a:p>
             <a:pPr algn="ctr"/>
-            <a:r>
-              <a:rPr lang="ko-KR" altLang="en-US" dirty="0"/>
-              <a:t>사용자 니즈 분석</a:t>
-            </a:r>
-          </a:p>
-        </p:txBody>
-      </p:sp>
-      <p:pic>
-        <p:nvPicPr>
-          <p:cNvPr id="1026" name="Picture 2" descr="FastAPI 파이썬으로 간단하게 웹 API 만들기">
-            <a:extLst>
-              <a:ext uri="{FF2B5EF4-FFF2-40B4-BE49-F238E27FC236}">
-                <a16:creationId xmlns:a16="http://schemas.microsoft.com/office/drawing/2014/main" id="{705A0D73-29DD-46C1-B163-3610E5900D22}"/>
-              </a:ext>
-            </a:extLst>
-          </p:cNvPr>
-          <p:cNvPicPr>
-            <a:picLocks noChangeAspect="1" noChangeArrowheads="1"/>
-          </p:cNvPicPr>
+            <a:endParaRPr lang="ko-KR" altLang="en-US"/>
+          </a:p>
+        </p:txBody>
+      </p:sp>
+      <p:sp>
+        <p:nvSpPr>
+          <p:cNvPr id="5" name="TextBox 4"/>
+          <p:cNvSpPr txBox="1"/>
           <p:nvPr/>
-        </p:nvPicPr>
-        <p:blipFill>
-          <a:blip r:embed="rId3" cstate="print">
-            <a:extLst>
-              <a:ext uri="{28A0092B-C50C-407E-A947-70E740481C1C}">
-                <a14:useLocalDpi xmlns:a14="http://schemas.microsoft.com/office/drawing/2010/main" val="0"/>
-              </a:ext>
-            </a:extLst>
-          </a:blip>
-          <a:srcRect/>
-          <a:stretch>
-            <a:fillRect/>
-          </a:stretch>
-        </p:blipFill>
-        <p:spPr bwMode="auto">
+        </p:nvSpPr>
+        <p:spPr>
           <a:xfrm>
-            <a:off x="5171622" y="1265047"/>
-            <a:ext cx="2343581" cy="845339"/>
+            <a:off x="2153816" y="5345966"/>
+            <a:ext cx="9668070" cy="830997"/>
           </a:xfrm>
           <a:prstGeom prst="rect">
             <a:avLst/>
           </a:prstGeom>
           <a:noFill/>
-          <a:extLst>
-            <a:ext uri="{909E8E84-426E-40DD-AFC4-6F175D3DCCD1}">
-              <a14:hiddenFill xmlns:a14="http://schemas.microsoft.com/office/drawing/2010/main">
+        </p:spPr>
+        <p:txBody>
+          <a:bodyPr wrap="square" rtlCol="0">
+            <a:spAutoFit/>
+          </a:bodyPr>
+          <a:lstStyle/>
+          <a:p>
+            <a:r>
+              <a:rPr lang="ko-KR" altLang="en-US" sz="2400" b="1" dirty="0">
                 <a:solidFill>
-                  <a:srgbClr val="FFFFFF"/>
+                  <a:schemeClr val="accent1"/>
                 </a:solidFill>
-              </a14:hiddenFill>
-            </a:ext>
-          </a:extLst>
-        </p:spPr>
-      </p:pic>
-      <p:pic>
-        <p:nvPicPr>
-          <p:cNvPr id="10" name="그림 9">
+              </a:rPr>
+              <a:t>사용자의 하루 일과를 물어보며 관계를 형성하고</a:t>
+            </a:r>
+            <a:r>
+              <a:rPr lang="en-US" altLang="ko-KR" sz="2400" b="1" dirty="0">
+                <a:solidFill>
+                  <a:schemeClr val="accent1"/>
+                </a:solidFill>
+              </a:rPr>
+              <a:t>,</a:t>
+            </a:r>
+          </a:p>
+          <a:p>
+            <a:r>
+              <a:rPr lang="ko-KR" altLang="en-US" sz="2400" b="1" dirty="0">
+                <a:solidFill>
+                  <a:schemeClr val="accent1"/>
+                </a:solidFill>
+              </a:rPr>
+              <a:t>일상을 기억</a:t>
+            </a:r>
+            <a:r>
+              <a:rPr lang="en-US" altLang="ko-KR" sz="2400" b="1" dirty="0">
+                <a:solidFill>
+                  <a:schemeClr val="accent1"/>
+                </a:solidFill>
+              </a:rPr>
+              <a:t>, </a:t>
+            </a:r>
+            <a:r>
+              <a:rPr lang="ko-KR" altLang="en-US" sz="2400" b="1" dirty="0">
+                <a:solidFill>
+                  <a:schemeClr val="accent1"/>
+                </a:solidFill>
+              </a:rPr>
+              <a:t>분석하며 진정한 </a:t>
+            </a:r>
+            <a:r>
+              <a:rPr lang="en-US" altLang="ko-KR" sz="2400" b="1" dirty="0">
+                <a:solidFill>
+                  <a:schemeClr val="accent1"/>
+                </a:solidFill>
+              </a:rPr>
+              <a:t>“</a:t>
+            </a:r>
+            <a:r>
+              <a:rPr lang="ko-KR" altLang="en-US" sz="2400" b="1" dirty="0">
+                <a:solidFill>
+                  <a:schemeClr val="accent1"/>
+                </a:solidFill>
+              </a:rPr>
+              <a:t>나</a:t>
+            </a:r>
+            <a:r>
+              <a:rPr lang="en-US" altLang="ko-KR" sz="2400" b="1" dirty="0">
+                <a:solidFill>
+                  <a:schemeClr val="accent1"/>
+                </a:solidFill>
+              </a:rPr>
+              <a:t>”</a:t>
+            </a:r>
+            <a:r>
+              <a:rPr lang="ko-KR" altLang="en-US" sz="2400" b="1" dirty="0">
+                <a:solidFill>
+                  <a:schemeClr val="accent1"/>
+                </a:solidFill>
+              </a:rPr>
+              <a:t>를 찾아가는 서비스</a:t>
+            </a:r>
+          </a:p>
+        </p:txBody>
+      </p:sp>
+      <p:sp>
+        <p:nvSpPr>
+          <p:cNvPr id="6" name="TextBox 5">
             <a:extLst>
               <a:ext uri="{FF2B5EF4-FFF2-40B4-BE49-F238E27FC236}">
-                <a16:creationId xmlns:a16="http://schemas.microsoft.com/office/drawing/2014/main" id="{34EEDE34-7111-468D-84B6-7F917BAA6A34}"/>
+                <a16:creationId xmlns:a16="http://schemas.microsoft.com/office/drawing/2014/main" id="{8F003860-AD47-4B05-B4E4-AA2DCF8FE275}"/>
               </a:ext>
             </a:extLst>
           </p:cNvPr>
-          <p:cNvPicPr>
-            <a:picLocks noChangeAspect="1"/>
-          </p:cNvPicPr>
+          <p:cNvSpPr txBox="1"/>
           <p:nvPr/>
-        </p:nvPicPr>
-        <p:blipFill>
-          <a:blip r:embed="rId4"/>
-          <a:stretch>
-            <a:fillRect/>
-          </a:stretch>
-        </p:blipFill>
+        </p:nvSpPr>
         <p:spPr>
           <a:xfrm>
-            <a:off x="248514" y="4848154"/>
-            <a:ext cx="3535891" cy="1060767"/>
-          </a:xfrm>
-          <a:prstGeom prst="rect">
-            <a:avLst/>
-          </a:prstGeom>
-          <a:ln w="38100" cap="sq">
-            <a:solidFill>
-              <a:srgbClr val="000000"/>
-            </a:solidFill>
-            <a:prstDash val="solid"/>
-            <a:miter lim="800000"/>
-          </a:ln>
-          <a:effectLst>
-            <a:outerShdw blurRad="50800" dist="38100" dir="2700000" algn="tl" rotWithShape="0">
-              <a:srgbClr val="000000">
-                <a:alpha val="43000"/>
-              </a:srgbClr>
-            </a:outerShdw>
-          </a:effectLst>
-        </p:spPr>
-      </p:pic>
-      <p:pic>
-        <p:nvPicPr>
-          <p:cNvPr id="11" name="Picture 6" descr="IA : Une web interface à Ollama avec Ollama LLM UI (Projet en dev) - Wiki -  Wiki">
-            <a:extLst>
-              <a:ext uri="{FF2B5EF4-FFF2-40B4-BE49-F238E27FC236}">
-                <a16:creationId xmlns:a16="http://schemas.microsoft.com/office/drawing/2014/main" id="{4FEDC1BD-C5EB-42E0-997C-4B5483141F0F}"/>
-              </a:ext>
-            </a:extLst>
-          </p:cNvPr>
-          <p:cNvPicPr>
-            <a:picLocks noChangeAspect="1" noChangeArrowheads="1"/>
-          </p:cNvPicPr>
-          <p:nvPr/>
-        </p:nvPicPr>
-        <p:blipFill>
-          <a:blip r:embed="rId5" cstate="print">
-            <a:extLst>
-              <a:ext uri="{28A0092B-C50C-407E-A947-70E740481C1C}">
-                <a14:useLocalDpi xmlns:a14="http://schemas.microsoft.com/office/drawing/2010/main" val="0"/>
-              </a:ext>
-            </a:extLst>
-          </a:blip>
-          <a:srcRect/>
-          <a:stretch>
-            <a:fillRect/>
-          </a:stretch>
-        </p:blipFill>
-        <p:spPr bwMode="auto">
-          <a:xfrm>
-            <a:off x="335286" y="3873367"/>
-            <a:ext cx="1819141" cy="627604"/>
+            <a:off x="7339560" y="4309001"/>
+            <a:ext cx="4014240" cy="646331"/>
           </a:xfrm>
           <a:prstGeom prst="rect">
             <a:avLst/>
           </a:prstGeom>
           <a:noFill/>
-          <a:extLst>
-            <a:ext uri="{909E8E84-426E-40DD-AFC4-6F175D3DCCD1}">
-              <a14:hiddenFill xmlns:a14="http://schemas.microsoft.com/office/drawing/2010/main">
+        </p:spPr>
+        <p:txBody>
+          <a:bodyPr wrap="none" rtlCol="0">
+            <a:spAutoFit/>
+          </a:bodyPr>
+          <a:lstStyle/>
+          <a:p>
+            <a:r>
+              <a:rPr lang="ko-KR" altLang="en-US" b="1" dirty="0">
                 <a:solidFill>
-                  <a:srgbClr val="FFFFFF"/>
-                </a:solidFill>
-              </a14:hiddenFill>
-            </a:ext>
-          </a:extLst>
-        </p:spPr>
-      </p:pic>
-      <p:sp>
-        <p:nvSpPr>
-          <p:cNvPr id="12" name="오른쪽 화살표 33">
-            <a:extLst>
-              <a:ext uri="{FF2B5EF4-FFF2-40B4-BE49-F238E27FC236}">
-                <a16:creationId xmlns:a16="http://schemas.microsoft.com/office/drawing/2014/main" id="{823301FF-A054-4B32-BD85-3FF2611DAD19}"/>
-              </a:ext>
-            </a:extLst>
-          </p:cNvPr>
-          <p:cNvSpPr/>
-          <p:nvPr/>
-        </p:nvSpPr>
-        <p:spPr>
-          <a:xfrm>
-            <a:off x="4271715" y="5044428"/>
-            <a:ext cx="1732585" cy="668218"/>
-          </a:xfrm>
-          <a:prstGeom prst="rightArrow">
-            <a:avLst/>
-          </a:prstGeom>
-        </p:spPr>
-        <p:style>
-          <a:lnRef idx="2">
-            <a:schemeClr val="accent4">
-              <a:shade val="50000"/>
-            </a:schemeClr>
-          </a:lnRef>
-          <a:fillRef idx="1">
-            <a:schemeClr val="accent4"/>
-          </a:fillRef>
-          <a:effectRef idx="0">
-            <a:schemeClr val="accent4"/>
-          </a:effectRef>
-          <a:fontRef idx="minor">
-            <a:schemeClr val="lt1"/>
-          </a:fontRef>
-        </p:style>
-        <p:txBody>
-          <a:bodyPr rtlCol="0" anchor="ctr"/>
-          <a:lstStyle/>
-          <a:p>
-            <a:pPr algn="ctr"/>
-            <a:r>
-              <a:rPr lang="ko-KR" altLang="en-US" dirty="0">
-                <a:solidFill>
-                  <a:schemeClr val="tx1"/>
+                  <a:schemeClr val="bg1">
+                    <a:lumMod val="75000"/>
+                  </a:schemeClr>
                 </a:solidFill>
               </a:rPr>
-              <a:t>수집</a:t>
-            </a:r>
-          </a:p>
-        </p:txBody>
-      </p:sp>
-      <p:sp>
-        <p:nvSpPr>
-          <p:cNvPr id="13" name="직사각형 12">
-            <a:extLst>
-              <a:ext uri="{FF2B5EF4-FFF2-40B4-BE49-F238E27FC236}">
-                <a16:creationId xmlns:a16="http://schemas.microsoft.com/office/drawing/2014/main" id="{ADB6BA0D-1068-40CB-9479-CFD02DA83AF2}"/>
-              </a:ext>
-            </a:extLst>
-          </p:cNvPr>
-          <p:cNvSpPr/>
-          <p:nvPr/>
-        </p:nvSpPr>
-        <p:spPr>
-          <a:xfrm>
-            <a:off x="6491610" y="4848154"/>
-            <a:ext cx="3153747" cy="1163218"/>
-          </a:xfrm>
-          <a:prstGeom prst="rect">
-            <a:avLst/>
-          </a:prstGeom>
-        </p:spPr>
-        <p:style>
-          <a:lnRef idx="2">
-            <a:schemeClr val="accent5">
-              <a:shade val="50000"/>
-            </a:schemeClr>
-          </a:lnRef>
-          <a:fillRef idx="1">
-            <a:schemeClr val="accent5"/>
-          </a:fillRef>
-          <a:effectRef idx="0">
-            <a:schemeClr val="accent5"/>
-          </a:effectRef>
-          <a:fontRef idx="minor">
-            <a:schemeClr val="lt1"/>
-          </a:fontRef>
-        </p:style>
-        <p:txBody>
-          <a:bodyPr rtlCol="0" anchor="ctr"/>
-          <a:lstStyle/>
-          <a:p>
-            <a:pPr algn="ctr"/>
-            <a:r>
-              <a:rPr lang="en-US" altLang="ko-KR" dirty="0"/>
-              <a:t>??</a:t>
-            </a:r>
-            <a:endParaRPr lang="ko-KR" altLang="en-US" dirty="0"/>
+              <a:t>당신은 누구인가</a:t>
+            </a:r>
+            <a:r>
+              <a:rPr lang="en-US" altLang="ko-KR" b="1" dirty="0">
+                <a:solidFill>
+                  <a:schemeClr val="bg1">
+                    <a:lumMod val="75000"/>
+                  </a:schemeClr>
+                </a:solidFill>
+              </a:rPr>
+              <a:t>..</a:t>
+            </a:r>
+          </a:p>
+          <a:p>
+            <a:r>
+              <a:rPr lang="en-US" altLang="ko-KR" b="1" dirty="0">
+                <a:solidFill>
+                  <a:schemeClr val="bg1">
+                    <a:lumMod val="75000"/>
+                  </a:schemeClr>
+                </a:solidFill>
+              </a:rPr>
+              <a:t>	</a:t>
+            </a:r>
+            <a:r>
+              <a:rPr lang="ko-KR" altLang="en-US" b="1" dirty="0">
+                <a:solidFill>
+                  <a:schemeClr val="bg1">
+                    <a:lumMod val="75000"/>
+                  </a:schemeClr>
+                </a:solidFill>
+              </a:rPr>
+              <a:t>그리고 어떻게 살고 있는가</a:t>
+            </a:r>
+            <a:r>
+              <a:rPr lang="en-US" altLang="ko-KR" b="1" dirty="0">
+                <a:solidFill>
+                  <a:schemeClr val="bg1">
+                    <a:lumMod val="75000"/>
+                  </a:schemeClr>
+                </a:solidFill>
+              </a:rPr>
+              <a:t>..</a:t>
+            </a:r>
+            <a:endParaRPr lang="ko-KR" altLang="en-US" b="1" dirty="0">
+              <a:solidFill>
+                <a:schemeClr val="bg1">
+                  <a:lumMod val="75000"/>
+                </a:schemeClr>
+              </a:solidFill>
+            </a:endParaRPr>
           </a:p>
         </p:txBody>
       </p:sp>
     </p:spTree>
     <p:extLst>
       <p:ext uri="{BB962C8B-B14F-4D97-AF65-F5344CB8AC3E}">
-        <p14:creationId xmlns:p14="http://schemas.microsoft.com/office/powerpoint/2010/main" val="1277760340"/>
+        <p14:creationId xmlns:p14="http://schemas.microsoft.com/office/powerpoint/2010/main" val="1430559157"/>
       </p:ext>
     </p:extLst>
   </p:cSld>
@@ -4040,7 +3859,7 @@
           <a:p>
             <a:r>
               <a:rPr lang="ko-KR" altLang="en-US" dirty="0"/>
-              <a:t>서비스 목적</a:t>
+              <a:t>핵심 기능</a:t>
             </a:r>
           </a:p>
         </p:txBody>
@@ -4060,137 +3879,41 @@
           <a:bodyPr/>
           <a:lstStyle/>
           <a:p>
+            <a:pPr marL="514350" indent="-514350">
+              <a:buAutoNum type="arabicPeriod"/>
+            </a:pPr>
             <a:r>
               <a:rPr lang="ko-KR" altLang="en-US" dirty="0"/>
-              <a:t>하루에 절반 이상 인터넷 활동을 하지만</a:t>
-            </a:r>
-            <a:r>
-              <a:rPr lang="en-US" altLang="ko-KR" dirty="0"/>
-              <a:t>, </a:t>
-            </a:r>
+              <a:t>일정 관리</a:t>
+            </a:r>
+            <a:endParaRPr lang="en-US" altLang="ko-KR" dirty="0"/>
+          </a:p>
+          <a:p>
+            <a:pPr marL="514350" indent="-514350">
+              <a:buAutoNum type="arabicPeriod"/>
+            </a:pPr>
             <a:r>
               <a:rPr lang="ko-KR" altLang="en-US" dirty="0"/>
-              <a:t>돌아서면 기억에 남는 것은 하나도 없다</a:t>
+              <a:t>개인 아카이브</a:t>
             </a:r>
             <a:endParaRPr lang="en-US" altLang="ko-KR" dirty="0"/>
           </a:p>
           <a:p>
+            <a:pPr marL="514350" indent="-514350">
+              <a:buAutoNum type="arabicPeriod"/>
+            </a:pPr>
+            <a:r>
+              <a:rPr lang="ko-KR" altLang="en-US" dirty="0"/>
+              <a:t>맞춤형 일상 대화</a:t>
+            </a:r>
             <a:endParaRPr lang="en-US" altLang="ko-KR" dirty="0"/>
-          </a:p>
-          <a:p>
-            <a:r>
-              <a:rPr lang="ko-KR" altLang="en-US" dirty="0"/>
-              <a:t>메모하거나 </a:t>
-            </a:r>
-            <a:r>
-              <a:rPr lang="ko-KR" altLang="en-US" dirty="0" err="1"/>
-              <a:t>북마크</a:t>
-            </a:r>
-            <a:r>
-              <a:rPr lang="ko-KR" altLang="en-US" dirty="0"/>
-              <a:t> 해둬야 기억하는데</a:t>
-            </a:r>
-            <a:r>
-              <a:rPr lang="en-US" altLang="ko-KR" dirty="0"/>
-              <a:t>, </a:t>
-            </a:r>
-            <a:r>
-              <a:rPr lang="ko-KR" altLang="en-US" dirty="0"/>
-              <a:t>이마저도 귀찮을 때가 많다</a:t>
-            </a:r>
-            <a:r>
-              <a:rPr lang="en-US" altLang="ko-KR" dirty="0"/>
-              <a:t>. </a:t>
-            </a:r>
-            <a:r>
-              <a:rPr lang="ko-KR" altLang="en-US" dirty="0"/>
-              <a:t>불필요하게 열어둔 탭은 덤</a:t>
-            </a:r>
-            <a:r>
-              <a:rPr lang="en-US" altLang="ko-KR" dirty="0"/>
-              <a:t>..</a:t>
-            </a:r>
-            <a:endParaRPr lang="ko-KR" altLang="en-US" dirty="0"/>
-          </a:p>
-        </p:txBody>
-      </p:sp>
-      <p:sp>
-        <p:nvSpPr>
-          <p:cNvPr id="4" name="오른쪽 화살표 3"/>
-          <p:cNvSpPr/>
-          <p:nvPr/>
-        </p:nvSpPr>
-        <p:spPr>
-          <a:xfrm>
-            <a:off x="653143" y="5197151"/>
-            <a:ext cx="1315616" cy="811861"/>
-          </a:xfrm>
-          <a:prstGeom prst="rightArrow">
-            <a:avLst/>
-          </a:prstGeom>
-        </p:spPr>
-        <p:style>
-          <a:lnRef idx="2">
-            <a:schemeClr val="accent1">
-              <a:shade val="50000"/>
-            </a:schemeClr>
-          </a:lnRef>
-          <a:fillRef idx="1">
-            <a:schemeClr val="accent1"/>
-          </a:fillRef>
-          <a:effectRef idx="0">
-            <a:schemeClr val="accent1"/>
-          </a:effectRef>
-          <a:fontRef idx="minor">
-            <a:schemeClr val="lt1"/>
-          </a:fontRef>
-        </p:style>
-        <p:txBody>
-          <a:bodyPr rtlCol="0" anchor="ctr"/>
-          <a:lstStyle/>
-          <a:p>
-            <a:pPr algn="ctr"/>
-            <a:endParaRPr lang="ko-KR" altLang="en-US"/>
-          </a:p>
-        </p:txBody>
-      </p:sp>
-      <p:sp>
-        <p:nvSpPr>
-          <p:cNvPr id="5" name="TextBox 4"/>
-          <p:cNvSpPr txBox="1"/>
-          <p:nvPr/>
-        </p:nvSpPr>
-        <p:spPr>
-          <a:xfrm>
-            <a:off x="2153816" y="5383764"/>
-            <a:ext cx="9668070" cy="461665"/>
-          </a:xfrm>
-          <a:prstGeom prst="rect">
-            <a:avLst/>
-          </a:prstGeom>
-          <a:noFill/>
-        </p:spPr>
-        <p:txBody>
-          <a:bodyPr wrap="square" rtlCol="0">
-            <a:spAutoFit/>
-          </a:bodyPr>
-          <a:lstStyle/>
-          <a:p>
-            <a:r>
-              <a:rPr lang="ko-KR" altLang="en-US" sz="2400" b="1" dirty="0">
-                <a:solidFill>
-                  <a:schemeClr val="accent1"/>
-                </a:solidFill>
-              </a:rPr>
-              <a:t>인터넷 활동을 지속적으로 모니터링 및 분석하여 사용자 편의 개선</a:t>
-            </a:r>
           </a:p>
         </p:txBody>
       </p:sp>
     </p:spTree>
     <p:extLst>
       <p:ext uri="{BB962C8B-B14F-4D97-AF65-F5344CB8AC3E}">
-        <p14:creationId xmlns:p14="http://schemas.microsoft.com/office/powerpoint/2010/main" val="1430559157"/>
+        <p14:creationId xmlns:p14="http://schemas.microsoft.com/office/powerpoint/2010/main" val="2639189755"/>
       </p:ext>
     </p:extLst>
   </p:cSld>
@@ -4219,7 +3942,62 @@
       </p:grpSpPr>
       <p:sp>
         <p:nvSpPr>
-          <p:cNvPr id="2" name="제목 1"/>
+          <p:cNvPr id="61" name="직사각형 60">
+            <a:extLst>
+              <a:ext uri="{FF2B5EF4-FFF2-40B4-BE49-F238E27FC236}">
+                <a16:creationId xmlns:a16="http://schemas.microsoft.com/office/drawing/2014/main" id="{1919532F-D62D-402E-B7AE-1891F825AE7F}"/>
+              </a:ext>
+            </a:extLst>
+          </p:cNvPr>
+          <p:cNvSpPr/>
+          <p:nvPr/>
+        </p:nvSpPr>
+        <p:spPr>
+          <a:xfrm>
+            <a:off x="6173123" y="1869133"/>
+            <a:ext cx="5622189" cy="1060767"/>
+          </a:xfrm>
+          <a:prstGeom prst="rect">
+            <a:avLst/>
+          </a:prstGeom>
+        </p:spPr>
+        <p:style>
+          <a:lnRef idx="2">
+            <a:schemeClr val="accent5">
+              <a:shade val="50000"/>
+            </a:schemeClr>
+          </a:lnRef>
+          <a:fillRef idx="1">
+            <a:schemeClr val="accent5"/>
+          </a:fillRef>
+          <a:effectRef idx="0">
+            <a:schemeClr val="accent5"/>
+          </a:effectRef>
+          <a:fontRef idx="minor">
+            <a:schemeClr val="lt1"/>
+          </a:fontRef>
+        </p:style>
+        <p:txBody>
+          <a:bodyPr rtlCol="0" anchor="ctr"/>
+          <a:lstStyle/>
+          <a:p>
+            <a:pPr algn="ctr"/>
+            <a:r>
+              <a:rPr lang="ko-KR" altLang="en-US" dirty="0"/>
+              <a:t>사용자 대응 전략 수립</a:t>
+            </a:r>
+          </a:p>
+        </p:txBody>
+      </p:sp>
+      <p:sp>
+        <p:nvSpPr>
+          <p:cNvPr id="2" name="제목 1">
+            <a:extLst>
+              <a:ext uri="{FF2B5EF4-FFF2-40B4-BE49-F238E27FC236}">
+                <a16:creationId xmlns:a16="http://schemas.microsoft.com/office/drawing/2014/main" id="{0168DD83-5C1C-4F6E-A964-17F897188043}"/>
+              </a:ext>
+            </a:extLst>
+          </p:cNvPr>
           <p:cNvSpPr>
             <a:spLocks noGrp="1"/>
           </p:cNvSpPr>
@@ -4234,91 +4012,1193 @@
           <a:p>
             <a:r>
               <a:rPr lang="ko-KR" altLang="en-US" dirty="0"/>
-              <a:t>핵심 기능</a:t>
-            </a:r>
-          </a:p>
-        </p:txBody>
-      </p:sp>
-      <p:sp>
-        <p:nvSpPr>
-          <p:cNvPr id="3" name="내용 개체 틀 2"/>
-          <p:cNvSpPr>
-            <a:spLocks noGrp="1"/>
-          </p:cNvSpPr>
-          <p:nvPr>
-            <p:ph idx="1"/>
-          </p:nvPr>
-        </p:nvSpPr>
-        <p:spPr/>
-        <p:txBody>
-          <a:bodyPr/>
-          <a:lstStyle/>
-          <a:p>
-            <a:pPr marL="514350" indent="-514350">
-              <a:buAutoNum type="arabicPeriod"/>
-            </a:pPr>
+              <a:t>시스템 흐름</a:t>
+            </a:r>
+          </a:p>
+        </p:txBody>
+      </p:sp>
+      <p:sp>
+        <p:nvSpPr>
+          <p:cNvPr id="16" name="직사각형 15">
+            <a:extLst>
+              <a:ext uri="{FF2B5EF4-FFF2-40B4-BE49-F238E27FC236}">
+                <a16:creationId xmlns:a16="http://schemas.microsoft.com/office/drawing/2014/main" id="{79BA2DD0-07E9-4B5E-AC91-A9D80D04E754}"/>
+              </a:ext>
+            </a:extLst>
+          </p:cNvPr>
+          <p:cNvSpPr/>
+          <p:nvPr/>
+        </p:nvSpPr>
+        <p:spPr>
+          <a:xfrm>
+            <a:off x="6173123" y="5375734"/>
+            <a:ext cx="5622189" cy="1060767"/>
+          </a:xfrm>
+          <a:prstGeom prst="rect">
+            <a:avLst/>
+          </a:prstGeom>
+        </p:spPr>
+        <p:style>
+          <a:lnRef idx="2">
+            <a:schemeClr val="accent5">
+              <a:shade val="50000"/>
+            </a:schemeClr>
+          </a:lnRef>
+          <a:fillRef idx="1">
+            <a:schemeClr val="accent5"/>
+          </a:fillRef>
+          <a:effectRef idx="0">
+            <a:schemeClr val="accent5"/>
+          </a:effectRef>
+          <a:fontRef idx="minor">
+            <a:schemeClr val="lt1"/>
+          </a:fontRef>
+        </p:style>
+        <p:txBody>
+          <a:bodyPr rtlCol="0" anchor="ctr"/>
+          <a:lstStyle/>
+          <a:p>
+            <a:pPr algn="ctr"/>
             <a:r>
               <a:rPr lang="ko-KR" altLang="en-US" dirty="0"/>
-              <a:t>단기 기억</a:t>
-            </a:r>
-            <a:endParaRPr lang="en-US" altLang="ko-KR" dirty="0"/>
-          </a:p>
-          <a:p>
-            <a:pPr marL="971550" lvl="1" indent="-514350">
-              <a:buAutoNum type="arabicPeriod"/>
-            </a:pPr>
-            <a:r>
-              <a:rPr lang="ko-KR" altLang="en-US" dirty="0"/>
-              <a:t>일정 관리</a:t>
-            </a:r>
-            <a:endParaRPr lang="en-US" altLang="ko-KR" dirty="0"/>
-          </a:p>
-          <a:p>
-            <a:pPr marL="971550" lvl="1" indent="-514350">
-              <a:buAutoNum type="arabicPeriod"/>
-            </a:pPr>
-            <a:r>
-              <a:rPr lang="ko-KR" altLang="en-US" dirty="0"/>
-              <a:t>단순 메모</a:t>
-            </a:r>
-            <a:endParaRPr lang="en-US" altLang="ko-KR" dirty="0"/>
-          </a:p>
-          <a:p>
-            <a:pPr marL="514350" indent="-514350">
-              <a:buAutoNum type="arabicPeriod"/>
-            </a:pPr>
-            <a:r>
-              <a:rPr lang="ko-KR" altLang="en-US" dirty="0"/>
-              <a:t>장기 기억</a:t>
-            </a:r>
-            <a:endParaRPr lang="en-US" altLang="ko-KR" dirty="0"/>
-          </a:p>
-          <a:p>
-            <a:pPr marL="971550" lvl="1" indent="-514350">
-              <a:buAutoNum type="arabicPeriod"/>
-            </a:pPr>
-            <a:r>
-              <a:rPr lang="ko-KR" altLang="en-US" dirty="0"/>
-              <a:t>일반 상식</a:t>
-            </a:r>
-            <a:endParaRPr lang="en-US" altLang="ko-KR" dirty="0"/>
-          </a:p>
-          <a:p>
-            <a:pPr marL="971550" lvl="1" indent="-514350">
-              <a:buAutoNum type="arabicPeriod"/>
-            </a:pPr>
-            <a:r>
-              <a:rPr lang="ko-KR" altLang="en-US" dirty="0"/>
-              <a:t>기술 정보</a:t>
-            </a:r>
-            <a:endParaRPr lang="en-US" altLang="ko-KR" dirty="0"/>
-          </a:p>
-        </p:txBody>
-      </p:sp>
+              <a:t>데이터 가공</a:t>
+            </a:r>
+          </a:p>
+        </p:txBody>
+      </p:sp>
+      <p:grpSp>
+        <p:nvGrpSpPr>
+          <p:cNvPr id="59" name="그룹 58">
+            <a:extLst>
+              <a:ext uri="{FF2B5EF4-FFF2-40B4-BE49-F238E27FC236}">
+                <a16:creationId xmlns:a16="http://schemas.microsoft.com/office/drawing/2014/main" id="{52920634-29C2-4D4A-80A7-50ED15508D98}"/>
+              </a:ext>
+            </a:extLst>
+          </p:cNvPr>
+          <p:cNvGrpSpPr/>
+          <p:nvPr/>
+        </p:nvGrpSpPr>
+        <p:grpSpPr>
+          <a:xfrm>
+            <a:off x="4221685" y="2917217"/>
+            <a:ext cx="1819141" cy="2593703"/>
+            <a:chOff x="4094336" y="2733217"/>
+            <a:chExt cx="1819141" cy="2593703"/>
+          </a:xfrm>
+        </p:grpSpPr>
+        <p:pic>
+          <p:nvPicPr>
+            <p:cNvPr id="21" name="Picture 12" descr="MySQL 강좌 : 제 1강 - 소개 및 설치 - YUN DAE HEE">
+              <a:extLst>
+                <a:ext uri="{FF2B5EF4-FFF2-40B4-BE49-F238E27FC236}">
+                  <a16:creationId xmlns:a16="http://schemas.microsoft.com/office/drawing/2014/main" id="{DACC635F-BB5F-4992-9F64-058DA2262C80}"/>
+                </a:ext>
+              </a:extLst>
+            </p:cNvPr>
+            <p:cNvPicPr>
+              <a:picLocks noChangeAspect="1" noChangeArrowheads="1"/>
+            </p:cNvPicPr>
+            <p:nvPr/>
+          </p:nvPicPr>
+          <p:blipFill>
+            <a:blip r:embed="rId2" cstate="print">
+              <a:extLst>
+                <a:ext uri="{28A0092B-C50C-407E-A947-70E740481C1C}">
+                  <a14:useLocalDpi xmlns:a14="http://schemas.microsoft.com/office/drawing/2010/main" val="0"/>
+                </a:ext>
+              </a:extLst>
+            </a:blip>
+            <a:srcRect/>
+            <a:stretch>
+              <a:fillRect/>
+            </a:stretch>
+          </p:blipFill>
+          <p:spPr bwMode="auto">
+            <a:xfrm>
+              <a:off x="4327920" y="4425604"/>
+              <a:ext cx="1351974" cy="901316"/>
+            </a:xfrm>
+            <a:prstGeom prst="rect">
+              <a:avLst/>
+            </a:prstGeom>
+            <a:noFill/>
+            <a:extLst>
+              <a:ext uri="{909E8E84-426E-40DD-AFC4-6F175D3DCCD1}">
+                <a14:hiddenFill xmlns:a14="http://schemas.microsoft.com/office/drawing/2010/main">
+                  <a:solidFill>
+                    <a:srgbClr val="FFFFFF"/>
+                  </a:solidFill>
+                </a14:hiddenFill>
+              </a:ext>
+            </a:extLst>
+          </p:spPr>
+        </p:pic>
+        <p:pic>
+          <p:nvPicPr>
+            <p:cNvPr id="22" name="Picture 6" descr="SpringBoot]스프링부트란?">
+              <a:extLst>
+                <a:ext uri="{FF2B5EF4-FFF2-40B4-BE49-F238E27FC236}">
+                  <a16:creationId xmlns:a16="http://schemas.microsoft.com/office/drawing/2014/main" id="{970475FF-B1C6-4597-9FFF-33A68EA87708}"/>
+                </a:ext>
+              </a:extLst>
+            </p:cNvPr>
+            <p:cNvPicPr>
+              <a:picLocks noChangeAspect="1" noChangeArrowheads="1"/>
+            </p:cNvPicPr>
+            <p:nvPr/>
+          </p:nvPicPr>
+          <p:blipFill>
+            <a:blip r:embed="rId3" cstate="print">
+              <a:extLst>
+                <a:ext uri="{28A0092B-C50C-407E-A947-70E740481C1C}">
+                  <a14:useLocalDpi xmlns:a14="http://schemas.microsoft.com/office/drawing/2010/main" val="0"/>
+                </a:ext>
+              </a:extLst>
+            </a:blip>
+            <a:srcRect/>
+            <a:stretch>
+              <a:fillRect/>
+            </a:stretch>
+          </p:blipFill>
+          <p:spPr bwMode="auto">
+            <a:xfrm>
+              <a:off x="4274850" y="3633612"/>
+              <a:ext cx="1552444" cy="814241"/>
+            </a:xfrm>
+            <a:prstGeom prst="rect">
+              <a:avLst/>
+            </a:prstGeom>
+            <a:noFill/>
+            <a:extLst>
+              <a:ext uri="{909E8E84-426E-40DD-AFC4-6F175D3DCCD1}">
+                <a14:hiddenFill xmlns:a14="http://schemas.microsoft.com/office/drawing/2010/main">
+                  <a:solidFill>
+                    <a:srgbClr val="FFFFFF"/>
+                  </a:solidFill>
+                </a14:hiddenFill>
+              </a:ext>
+            </a:extLst>
+          </p:spPr>
+        </p:pic>
+        <p:pic>
+          <p:nvPicPr>
+            <p:cNvPr id="24" name="Picture 6" descr="IA : Une web interface à Ollama avec Ollama LLM UI (Projet en dev) - Wiki -  Wiki">
+              <a:extLst>
+                <a:ext uri="{FF2B5EF4-FFF2-40B4-BE49-F238E27FC236}">
+                  <a16:creationId xmlns:a16="http://schemas.microsoft.com/office/drawing/2014/main" id="{80C79D9C-E621-49BF-91E1-126EB699B30C}"/>
+                </a:ext>
+              </a:extLst>
+            </p:cNvPr>
+            <p:cNvPicPr>
+              <a:picLocks noChangeAspect="1" noChangeArrowheads="1"/>
+            </p:cNvPicPr>
+            <p:nvPr/>
+          </p:nvPicPr>
+          <p:blipFill>
+            <a:blip r:embed="rId4" cstate="print">
+              <a:extLst>
+                <a:ext uri="{28A0092B-C50C-407E-A947-70E740481C1C}">
+                  <a14:useLocalDpi xmlns:a14="http://schemas.microsoft.com/office/drawing/2010/main" val="0"/>
+                </a:ext>
+              </a:extLst>
+            </a:blip>
+            <a:srcRect/>
+            <a:stretch>
+              <a:fillRect/>
+            </a:stretch>
+          </p:blipFill>
+          <p:spPr bwMode="auto">
+            <a:xfrm>
+              <a:off x="4094336" y="2733217"/>
+              <a:ext cx="1819141" cy="627604"/>
+            </a:xfrm>
+            <a:prstGeom prst="rect">
+              <a:avLst/>
+            </a:prstGeom>
+            <a:noFill/>
+            <a:extLst>
+              <a:ext uri="{909E8E84-426E-40DD-AFC4-6F175D3DCCD1}">
+                <a14:hiddenFill xmlns:a14="http://schemas.microsoft.com/office/drawing/2010/main">
+                  <a:solidFill>
+                    <a:srgbClr val="FFFFFF"/>
+                  </a:solidFill>
+                </a14:hiddenFill>
+              </a:ext>
+            </a:extLst>
+          </p:spPr>
+        </p:pic>
+      </p:grpSp>
+      <p:pic>
+        <p:nvPicPr>
+          <p:cNvPr id="29" name="Picture 2" descr="FastAPI 파이썬으로 간단하게 웹 API 만들기">
+            <a:extLst>
+              <a:ext uri="{FF2B5EF4-FFF2-40B4-BE49-F238E27FC236}">
+                <a16:creationId xmlns:a16="http://schemas.microsoft.com/office/drawing/2014/main" id="{7B83CF5E-D2FF-4058-A8A1-209B04609690}"/>
+              </a:ext>
+            </a:extLst>
+          </p:cNvPr>
+          <p:cNvPicPr>
+            <a:picLocks noChangeAspect="1" noChangeArrowheads="1"/>
+          </p:cNvPicPr>
+          <p:nvPr/>
+        </p:nvPicPr>
+        <p:blipFill>
+          <a:blip r:embed="rId5" cstate="print">
+            <a:extLst>
+              <a:ext uri="{28A0092B-C50C-407E-A947-70E740481C1C}">
+                <a14:useLocalDpi xmlns:a14="http://schemas.microsoft.com/office/drawing/2010/main" val="0"/>
+              </a:ext>
+            </a:extLst>
+          </a:blip>
+          <a:srcRect/>
+          <a:stretch>
+            <a:fillRect/>
+          </a:stretch>
+        </p:blipFill>
+        <p:spPr bwMode="auto">
+          <a:xfrm>
+            <a:off x="9637974" y="723658"/>
+            <a:ext cx="2343581" cy="845339"/>
+          </a:xfrm>
+          <a:prstGeom prst="rect">
+            <a:avLst/>
+          </a:prstGeom>
+          <a:noFill/>
+          <a:extLst>
+            <a:ext uri="{909E8E84-426E-40DD-AFC4-6F175D3DCCD1}">
+              <a14:hiddenFill xmlns:a14="http://schemas.microsoft.com/office/drawing/2010/main">
+                <a:solidFill>
+                  <a:srgbClr val="FFFFFF"/>
+                </a:solidFill>
+              </a14:hiddenFill>
+            </a:ext>
+          </a:extLst>
+        </p:spPr>
+      </p:pic>
+      <p:grpSp>
+        <p:nvGrpSpPr>
+          <p:cNvPr id="41" name="그룹 40">
+            <a:extLst>
+              <a:ext uri="{FF2B5EF4-FFF2-40B4-BE49-F238E27FC236}">
+                <a16:creationId xmlns:a16="http://schemas.microsoft.com/office/drawing/2014/main" id="{0D953458-D9DA-4BC0-9A0F-EA4DA299C3BE}"/>
+              </a:ext>
+            </a:extLst>
+          </p:cNvPr>
+          <p:cNvGrpSpPr/>
+          <p:nvPr/>
+        </p:nvGrpSpPr>
+        <p:grpSpPr>
+          <a:xfrm>
+            <a:off x="282059" y="1387530"/>
+            <a:ext cx="3807330" cy="5212715"/>
+            <a:chOff x="167002" y="1433461"/>
+            <a:chExt cx="3807330" cy="5212715"/>
+          </a:xfrm>
+        </p:grpSpPr>
+        <p:grpSp>
+          <p:nvGrpSpPr>
+            <p:cNvPr id="30" name="그룹 29">
+              <a:extLst>
+                <a:ext uri="{FF2B5EF4-FFF2-40B4-BE49-F238E27FC236}">
+                  <a16:creationId xmlns:a16="http://schemas.microsoft.com/office/drawing/2014/main" id="{F33F5CE3-2A9F-4580-97E2-CDDBA2DC9099}"/>
+                </a:ext>
+              </a:extLst>
+            </p:cNvPr>
+            <p:cNvGrpSpPr/>
+            <p:nvPr/>
+          </p:nvGrpSpPr>
+          <p:grpSpPr>
+            <a:xfrm>
+              <a:off x="167002" y="1433461"/>
+              <a:ext cx="3638512" cy="1965881"/>
+              <a:chOff x="134566" y="1493644"/>
+              <a:chExt cx="3638512" cy="1965881"/>
+            </a:xfrm>
+          </p:grpSpPr>
+          <p:sp>
+            <p:nvSpPr>
+              <p:cNvPr id="12" name="TextBox 11">
+                <a:extLst>
+                  <a:ext uri="{FF2B5EF4-FFF2-40B4-BE49-F238E27FC236}">
+                    <a16:creationId xmlns:a16="http://schemas.microsoft.com/office/drawing/2014/main" id="{4A8B50D6-C8DF-4397-9875-28870D4D6F5F}"/>
+                  </a:ext>
+                </a:extLst>
+              </p:cNvPr>
+              <p:cNvSpPr txBox="1"/>
+              <p:nvPr/>
+            </p:nvSpPr>
+            <p:spPr>
+              <a:xfrm>
+                <a:off x="2210919" y="1826773"/>
+                <a:ext cx="1562159" cy="369332"/>
+              </a:xfrm>
+              <a:prstGeom prst="rect">
+                <a:avLst/>
+              </a:prstGeom>
+              <a:noFill/>
+            </p:spPr>
+            <p:txBody>
+              <a:bodyPr wrap="none" rtlCol="0">
+                <a:spAutoFit/>
+              </a:bodyPr>
+              <a:lstStyle/>
+              <a:p>
+                <a:r>
+                  <a:rPr lang="ko-KR" altLang="en-US" dirty="0"/>
+                  <a:t>웹</a:t>
+                </a:r>
+                <a:r>
+                  <a:rPr lang="en-US" altLang="ko-KR" dirty="0"/>
+                  <a:t>/</a:t>
+                </a:r>
+                <a:r>
+                  <a:rPr lang="ko-KR" altLang="en-US" dirty="0"/>
+                  <a:t>앱 </a:t>
+                </a:r>
+                <a:r>
+                  <a:rPr lang="en-US" altLang="ko-KR" dirty="0"/>
+                  <a:t>= PWA</a:t>
+                </a:r>
+                <a:endParaRPr lang="ko-KR" altLang="en-US" dirty="0"/>
+              </a:p>
+            </p:txBody>
+          </p:sp>
+          <p:pic>
+            <p:nvPicPr>
+              <p:cNvPr id="20" name="Picture 4" descr="React란 무엇인가?">
+                <a:extLst>
+                  <a:ext uri="{FF2B5EF4-FFF2-40B4-BE49-F238E27FC236}">
+                    <a16:creationId xmlns:a16="http://schemas.microsoft.com/office/drawing/2014/main" id="{1BF70522-4457-4800-8B28-0352E2CD0373}"/>
+                  </a:ext>
+                </a:extLst>
+              </p:cNvPr>
+              <p:cNvPicPr>
+                <a:picLocks noChangeAspect="1" noChangeArrowheads="1"/>
+              </p:cNvPicPr>
+              <p:nvPr/>
+            </p:nvPicPr>
+            <p:blipFill rotWithShape="1">
+              <a:blip r:embed="rId6">
+                <a:extLst>
+                  <a:ext uri="{28A0092B-C50C-407E-A947-70E740481C1C}">
+                    <a14:useLocalDpi xmlns:a14="http://schemas.microsoft.com/office/drawing/2010/main" val="0"/>
+                  </a:ext>
+                </a:extLst>
+              </a:blip>
+              <a:srcRect l="11759" t="22430" r="13621" b="23664"/>
+              <a:stretch/>
+            </p:blipFill>
+            <p:spPr bwMode="auto">
+              <a:xfrm>
+                <a:off x="134566" y="1493644"/>
+                <a:ext cx="1968742" cy="806578"/>
+              </a:xfrm>
+              <a:prstGeom prst="rect">
+                <a:avLst/>
+              </a:prstGeom>
+              <a:noFill/>
+              <a:extLst>
+                <a:ext uri="{909E8E84-426E-40DD-AFC4-6F175D3DCCD1}">
+                  <a14:hiddenFill xmlns:a14="http://schemas.microsoft.com/office/drawing/2010/main">
+                    <a:solidFill>
+                      <a:srgbClr val="FFFFFF"/>
+                    </a:solidFill>
+                  </a14:hiddenFill>
+                </a:ext>
+              </a:extLst>
+            </p:spPr>
+          </p:pic>
+          <p:pic>
+            <p:nvPicPr>
+              <p:cNvPr id="23" name="그림 22">
+                <a:extLst>
+                  <a:ext uri="{FF2B5EF4-FFF2-40B4-BE49-F238E27FC236}">
+                    <a16:creationId xmlns:a16="http://schemas.microsoft.com/office/drawing/2014/main" id="{7D8CBA78-8D61-416B-82A1-97155FADBF3F}"/>
+                  </a:ext>
+                </a:extLst>
+              </p:cNvPr>
+              <p:cNvPicPr>
+                <a:picLocks noChangeAspect="1"/>
+              </p:cNvPicPr>
+              <p:nvPr/>
+            </p:nvPicPr>
+            <p:blipFill>
+              <a:blip r:embed="rId7"/>
+              <a:stretch>
+                <a:fillRect/>
+              </a:stretch>
+            </p:blipFill>
+            <p:spPr>
+              <a:xfrm>
+                <a:off x="237187" y="2398758"/>
+                <a:ext cx="3535891" cy="1060767"/>
+              </a:xfrm>
+              <a:prstGeom prst="rect">
+                <a:avLst/>
+              </a:prstGeom>
+              <a:ln w="38100" cap="sq">
+                <a:solidFill>
+                  <a:srgbClr val="000000"/>
+                </a:solidFill>
+                <a:prstDash val="solid"/>
+                <a:miter lim="800000"/>
+              </a:ln>
+              <a:effectLst>
+                <a:outerShdw blurRad="50800" dist="38100" dir="2700000" algn="tl" rotWithShape="0">
+                  <a:srgbClr val="000000">
+                    <a:alpha val="43000"/>
+                  </a:srgbClr>
+                </a:outerShdw>
+              </a:effectLst>
+            </p:spPr>
+          </p:pic>
+        </p:grpSp>
+        <p:grpSp>
+          <p:nvGrpSpPr>
+            <p:cNvPr id="33" name="그룹 32">
+              <a:extLst>
+                <a:ext uri="{FF2B5EF4-FFF2-40B4-BE49-F238E27FC236}">
+                  <a16:creationId xmlns:a16="http://schemas.microsoft.com/office/drawing/2014/main" id="{707E3B53-D064-46B3-A3E7-76CB3950663F}"/>
+                </a:ext>
+              </a:extLst>
+            </p:cNvPr>
+            <p:cNvGrpSpPr/>
+            <p:nvPr/>
+          </p:nvGrpSpPr>
+          <p:grpSpPr>
+            <a:xfrm>
+              <a:off x="521290" y="3588375"/>
+              <a:ext cx="3102548" cy="1312541"/>
+              <a:chOff x="479394" y="3620617"/>
+              <a:chExt cx="3102548" cy="1312541"/>
+            </a:xfrm>
+          </p:grpSpPr>
+          <p:sp>
+            <p:nvSpPr>
+              <p:cNvPr id="10" name="아래쪽 화살표 7">
+                <a:extLst>
+                  <a:ext uri="{FF2B5EF4-FFF2-40B4-BE49-F238E27FC236}">
+                    <a16:creationId xmlns:a16="http://schemas.microsoft.com/office/drawing/2014/main" id="{456BEFC4-04E4-414E-BDC0-04565501BBBB}"/>
+                  </a:ext>
+                </a:extLst>
+              </p:cNvPr>
+              <p:cNvSpPr/>
+              <p:nvPr/>
+            </p:nvSpPr>
+            <p:spPr>
+              <a:xfrm>
+                <a:off x="479394" y="3623934"/>
+                <a:ext cx="620485" cy="1281831"/>
+              </a:xfrm>
+              <a:prstGeom prst="downArrow">
+                <a:avLst/>
+              </a:prstGeom>
+            </p:spPr>
+            <p:style>
+              <a:lnRef idx="2">
+                <a:schemeClr val="accent4">
+                  <a:shade val="50000"/>
+                </a:schemeClr>
+              </a:lnRef>
+              <a:fillRef idx="1">
+                <a:schemeClr val="accent4"/>
+              </a:fillRef>
+              <a:effectRef idx="0">
+                <a:schemeClr val="accent4"/>
+              </a:effectRef>
+              <a:fontRef idx="minor">
+                <a:schemeClr val="lt1"/>
+              </a:fontRef>
+            </p:style>
+            <p:txBody>
+              <a:bodyPr rtlCol="0" anchor="ctr"/>
+              <a:lstStyle/>
+              <a:p>
+                <a:pPr algn="ctr"/>
+                <a:r>
+                  <a:rPr lang="ko-KR" altLang="en-US" dirty="0">
+                    <a:solidFill>
+                      <a:schemeClr val="tx1"/>
+                    </a:solidFill>
+                  </a:rPr>
+                  <a:t>일정</a:t>
+                </a:r>
+              </a:p>
+            </p:txBody>
+          </p:sp>
+          <p:sp>
+            <p:nvSpPr>
+              <p:cNvPr id="11" name="위쪽 화살표 9">
+                <a:extLst>
+                  <a:ext uri="{FF2B5EF4-FFF2-40B4-BE49-F238E27FC236}">
+                    <a16:creationId xmlns:a16="http://schemas.microsoft.com/office/drawing/2014/main" id="{FBF0787A-4C74-497E-A4C7-A938B81F4D85}"/>
+                  </a:ext>
+                </a:extLst>
+              </p:cNvPr>
+              <p:cNvSpPr/>
+              <p:nvPr/>
+            </p:nvSpPr>
+            <p:spPr>
+              <a:xfrm>
+                <a:off x="2966122" y="3620617"/>
+                <a:ext cx="615820" cy="1281830"/>
+              </a:xfrm>
+              <a:prstGeom prst="upArrow">
+                <a:avLst/>
+              </a:prstGeom>
+            </p:spPr>
+            <p:style>
+              <a:lnRef idx="2">
+                <a:schemeClr val="accent4">
+                  <a:shade val="50000"/>
+                </a:schemeClr>
+              </a:lnRef>
+              <a:fillRef idx="1">
+                <a:schemeClr val="accent4"/>
+              </a:fillRef>
+              <a:effectRef idx="0">
+                <a:schemeClr val="accent4"/>
+              </a:effectRef>
+              <a:fontRef idx="minor">
+                <a:schemeClr val="lt1"/>
+              </a:fontRef>
+            </p:style>
+            <p:txBody>
+              <a:bodyPr rtlCol="0" anchor="ctr"/>
+              <a:lstStyle/>
+              <a:p>
+                <a:pPr algn="ctr"/>
+                <a:r>
+                  <a:rPr lang="ko-KR" altLang="en-US" dirty="0">
+                    <a:solidFill>
+                      <a:schemeClr val="tx1"/>
+                    </a:solidFill>
+                  </a:rPr>
+                  <a:t>일상 </a:t>
+                </a:r>
+              </a:p>
+            </p:txBody>
+          </p:sp>
+          <p:sp>
+            <p:nvSpPr>
+              <p:cNvPr id="40" name="아래쪽 화살표 7">
+                <a:extLst>
+                  <a:ext uri="{FF2B5EF4-FFF2-40B4-BE49-F238E27FC236}">
+                    <a16:creationId xmlns:a16="http://schemas.microsoft.com/office/drawing/2014/main" id="{CEF32A27-58EC-477D-BB94-0DDD0778EC8E}"/>
+                  </a:ext>
+                </a:extLst>
+              </p:cNvPr>
+              <p:cNvSpPr/>
+              <p:nvPr/>
+            </p:nvSpPr>
+            <p:spPr>
+              <a:xfrm>
+                <a:off x="1729425" y="3651327"/>
+                <a:ext cx="620485" cy="1281831"/>
+              </a:xfrm>
+              <a:prstGeom prst="downArrow">
+                <a:avLst/>
+              </a:prstGeom>
+            </p:spPr>
+            <p:style>
+              <a:lnRef idx="2">
+                <a:schemeClr val="accent4">
+                  <a:shade val="50000"/>
+                </a:schemeClr>
+              </a:lnRef>
+              <a:fillRef idx="1">
+                <a:schemeClr val="accent4"/>
+              </a:fillRef>
+              <a:effectRef idx="0">
+                <a:schemeClr val="accent4"/>
+              </a:effectRef>
+              <a:fontRef idx="minor">
+                <a:schemeClr val="lt1"/>
+              </a:fontRef>
+            </p:style>
+            <p:txBody>
+              <a:bodyPr rtlCol="0" anchor="ctr"/>
+              <a:lstStyle/>
+              <a:p>
+                <a:pPr algn="ctr"/>
+                <a:r>
+                  <a:rPr lang="ko-KR" altLang="en-US" dirty="0">
+                    <a:solidFill>
+                      <a:schemeClr val="tx1"/>
+                    </a:solidFill>
+                  </a:rPr>
+                  <a:t>메모</a:t>
+                </a:r>
+              </a:p>
+            </p:txBody>
+          </p:sp>
+        </p:grpSp>
+        <p:sp>
+          <p:nvSpPr>
+            <p:cNvPr id="35" name="직사각형 34">
+              <a:extLst>
+                <a:ext uri="{FF2B5EF4-FFF2-40B4-BE49-F238E27FC236}">
+                  <a16:creationId xmlns:a16="http://schemas.microsoft.com/office/drawing/2014/main" id="{3CDFAF8A-5844-4A6D-9D1D-31BF4018F976}"/>
+                </a:ext>
+              </a:extLst>
+            </p:cNvPr>
+            <p:cNvSpPr/>
+            <p:nvPr/>
+          </p:nvSpPr>
+          <p:spPr>
+            <a:xfrm>
+              <a:off x="167002" y="5089595"/>
+              <a:ext cx="1269110" cy="1556581"/>
+            </a:xfrm>
+            <a:prstGeom prst="rect">
+              <a:avLst/>
+            </a:prstGeom>
+          </p:spPr>
+          <p:style>
+            <a:lnRef idx="2">
+              <a:schemeClr val="accent2">
+                <a:shade val="50000"/>
+              </a:schemeClr>
+            </a:lnRef>
+            <a:fillRef idx="1">
+              <a:schemeClr val="accent2"/>
+            </a:fillRef>
+            <a:effectRef idx="0">
+              <a:schemeClr val="accent2"/>
+            </a:effectRef>
+            <a:fontRef idx="minor">
+              <a:schemeClr val="lt1"/>
+            </a:fontRef>
+          </p:style>
+          <p:txBody>
+            <a:bodyPr rtlCol="0" anchor="ctr"/>
+            <a:lstStyle/>
+            <a:p>
+              <a:pPr algn="ctr"/>
+              <a:r>
+                <a:rPr lang="ko-KR" altLang="en-US"/>
+                <a:t>캘린더</a:t>
+              </a:r>
+              <a:endParaRPr lang="ko-KR" altLang="en-US" dirty="0"/>
+            </a:p>
+          </p:txBody>
+        </p:sp>
+        <p:sp>
+          <p:nvSpPr>
+            <p:cNvPr id="36" name="직사각형 35">
+              <a:extLst>
+                <a:ext uri="{FF2B5EF4-FFF2-40B4-BE49-F238E27FC236}">
+                  <a16:creationId xmlns:a16="http://schemas.microsoft.com/office/drawing/2014/main" id="{84F5C597-E32E-488D-8ED8-4EC28E978960}"/>
+                </a:ext>
+              </a:extLst>
+            </p:cNvPr>
+            <p:cNvSpPr/>
+            <p:nvPr/>
+          </p:nvSpPr>
+          <p:spPr>
+            <a:xfrm>
+              <a:off x="1436112" y="5089594"/>
+              <a:ext cx="1269110" cy="1556581"/>
+            </a:xfrm>
+            <a:prstGeom prst="rect">
+              <a:avLst/>
+            </a:prstGeom>
+          </p:spPr>
+          <p:style>
+            <a:lnRef idx="2">
+              <a:schemeClr val="accent1">
+                <a:shade val="50000"/>
+              </a:schemeClr>
+            </a:lnRef>
+            <a:fillRef idx="1">
+              <a:schemeClr val="accent1"/>
+            </a:fillRef>
+            <a:effectRef idx="0">
+              <a:schemeClr val="accent1"/>
+            </a:effectRef>
+            <a:fontRef idx="minor">
+              <a:schemeClr val="lt1"/>
+            </a:fontRef>
+          </p:style>
+          <p:txBody>
+            <a:bodyPr rtlCol="0" anchor="ctr"/>
+            <a:lstStyle/>
+            <a:p>
+              <a:pPr algn="ctr"/>
+              <a:r>
+                <a:rPr lang="ko-KR" altLang="en-US" dirty="0"/>
+                <a:t>아카이브</a:t>
+              </a:r>
+            </a:p>
+          </p:txBody>
+        </p:sp>
+        <p:sp>
+          <p:nvSpPr>
+            <p:cNvPr id="37" name="직사각형 36">
+              <a:extLst>
+                <a:ext uri="{FF2B5EF4-FFF2-40B4-BE49-F238E27FC236}">
+                  <a16:creationId xmlns:a16="http://schemas.microsoft.com/office/drawing/2014/main" id="{2D6F7CED-BDAA-4609-8443-5CDFDA9F9AC4}"/>
+                </a:ext>
+              </a:extLst>
+            </p:cNvPr>
+            <p:cNvSpPr/>
+            <p:nvPr/>
+          </p:nvSpPr>
+          <p:spPr>
+            <a:xfrm>
+              <a:off x="2705222" y="5089593"/>
+              <a:ext cx="1269110" cy="1556581"/>
+            </a:xfrm>
+            <a:prstGeom prst="rect">
+              <a:avLst/>
+            </a:prstGeom>
+          </p:spPr>
+          <p:style>
+            <a:lnRef idx="2">
+              <a:schemeClr val="accent6">
+                <a:shade val="50000"/>
+              </a:schemeClr>
+            </a:lnRef>
+            <a:fillRef idx="1">
+              <a:schemeClr val="accent6"/>
+            </a:fillRef>
+            <a:effectRef idx="0">
+              <a:schemeClr val="accent6"/>
+            </a:effectRef>
+            <a:fontRef idx="minor">
+              <a:schemeClr val="lt1"/>
+            </a:fontRef>
+          </p:style>
+          <p:txBody>
+            <a:bodyPr rtlCol="0" anchor="ctr"/>
+            <a:lstStyle/>
+            <a:p>
+              <a:pPr algn="ctr"/>
+              <a:r>
+                <a:rPr lang="ko-KR" altLang="en-US" dirty="0"/>
+                <a:t>일기장</a:t>
+              </a:r>
+            </a:p>
+          </p:txBody>
+        </p:sp>
+      </p:grpSp>
+      <p:sp>
+        <p:nvSpPr>
+          <p:cNvPr id="27" name="오른쪽 화살표 38">
+            <a:extLst>
+              <a:ext uri="{FF2B5EF4-FFF2-40B4-BE49-F238E27FC236}">
+                <a16:creationId xmlns:a16="http://schemas.microsoft.com/office/drawing/2014/main" id="{E12C4C17-07CD-4E04-95F7-43AF2CAE0479}"/>
+              </a:ext>
+            </a:extLst>
+          </p:cNvPr>
+          <p:cNvSpPr/>
+          <p:nvPr/>
+        </p:nvSpPr>
+        <p:spPr>
+          <a:xfrm>
+            <a:off x="4406683" y="5678409"/>
+            <a:ext cx="1464301" cy="607903"/>
+          </a:xfrm>
+          <a:prstGeom prst="rightArrow">
+            <a:avLst/>
+          </a:prstGeom>
+        </p:spPr>
+        <p:style>
+          <a:lnRef idx="2">
+            <a:schemeClr val="accent4">
+              <a:shade val="50000"/>
+            </a:schemeClr>
+          </a:lnRef>
+          <a:fillRef idx="1">
+            <a:schemeClr val="accent4"/>
+          </a:fillRef>
+          <a:effectRef idx="0">
+            <a:schemeClr val="accent4"/>
+          </a:effectRef>
+          <a:fontRef idx="minor">
+            <a:schemeClr val="lt1"/>
+          </a:fontRef>
+        </p:style>
+        <p:txBody>
+          <a:bodyPr rtlCol="0" anchor="ctr"/>
+          <a:lstStyle/>
+          <a:p>
+            <a:pPr algn="ctr"/>
+            <a:r>
+              <a:rPr lang="en-US" altLang="ko-KR" dirty="0">
+                <a:solidFill>
+                  <a:schemeClr val="tx1"/>
+                </a:solidFill>
+              </a:rPr>
+              <a:t>DB</a:t>
+            </a:r>
+            <a:r>
+              <a:rPr lang="ko-KR" altLang="en-US" dirty="0">
+                <a:solidFill>
+                  <a:schemeClr val="tx1"/>
+                </a:solidFill>
+              </a:rPr>
+              <a:t> 분석</a:t>
+            </a:r>
+          </a:p>
+        </p:txBody>
+      </p:sp>
+      <p:sp>
+        <p:nvSpPr>
+          <p:cNvPr id="17" name="왼쪽 화살표 22">
+            <a:extLst>
+              <a:ext uri="{FF2B5EF4-FFF2-40B4-BE49-F238E27FC236}">
+                <a16:creationId xmlns:a16="http://schemas.microsoft.com/office/drawing/2014/main" id="{4EBE0199-82A6-4E64-B1C8-F5B07A050835}"/>
+              </a:ext>
+            </a:extLst>
+          </p:cNvPr>
+          <p:cNvSpPr/>
+          <p:nvPr/>
+        </p:nvSpPr>
+        <p:spPr>
+          <a:xfrm>
+            <a:off x="4399106" y="2122273"/>
+            <a:ext cx="1464301" cy="604361"/>
+          </a:xfrm>
+          <a:prstGeom prst="leftArrow">
+            <a:avLst/>
+          </a:prstGeom>
+        </p:spPr>
+        <p:style>
+          <a:lnRef idx="2">
+            <a:schemeClr val="accent4">
+              <a:shade val="50000"/>
+            </a:schemeClr>
+          </a:lnRef>
+          <a:fillRef idx="1">
+            <a:schemeClr val="accent4"/>
+          </a:fillRef>
+          <a:effectRef idx="0">
+            <a:schemeClr val="accent4"/>
+          </a:effectRef>
+          <a:fontRef idx="minor">
+            <a:schemeClr val="lt1"/>
+          </a:fontRef>
+        </p:style>
+        <p:txBody>
+          <a:bodyPr rtlCol="0" anchor="ctr"/>
+          <a:lstStyle/>
+          <a:p>
+            <a:pPr algn="ctr"/>
+            <a:r>
+              <a:rPr lang="ko-KR" altLang="en-US" dirty="0">
+                <a:solidFill>
+                  <a:schemeClr val="tx1"/>
+                </a:solidFill>
+              </a:rPr>
+              <a:t>맞춤 대화</a:t>
+            </a:r>
+          </a:p>
+        </p:txBody>
+      </p:sp>
+      <p:grpSp>
+        <p:nvGrpSpPr>
+          <p:cNvPr id="62" name="그룹 61">
+            <a:extLst>
+              <a:ext uri="{FF2B5EF4-FFF2-40B4-BE49-F238E27FC236}">
+                <a16:creationId xmlns:a16="http://schemas.microsoft.com/office/drawing/2014/main" id="{6D4FA593-E652-4F5C-B9DB-5ED5890E9AA0}"/>
+              </a:ext>
+            </a:extLst>
+          </p:cNvPr>
+          <p:cNvGrpSpPr/>
+          <p:nvPr/>
+        </p:nvGrpSpPr>
+        <p:grpSpPr>
+          <a:xfrm>
+            <a:off x="6173123" y="3087140"/>
+            <a:ext cx="5622190" cy="2118671"/>
+            <a:chOff x="6096000" y="3125455"/>
+            <a:chExt cx="5622190" cy="2118671"/>
+          </a:xfrm>
+        </p:grpSpPr>
+        <p:sp>
+          <p:nvSpPr>
+            <p:cNvPr id="56" name="직사각형 55">
+              <a:extLst>
+                <a:ext uri="{FF2B5EF4-FFF2-40B4-BE49-F238E27FC236}">
+                  <a16:creationId xmlns:a16="http://schemas.microsoft.com/office/drawing/2014/main" id="{8142C726-C19E-443A-9D1B-4EE4ED096F75}"/>
+                </a:ext>
+              </a:extLst>
+            </p:cNvPr>
+            <p:cNvSpPr/>
+            <p:nvPr/>
+          </p:nvSpPr>
+          <p:spPr>
+            <a:xfrm>
+              <a:off x="6096000" y="3125455"/>
+              <a:ext cx="1876390" cy="1060767"/>
+            </a:xfrm>
+            <a:prstGeom prst="rect">
+              <a:avLst/>
+            </a:prstGeom>
+          </p:spPr>
+          <p:style>
+            <a:lnRef idx="2">
+              <a:schemeClr val="accent2">
+                <a:shade val="50000"/>
+              </a:schemeClr>
+            </a:lnRef>
+            <a:fillRef idx="1">
+              <a:schemeClr val="accent2"/>
+            </a:fillRef>
+            <a:effectRef idx="0">
+              <a:schemeClr val="accent2"/>
+            </a:effectRef>
+            <a:fontRef idx="minor">
+              <a:schemeClr val="lt1"/>
+            </a:fontRef>
+          </p:style>
+          <p:txBody>
+            <a:bodyPr rtlCol="0" anchor="ctr"/>
+            <a:lstStyle/>
+            <a:p>
+              <a:pPr algn="ctr"/>
+              <a:r>
+                <a:rPr lang="ko-KR" altLang="en-US" dirty="0"/>
+                <a:t>활동 예측</a:t>
+              </a:r>
+            </a:p>
+          </p:txBody>
+        </p:sp>
+        <p:sp>
+          <p:nvSpPr>
+            <p:cNvPr id="57" name="직사각형 56">
+              <a:extLst>
+                <a:ext uri="{FF2B5EF4-FFF2-40B4-BE49-F238E27FC236}">
+                  <a16:creationId xmlns:a16="http://schemas.microsoft.com/office/drawing/2014/main" id="{D6165EE2-432C-4D97-8FA4-17CDCD5119D2}"/>
+                </a:ext>
+              </a:extLst>
+            </p:cNvPr>
+            <p:cNvSpPr/>
+            <p:nvPr/>
+          </p:nvSpPr>
+          <p:spPr>
+            <a:xfrm>
+              <a:off x="9841800" y="3125455"/>
+              <a:ext cx="1876390" cy="1060767"/>
+            </a:xfrm>
+            <a:prstGeom prst="rect">
+              <a:avLst/>
+            </a:prstGeom>
+          </p:spPr>
+          <p:style>
+            <a:lnRef idx="2">
+              <a:schemeClr val="accent6">
+                <a:shade val="50000"/>
+              </a:schemeClr>
+            </a:lnRef>
+            <a:fillRef idx="1">
+              <a:schemeClr val="accent6"/>
+            </a:fillRef>
+            <a:effectRef idx="0">
+              <a:schemeClr val="accent6"/>
+            </a:effectRef>
+            <a:fontRef idx="minor">
+              <a:schemeClr val="lt1"/>
+            </a:fontRef>
+          </p:style>
+          <p:txBody>
+            <a:bodyPr rtlCol="0" anchor="ctr"/>
+            <a:lstStyle/>
+            <a:p>
+              <a:pPr algn="ctr"/>
+              <a:r>
+                <a:rPr lang="ko-KR" altLang="en-US" dirty="0"/>
+                <a:t>감정 예측</a:t>
+              </a:r>
+            </a:p>
+          </p:txBody>
+        </p:sp>
+        <p:sp>
+          <p:nvSpPr>
+            <p:cNvPr id="58" name="직사각형 57">
+              <a:extLst>
+                <a:ext uri="{FF2B5EF4-FFF2-40B4-BE49-F238E27FC236}">
+                  <a16:creationId xmlns:a16="http://schemas.microsoft.com/office/drawing/2014/main" id="{DF850A4F-9234-47FF-B059-5F33B15012B6}"/>
+                </a:ext>
+              </a:extLst>
+            </p:cNvPr>
+            <p:cNvSpPr/>
+            <p:nvPr/>
+          </p:nvSpPr>
+          <p:spPr>
+            <a:xfrm>
+              <a:off x="7968900" y="3125455"/>
+              <a:ext cx="1876390" cy="1060767"/>
+            </a:xfrm>
+            <a:prstGeom prst="rect">
+              <a:avLst/>
+            </a:prstGeom>
+          </p:spPr>
+          <p:style>
+            <a:lnRef idx="2">
+              <a:schemeClr val="accent1">
+                <a:shade val="50000"/>
+              </a:schemeClr>
+            </a:lnRef>
+            <a:fillRef idx="1">
+              <a:schemeClr val="accent1"/>
+            </a:fillRef>
+            <a:effectRef idx="0">
+              <a:schemeClr val="accent1"/>
+            </a:effectRef>
+            <a:fontRef idx="minor">
+              <a:schemeClr val="lt1"/>
+            </a:fontRef>
+          </p:style>
+          <p:txBody>
+            <a:bodyPr rtlCol="0" anchor="ctr"/>
+            <a:lstStyle/>
+            <a:p>
+              <a:pPr algn="ctr"/>
+              <a:r>
+                <a:rPr lang="ko-KR" altLang="en-US" dirty="0"/>
+                <a:t>관심사 예측</a:t>
+              </a:r>
+            </a:p>
+          </p:txBody>
+        </p:sp>
+        <p:sp>
+          <p:nvSpPr>
+            <p:cNvPr id="54" name="직사각형 53">
+              <a:extLst>
+                <a:ext uri="{FF2B5EF4-FFF2-40B4-BE49-F238E27FC236}">
+                  <a16:creationId xmlns:a16="http://schemas.microsoft.com/office/drawing/2014/main" id="{D027D33D-7799-4582-A4AE-B687C9DB0089}"/>
+                </a:ext>
+              </a:extLst>
+            </p:cNvPr>
+            <p:cNvSpPr/>
+            <p:nvPr/>
+          </p:nvSpPr>
+          <p:spPr>
+            <a:xfrm>
+              <a:off x="6096000" y="4183359"/>
+              <a:ext cx="5622189" cy="1060767"/>
+            </a:xfrm>
+            <a:prstGeom prst="rect">
+              <a:avLst/>
+            </a:prstGeom>
+          </p:spPr>
+          <p:style>
+            <a:lnRef idx="2">
+              <a:schemeClr val="accent5">
+                <a:shade val="50000"/>
+              </a:schemeClr>
+            </a:lnRef>
+            <a:fillRef idx="1">
+              <a:schemeClr val="accent5"/>
+            </a:fillRef>
+            <a:effectRef idx="0">
+              <a:schemeClr val="accent5"/>
+            </a:effectRef>
+            <a:fontRef idx="minor">
+              <a:schemeClr val="lt1"/>
+            </a:fontRef>
+          </p:style>
+          <p:txBody>
+            <a:bodyPr rtlCol="0" anchor="ctr"/>
+            <a:lstStyle/>
+            <a:p>
+              <a:pPr algn="ctr"/>
+              <a:r>
+                <a:rPr lang="ko-KR" altLang="en-US" dirty="0"/>
+                <a:t>데이터 분석</a:t>
+              </a:r>
+              <a:r>
+                <a:rPr lang="en-US" altLang="ko-KR" dirty="0"/>
+                <a:t> </a:t>
+              </a:r>
+              <a:endParaRPr lang="ko-KR" altLang="en-US" dirty="0"/>
+            </a:p>
+          </p:txBody>
+        </p:sp>
+      </p:grpSp>
+      <p:pic>
+        <p:nvPicPr>
+          <p:cNvPr id="3074" name="Picture 2" descr="Flask] Flask 프로젝트 초기 세팅">
+            <a:extLst>
+              <a:ext uri="{FF2B5EF4-FFF2-40B4-BE49-F238E27FC236}">
+                <a16:creationId xmlns:a16="http://schemas.microsoft.com/office/drawing/2014/main" id="{02097502-A2CC-43D5-9772-F4F99ACA1B16}"/>
+              </a:ext>
+            </a:extLst>
+          </p:cNvPr>
+          <p:cNvPicPr>
+            <a:picLocks noChangeAspect="1" noChangeArrowheads="1"/>
+          </p:cNvPicPr>
+          <p:nvPr/>
+        </p:nvPicPr>
+        <p:blipFill>
+          <a:blip r:embed="rId8" cstate="print">
+            <a:extLst>
+              <a:ext uri="{28A0092B-C50C-407E-A947-70E740481C1C}">
+                <a14:useLocalDpi xmlns:a14="http://schemas.microsoft.com/office/drawing/2010/main" val="0"/>
+              </a:ext>
+            </a:extLst>
+          </a:blip>
+          <a:srcRect/>
+          <a:stretch>
+            <a:fillRect/>
+          </a:stretch>
+        </p:blipFill>
+        <p:spPr bwMode="auto">
+          <a:xfrm>
+            <a:off x="8317652" y="798414"/>
+            <a:ext cx="1363441" cy="762656"/>
+          </a:xfrm>
+          <a:prstGeom prst="rect">
+            <a:avLst/>
+          </a:prstGeom>
+          <a:noFill/>
+          <a:extLst>
+            <a:ext uri="{909E8E84-426E-40DD-AFC4-6F175D3DCCD1}">
+              <a14:hiddenFill xmlns:a14="http://schemas.microsoft.com/office/drawing/2010/main">
+                <a:solidFill>
+                  <a:srgbClr val="FFFFFF"/>
+                </a:solidFill>
+              </a14:hiddenFill>
+            </a:ext>
+          </a:extLst>
+        </p:spPr>
+      </p:pic>
+      <p:pic>
+        <p:nvPicPr>
+          <p:cNvPr id="60" name="그림 59">
+            <a:extLst>
+              <a:ext uri="{FF2B5EF4-FFF2-40B4-BE49-F238E27FC236}">
+                <a16:creationId xmlns:a16="http://schemas.microsoft.com/office/drawing/2014/main" id="{9F06C81A-E83B-4716-B3B8-CD3ED3318913}"/>
+              </a:ext>
+            </a:extLst>
+          </p:cNvPr>
+          <p:cNvPicPr>
+            <a:picLocks noChangeAspect="1"/>
+          </p:cNvPicPr>
+          <p:nvPr/>
+        </p:nvPicPr>
+        <p:blipFill>
+          <a:blip r:embed="rId9"/>
+          <a:stretch>
+            <a:fillRect/>
+          </a:stretch>
+        </p:blipFill>
+        <p:spPr>
+          <a:xfrm>
+            <a:off x="6079668" y="880802"/>
+            <a:ext cx="2156064" cy="652646"/>
+          </a:xfrm>
+          <a:prstGeom prst="rect">
+            <a:avLst/>
+          </a:prstGeom>
+        </p:spPr>
+      </p:pic>
     </p:spTree>
     <p:extLst>
       <p:ext uri="{BB962C8B-B14F-4D97-AF65-F5344CB8AC3E}">
-        <p14:creationId xmlns:p14="http://schemas.microsoft.com/office/powerpoint/2010/main" val="2639189755"/>
+        <p14:creationId xmlns:p14="http://schemas.microsoft.com/office/powerpoint/2010/main" val="821023670"/>
       </p:ext>
     </p:extLst>
   </p:cSld>
@@ -4347,7 +5227,13 @@
       </p:grpSpPr>
       <p:sp>
         <p:nvSpPr>
-          <p:cNvPr id="2" name="제목 1"/>
+          <p:cNvPr id="2" name="제목 1">
+            <a:extLst>
+              <a:ext uri="{FF2B5EF4-FFF2-40B4-BE49-F238E27FC236}">
+                <a16:creationId xmlns:a16="http://schemas.microsoft.com/office/drawing/2014/main" id="{0F7EB643-6E1D-42DF-B0B0-EF3A32C60422}"/>
+              </a:ext>
+            </a:extLst>
+          </p:cNvPr>
           <p:cNvSpPr>
             <a:spLocks noGrp="1"/>
           </p:cNvSpPr>
@@ -4362,749 +5248,236 @@
           <a:p>
             <a:r>
               <a:rPr lang="ko-KR" altLang="en-US" dirty="0"/>
-              <a:t>활동 분석</a:t>
-            </a:r>
-          </a:p>
-        </p:txBody>
-      </p:sp>
-      <p:sp>
-        <p:nvSpPr>
-          <p:cNvPr id="3" name="내용 개체 틀 2"/>
-          <p:cNvSpPr>
-            <a:spLocks noGrp="1"/>
-          </p:cNvSpPr>
-          <p:nvPr>
-            <p:ph idx="1"/>
-          </p:nvPr>
-        </p:nvSpPr>
-        <p:spPr/>
-        <p:txBody>
-          <a:bodyPr/>
-          <a:lstStyle/>
-          <a:p>
-            <a:pPr marL="0" indent="0">
-              <a:buNone/>
-            </a:pPr>
-            <a:r>
-              <a:rPr lang="en-US" altLang="ko-KR" dirty="0"/>
-              <a:t>1</a:t>
-            </a:r>
-            <a:r>
-              <a:rPr lang="en-US" altLang="ko-KR" dirty="0">
-                <a:effectLst/>
-              </a:rPr>
-              <a:t>. </a:t>
-            </a:r>
-            <a:r>
-              <a:rPr lang="ko-KR" altLang="en-US" dirty="0">
-                <a:effectLst/>
-              </a:rPr>
-              <a:t>크롬 확장 프로그램 </a:t>
-            </a:r>
-            <a:r>
-              <a:rPr lang="en-US" altLang="ko-KR" dirty="0">
-                <a:effectLst/>
-              </a:rPr>
-              <a:t>: </a:t>
-            </a:r>
-            <a:r>
-              <a:rPr lang="ko-KR" altLang="en-US" dirty="0">
-                <a:effectLst/>
-              </a:rPr>
-              <a:t>방문 기록을 따오기</a:t>
-            </a:r>
-            <a:endParaRPr lang="en-US" altLang="ko-KR" dirty="0">
-              <a:effectLst/>
-            </a:endParaRPr>
-          </a:p>
-          <a:p>
-            <a:pPr marL="0" indent="0">
-              <a:buNone/>
-            </a:pPr>
-            <a:br>
-              <a:rPr lang="ko-KR" altLang="en-US" dirty="0">
-                <a:effectLst/>
-              </a:rPr>
-            </a:br>
-            <a:r>
-              <a:rPr lang="en-US" altLang="ko-KR" dirty="0"/>
-              <a:t>2</a:t>
-            </a:r>
-            <a:r>
-              <a:rPr lang="en-US" altLang="ko-KR" dirty="0">
-                <a:effectLst/>
-              </a:rPr>
-              <a:t>. </a:t>
-            </a:r>
-            <a:r>
-              <a:rPr lang="en-US" altLang="ko-KR" dirty="0" err="1">
-                <a:effectLst/>
-              </a:rPr>
-              <a:t>FastAPI</a:t>
-            </a:r>
-            <a:endParaRPr lang="en-US" altLang="ko-KR" dirty="0">
-              <a:effectLst/>
-            </a:endParaRPr>
-          </a:p>
-          <a:p>
-            <a:pPr marL="0" indent="0">
-              <a:buNone/>
-            </a:pPr>
-            <a:r>
-              <a:rPr lang="en-US" altLang="ko-KR" dirty="0"/>
-              <a:t>	a. </a:t>
-            </a:r>
-            <a:r>
-              <a:rPr lang="ko-KR" altLang="en-US" dirty="0"/>
-              <a:t>방문 기록 제목 </a:t>
-            </a:r>
-            <a:r>
-              <a:rPr lang="en-US" altLang="ko-KR" dirty="0"/>
-              <a:t>-&gt; [“</a:t>
-            </a:r>
-            <a:r>
-              <a:rPr lang="ko-KR" altLang="en-US" dirty="0"/>
-              <a:t>단어</a:t>
-            </a:r>
-            <a:r>
-              <a:rPr lang="en-US" altLang="ko-KR" dirty="0"/>
-              <a:t>“, “</a:t>
-            </a:r>
-            <a:r>
-              <a:rPr lang="ko-KR" altLang="en-US" dirty="0"/>
-              <a:t>분리</a:t>
-            </a:r>
-            <a:r>
-              <a:rPr lang="en-US" altLang="ko-KR" dirty="0"/>
-              <a:t>“…]</a:t>
-            </a:r>
-          </a:p>
-          <a:p>
-            <a:pPr marL="0" indent="0">
-              <a:buNone/>
-            </a:pPr>
-            <a:r>
-              <a:rPr lang="en-US" altLang="ko-KR" dirty="0"/>
-              <a:t>	b. </a:t>
-            </a:r>
-            <a:r>
-              <a:rPr lang="ko-KR" altLang="en-US" dirty="0"/>
-              <a:t>단어 군집화 및 핵심 키워드 추출</a:t>
-            </a:r>
-            <a:endParaRPr lang="en-US" altLang="ko-KR" dirty="0"/>
-          </a:p>
-          <a:p>
-            <a:pPr marL="0" indent="0">
-              <a:buNone/>
-            </a:pPr>
-            <a:r>
-              <a:rPr lang="en-US" altLang="ko-KR" dirty="0"/>
-              <a:t>	c. ???	</a:t>
-            </a:r>
-            <a:endParaRPr lang="ko-KR" altLang="en-US" dirty="0"/>
-          </a:p>
-        </p:txBody>
-      </p:sp>
-    </p:spTree>
-    <p:extLst>
-      <p:ext uri="{BB962C8B-B14F-4D97-AF65-F5344CB8AC3E}">
-        <p14:creationId xmlns:p14="http://schemas.microsoft.com/office/powerpoint/2010/main" val="3344816255"/>
-      </p:ext>
-    </p:extLst>
-  </p:cSld>
-  <p:clrMapOvr>
-    <a:masterClrMapping/>
-  </p:clrMapOvr>
-</p:sld>
-</file>
-
-<file path=ppt/slides/slide6.xml><?xml version="1.0" encoding="utf-8"?>
-<p:sld xmlns:a="http://schemas.openxmlformats.org/drawingml/2006/main" xmlns:r="http://schemas.openxmlformats.org/officeDocument/2006/relationships" xmlns:p="http://schemas.openxmlformats.org/presentationml/2006/main">
-  <p:cSld>
-    <p:spTree>
-      <p:nvGrpSpPr>
-        <p:cNvPr id="1" name=""/>
-        <p:cNvGrpSpPr/>
-        <p:nvPr/>
-      </p:nvGrpSpPr>
-      <p:grpSpPr>
-        <a:xfrm>
-          <a:off x="0" y="0"/>
-          <a:ext cx="0" cy="0"/>
-          <a:chOff x="0" y="0"/>
-          <a:chExt cx="0" cy="0"/>
-        </a:xfrm>
-      </p:grpSpPr>
-      <p:sp>
-        <p:nvSpPr>
-          <p:cNvPr id="4" name="직사각형 3"/>
-          <p:cNvSpPr/>
+              <a:t>네트워크 설계</a:t>
+            </a:r>
+          </a:p>
+        </p:txBody>
+      </p:sp>
+      <p:pic>
+        <p:nvPicPr>
+          <p:cNvPr id="1026" name="Picture 2" descr="Raspberry Pi 5, Enclosures &amp; Cameras | element14 Korea">
+            <a:extLst>
+              <a:ext uri="{FF2B5EF4-FFF2-40B4-BE49-F238E27FC236}">
+                <a16:creationId xmlns:a16="http://schemas.microsoft.com/office/drawing/2014/main" id="{986A7A99-D3C4-420C-8E9C-7C02000C2EF8}"/>
+              </a:ext>
+            </a:extLst>
+          </p:cNvPr>
+          <p:cNvPicPr>
+            <a:picLocks noChangeAspect="1" noChangeArrowheads="1"/>
+          </p:cNvPicPr>
           <p:nvPr/>
-        </p:nvSpPr>
-        <p:spPr>
+        </p:nvPicPr>
+        <p:blipFill>
+          <a:blip r:embed="rId2" cstate="print">
+            <a:duotone>
+              <a:prstClr val="black"/>
+              <a:schemeClr val="accent2">
+                <a:tint val="45000"/>
+                <a:satMod val="400000"/>
+              </a:schemeClr>
+            </a:duotone>
+            <a:extLst>
+              <a:ext uri="{28A0092B-C50C-407E-A947-70E740481C1C}">
+                <a14:useLocalDpi xmlns:a14="http://schemas.microsoft.com/office/drawing/2010/main" val="0"/>
+              </a:ext>
+            </a:extLst>
+          </a:blip>
+          <a:srcRect/>
+          <a:stretch>
+            <a:fillRect/>
+          </a:stretch>
+        </p:blipFill>
+        <p:spPr bwMode="auto">
           <a:xfrm>
-            <a:off x="300575" y="1110226"/>
-            <a:ext cx="7892668" cy="751110"/>
-          </a:xfrm>
-          <a:prstGeom prst="rect">
-            <a:avLst/>
-          </a:prstGeom>
-        </p:spPr>
-        <p:style>
-          <a:lnRef idx="2">
-            <a:schemeClr val="accent6">
-              <a:shade val="50000"/>
-            </a:schemeClr>
-          </a:lnRef>
-          <a:fillRef idx="1">
-            <a:schemeClr val="accent6"/>
-          </a:fillRef>
-          <a:effectRef idx="0">
-            <a:schemeClr val="accent6"/>
-          </a:effectRef>
-          <a:fontRef idx="minor">
-            <a:schemeClr val="lt1"/>
-          </a:fontRef>
-        </p:style>
-        <p:txBody>
-          <a:bodyPr rtlCol="0" anchor="ctr"/>
-          <a:lstStyle/>
-          <a:p>
-            <a:pPr algn="ctr"/>
-            <a:r>
-              <a:rPr lang="ko-KR" altLang="en-US" dirty="0" err="1"/>
-              <a:t>챗봇</a:t>
-            </a:r>
-            <a:r>
-              <a:rPr lang="en-US" altLang="ko-KR" dirty="0"/>
-              <a:t>(LLM)</a:t>
-            </a:r>
-            <a:endParaRPr lang="ko-KR" altLang="en-US" dirty="0"/>
-          </a:p>
-        </p:txBody>
-      </p:sp>
-      <p:sp>
-        <p:nvSpPr>
-          <p:cNvPr id="6" name="직사각형 5"/>
-          <p:cNvSpPr/>
-          <p:nvPr/>
-        </p:nvSpPr>
-        <p:spPr>
-          <a:xfrm>
-            <a:off x="5039496" y="3507532"/>
-            <a:ext cx="3153747" cy="1163218"/>
-          </a:xfrm>
-          <a:prstGeom prst="rect">
-            <a:avLst/>
-          </a:prstGeom>
-        </p:spPr>
-        <p:style>
-          <a:lnRef idx="2">
-            <a:schemeClr val="accent1">
-              <a:shade val="50000"/>
-            </a:schemeClr>
-          </a:lnRef>
-          <a:fillRef idx="1">
-            <a:schemeClr val="accent1"/>
-          </a:fillRef>
-          <a:effectRef idx="0">
-            <a:schemeClr val="accent1"/>
-          </a:effectRef>
-          <a:fontRef idx="minor">
-            <a:schemeClr val="lt1"/>
-          </a:fontRef>
-        </p:style>
-        <p:txBody>
-          <a:bodyPr rtlCol="0" anchor="ctr"/>
-          <a:lstStyle/>
-          <a:p>
-            <a:pPr algn="ctr"/>
-            <a:r>
-              <a:rPr lang="ko-KR" altLang="en-US" dirty="0"/>
-              <a:t>단기 기억</a:t>
-            </a:r>
-            <a:endParaRPr lang="en-US" altLang="ko-KR" dirty="0"/>
-          </a:p>
-          <a:p>
-            <a:pPr algn="ctr"/>
-            <a:r>
-              <a:rPr lang="en-US" altLang="ko-KR" dirty="0"/>
-              <a:t>(</a:t>
-            </a:r>
-            <a:r>
-              <a:rPr lang="ko-KR" altLang="en-US" dirty="0"/>
-              <a:t>개인 메모</a:t>
-            </a:r>
-            <a:r>
-              <a:rPr lang="en-US" altLang="ko-KR" dirty="0"/>
-              <a:t>)</a:t>
-            </a:r>
-            <a:endParaRPr lang="ko-KR" altLang="en-US" dirty="0"/>
-          </a:p>
-        </p:txBody>
-      </p:sp>
-      <p:sp>
-        <p:nvSpPr>
-          <p:cNvPr id="7" name="직사각형 6"/>
-          <p:cNvSpPr/>
-          <p:nvPr/>
-        </p:nvSpPr>
-        <p:spPr>
-          <a:xfrm>
-            <a:off x="5039496" y="4670750"/>
-            <a:ext cx="3153747" cy="1163218"/>
-          </a:xfrm>
-          <a:prstGeom prst="rect">
-            <a:avLst/>
-          </a:prstGeom>
-        </p:spPr>
-        <p:style>
-          <a:lnRef idx="2">
-            <a:schemeClr val="accent5">
-              <a:shade val="50000"/>
-            </a:schemeClr>
-          </a:lnRef>
-          <a:fillRef idx="1">
-            <a:schemeClr val="accent5"/>
-          </a:fillRef>
-          <a:effectRef idx="0">
-            <a:schemeClr val="accent5"/>
-          </a:effectRef>
-          <a:fontRef idx="minor">
-            <a:schemeClr val="lt1"/>
-          </a:fontRef>
-        </p:style>
-        <p:txBody>
-          <a:bodyPr rtlCol="0" anchor="ctr"/>
-          <a:lstStyle/>
-          <a:p>
-            <a:pPr algn="ctr"/>
-            <a:r>
-              <a:rPr lang="ko-KR" altLang="en-US" dirty="0"/>
-              <a:t>장기 기억</a:t>
-            </a:r>
-            <a:br>
-              <a:rPr lang="en-US" altLang="ko-KR" dirty="0"/>
-            </a:br>
-            <a:r>
-              <a:rPr lang="en-US" altLang="ko-KR" dirty="0"/>
-              <a:t>(</a:t>
-            </a:r>
-            <a:r>
-              <a:rPr lang="ko-KR" altLang="en-US" dirty="0"/>
-              <a:t>기록 저장소</a:t>
-            </a:r>
-            <a:r>
-              <a:rPr lang="en-US" altLang="ko-KR" dirty="0"/>
-              <a:t>)</a:t>
-            </a:r>
-            <a:endParaRPr lang="ko-KR" altLang="en-US" dirty="0"/>
-          </a:p>
-        </p:txBody>
-      </p:sp>
-      <p:sp>
-        <p:nvSpPr>
-          <p:cNvPr id="8" name="아래쪽 화살표 7"/>
-          <p:cNvSpPr/>
-          <p:nvPr/>
-        </p:nvSpPr>
-        <p:spPr>
-          <a:xfrm>
-            <a:off x="6687651" y="2148753"/>
-            <a:ext cx="620485" cy="1281831"/>
-          </a:xfrm>
-          <a:prstGeom prst="downArrow">
-            <a:avLst/>
-          </a:prstGeom>
-        </p:spPr>
-        <p:style>
-          <a:lnRef idx="2">
-            <a:schemeClr val="accent4">
-              <a:shade val="50000"/>
-            </a:schemeClr>
-          </a:lnRef>
-          <a:fillRef idx="1">
-            <a:schemeClr val="accent4"/>
-          </a:fillRef>
-          <a:effectRef idx="0">
-            <a:schemeClr val="accent4"/>
-          </a:effectRef>
-          <a:fontRef idx="minor">
-            <a:schemeClr val="lt1"/>
-          </a:fontRef>
-        </p:style>
-        <p:txBody>
-          <a:bodyPr rtlCol="0" anchor="ctr"/>
-          <a:lstStyle/>
-          <a:p>
-            <a:pPr algn="ctr"/>
-            <a:r>
-              <a:rPr lang="ko-KR" altLang="en-US" dirty="0">
-                <a:solidFill>
-                  <a:schemeClr val="tx1"/>
-                </a:solidFill>
-              </a:rPr>
-              <a:t>기억해</a:t>
-            </a:r>
-          </a:p>
-        </p:txBody>
-      </p:sp>
-      <p:sp>
-        <p:nvSpPr>
-          <p:cNvPr id="10" name="위쪽 화살표 9"/>
-          <p:cNvSpPr/>
-          <p:nvPr/>
-        </p:nvSpPr>
-        <p:spPr>
-          <a:xfrm>
-            <a:off x="5699001" y="2054340"/>
-            <a:ext cx="615820" cy="1281830"/>
-          </a:xfrm>
-          <a:prstGeom prst="upArrow">
-            <a:avLst/>
-          </a:prstGeom>
-        </p:spPr>
-        <p:style>
-          <a:lnRef idx="2">
-            <a:schemeClr val="accent4">
-              <a:shade val="50000"/>
-            </a:schemeClr>
-          </a:lnRef>
-          <a:fillRef idx="1">
-            <a:schemeClr val="accent4"/>
-          </a:fillRef>
-          <a:effectRef idx="0">
-            <a:schemeClr val="accent4"/>
-          </a:effectRef>
-          <a:fontRef idx="minor">
-            <a:schemeClr val="lt1"/>
-          </a:fontRef>
-        </p:style>
-        <p:txBody>
-          <a:bodyPr rtlCol="0" anchor="ctr"/>
-          <a:lstStyle/>
-          <a:p>
-            <a:pPr algn="ctr"/>
-            <a:r>
-              <a:rPr lang="ko-KR" altLang="en-US" dirty="0">
-                <a:solidFill>
-                  <a:schemeClr val="tx1"/>
-                </a:solidFill>
-              </a:rPr>
-              <a:t>알려줘</a:t>
-            </a:r>
-          </a:p>
-        </p:txBody>
-      </p:sp>
-      <p:sp>
-        <p:nvSpPr>
-          <p:cNvPr id="13" name="TextBox 12"/>
-          <p:cNvSpPr txBox="1"/>
-          <p:nvPr/>
-        </p:nvSpPr>
-        <p:spPr>
-          <a:xfrm>
-            <a:off x="2432909" y="469884"/>
-            <a:ext cx="1562159" cy="369332"/>
+            <a:off x="1234354" y="2405228"/>
+            <a:ext cx="1620513" cy="1231635"/>
           </a:xfrm>
           <a:prstGeom prst="rect">
             <a:avLst/>
           </a:prstGeom>
           <a:noFill/>
+          <a:extLst>
+            <a:ext uri="{909E8E84-426E-40DD-AFC4-6F175D3DCCD1}">
+              <a14:hiddenFill xmlns:a14="http://schemas.microsoft.com/office/drawing/2010/main">
+                <a:solidFill>
+                  <a:srgbClr val="FFFFFF"/>
+                </a:solidFill>
+              </a14:hiddenFill>
+            </a:ext>
+          </a:extLst>
         </p:spPr>
-        <p:txBody>
-          <a:bodyPr wrap="none" rtlCol="0">
-            <a:spAutoFit/>
-          </a:bodyPr>
-          <a:lstStyle/>
-          <a:p>
-            <a:r>
-              <a:rPr lang="ko-KR" altLang="en-US" dirty="0"/>
-              <a:t>웹</a:t>
-            </a:r>
-            <a:r>
-              <a:rPr lang="en-US" altLang="ko-KR" dirty="0"/>
-              <a:t>/</a:t>
-            </a:r>
-            <a:r>
-              <a:rPr lang="ko-KR" altLang="en-US" dirty="0"/>
-              <a:t>앱 </a:t>
-            </a:r>
-            <a:r>
-              <a:rPr lang="en-US" altLang="ko-KR" dirty="0"/>
-              <a:t>= PWA</a:t>
-            </a:r>
-            <a:endParaRPr lang="ko-KR" altLang="en-US" dirty="0"/>
-          </a:p>
-        </p:txBody>
-      </p:sp>
+      </p:pic>
       <p:pic>
         <p:nvPicPr>
-          <p:cNvPr id="18" name="그림 17"/>
+          <p:cNvPr id="5" name="Picture 2" descr="Raspberry Pi 5, Enclosures &amp; Cameras | element14 Korea">
+            <a:extLst>
+              <a:ext uri="{FF2B5EF4-FFF2-40B4-BE49-F238E27FC236}">
+                <a16:creationId xmlns:a16="http://schemas.microsoft.com/office/drawing/2014/main" id="{8183CE5E-EEBF-4991-9B12-65631463E364}"/>
+              </a:ext>
+            </a:extLst>
+          </p:cNvPr>
           <p:cNvPicPr>
-            <a:picLocks noChangeAspect="1"/>
+            <a:picLocks noChangeAspect="1" noChangeArrowheads="1"/>
           </p:cNvPicPr>
           <p:nvPr/>
         </p:nvPicPr>
         <p:blipFill>
-          <a:blip r:embed="rId2"/>
+          <a:blip r:embed="rId2" cstate="print">
+            <a:duotone>
+              <a:prstClr val="black"/>
+              <a:schemeClr val="accent5">
+                <a:tint val="45000"/>
+                <a:satMod val="400000"/>
+              </a:schemeClr>
+            </a:duotone>
+            <a:extLst>
+              <a:ext uri="{28A0092B-C50C-407E-A947-70E740481C1C}">
+                <a14:useLocalDpi xmlns:a14="http://schemas.microsoft.com/office/drawing/2010/main" val="0"/>
+              </a:ext>
+            </a:extLst>
+          </a:blip>
+          <a:srcRect/>
           <a:stretch>
             <a:fillRect/>
           </a:stretch>
         </p:blipFill>
-        <p:spPr>
+        <p:spPr bwMode="auto">
           <a:xfrm>
-            <a:off x="267138" y="3075403"/>
-            <a:ext cx="4457209" cy="3255157"/>
-          </a:xfrm>
-          <a:prstGeom prst="rect">
-            <a:avLst/>
-          </a:prstGeom>
-          <a:ln w="38100" cap="sq">
-            <a:solidFill>
-              <a:srgbClr val="000000"/>
-            </a:solidFill>
-            <a:prstDash val="solid"/>
-            <a:miter lim="800000"/>
-          </a:ln>
-          <a:effectLst>
-            <a:outerShdw blurRad="50800" dist="38100" dir="2700000" algn="tl" rotWithShape="0">
-              <a:srgbClr val="000000">
-                <a:alpha val="43000"/>
-              </a:srgbClr>
-            </a:outerShdw>
-          </a:effectLst>
-        </p:spPr>
-      </p:pic>
-      <p:sp>
-        <p:nvSpPr>
-          <p:cNvPr id="21" name="직사각형 20"/>
-          <p:cNvSpPr/>
-          <p:nvPr/>
-        </p:nvSpPr>
-        <p:spPr>
-          <a:xfrm>
-            <a:off x="9845275" y="4887188"/>
-            <a:ext cx="1905913" cy="986532"/>
-          </a:xfrm>
-          <a:prstGeom prst="rect">
-            <a:avLst/>
-          </a:prstGeom>
-        </p:spPr>
-        <p:style>
-          <a:lnRef idx="2">
-            <a:schemeClr val="accent2">
-              <a:shade val="50000"/>
-            </a:schemeClr>
-          </a:lnRef>
-          <a:fillRef idx="1">
-            <a:schemeClr val="accent2"/>
-          </a:fillRef>
-          <a:effectRef idx="0">
-            <a:schemeClr val="accent2"/>
-          </a:effectRef>
-          <a:fontRef idx="minor">
-            <a:schemeClr val="lt1"/>
-          </a:fontRef>
-        </p:style>
-        <p:txBody>
-          <a:bodyPr rtlCol="0" anchor="ctr"/>
-          <a:lstStyle/>
-          <a:p>
-            <a:pPr algn="ctr"/>
-            <a:r>
-              <a:rPr lang="ko-KR" altLang="en-US" dirty="0"/>
-              <a:t>웹 스크랩</a:t>
-            </a:r>
-            <a:endParaRPr lang="en-US" altLang="ko-KR" dirty="0"/>
-          </a:p>
-          <a:p>
-            <a:pPr algn="ctr"/>
-            <a:r>
-              <a:rPr lang="en-US" altLang="ko-KR" dirty="0"/>
-              <a:t>(</a:t>
-            </a:r>
-            <a:r>
-              <a:rPr lang="ko-KR" altLang="en-US" dirty="0"/>
-              <a:t>사용자 행동</a:t>
-            </a:r>
-            <a:r>
-              <a:rPr lang="en-US" altLang="ko-KR" dirty="0"/>
-              <a:t>)</a:t>
-            </a:r>
-            <a:endParaRPr lang="ko-KR" altLang="en-US" dirty="0"/>
-          </a:p>
-        </p:txBody>
-      </p:sp>
-      <p:sp>
-        <p:nvSpPr>
-          <p:cNvPr id="19" name="왼쪽 화살표 18"/>
-          <p:cNvSpPr/>
-          <p:nvPr/>
-        </p:nvSpPr>
-        <p:spPr>
-          <a:xfrm>
-            <a:off x="8271828" y="5094898"/>
-            <a:ext cx="1464877" cy="571111"/>
-          </a:xfrm>
-          <a:prstGeom prst="leftArrow">
-            <a:avLst/>
-          </a:prstGeom>
-        </p:spPr>
-        <p:style>
-          <a:lnRef idx="2">
-            <a:schemeClr val="accent4">
-              <a:shade val="50000"/>
-            </a:schemeClr>
-          </a:lnRef>
-          <a:fillRef idx="1">
-            <a:schemeClr val="accent4"/>
-          </a:fillRef>
-          <a:effectRef idx="0">
-            <a:schemeClr val="accent4"/>
-          </a:effectRef>
-          <a:fontRef idx="minor">
-            <a:schemeClr val="lt1"/>
-          </a:fontRef>
-        </p:style>
-        <p:txBody>
-          <a:bodyPr rtlCol="0" anchor="ctr"/>
-          <a:lstStyle/>
-          <a:p>
-            <a:pPr algn="ctr"/>
-            <a:r>
-              <a:rPr lang="ko-KR" altLang="en-US" dirty="0">
-                <a:solidFill>
-                  <a:schemeClr val="tx1"/>
-                </a:solidFill>
-              </a:rPr>
-              <a:t>저장</a:t>
-            </a:r>
-          </a:p>
-        </p:txBody>
-      </p:sp>
-      <p:sp>
-        <p:nvSpPr>
-          <p:cNvPr id="11" name="직사각형 10"/>
-          <p:cNvSpPr/>
-          <p:nvPr/>
-        </p:nvSpPr>
-        <p:spPr>
-          <a:xfrm>
-            <a:off x="9845275" y="3684218"/>
-            <a:ext cx="1905913" cy="986532"/>
-          </a:xfrm>
-          <a:prstGeom prst="rect">
-            <a:avLst/>
-          </a:prstGeom>
-        </p:spPr>
-        <p:style>
-          <a:lnRef idx="2">
-            <a:schemeClr val="accent2">
-              <a:shade val="50000"/>
-            </a:schemeClr>
-          </a:lnRef>
-          <a:fillRef idx="1">
-            <a:schemeClr val="accent2"/>
-          </a:fillRef>
-          <a:effectRef idx="0">
-            <a:schemeClr val="accent2"/>
-          </a:effectRef>
-          <a:fontRef idx="minor">
-            <a:schemeClr val="lt1"/>
-          </a:fontRef>
-        </p:style>
-        <p:txBody>
-          <a:bodyPr rtlCol="0" anchor="ctr"/>
-          <a:lstStyle/>
-          <a:p>
-            <a:pPr algn="ctr"/>
-            <a:r>
-              <a:rPr lang="ko-KR" altLang="en-US"/>
-              <a:t>방문 기록</a:t>
-            </a:r>
-          </a:p>
-        </p:txBody>
-      </p:sp>
-      <p:sp>
-        <p:nvSpPr>
-          <p:cNvPr id="23" name="왼쪽 화살표 22"/>
-          <p:cNvSpPr/>
-          <p:nvPr/>
-        </p:nvSpPr>
-        <p:spPr>
-          <a:xfrm>
-            <a:off x="8313576" y="3891928"/>
-            <a:ext cx="1464877" cy="571111"/>
-          </a:xfrm>
-          <a:prstGeom prst="leftArrow">
-            <a:avLst/>
-          </a:prstGeom>
-        </p:spPr>
-        <p:style>
-          <a:lnRef idx="2">
-            <a:schemeClr val="accent4">
-              <a:shade val="50000"/>
-            </a:schemeClr>
-          </a:lnRef>
-          <a:fillRef idx="1">
-            <a:schemeClr val="accent4"/>
-          </a:fillRef>
-          <a:effectRef idx="0">
-            <a:schemeClr val="accent4"/>
-          </a:effectRef>
-          <a:fontRef idx="minor">
-            <a:schemeClr val="lt1"/>
-          </a:fontRef>
-        </p:style>
-        <p:txBody>
-          <a:bodyPr rtlCol="0" anchor="ctr"/>
-          <a:lstStyle/>
-          <a:p>
-            <a:pPr algn="ctr"/>
-            <a:r>
-              <a:rPr lang="ko-KR" altLang="en-US" dirty="0">
-                <a:solidFill>
-                  <a:schemeClr val="tx1"/>
-                </a:solidFill>
-              </a:rPr>
-              <a:t>자동화</a:t>
-            </a:r>
-          </a:p>
-        </p:txBody>
-      </p:sp>
-      <p:sp>
-        <p:nvSpPr>
-          <p:cNvPr id="25" name="TextBox 24"/>
-          <p:cNvSpPr txBox="1"/>
-          <p:nvPr/>
-        </p:nvSpPr>
-        <p:spPr>
-          <a:xfrm>
-            <a:off x="9736705" y="3030010"/>
-            <a:ext cx="2113079" cy="369332"/>
+            <a:off x="3996857" y="2372333"/>
+            <a:ext cx="1620513" cy="1231635"/>
           </a:xfrm>
           <a:prstGeom prst="rect">
             <a:avLst/>
           </a:prstGeom>
           <a:noFill/>
+          <a:extLst>
+            <a:ext uri="{909E8E84-426E-40DD-AFC4-6F175D3DCCD1}">
+              <a14:hiddenFill xmlns:a14="http://schemas.microsoft.com/office/drawing/2010/main">
+                <a:solidFill>
+                  <a:srgbClr val="FFFFFF"/>
+                </a:solidFill>
+              </a14:hiddenFill>
+            </a:ext>
+          </a:extLst>
         </p:spPr>
-        <p:txBody>
-          <a:bodyPr wrap="none" rtlCol="0">
-            <a:spAutoFit/>
-          </a:bodyPr>
-          <a:lstStyle/>
-          <a:p>
-            <a:r>
-              <a:rPr lang="ko-KR" altLang="en-US" dirty="0"/>
-              <a:t>크롬 확장프로그램</a:t>
-            </a:r>
-          </a:p>
-        </p:txBody>
-      </p:sp>
+      </p:pic>
       <p:pic>
         <p:nvPicPr>
-          <p:cNvPr id="26" name="Picture 2" descr="구글 크롬 로고 크롬 웹 스토어 웹 브라우저 바탕 화면, 크롬, 로고, 컴퓨터 벽지 png | PNGEgg"/>
+          <p:cNvPr id="6" name="Picture 2" descr="Raspberry Pi 5, Enclosures &amp; Cameras | element14 Korea">
+            <a:extLst>
+              <a:ext uri="{FF2B5EF4-FFF2-40B4-BE49-F238E27FC236}">
+                <a16:creationId xmlns:a16="http://schemas.microsoft.com/office/drawing/2014/main" id="{DDE112A9-CA6F-40E6-B68E-F781AED158FB}"/>
+              </a:ext>
+            </a:extLst>
+          </p:cNvPr>
+          <p:cNvPicPr>
+            <a:picLocks noChangeAspect="1" noChangeArrowheads="1"/>
+          </p:cNvPicPr>
+          <p:nvPr/>
+        </p:nvPicPr>
+        <p:blipFill>
+          <a:blip r:embed="rId2" cstate="print">
+            <a:duotone>
+              <a:prstClr val="black"/>
+              <a:schemeClr val="accent1">
+                <a:tint val="45000"/>
+                <a:satMod val="400000"/>
+              </a:schemeClr>
+            </a:duotone>
+            <a:extLst>
+              <a:ext uri="{28A0092B-C50C-407E-A947-70E740481C1C}">
+                <a14:useLocalDpi xmlns:a14="http://schemas.microsoft.com/office/drawing/2010/main" val="0"/>
+              </a:ext>
+            </a:extLst>
+          </a:blip>
+          <a:srcRect/>
+          <a:stretch>
+            <a:fillRect/>
+          </a:stretch>
+        </p:blipFill>
+        <p:spPr bwMode="auto">
+          <a:xfrm>
+            <a:off x="6759360" y="2372332"/>
+            <a:ext cx="1620513" cy="1231635"/>
+          </a:xfrm>
+          <a:prstGeom prst="rect">
+            <a:avLst/>
+          </a:prstGeom>
+          <a:noFill/>
+          <a:extLst>
+            <a:ext uri="{909E8E84-426E-40DD-AFC4-6F175D3DCCD1}">
+              <a14:hiddenFill xmlns:a14="http://schemas.microsoft.com/office/drawing/2010/main">
+                <a:solidFill>
+                  <a:srgbClr val="FFFFFF"/>
+                </a:solidFill>
+              </a14:hiddenFill>
+            </a:ext>
+          </a:extLst>
+        </p:spPr>
+      </p:pic>
+      <p:pic>
+        <p:nvPicPr>
+          <p:cNvPr id="7" name="Picture 2" descr="Raspberry Pi 5, Enclosures &amp; Cameras | element14 Korea">
+            <a:extLst>
+              <a:ext uri="{FF2B5EF4-FFF2-40B4-BE49-F238E27FC236}">
+                <a16:creationId xmlns:a16="http://schemas.microsoft.com/office/drawing/2014/main" id="{F2275BBC-4C61-43C1-95EB-1BA8B7DC5BD7}"/>
+              </a:ext>
+            </a:extLst>
+          </p:cNvPr>
+          <p:cNvPicPr>
+            <a:picLocks noChangeAspect="1" noChangeArrowheads="1"/>
+          </p:cNvPicPr>
+          <p:nvPr/>
+        </p:nvPicPr>
+        <p:blipFill>
+          <a:blip r:embed="rId2" cstate="print">
+            <a:duotone>
+              <a:prstClr val="black"/>
+              <a:schemeClr val="accent6">
+                <a:tint val="45000"/>
+                <a:satMod val="400000"/>
+              </a:schemeClr>
+            </a:duotone>
+            <a:extLst>
+              <a:ext uri="{28A0092B-C50C-407E-A947-70E740481C1C}">
+                <a14:useLocalDpi xmlns:a14="http://schemas.microsoft.com/office/drawing/2010/main" val="0"/>
+              </a:ext>
+            </a:extLst>
+          </a:blip>
+          <a:srcRect/>
+          <a:stretch>
+            <a:fillRect/>
+          </a:stretch>
+        </p:blipFill>
+        <p:spPr bwMode="auto">
+          <a:xfrm>
+            <a:off x="9521863" y="2372331"/>
+            <a:ext cx="1620513" cy="1231635"/>
+          </a:xfrm>
+          <a:prstGeom prst="rect">
+            <a:avLst/>
+          </a:prstGeom>
+          <a:noFill/>
+          <a:extLst>
+            <a:ext uri="{909E8E84-426E-40DD-AFC4-6F175D3DCCD1}">
+              <a14:hiddenFill xmlns:a14="http://schemas.microsoft.com/office/drawing/2010/main">
+                <a:solidFill>
+                  <a:srgbClr val="FFFFFF"/>
+                </a:solidFill>
+              </a14:hiddenFill>
+            </a:ext>
+          </a:extLst>
+        </p:spPr>
+      </p:pic>
+      <p:pic>
+        <p:nvPicPr>
+          <p:cNvPr id="1028" name="Picture 4" descr="화면 - 무료 컴퓨터개 아이콘">
+            <a:extLst>
+              <a:ext uri="{FF2B5EF4-FFF2-40B4-BE49-F238E27FC236}">
+                <a16:creationId xmlns:a16="http://schemas.microsoft.com/office/drawing/2014/main" id="{E000E7AD-68A8-4AFD-9186-F2D6080612D4}"/>
+              </a:ext>
+            </a:extLst>
+          </p:cNvPr>
           <p:cNvPicPr>
             <a:picLocks noChangeAspect="1" noChangeArrowheads="1"/>
           </p:cNvPicPr>
@@ -5125,8 +5498,343 @@
         </p:blipFill>
         <p:spPr bwMode="auto">
           <a:xfrm>
-            <a:off x="10089753" y="2067665"/>
-            <a:ext cx="1406982" cy="887962"/>
+            <a:off x="7330072" y="5002401"/>
+            <a:ext cx="1511441" cy="1511441"/>
+          </a:xfrm>
+          <a:prstGeom prst="rect">
+            <a:avLst/>
+          </a:prstGeom>
+          <a:noFill/>
+          <a:extLst>
+            <a:ext uri="{909E8E84-426E-40DD-AFC4-6F175D3DCCD1}">
+              <a14:hiddenFill xmlns:a14="http://schemas.microsoft.com/office/drawing/2010/main">
+                <a:solidFill>
+                  <a:srgbClr val="FFFFFF"/>
+                </a:solidFill>
+              </a14:hiddenFill>
+            </a:ext>
+          </a:extLst>
+        </p:spPr>
+      </p:pic>
+      <p:sp>
+        <p:nvSpPr>
+          <p:cNvPr id="4" name="TextBox 3">
+            <a:extLst>
+              <a:ext uri="{FF2B5EF4-FFF2-40B4-BE49-F238E27FC236}">
+                <a16:creationId xmlns:a16="http://schemas.microsoft.com/office/drawing/2014/main" id="{D5A6D170-7427-49B8-BADE-5E38CF681D4D}"/>
+              </a:ext>
+            </a:extLst>
+          </p:cNvPr>
+          <p:cNvSpPr txBox="1"/>
+          <p:nvPr/>
+        </p:nvSpPr>
+        <p:spPr>
+          <a:xfrm>
+            <a:off x="1379203" y="3636863"/>
+            <a:ext cx="1330814" cy="646331"/>
+          </a:xfrm>
+          <a:prstGeom prst="rect">
+            <a:avLst/>
+          </a:prstGeom>
+          <a:noFill/>
+        </p:spPr>
+        <p:txBody>
+          <a:bodyPr wrap="none" rtlCol="0">
+            <a:spAutoFit/>
+          </a:bodyPr>
+          <a:lstStyle/>
+          <a:p>
+            <a:pPr algn="ctr"/>
+            <a:r>
+              <a:rPr lang="ko-KR" altLang="en-US" dirty="0">
+                <a:solidFill>
+                  <a:srgbClr val="C00000"/>
+                </a:solidFill>
+              </a:rPr>
+              <a:t>게임 서버</a:t>
+            </a:r>
+            <a:endParaRPr lang="en-US" altLang="ko-KR" dirty="0">
+              <a:solidFill>
+                <a:srgbClr val="C00000"/>
+              </a:solidFill>
+            </a:endParaRPr>
+          </a:p>
+          <a:p>
+            <a:pPr algn="ctr"/>
+            <a:r>
+              <a:rPr lang="en-US" altLang="ko-KR" dirty="0">
+                <a:solidFill>
+                  <a:srgbClr val="C00000"/>
+                </a:solidFill>
+              </a:rPr>
+              <a:t>[</a:t>
+            </a:r>
+            <a:r>
+              <a:rPr lang="ko-KR" altLang="en-US" dirty="0">
+                <a:solidFill>
+                  <a:srgbClr val="C00000"/>
+                </a:solidFill>
+              </a:rPr>
+              <a:t>이용 불가</a:t>
+            </a:r>
+            <a:r>
+              <a:rPr lang="en-US" altLang="ko-KR" dirty="0">
+                <a:solidFill>
+                  <a:srgbClr val="C00000"/>
+                </a:solidFill>
+              </a:rPr>
+              <a:t>]</a:t>
+            </a:r>
+            <a:endParaRPr lang="ko-KR" altLang="en-US" dirty="0">
+              <a:solidFill>
+                <a:srgbClr val="C00000"/>
+              </a:solidFill>
+            </a:endParaRPr>
+          </a:p>
+        </p:txBody>
+      </p:sp>
+      <p:sp>
+        <p:nvSpPr>
+          <p:cNvPr id="8" name="TextBox 7">
+            <a:extLst>
+              <a:ext uri="{FF2B5EF4-FFF2-40B4-BE49-F238E27FC236}">
+                <a16:creationId xmlns:a16="http://schemas.microsoft.com/office/drawing/2014/main" id="{F9693205-DDD3-47B7-A58D-FD0CD2DE8C06}"/>
+              </a:ext>
+            </a:extLst>
+          </p:cNvPr>
+          <p:cNvSpPr txBox="1"/>
+          <p:nvPr/>
+        </p:nvSpPr>
+        <p:spPr>
+          <a:xfrm>
+            <a:off x="4226665" y="3636863"/>
+            <a:ext cx="1160895" cy="923330"/>
+          </a:xfrm>
+          <a:prstGeom prst="rect">
+            <a:avLst/>
+          </a:prstGeom>
+          <a:noFill/>
+        </p:spPr>
+        <p:txBody>
+          <a:bodyPr wrap="none" rtlCol="0">
+            <a:spAutoFit/>
+          </a:bodyPr>
+          <a:lstStyle/>
+          <a:p>
+            <a:pPr algn="ctr"/>
+            <a:r>
+              <a:rPr lang="en-US" altLang="ko-KR" dirty="0"/>
+              <a:t>LLM </a:t>
+            </a:r>
+            <a:r>
+              <a:rPr lang="ko-KR" altLang="en-US" dirty="0"/>
+              <a:t>서버</a:t>
+            </a:r>
+            <a:endParaRPr lang="en-US" altLang="ko-KR" dirty="0"/>
+          </a:p>
+          <a:p>
+            <a:pPr algn="ctr"/>
+            <a:r>
+              <a:rPr lang="en-US" altLang="ko-KR" dirty="0"/>
+              <a:t>(</a:t>
+            </a:r>
+            <a:r>
+              <a:rPr lang="en-US" altLang="ko-KR" dirty="0" err="1"/>
+              <a:t>FastAPI</a:t>
+            </a:r>
+            <a:r>
+              <a:rPr lang="en-US" altLang="ko-KR" dirty="0"/>
+              <a:t>)</a:t>
+            </a:r>
+          </a:p>
+          <a:p>
+            <a:pPr algn="ctr"/>
+            <a:r>
+              <a:rPr lang="en-US" altLang="ko-KR" dirty="0"/>
+              <a:t>(</a:t>
+            </a:r>
+            <a:r>
+              <a:rPr lang="en-US" altLang="ko-KR" dirty="0" err="1"/>
+              <a:t>Ollama</a:t>
+            </a:r>
+            <a:r>
+              <a:rPr lang="en-US" altLang="ko-KR" dirty="0"/>
+              <a:t>)</a:t>
+            </a:r>
+            <a:endParaRPr lang="ko-KR" altLang="en-US" dirty="0"/>
+          </a:p>
+        </p:txBody>
+      </p:sp>
+      <p:sp>
+        <p:nvSpPr>
+          <p:cNvPr id="11" name="TextBox 10">
+            <a:extLst>
+              <a:ext uri="{FF2B5EF4-FFF2-40B4-BE49-F238E27FC236}">
+                <a16:creationId xmlns:a16="http://schemas.microsoft.com/office/drawing/2014/main" id="{9596DC5C-3FBC-43E1-B66C-8E73199EF8D6}"/>
+              </a:ext>
+            </a:extLst>
+          </p:cNvPr>
+          <p:cNvSpPr txBox="1"/>
+          <p:nvPr/>
+        </p:nvSpPr>
+        <p:spPr>
+          <a:xfrm>
+            <a:off x="9587364" y="3636863"/>
+            <a:ext cx="1489510" cy="1200329"/>
+          </a:xfrm>
+          <a:prstGeom prst="rect">
+            <a:avLst/>
+          </a:prstGeom>
+          <a:noFill/>
+        </p:spPr>
+        <p:txBody>
+          <a:bodyPr wrap="none" rtlCol="0">
+            <a:spAutoFit/>
+          </a:bodyPr>
+          <a:lstStyle/>
+          <a:p>
+            <a:pPr algn="ctr"/>
+            <a:r>
+              <a:rPr lang="ko-KR" altLang="en-US" dirty="0"/>
+              <a:t>웹</a:t>
+            </a:r>
+            <a:r>
+              <a:rPr lang="en-US" altLang="ko-KR" dirty="0"/>
+              <a:t> </a:t>
+            </a:r>
+            <a:r>
+              <a:rPr lang="ko-KR" altLang="en-US" dirty="0"/>
+              <a:t>서버</a:t>
+            </a:r>
+            <a:endParaRPr lang="en-US" altLang="ko-KR" dirty="0"/>
+          </a:p>
+          <a:p>
+            <a:pPr algn="ctr"/>
+            <a:r>
+              <a:rPr lang="en-US" altLang="ko-KR" dirty="0"/>
+              <a:t>(React)</a:t>
+            </a:r>
+          </a:p>
+          <a:p>
+            <a:pPr algn="ctr"/>
+            <a:r>
+              <a:rPr lang="en-US" altLang="ko-KR" dirty="0"/>
+              <a:t>(</a:t>
+            </a:r>
+            <a:r>
+              <a:rPr lang="en-US" altLang="ko-KR" dirty="0" err="1"/>
+              <a:t>SpringBoot</a:t>
+            </a:r>
+            <a:r>
+              <a:rPr lang="en-US" altLang="ko-KR" dirty="0"/>
+              <a:t>)</a:t>
+            </a:r>
+          </a:p>
+          <a:p>
+            <a:pPr algn="ctr"/>
+            <a:r>
+              <a:rPr lang="en-US" altLang="ko-KR" dirty="0"/>
+              <a:t>(MariaDB)</a:t>
+            </a:r>
+            <a:endParaRPr lang="ko-KR" altLang="en-US" dirty="0"/>
+          </a:p>
+        </p:txBody>
+      </p:sp>
+      <p:sp>
+        <p:nvSpPr>
+          <p:cNvPr id="12" name="TextBox 11">
+            <a:extLst>
+              <a:ext uri="{FF2B5EF4-FFF2-40B4-BE49-F238E27FC236}">
+                <a16:creationId xmlns:a16="http://schemas.microsoft.com/office/drawing/2014/main" id="{DD2F0A22-6803-4B4E-AF94-7254ACA2414E}"/>
+              </a:ext>
+            </a:extLst>
+          </p:cNvPr>
+          <p:cNvSpPr txBox="1"/>
+          <p:nvPr/>
+        </p:nvSpPr>
+        <p:spPr>
+          <a:xfrm>
+            <a:off x="6778114" y="3603562"/>
+            <a:ext cx="1571264" cy="923330"/>
+          </a:xfrm>
+          <a:prstGeom prst="rect">
+            <a:avLst/>
+          </a:prstGeom>
+          <a:noFill/>
+        </p:spPr>
+        <p:txBody>
+          <a:bodyPr wrap="none" rtlCol="0">
+            <a:spAutoFit/>
+          </a:bodyPr>
+          <a:lstStyle/>
+          <a:p>
+            <a:pPr algn="ctr"/>
+            <a:r>
+              <a:rPr lang="en-US" altLang="ko-KR" dirty="0"/>
+              <a:t>DB </a:t>
+            </a:r>
+            <a:r>
+              <a:rPr lang="ko-KR" altLang="en-US" dirty="0"/>
+              <a:t>분석</a:t>
+            </a:r>
+            <a:r>
+              <a:rPr lang="en-US" altLang="ko-KR" dirty="0"/>
+              <a:t> </a:t>
+            </a:r>
+            <a:r>
+              <a:rPr lang="ko-KR" altLang="en-US" dirty="0"/>
+              <a:t>서버</a:t>
+            </a:r>
+            <a:endParaRPr lang="en-US" altLang="ko-KR" dirty="0"/>
+          </a:p>
+          <a:p>
+            <a:pPr algn="ctr"/>
+            <a:r>
+              <a:rPr lang="en-US" altLang="ko-KR" dirty="0"/>
+              <a:t>(Flask)</a:t>
+            </a:r>
+          </a:p>
+          <a:p>
+            <a:pPr algn="ctr"/>
+            <a:r>
+              <a:rPr lang="en-US" altLang="ko-KR" dirty="0"/>
+              <a:t>(Python)</a:t>
+            </a:r>
+            <a:endParaRPr lang="ko-KR" altLang="en-US" dirty="0"/>
+          </a:p>
+        </p:txBody>
+      </p:sp>
+      <p:pic>
+        <p:nvPicPr>
+          <p:cNvPr id="15" name="Picture 6" descr="IA : Une web interface à Ollama avec Ollama LLM UI (Projet en dev) - Wiki -  Wiki">
+            <a:extLst>
+              <a:ext uri="{FF2B5EF4-FFF2-40B4-BE49-F238E27FC236}">
+                <a16:creationId xmlns:a16="http://schemas.microsoft.com/office/drawing/2014/main" id="{3A4F94E5-739C-4E25-9A25-B3FF602554FB}"/>
+              </a:ext>
+            </a:extLst>
+          </p:cNvPr>
+          <p:cNvPicPr>
+            <a:picLocks noChangeAspect="1" noChangeArrowheads="1"/>
+          </p:cNvPicPr>
+          <p:nvPr/>
+        </p:nvPicPr>
+        <p:blipFill>
+          <a:blip r:embed="rId4" cstate="print">
+            <a:extLst>
+              <a:ext uri="{28A0092B-C50C-407E-A947-70E740481C1C}">
+                <a14:useLocalDpi xmlns:a14="http://schemas.microsoft.com/office/drawing/2010/main" val="0"/>
+              </a:ext>
+            </a:extLst>
+          </a:blip>
+          <a:srcRect/>
+          <a:stretch>
+            <a:fillRect/>
+          </a:stretch>
+        </p:blipFill>
+        <p:spPr bwMode="auto">
+          <a:xfrm>
+            <a:off x="3897541" y="1567471"/>
+            <a:ext cx="1819141" cy="627604"/>
           </a:xfrm>
           <a:prstGeom prst="rect">
             <a:avLst/>
@@ -5145,14 +5853,50 @@
       </p:pic>
       <p:pic>
         <p:nvPicPr>
-          <p:cNvPr id="27" name="Picture 4" descr="React란 무엇인가?"/>
+          <p:cNvPr id="17" name="그림 16">
+            <a:extLst>
+              <a:ext uri="{FF2B5EF4-FFF2-40B4-BE49-F238E27FC236}">
+                <a16:creationId xmlns:a16="http://schemas.microsoft.com/office/drawing/2014/main" id="{A564A6D5-C240-4021-A8C3-DA8341EF145C}"/>
+              </a:ext>
+            </a:extLst>
+          </p:cNvPr>
+          <p:cNvPicPr>
+            <a:picLocks noChangeAspect="1"/>
+          </p:cNvPicPr>
+          <p:nvPr/>
+        </p:nvPicPr>
+        <p:blipFill>
+          <a:blip r:embed="rId5"/>
+          <a:stretch>
+            <a:fillRect/>
+          </a:stretch>
+        </p:blipFill>
+        <p:spPr>
+          <a:xfrm>
+            <a:off x="6475320" y="1719685"/>
+            <a:ext cx="2156064" cy="652646"/>
+          </a:xfrm>
+          <a:prstGeom prst="rect">
+            <a:avLst/>
+          </a:prstGeom>
+        </p:spPr>
+      </p:pic>
+      <p:pic>
+        <p:nvPicPr>
+          <p:cNvPr id="21" name="Picture 4" descr="React란 무엇인가?">
+            <a:extLst>
+              <a:ext uri="{FF2B5EF4-FFF2-40B4-BE49-F238E27FC236}">
+                <a16:creationId xmlns:a16="http://schemas.microsoft.com/office/drawing/2014/main" id="{182DB74F-C936-434E-9679-103A6196152D}"/>
+              </a:ext>
+            </a:extLst>
+          </p:cNvPr>
           <p:cNvPicPr>
             <a:picLocks noChangeAspect="1" noChangeArrowheads="1"/>
           </p:cNvPicPr>
           <p:nvPr/>
         </p:nvPicPr>
         <p:blipFill rotWithShape="1">
-          <a:blip r:embed="rId4">
+          <a:blip r:embed="rId6">
             <a:extLst>
               <a:ext uri="{28A0092B-C50C-407E-A947-70E740481C1C}">
                 <a14:useLocalDpi xmlns:a14="http://schemas.microsoft.com/office/drawing/2010/main" val="0"/>
@@ -5164,7 +5908,7 @@
         </p:blipFill>
         <p:spPr bwMode="auto">
           <a:xfrm>
-            <a:off x="320964" y="150096"/>
+            <a:off x="9347748" y="704733"/>
             <a:ext cx="1968742" cy="806578"/>
           </a:xfrm>
           <a:prstGeom prst="rect">
@@ -5184,14 +5928,20 @@
       </p:pic>
       <p:pic>
         <p:nvPicPr>
-          <p:cNvPr id="28" name="Picture 12" descr="MySQL 강좌 : 제 1강 - 소개 및 설치 - YUN DAE HEE"/>
+          <p:cNvPr id="22" name="Picture 6" descr="SpringBoot]스프링부트란?">
+            <a:extLst>
+              <a:ext uri="{FF2B5EF4-FFF2-40B4-BE49-F238E27FC236}">
+                <a16:creationId xmlns:a16="http://schemas.microsoft.com/office/drawing/2014/main" id="{5FBC2DAB-9DAD-4222-B510-86C0F67F7E8B}"/>
+              </a:ext>
+            </a:extLst>
+          </p:cNvPr>
           <p:cNvPicPr>
             <a:picLocks noChangeAspect="1" noChangeArrowheads="1"/>
           </p:cNvPicPr>
           <p:nvPr/>
         </p:nvPicPr>
         <p:blipFill>
-          <a:blip r:embed="rId5" cstate="print">
+          <a:blip r:embed="rId7" cstate="print">
             <a:extLst>
               <a:ext uri="{28A0092B-C50C-407E-A947-70E740481C1C}">
                 <a14:useLocalDpi xmlns:a14="http://schemas.microsoft.com/office/drawing/2010/main" val="0"/>
@@ -5205,48 +5955,7 @@
         </p:blipFill>
         <p:spPr bwMode="auto">
           <a:xfrm>
-            <a:off x="6687651" y="5873719"/>
-            <a:ext cx="1351974" cy="901316"/>
-          </a:xfrm>
-          <a:prstGeom prst="rect">
-            <a:avLst/>
-          </a:prstGeom>
-          <a:noFill/>
-          <a:extLst>
-            <a:ext uri="{909E8E84-426E-40DD-AFC4-6F175D3DCCD1}">
-              <a14:hiddenFill xmlns:a14="http://schemas.microsoft.com/office/drawing/2010/main">
-                <a:solidFill>
-                  <a:srgbClr val="FFFFFF"/>
-                </a:solidFill>
-              </a14:hiddenFill>
-            </a:ext>
-          </a:extLst>
-        </p:spPr>
-      </p:pic>
-      <p:pic>
-        <p:nvPicPr>
-          <p:cNvPr id="31" name="Picture 6" descr="SpringBoot]스프링부트란?"/>
-          <p:cNvPicPr>
-            <a:picLocks noChangeAspect="1" noChangeArrowheads="1"/>
-          </p:cNvPicPr>
-          <p:nvPr/>
-        </p:nvPicPr>
-        <p:blipFill>
-          <a:blip r:embed="rId6" cstate="print">
-            <a:extLst>
-              <a:ext uri="{28A0092B-C50C-407E-A947-70E740481C1C}">
-                <a14:useLocalDpi xmlns:a14="http://schemas.microsoft.com/office/drawing/2010/main" val="0"/>
-              </a:ext>
-            </a:extLst>
-          </a:blip>
-          <a:srcRect/>
-          <a:stretch>
-            <a:fillRect/>
-          </a:stretch>
-        </p:blipFill>
-        <p:spPr bwMode="auto">
-          <a:xfrm>
-            <a:off x="5135207" y="5917257"/>
+            <a:off x="9607778" y="1519331"/>
             <a:ext cx="1552444" cy="814241"/>
           </a:xfrm>
           <a:prstGeom prst="rect">
@@ -5264,54 +5973,306 @@
           </a:extLst>
         </p:spPr>
       </p:pic>
-      <p:pic>
-        <p:nvPicPr>
-          <p:cNvPr id="33" name="그림 32"/>
-          <p:cNvPicPr>
-            <a:picLocks noChangeAspect="1"/>
-          </p:cNvPicPr>
+      <p:grpSp>
+        <p:nvGrpSpPr>
+          <p:cNvPr id="19" name="그룹 18">
+            <a:extLst>
+              <a:ext uri="{FF2B5EF4-FFF2-40B4-BE49-F238E27FC236}">
+                <a16:creationId xmlns:a16="http://schemas.microsoft.com/office/drawing/2014/main" id="{9DA159C9-4FB0-4579-91F7-1151EFC0DD4A}"/>
+              </a:ext>
+            </a:extLst>
+          </p:cNvPr>
+          <p:cNvGrpSpPr/>
           <p:nvPr/>
-        </p:nvPicPr>
-        <p:blipFill>
-          <a:blip r:embed="rId7"/>
-          <a:stretch>
-            <a:fillRect/>
-          </a:stretch>
-        </p:blipFill>
+        </p:nvGrpSpPr>
+        <p:grpSpPr>
+          <a:xfrm>
+            <a:off x="782294" y="3021045"/>
+            <a:ext cx="2769324" cy="233880"/>
+            <a:chOff x="755640" y="2879530"/>
+            <a:chExt cx="2769324" cy="233880"/>
+          </a:xfrm>
+        </p:grpSpPr>
+        <p:sp>
+          <p:nvSpPr>
+            <p:cNvPr id="18" name="직사각형 17">
+              <a:extLst>
+                <a:ext uri="{FF2B5EF4-FFF2-40B4-BE49-F238E27FC236}">
+                  <a16:creationId xmlns:a16="http://schemas.microsoft.com/office/drawing/2014/main" id="{050C633C-A13E-4DD6-A351-F50F061A7FFC}"/>
+                </a:ext>
+              </a:extLst>
+            </p:cNvPr>
+            <p:cNvSpPr/>
+            <p:nvPr/>
+          </p:nvSpPr>
+          <p:spPr>
+            <a:xfrm rot="2847141">
+              <a:off x="2057667" y="1596961"/>
+              <a:ext cx="184728" cy="2749866"/>
+            </a:xfrm>
+            <a:prstGeom prst="rect">
+              <a:avLst/>
+            </a:prstGeom>
+            <a:solidFill>
+              <a:srgbClr val="C00000">
+                <a:alpha val="50000"/>
+              </a:srgbClr>
+            </a:solidFill>
+            <a:ln>
+              <a:noFill/>
+            </a:ln>
+          </p:spPr>
+          <p:style>
+            <a:lnRef idx="2">
+              <a:schemeClr val="accent1">
+                <a:shade val="50000"/>
+              </a:schemeClr>
+            </a:lnRef>
+            <a:fillRef idx="1">
+              <a:schemeClr val="accent1"/>
+            </a:fillRef>
+            <a:effectRef idx="0">
+              <a:schemeClr val="accent1"/>
+            </a:effectRef>
+            <a:fontRef idx="minor">
+              <a:schemeClr val="lt1"/>
+            </a:fontRef>
+          </p:style>
+          <p:txBody>
+            <a:bodyPr rtlCol="0" anchor="ctr"/>
+            <a:lstStyle/>
+            <a:p>
+              <a:pPr algn="ctr"/>
+              <a:endParaRPr lang="ko-KR" altLang="en-US"/>
+            </a:p>
+          </p:txBody>
+        </p:sp>
+        <p:sp>
+          <p:nvSpPr>
+            <p:cNvPr id="24" name="직사각형 23">
+              <a:extLst>
+                <a:ext uri="{FF2B5EF4-FFF2-40B4-BE49-F238E27FC236}">
+                  <a16:creationId xmlns:a16="http://schemas.microsoft.com/office/drawing/2014/main" id="{7D7BA8A1-7F42-44F3-8F61-2AB232BD271F}"/>
+                </a:ext>
+              </a:extLst>
+            </p:cNvPr>
+            <p:cNvSpPr/>
+            <p:nvPr/>
+          </p:nvSpPr>
+          <p:spPr>
+            <a:xfrm rot="18814971">
+              <a:off x="2038209" y="1646113"/>
+              <a:ext cx="184728" cy="2749866"/>
+            </a:xfrm>
+            <a:prstGeom prst="rect">
+              <a:avLst/>
+            </a:prstGeom>
+            <a:solidFill>
+              <a:srgbClr val="C00000">
+                <a:alpha val="50000"/>
+              </a:srgbClr>
+            </a:solidFill>
+            <a:ln>
+              <a:noFill/>
+            </a:ln>
+          </p:spPr>
+          <p:style>
+            <a:lnRef idx="2">
+              <a:schemeClr val="accent1">
+                <a:shade val="50000"/>
+              </a:schemeClr>
+            </a:lnRef>
+            <a:fillRef idx="1">
+              <a:schemeClr val="accent1"/>
+            </a:fillRef>
+            <a:effectRef idx="0">
+              <a:schemeClr val="accent1"/>
+            </a:effectRef>
+            <a:fontRef idx="minor">
+              <a:schemeClr val="lt1"/>
+            </a:fontRef>
+          </p:style>
+          <p:txBody>
+            <a:bodyPr rtlCol="0" anchor="ctr"/>
+            <a:lstStyle/>
+            <a:p>
+              <a:pPr algn="ctr"/>
+              <a:endParaRPr lang="ko-KR" altLang="en-US"/>
+            </a:p>
+          </p:txBody>
+        </p:sp>
+      </p:grpSp>
+      <p:grpSp>
+        <p:nvGrpSpPr>
+          <p:cNvPr id="23" name="그룹 22">
+            <a:extLst>
+              <a:ext uri="{FF2B5EF4-FFF2-40B4-BE49-F238E27FC236}">
+                <a16:creationId xmlns:a16="http://schemas.microsoft.com/office/drawing/2014/main" id="{962FC5E3-4B5E-4F09-BA2B-3682054219CC}"/>
+              </a:ext>
+            </a:extLst>
+          </p:cNvPr>
+          <p:cNvGrpSpPr/>
+          <p:nvPr/>
+        </p:nvGrpSpPr>
+        <p:grpSpPr>
+          <a:xfrm>
+            <a:off x="5053504" y="5133746"/>
+            <a:ext cx="2113079" cy="1290783"/>
+            <a:chOff x="5309203" y="5153173"/>
+            <a:chExt cx="2113079" cy="1290783"/>
+          </a:xfrm>
+        </p:grpSpPr>
+        <p:sp>
+          <p:nvSpPr>
+            <p:cNvPr id="27" name="TextBox 26">
+              <a:extLst>
+                <a:ext uri="{FF2B5EF4-FFF2-40B4-BE49-F238E27FC236}">
+                  <a16:creationId xmlns:a16="http://schemas.microsoft.com/office/drawing/2014/main" id="{04B62690-09C5-4B53-AF2F-304673258A0E}"/>
+                </a:ext>
+              </a:extLst>
+            </p:cNvPr>
+            <p:cNvSpPr txBox="1"/>
+            <p:nvPr/>
+          </p:nvSpPr>
+          <p:spPr>
+            <a:xfrm>
+              <a:off x="5309203" y="6074624"/>
+              <a:ext cx="2113079" cy="369332"/>
+            </a:xfrm>
+            <a:prstGeom prst="rect">
+              <a:avLst/>
+            </a:prstGeom>
+            <a:noFill/>
+          </p:spPr>
+          <p:txBody>
+            <a:bodyPr wrap="none" rtlCol="0">
+              <a:spAutoFit/>
+            </a:bodyPr>
+            <a:lstStyle/>
+            <a:p>
+              <a:r>
+                <a:rPr lang="ko-KR" altLang="en-US" dirty="0"/>
+                <a:t>크롬 확장프로그램</a:t>
+              </a:r>
+            </a:p>
+          </p:txBody>
+        </p:sp>
+        <p:pic>
+          <p:nvPicPr>
+            <p:cNvPr id="28" name="Picture 2" descr="구글 크롬 로고 크롬 웹 스토어 웹 브라우저 바탕 화면, 크롬, 로고, 컴퓨터 벽지 png | PNGEgg">
+              <a:extLst>
+                <a:ext uri="{FF2B5EF4-FFF2-40B4-BE49-F238E27FC236}">
+                  <a16:creationId xmlns:a16="http://schemas.microsoft.com/office/drawing/2014/main" id="{9B38088B-9FFB-4B59-9248-9E6C3AB0F861}"/>
+                </a:ext>
+              </a:extLst>
+            </p:cNvPr>
+            <p:cNvPicPr>
+              <a:picLocks noChangeAspect="1" noChangeArrowheads="1"/>
+            </p:cNvPicPr>
+            <p:nvPr/>
+          </p:nvPicPr>
+          <p:blipFill>
+            <a:blip r:embed="rId8" cstate="print">
+              <a:extLst>
+                <a:ext uri="{28A0092B-C50C-407E-A947-70E740481C1C}">
+                  <a14:useLocalDpi xmlns:a14="http://schemas.microsoft.com/office/drawing/2010/main" val="0"/>
+                </a:ext>
+              </a:extLst>
+            </a:blip>
+            <a:srcRect/>
+            <a:stretch>
+              <a:fillRect/>
+            </a:stretch>
+          </p:blipFill>
+          <p:spPr bwMode="auto">
+            <a:xfrm>
+              <a:off x="5662251" y="5153173"/>
+              <a:ext cx="1406982" cy="887962"/>
+            </a:xfrm>
+            <a:prstGeom prst="rect">
+              <a:avLst/>
+            </a:prstGeom>
+            <a:noFill/>
+            <a:extLst>
+              <a:ext uri="{909E8E84-426E-40DD-AFC4-6F175D3DCCD1}">
+                <a14:hiddenFill xmlns:a14="http://schemas.microsoft.com/office/drawing/2010/main">
+                  <a:solidFill>
+                    <a:srgbClr val="FFFFFF"/>
+                  </a:solidFill>
+                </a14:hiddenFill>
+              </a:ext>
+            </a:extLst>
+          </p:spPr>
+        </p:pic>
+      </p:grpSp>
+      <p:sp>
+        <p:nvSpPr>
+          <p:cNvPr id="20" name="직사각형 19">
+            <a:extLst>
+              <a:ext uri="{FF2B5EF4-FFF2-40B4-BE49-F238E27FC236}">
+                <a16:creationId xmlns:a16="http://schemas.microsoft.com/office/drawing/2014/main" id="{DE2E3483-860E-4C01-A33B-35012BDA32FA}"/>
+              </a:ext>
+            </a:extLst>
+          </p:cNvPr>
+          <p:cNvSpPr/>
+          <p:nvPr/>
+        </p:nvSpPr>
         <p:spPr>
           <a:xfrm>
-            <a:off x="7363638" y="415375"/>
-            <a:ext cx="3535891" cy="1060767"/>
+            <a:off x="4839854" y="4893330"/>
+            <a:ext cx="6003637" cy="1771616"/>
           </a:xfrm>
           <a:prstGeom prst="rect">
             <a:avLst/>
           </a:prstGeom>
-          <a:ln w="38100" cap="sq">
+          <a:noFill/>
+          <a:ln w="50800">
             <a:solidFill>
-              <a:srgbClr val="000000"/>
+              <a:srgbClr val="FFC000"/>
             </a:solidFill>
-            <a:prstDash val="solid"/>
-            <a:miter lim="800000"/>
           </a:ln>
-          <a:effectLst>
-            <a:outerShdw blurRad="50800" dist="38100" dir="2700000" algn="tl" rotWithShape="0">
-              <a:srgbClr val="000000">
-                <a:alpha val="43000"/>
-              </a:srgbClr>
-            </a:outerShdw>
-          </a:effectLst>
         </p:spPr>
-      </p:pic>
+        <p:style>
+          <a:lnRef idx="2">
+            <a:schemeClr val="accent1">
+              <a:shade val="50000"/>
+            </a:schemeClr>
+          </a:lnRef>
+          <a:fillRef idx="1">
+            <a:schemeClr val="accent1"/>
+          </a:fillRef>
+          <a:effectRef idx="0">
+            <a:schemeClr val="accent1"/>
+          </a:effectRef>
+          <a:fontRef idx="minor">
+            <a:schemeClr val="lt1"/>
+          </a:fontRef>
+        </p:style>
+        <p:txBody>
+          <a:bodyPr rtlCol="0" anchor="ctr"/>
+          <a:lstStyle/>
+          <a:p>
+            <a:pPr algn="ctr"/>
+            <a:endParaRPr lang="ko-KR" altLang="en-US"/>
+          </a:p>
+        </p:txBody>
+      </p:sp>
       <p:pic>
         <p:nvPicPr>
-          <p:cNvPr id="3078" name="Picture 6" descr="IA : Une web interface à Ollama avec Ollama LLM UI (Projet en dev) - Wiki -  Wiki"/>
+          <p:cNvPr id="1038" name="Picture 14" descr="휴대폰 - 무료 과학 기술개 아이콘">
+            <a:extLst>
+              <a:ext uri="{FF2B5EF4-FFF2-40B4-BE49-F238E27FC236}">
+                <a16:creationId xmlns:a16="http://schemas.microsoft.com/office/drawing/2014/main" id="{ED016DD5-6E0E-498E-BD9A-471C80CC94CD}"/>
+              </a:ext>
+            </a:extLst>
+          </p:cNvPr>
           <p:cNvPicPr>
             <a:picLocks noChangeAspect="1" noChangeArrowheads="1"/>
           </p:cNvPicPr>
           <p:nvPr/>
         </p:nvPicPr>
         <p:blipFill>
-          <a:blip r:embed="rId8" cstate="print">
+          <a:blip r:embed="rId9" cstate="print">
             <a:extLst>
               <a:ext uri="{28A0092B-C50C-407E-A947-70E740481C1C}">
                 <a14:useLocalDpi xmlns:a14="http://schemas.microsoft.com/office/drawing/2010/main" val="0"/>
@@ -5325,8 +6286,8 @@
         </p:blipFill>
         <p:spPr bwMode="auto">
           <a:xfrm>
-            <a:off x="5405250" y="415375"/>
-            <a:ext cx="1819141" cy="627604"/>
+            <a:off x="9102638" y="5075068"/>
+            <a:ext cx="1395626" cy="1395626"/>
           </a:xfrm>
           <a:prstGeom prst="rect">
             <a:avLst/>
@@ -5343,248 +6304,10 @@
           </a:extLst>
         </p:spPr>
       </p:pic>
-      <p:sp>
-        <p:nvSpPr>
-          <p:cNvPr id="34" name="오른쪽 화살표 33"/>
-          <p:cNvSpPr/>
-          <p:nvPr/>
-        </p:nvSpPr>
-        <p:spPr>
-          <a:xfrm>
-            <a:off x="3995068" y="4918250"/>
-            <a:ext cx="1732585" cy="668218"/>
-          </a:xfrm>
-          <a:prstGeom prst="rightArrow">
-            <a:avLst/>
-          </a:prstGeom>
-        </p:spPr>
-        <p:style>
-          <a:lnRef idx="2">
-            <a:schemeClr val="accent4">
-              <a:shade val="50000"/>
-            </a:schemeClr>
-          </a:lnRef>
-          <a:fillRef idx="1">
-            <a:schemeClr val="accent4"/>
-          </a:fillRef>
-          <a:effectRef idx="0">
-            <a:schemeClr val="accent4"/>
-          </a:effectRef>
-          <a:fontRef idx="minor">
-            <a:schemeClr val="lt1"/>
-          </a:fontRef>
-        </p:style>
-        <p:txBody>
-          <a:bodyPr rtlCol="0" anchor="ctr"/>
-          <a:lstStyle/>
-          <a:p>
-            <a:pPr algn="ctr"/>
-            <a:r>
-              <a:rPr lang="ko-KR" altLang="en-US" dirty="0">
-                <a:solidFill>
-                  <a:schemeClr val="tx1"/>
-                </a:solidFill>
-              </a:rPr>
-              <a:t>조회 </a:t>
-            </a:r>
-            <a:r>
-              <a:rPr lang="en-US" altLang="ko-KR" dirty="0">
-                <a:solidFill>
-                  <a:schemeClr val="tx1"/>
-                </a:solidFill>
-              </a:rPr>
-              <a:t>&amp; </a:t>
-            </a:r>
-            <a:r>
-              <a:rPr lang="ko-KR" altLang="en-US" dirty="0">
-                <a:solidFill>
-                  <a:schemeClr val="tx1"/>
-                </a:solidFill>
-              </a:rPr>
-              <a:t>수정</a:t>
-            </a:r>
-          </a:p>
-        </p:txBody>
-      </p:sp>
-      <p:sp>
-        <p:nvSpPr>
-          <p:cNvPr id="38" name="아래쪽 화살표 37"/>
-          <p:cNvSpPr/>
-          <p:nvPr/>
-        </p:nvSpPr>
-        <p:spPr>
-          <a:xfrm>
-            <a:off x="1979464" y="1637662"/>
-            <a:ext cx="620485" cy="1594283"/>
-          </a:xfrm>
-          <a:prstGeom prst="downArrow">
-            <a:avLst/>
-          </a:prstGeom>
-        </p:spPr>
-        <p:style>
-          <a:lnRef idx="2">
-            <a:schemeClr val="accent4">
-              <a:shade val="50000"/>
-            </a:schemeClr>
-          </a:lnRef>
-          <a:fillRef idx="1">
-            <a:schemeClr val="accent4"/>
-          </a:fillRef>
-          <a:effectRef idx="0">
-            <a:schemeClr val="accent4"/>
-          </a:effectRef>
-          <a:fontRef idx="minor">
-            <a:schemeClr val="lt1"/>
-          </a:fontRef>
-        </p:style>
-        <p:txBody>
-          <a:bodyPr rtlCol="0" anchor="ctr"/>
-          <a:lstStyle/>
-          <a:p>
-            <a:pPr algn="ctr"/>
-            <a:r>
-              <a:rPr lang="ko-KR" altLang="en-US">
-                <a:solidFill>
-                  <a:schemeClr val="tx1"/>
-                </a:solidFill>
-              </a:rPr>
-              <a:t>상세보기</a:t>
-            </a:r>
-            <a:endParaRPr lang="ko-KR" altLang="en-US" dirty="0">
-              <a:solidFill>
-                <a:schemeClr val="tx1"/>
-              </a:solidFill>
-            </a:endParaRPr>
-          </a:p>
-        </p:txBody>
-      </p:sp>
-      <p:sp>
-        <p:nvSpPr>
-          <p:cNvPr id="39" name="오른쪽 화살표 38"/>
-          <p:cNvSpPr/>
-          <p:nvPr/>
-        </p:nvSpPr>
-        <p:spPr>
-          <a:xfrm>
-            <a:off x="3966416" y="3840049"/>
-            <a:ext cx="1732585" cy="668218"/>
-          </a:xfrm>
-          <a:prstGeom prst="rightArrow">
-            <a:avLst/>
-          </a:prstGeom>
-        </p:spPr>
-        <p:style>
-          <a:lnRef idx="2">
-            <a:schemeClr val="accent3">
-              <a:shade val="50000"/>
-            </a:schemeClr>
-          </a:lnRef>
-          <a:fillRef idx="1">
-            <a:schemeClr val="accent3"/>
-          </a:fillRef>
-          <a:effectRef idx="0">
-            <a:schemeClr val="accent3"/>
-          </a:effectRef>
-          <a:fontRef idx="minor">
-            <a:schemeClr val="lt1"/>
-          </a:fontRef>
-        </p:style>
-        <p:txBody>
-          <a:bodyPr rtlCol="0" anchor="ctr"/>
-          <a:lstStyle/>
-          <a:p>
-            <a:pPr algn="ctr"/>
-            <a:r>
-              <a:rPr lang="ko-KR" altLang="en-US" dirty="0">
-                <a:solidFill>
-                  <a:srgbClr val="C00000"/>
-                </a:solidFill>
-              </a:rPr>
-              <a:t>조회 불가</a:t>
-            </a:r>
-          </a:p>
-        </p:txBody>
-      </p:sp>
-      <p:sp>
-        <p:nvSpPr>
-          <p:cNvPr id="41" name="왼쪽 화살표 40"/>
-          <p:cNvSpPr/>
-          <p:nvPr/>
-        </p:nvSpPr>
-        <p:spPr>
-          <a:xfrm rot="2327986">
-            <a:off x="7530908" y="2629035"/>
-            <a:ext cx="2689062" cy="571111"/>
-          </a:xfrm>
-          <a:prstGeom prst="leftArrow">
-            <a:avLst/>
-          </a:prstGeom>
-        </p:spPr>
-        <p:style>
-          <a:lnRef idx="2">
-            <a:schemeClr val="accent4">
-              <a:shade val="50000"/>
-            </a:schemeClr>
-          </a:lnRef>
-          <a:fillRef idx="1">
-            <a:schemeClr val="accent4"/>
-          </a:fillRef>
-          <a:effectRef idx="0">
-            <a:schemeClr val="accent4"/>
-          </a:effectRef>
-          <a:fontRef idx="minor">
-            <a:schemeClr val="lt1"/>
-          </a:fontRef>
-        </p:style>
-        <p:txBody>
-          <a:bodyPr rtlCol="0" anchor="ctr"/>
-          <a:lstStyle/>
-          <a:p>
-            <a:pPr algn="ctr"/>
-            <a:r>
-              <a:rPr lang="ko-KR" altLang="en-US" dirty="0">
-                <a:solidFill>
-                  <a:schemeClr val="tx1"/>
-                </a:solidFill>
-              </a:rPr>
-              <a:t>피드백 요청</a:t>
-            </a:r>
-            <a:r>
-              <a:rPr lang="en-US" altLang="ko-KR" dirty="0">
-                <a:solidFill>
-                  <a:schemeClr val="tx1"/>
-                </a:solidFill>
-              </a:rPr>
-              <a:t>(</a:t>
-            </a:r>
-            <a:r>
-              <a:rPr lang="ko-KR" altLang="en-US" dirty="0" err="1">
-                <a:solidFill>
-                  <a:schemeClr val="tx1"/>
-                </a:solidFill>
-              </a:rPr>
-              <a:t>선톡</a:t>
-            </a:r>
-            <a:r>
-              <a:rPr lang="en-US" altLang="ko-KR" dirty="0">
-                <a:solidFill>
-                  <a:schemeClr val="tx1"/>
-                </a:solidFill>
-              </a:rPr>
-              <a:t>)</a:t>
-            </a:r>
-            <a:endParaRPr lang="ko-KR" altLang="en-US" dirty="0">
-              <a:solidFill>
-                <a:schemeClr val="tx1"/>
-              </a:solidFill>
-            </a:endParaRPr>
-          </a:p>
-        </p:txBody>
-      </p:sp>
     </p:spTree>
     <p:extLst>
       <p:ext uri="{BB962C8B-B14F-4D97-AF65-F5344CB8AC3E}">
-        <p14:creationId xmlns:p14="http://schemas.microsoft.com/office/powerpoint/2010/main" val="4219281555"/>
+        <p14:creationId xmlns:p14="http://schemas.microsoft.com/office/powerpoint/2010/main" val="1670568752"/>
       </p:ext>
     </p:extLst>
   </p:cSld>

--- a/시스템 설계도.pptx
+++ b/시스템 설계도.pptx
@@ -5,7 +5,7 @@
     <p:sldMasterId id="2147483648" r:id="rId1"/>
   </p:sldMasterIdLst>
   <p:notesMasterIdLst>
-    <p:notesMasterId r:id="rId7"/>
+    <p:notesMasterId r:id="rId12"/>
   </p:notesMasterIdLst>
   <p:sldIdLst>
     <p:sldId id="256" r:id="rId2"/>
@@ -13,6 +13,11 @@
     <p:sldId id="273" r:id="rId4"/>
     <p:sldId id="280" r:id="rId5"/>
     <p:sldId id="279" r:id="rId6"/>
+    <p:sldId id="281" r:id="rId7"/>
+    <p:sldId id="282" r:id="rId8"/>
+    <p:sldId id="283" r:id="rId9"/>
+    <p:sldId id="284" r:id="rId10"/>
+    <p:sldId id="290" r:id="rId11"/>
   </p:sldIdLst>
   <p:sldSz cx="12192000" cy="6858000"/>
   <p:notesSz cx="6858000" cy="9144000"/>
@@ -3501,6 +3506,133 @@
 </p:sld>
 </file>
 
+<file path=ppt/slides/slide10.xml><?xml version="1.0" encoding="utf-8"?>
+<p:sld xmlns:a="http://schemas.openxmlformats.org/drawingml/2006/main" xmlns:r="http://schemas.openxmlformats.org/officeDocument/2006/relationships" xmlns:p="http://schemas.openxmlformats.org/presentationml/2006/main">
+  <p:cSld>
+    <p:spTree>
+      <p:nvGrpSpPr>
+        <p:cNvPr id="1" name=""/>
+        <p:cNvGrpSpPr/>
+        <p:nvPr/>
+      </p:nvGrpSpPr>
+      <p:grpSpPr>
+        <a:xfrm>
+          <a:off x="0" y="0"/>
+          <a:ext cx="0" cy="0"/>
+          <a:chOff x="0" y="0"/>
+          <a:chExt cx="0" cy="0"/>
+        </a:xfrm>
+      </p:grpSpPr>
+      <p:sp>
+        <p:nvSpPr>
+          <p:cNvPr id="2" name="제목 1">
+            <a:extLst>
+              <a:ext uri="{FF2B5EF4-FFF2-40B4-BE49-F238E27FC236}">
+                <a16:creationId xmlns:a16="http://schemas.microsoft.com/office/drawing/2014/main" id="{F6253F0E-DCA9-4C98-886F-303BAC4DBC29}"/>
+              </a:ext>
+            </a:extLst>
+          </p:cNvPr>
+          <p:cNvSpPr>
+            <a:spLocks noGrp="1"/>
+          </p:cNvSpPr>
+          <p:nvPr>
+            <p:ph type="title"/>
+          </p:nvPr>
+        </p:nvSpPr>
+        <p:spPr/>
+        <p:txBody>
+          <a:bodyPr/>
+          <a:lstStyle/>
+          <a:p>
+            <a:r>
+              <a:rPr lang="ko-KR" altLang="en-US" dirty="0"/>
+              <a:t>기대효과</a:t>
+            </a:r>
+          </a:p>
+        </p:txBody>
+      </p:sp>
+      <p:sp>
+        <p:nvSpPr>
+          <p:cNvPr id="3" name="내용 개체 틀 2">
+            <a:extLst>
+              <a:ext uri="{FF2B5EF4-FFF2-40B4-BE49-F238E27FC236}">
+                <a16:creationId xmlns:a16="http://schemas.microsoft.com/office/drawing/2014/main" id="{FC17338A-B8CE-45E1-99D0-FD590E9E698A}"/>
+              </a:ext>
+            </a:extLst>
+          </p:cNvPr>
+          <p:cNvSpPr>
+            <a:spLocks noGrp="1"/>
+          </p:cNvSpPr>
+          <p:nvPr>
+            <p:ph idx="1"/>
+          </p:nvPr>
+        </p:nvSpPr>
+        <p:spPr/>
+        <p:txBody>
+          <a:bodyPr/>
+          <a:lstStyle/>
+          <a:p>
+            <a:r>
+              <a:rPr lang="ko-KR" altLang="en-US" dirty="0"/>
+              <a:t>일정 관리</a:t>
+            </a:r>
+            <a:r>
+              <a:rPr lang="en-US" altLang="ko-KR" dirty="0"/>
+              <a:t>, </a:t>
+            </a:r>
+            <a:r>
+              <a:rPr lang="ko-KR" altLang="en-US" dirty="0"/>
+              <a:t>메모 등 사용자 편의성 개선</a:t>
+            </a:r>
+            <a:endParaRPr lang="en-US" altLang="ko-KR" dirty="0"/>
+          </a:p>
+          <a:p>
+            <a:endParaRPr lang="en-US" altLang="ko-KR" dirty="0"/>
+          </a:p>
+          <a:p>
+            <a:r>
+              <a:rPr lang="ko-KR" altLang="en-US" dirty="0"/>
+              <a:t>기억에 기반한 응답으로 맞춤형 정보 제공</a:t>
+            </a:r>
+            <a:endParaRPr lang="en-US" altLang="ko-KR" dirty="0"/>
+          </a:p>
+          <a:p>
+            <a:endParaRPr lang="en-US" altLang="ko-KR" dirty="0"/>
+          </a:p>
+          <a:p>
+            <a:r>
+              <a:rPr lang="ko-KR" altLang="en-US" dirty="0"/>
+              <a:t>사용자와 형성한 유대감을 기반으로</a:t>
+            </a:r>
+            <a:r>
+              <a:rPr lang="en-US" altLang="ko-KR" dirty="0"/>
+              <a:t>..??(</a:t>
+            </a:r>
+            <a:r>
+              <a:rPr lang="ko-KR" altLang="en-US" dirty="0"/>
+              <a:t>미정</a:t>
+            </a:r>
+            <a:r>
+              <a:rPr lang="en-US" altLang="ko-KR" dirty="0"/>
+              <a:t>)</a:t>
+            </a:r>
+            <a:endParaRPr lang="ko-KR" altLang="en-US" dirty="0"/>
+          </a:p>
+        </p:txBody>
+      </p:sp>
+    </p:spTree>
+    <p:extLst>
+      <p:ext uri="{BB962C8B-B14F-4D97-AF65-F5344CB8AC3E}">
+        <p14:creationId xmlns:p14="http://schemas.microsoft.com/office/powerpoint/2010/main" val="231972560"/>
+      </p:ext>
+    </p:extLst>
+  </p:cSld>
+  <p:clrMapOvr>
+    <a:masterClrMapping/>
+  </p:clrMapOvr>
+</p:sld>
+</file>
+
 <file path=ppt/slides/slide2.xml><?xml version="1.0" encoding="utf-8"?>
 <p:sld xmlns:a="http://schemas.openxmlformats.org/drawingml/2006/main" xmlns:r="http://schemas.openxmlformats.org/officeDocument/2006/relationships" xmlns:p="http://schemas.openxmlformats.org/presentationml/2006/main">
   <p:cSld>
@@ -3557,7 +3689,7 @@
           <a:p>
             <a:r>
               <a:rPr lang="ko-KR" altLang="en-US" dirty="0"/>
-              <a:t>바쁜 일상 속에 기억해야 할 것은 많고 기억나는 것은 많지 않다</a:t>
+              <a:t>바쁜 일상 속에 기억해야 할 것은 많고 기억하는 것은 많지 않다</a:t>
             </a:r>
             <a:endParaRPr lang="en-US" altLang="ko-KR" dirty="0"/>
           </a:p>
@@ -3578,7 +3710,15 @@
             </a:r>
             <a:r>
               <a:rPr lang="ko-KR" altLang="en-US" dirty="0"/>
-              <a:t>나는 누구인지 모른 채로 지낼 때가 많다</a:t>
+              <a:t>나는 누구인지 신경 못 </a:t>
+            </a:r>
+            <a:r>
+              <a:rPr lang="ko-KR" altLang="en-US" dirty="0" err="1"/>
+              <a:t>쓴채로</a:t>
+            </a:r>
+            <a:r>
+              <a:rPr lang="ko-KR" altLang="en-US" dirty="0"/>
+              <a:t> 지낼 때가 많다</a:t>
             </a:r>
           </a:p>
         </p:txBody>
@@ -3591,7 +3731,7 @@
         </p:nvSpPr>
         <p:spPr>
           <a:xfrm>
-            <a:off x="653143" y="5197151"/>
+            <a:off x="686699" y="5281041"/>
             <a:ext cx="1315616" cy="811861"/>
           </a:xfrm>
           <a:prstGeom prst="rightArrow">
@@ -3631,8 +3771,8 @@
         </p:nvSpPr>
         <p:spPr>
           <a:xfrm>
-            <a:off x="2153816" y="5345966"/>
-            <a:ext cx="9668070" cy="830997"/>
+            <a:off x="2187372" y="5345966"/>
+            <a:ext cx="9166428" cy="830997"/>
           </a:xfrm>
           <a:prstGeom prst="rect">
             <a:avLst/>
@@ -3651,7 +3791,7 @@
                   <a:schemeClr val="accent1"/>
                 </a:solidFill>
               </a:rPr>
-              <a:t>사용자의 하루 일과를 물어보며 관계를 형성하고</a:t>
+              <a:t>사용자의 하루 일과를 공유하며 관계를 형성하고</a:t>
             </a:r>
             <a:r>
               <a:rPr lang="en-US" altLang="ko-KR" sz="2400" b="1" dirty="0">
@@ -3669,7 +3809,7 @@
                   <a:schemeClr val="accent1"/>
                 </a:solidFill>
               </a:rPr>
-              <a:t>일상을 기억</a:t>
+              <a:t>일상에 대한 기억</a:t>
             </a:r>
             <a:r>
               <a:rPr lang="en-US" altLang="ko-KR" sz="2400" b="1" dirty="0">
@@ -3685,7 +3825,7 @@
                   <a:schemeClr val="accent1"/>
                 </a:solidFill>
               </a:rPr>
-              <a:t>분석하며 진정한 </a:t>
+              <a:t>분석을 통해 진정한 </a:t>
             </a:r>
             <a:r>
               <a:rPr lang="en-US" altLang="ko-KR" sz="2400" b="1" dirty="0">
@@ -3717,7 +3857,7 @@
                   <a:schemeClr val="accent1"/>
                 </a:solidFill>
               </a:rPr>
-              <a:t>를 찾아가는 서비스</a:t>
+              <a:t>를 찾아내는 서비스</a:t>
             </a:r>
           </a:p>
         </p:txBody>
@@ -3758,7 +3898,7 @@
                   </a:schemeClr>
                 </a:solidFill>
               </a:rPr>
-              <a:t>당신은 누구인가</a:t>
+              <a:t>나는 누구인가</a:t>
             </a:r>
             <a:r>
               <a:rPr lang="en-US" altLang="ko-KR" b="1" dirty="0">
@@ -3864,52 +4004,362 @@
           </a:p>
         </p:txBody>
       </p:sp>
-      <p:sp>
-        <p:nvSpPr>
-          <p:cNvPr id="3" name="내용 개체 틀 2"/>
-          <p:cNvSpPr>
-            <a:spLocks noGrp="1"/>
-          </p:cNvSpPr>
-          <p:nvPr>
-            <p:ph idx="1"/>
-          </p:nvPr>
-        </p:nvSpPr>
-        <p:spPr/>
-        <p:txBody>
-          <a:bodyPr/>
-          <a:lstStyle/>
-          <a:p>
-            <a:pPr marL="514350" indent="-514350">
-              <a:buAutoNum type="arabicPeriod"/>
-            </a:pPr>
-            <a:r>
-              <a:rPr lang="ko-KR" altLang="en-US" dirty="0"/>
-              <a:t>일정 관리</a:t>
-            </a:r>
-            <a:endParaRPr lang="en-US" altLang="ko-KR" dirty="0"/>
-          </a:p>
-          <a:p>
-            <a:pPr marL="514350" indent="-514350">
-              <a:buAutoNum type="arabicPeriod"/>
-            </a:pPr>
-            <a:r>
-              <a:rPr lang="ko-KR" altLang="en-US" dirty="0"/>
-              <a:t>개인 아카이브</a:t>
-            </a:r>
-            <a:endParaRPr lang="en-US" altLang="ko-KR" dirty="0"/>
-          </a:p>
-          <a:p>
-            <a:pPr marL="514350" indent="-514350">
-              <a:buAutoNum type="arabicPeriod"/>
-            </a:pPr>
-            <a:r>
-              <a:rPr lang="ko-KR" altLang="en-US" dirty="0"/>
-              <a:t>맞춤형 일상 대화</a:t>
-            </a:r>
-            <a:endParaRPr lang="en-US" altLang="ko-KR" dirty="0"/>
-          </a:p>
-        </p:txBody>
-      </p:sp>
+      <p:pic>
+        <p:nvPicPr>
+          <p:cNvPr id="1026" name="Picture 2" descr="무료로 다운로드 가능한 행복한 친구들 벡터 &amp; 일러스트 | Freepik">
+            <a:extLst>
+              <a:ext uri="{FF2B5EF4-FFF2-40B4-BE49-F238E27FC236}">
+                <a16:creationId xmlns:a16="http://schemas.microsoft.com/office/drawing/2014/main" id="{140B6AF4-ACC0-4CB6-96ED-3441699B6B4A}"/>
+              </a:ext>
+            </a:extLst>
+          </p:cNvPr>
+          <p:cNvPicPr>
+            <a:picLocks noChangeAspect="1" noChangeArrowheads="1"/>
+          </p:cNvPicPr>
+          <p:nvPr/>
+        </p:nvPicPr>
+        <p:blipFill>
+          <a:blip r:embed="rId2">
+            <a:extLst>
+              <a:ext uri="{28A0092B-C50C-407E-A947-70E740481C1C}">
+                <a14:useLocalDpi xmlns:a14="http://schemas.microsoft.com/office/drawing/2010/main" val="0"/>
+              </a:ext>
+            </a:extLst>
+          </a:blip>
+          <a:srcRect/>
+          <a:stretch>
+            <a:fillRect/>
+          </a:stretch>
+        </p:blipFill>
+        <p:spPr bwMode="auto">
+          <a:xfrm>
+            <a:off x="4090940" y="2458150"/>
+            <a:ext cx="3733357" cy="3733357"/>
+          </a:xfrm>
+          <a:prstGeom prst="rect">
+            <a:avLst/>
+          </a:prstGeom>
+          <a:noFill/>
+          <a:extLst>
+            <a:ext uri="{909E8E84-426E-40DD-AFC4-6F175D3DCCD1}">
+              <a14:hiddenFill xmlns:a14="http://schemas.microsoft.com/office/drawing/2010/main">
+                <a:solidFill>
+                  <a:srgbClr val="FFFFFF"/>
+                </a:solidFill>
+              </a14:hiddenFill>
+            </a:ext>
+          </a:extLst>
+        </p:spPr>
+      </p:pic>
+      <p:grpSp>
+        <p:nvGrpSpPr>
+          <p:cNvPr id="9" name="그룹 8">
+            <a:extLst>
+              <a:ext uri="{FF2B5EF4-FFF2-40B4-BE49-F238E27FC236}">
+                <a16:creationId xmlns:a16="http://schemas.microsoft.com/office/drawing/2014/main" id="{2F1561B2-DF62-43A3-B743-B5E17ED1A464}"/>
+              </a:ext>
+            </a:extLst>
+          </p:cNvPr>
+          <p:cNvGrpSpPr/>
+          <p:nvPr/>
+        </p:nvGrpSpPr>
+        <p:grpSpPr>
+          <a:xfrm>
+            <a:off x="5247326" y="365125"/>
+            <a:ext cx="1420582" cy="1820774"/>
+            <a:chOff x="3322802" y="1591532"/>
+            <a:chExt cx="1420582" cy="1820774"/>
+          </a:xfrm>
+        </p:grpSpPr>
+        <p:pic>
+          <p:nvPicPr>
+            <p:cNvPr id="1032" name="Picture 8" descr="말풍선 - 무료 멀티미디어개 아이콘">
+              <a:extLst>
+                <a:ext uri="{FF2B5EF4-FFF2-40B4-BE49-F238E27FC236}">
+                  <a16:creationId xmlns:a16="http://schemas.microsoft.com/office/drawing/2014/main" id="{D0AE70D6-7C04-4D98-9529-AF3E3165586A}"/>
+                </a:ext>
+              </a:extLst>
+            </p:cNvPr>
+            <p:cNvPicPr>
+              <a:picLocks noChangeAspect="1" noChangeArrowheads="1"/>
+            </p:cNvPicPr>
+            <p:nvPr/>
+          </p:nvPicPr>
+          <p:blipFill>
+            <a:blip r:embed="rId3" cstate="print">
+              <a:extLst>
+                <a:ext uri="{28A0092B-C50C-407E-A947-70E740481C1C}">
+                  <a14:useLocalDpi xmlns:a14="http://schemas.microsoft.com/office/drawing/2010/main" val="0"/>
+                </a:ext>
+              </a:extLst>
+            </a:blip>
+            <a:srcRect/>
+            <a:stretch>
+              <a:fillRect/>
+            </a:stretch>
+          </p:blipFill>
+          <p:spPr bwMode="auto">
+            <a:xfrm>
+              <a:off x="3368734" y="1591532"/>
+              <a:ext cx="1374650" cy="1374650"/>
+            </a:xfrm>
+            <a:prstGeom prst="rect">
+              <a:avLst/>
+            </a:prstGeom>
+            <a:noFill/>
+            <a:extLst>
+              <a:ext uri="{909E8E84-426E-40DD-AFC4-6F175D3DCCD1}">
+                <a14:hiddenFill xmlns:a14="http://schemas.microsoft.com/office/drawing/2010/main">
+                  <a:solidFill>
+                    <a:srgbClr val="FFFFFF"/>
+                  </a:solidFill>
+                </a14:hiddenFill>
+              </a:ext>
+            </a:extLst>
+          </p:spPr>
+        </p:pic>
+        <p:sp>
+          <p:nvSpPr>
+            <p:cNvPr id="6" name="TextBox 5">
+              <a:extLst>
+                <a:ext uri="{FF2B5EF4-FFF2-40B4-BE49-F238E27FC236}">
+                  <a16:creationId xmlns:a16="http://schemas.microsoft.com/office/drawing/2014/main" id="{D73174FF-2364-4C98-8080-BF432C5D3EBA}"/>
+                </a:ext>
+              </a:extLst>
+            </p:cNvPr>
+            <p:cNvSpPr txBox="1"/>
+            <p:nvPr/>
+          </p:nvSpPr>
+          <p:spPr>
+            <a:xfrm>
+              <a:off x="3322802" y="3042974"/>
+              <a:ext cx="1420582" cy="369332"/>
+            </a:xfrm>
+            <a:prstGeom prst="rect">
+              <a:avLst/>
+            </a:prstGeom>
+            <a:noFill/>
+          </p:spPr>
+          <p:txBody>
+            <a:bodyPr wrap="none" rtlCol="0">
+              <a:spAutoFit/>
+            </a:bodyPr>
+            <a:lstStyle/>
+            <a:p>
+              <a:r>
+                <a:rPr lang="ko-KR" altLang="en-US" b="1" dirty="0"/>
+                <a:t>맞춤형 대화</a:t>
+              </a:r>
+            </a:p>
+          </p:txBody>
+        </p:sp>
+      </p:grpSp>
+      <p:grpSp>
+        <p:nvGrpSpPr>
+          <p:cNvPr id="8" name="그룹 7">
+            <a:extLst>
+              <a:ext uri="{FF2B5EF4-FFF2-40B4-BE49-F238E27FC236}">
+                <a16:creationId xmlns:a16="http://schemas.microsoft.com/office/drawing/2014/main" id="{96992C74-2795-4E15-8230-418FE66A878C}"/>
+              </a:ext>
+            </a:extLst>
+          </p:cNvPr>
+          <p:cNvGrpSpPr/>
+          <p:nvPr/>
+        </p:nvGrpSpPr>
+        <p:grpSpPr>
+          <a:xfrm>
+            <a:off x="1358145" y="3578383"/>
+            <a:ext cx="1374650" cy="1716267"/>
+            <a:chOff x="5692149" y="1027906"/>
+            <a:chExt cx="1374650" cy="1716267"/>
+          </a:xfrm>
+        </p:grpSpPr>
+        <p:pic>
+          <p:nvPicPr>
+            <p:cNvPr id="1028" name="Picture 4" descr="일정 - 무료 시간과 날짜개 아이콘">
+              <a:extLst>
+                <a:ext uri="{FF2B5EF4-FFF2-40B4-BE49-F238E27FC236}">
+                  <a16:creationId xmlns:a16="http://schemas.microsoft.com/office/drawing/2014/main" id="{E40755EE-D87E-4F2A-92CD-B90B7431A02C}"/>
+                </a:ext>
+              </a:extLst>
+            </p:cNvPr>
+            <p:cNvPicPr>
+              <a:picLocks noChangeAspect="1" noChangeArrowheads="1"/>
+            </p:cNvPicPr>
+            <p:nvPr/>
+          </p:nvPicPr>
+          <p:blipFill>
+            <a:blip r:embed="rId4" cstate="print">
+              <a:extLst>
+                <a:ext uri="{28A0092B-C50C-407E-A947-70E740481C1C}">
+                  <a14:useLocalDpi xmlns:a14="http://schemas.microsoft.com/office/drawing/2010/main" val="0"/>
+                </a:ext>
+              </a:extLst>
+            </a:blip>
+            <a:srcRect/>
+            <a:stretch>
+              <a:fillRect/>
+            </a:stretch>
+          </p:blipFill>
+          <p:spPr bwMode="auto">
+            <a:xfrm>
+              <a:off x="5692149" y="1027906"/>
+              <a:ext cx="1374650" cy="1374650"/>
+            </a:xfrm>
+            <a:prstGeom prst="rect">
+              <a:avLst/>
+            </a:prstGeom>
+            <a:noFill/>
+            <a:extLst>
+              <a:ext uri="{909E8E84-426E-40DD-AFC4-6F175D3DCCD1}">
+                <a14:hiddenFill xmlns:a14="http://schemas.microsoft.com/office/drawing/2010/main">
+                  <a:solidFill>
+                    <a:srgbClr val="FFFFFF"/>
+                  </a:solidFill>
+                </a14:hiddenFill>
+              </a:ext>
+            </a:extLst>
+          </p:spPr>
+        </p:pic>
+        <p:sp>
+          <p:nvSpPr>
+            <p:cNvPr id="11" name="TextBox 10">
+              <a:extLst>
+                <a:ext uri="{FF2B5EF4-FFF2-40B4-BE49-F238E27FC236}">
+                  <a16:creationId xmlns:a16="http://schemas.microsoft.com/office/drawing/2014/main" id="{363841A8-C431-4C37-A99E-29F26FF521C5}"/>
+                </a:ext>
+              </a:extLst>
+            </p:cNvPr>
+            <p:cNvSpPr txBox="1"/>
+            <p:nvPr/>
+          </p:nvSpPr>
+          <p:spPr>
+            <a:xfrm>
+              <a:off x="5692149" y="2374841"/>
+              <a:ext cx="1189749" cy="369332"/>
+            </a:xfrm>
+            <a:prstGeom prst="rect">
+              <a:avLst/>
+            </a:prstGeom>
+            <a:noFill/>
+          </p:spPr>
+          <p:txBody>
+            <a:bodyPr wrap="none" rtlCol="0">
+              <a:spAutoFit/>
+            </a:bodyPr>
+            <a:lstStyle/>
+            <a:p>
+              <a:r>
+                <a:rPr lang="ko-KR" altLang="en-US" b="1" dirty="0"/>
+                <a:t>일정 관리</a:t>
+              </a:r>
+            </a:p>
+          </p:txBody>
+        </p:sp>
+      </p:grpSp>
+      <p:grpSp>
+        <p:nvGrpSpPr>
+          <p:cNvPr id="7" name="그룹 6">
+            <a:extLst>
+              <a:ext uri="{FF2B5EF4-FFF2-40B4-BE49-F238E27FC236}">
+                <a16:creationId xmlns:a16="http://schemas.microsoft.com/office/drawing/2014/main" id="{BCFE59BB-5D5C-41E7-80DC-7755C51D88C7}"/>
+              </a:ext>
+            </a:extLst>
+          </p:cNvPr>
+          <p:cNvGrpSpPr/>
+          <p:nvPr/>
+        </p:nvGrpSpPr>
+        <p:grpSpPr>
+          <a:xfrm>
+            <a:off x="9182442" y="3429000"/>
+            <a:ext cx="1651414" cy="1794557"/>
+            <a:chOff x="7312442" y="1003363"/>
+            <a:chExt cx="1651414" cy="1794557"/>
+          </a:xfrm>
+        </p:grpSpPr>
+        <p:pic>
+          <p:nvPicPr>
+            <p:cNvPr id="1030" name="Picture 6" descr="아카이브 - 무료 교육개 아이콘">
+              <a:extLst>
+                <a:ext uri="{FF2B5EF4-FFF2-40B4-BE49-F238E27FC236}">
+                  <a16:creationId xmlns:a16="http://schemas.microsoft.com/office/drawing/2014/main" id="{BEC1189C-80AA-4DE5-B58F-44F356FDC7EC}"/>
+                </a:ext>
+              </a:extLst>
+            </p:cNvPr>
+            <p:cNvPicPr>
+              <a:picLocks noChangeAspect="1" noChangeArrowheads="1"/>
+            </p:cNvPicPr>
+            <p:nvPr/>
+          </p:nvPicPr>
+          <p:blipFill>
+            <a:blip r:embed="rId5" cstate="print">
+              <a:extLst>
+                <a:ext uri="{28A0092B-C50C-407E-A947-70E740481C1C}">
+                  <a14:useLocalDpi xmlns:a14="http://schemas.microsoft.com/office/drawing/2010/main" val="0"/>
+                </a:ext>
+              </a:extLst>
+            </a:blip>
+            <a:srcRect/>
+            <a:stretch>
+              <a:fillRect/>
+            </a:stretch>
+          </p:blipFill>
+          <p:spPr bwMode="auto">
+            <a:xfrm>
+              <a:off x="7450824" y="1003363"/>
+              <a:ext cx="1374650" cy="1374650"/>
+            </a:xfrm>
+            <a:prstGeom prst="rect">
+              <a:avLst/>
+            </a:prstGeom>
+            <a:noFill/>
+            <a:extLst>
+              <a:ext uri="{909E8E84-426E-40DD-AFC4-6F175D3DCCD1}">
+                <a14:hiddenFill xmlns:a14="http://schemas.microsoft.com/office/drawing/2010/main">
+                  <a:solidFill>
+                    <a:srgbClr val="FFFFFF"/>
+                  </a:solidFill>
+                </a14:hiddenFill>
+              </a:ext>
+            </a:extLst>
+          </p:spPr>
+        </p:pic>
+        <p:sp>
+          <p:nvSpPr>
+            <p:cNvPr id="12" name="TextBox 11">
+              <a:extLst>
+                <a:ext uri="{FF2B5EF4-FFF2-40B4-BE49-F238E27FC236}">
+                  <a16:creationId xmlns:a16="http://schemas.microsoft.com/office/drawing/2014/main" id="{4DEA84F5-1BEC-47AC-A000-4C4366B32CDE}"/>
+                </a:ext>
+              </a:extLst>
+            </p:cNvPr>
+            <p:cNvSpPr txBox="1"/>
+            <p:nvPr/>
+          </p:nvSpPr>
+          <p:spPr>
+            <a:xfrm>
+              <a:off x="7312442" y="2428588"/>
+              <a:ext cx="1651414" cy="369332"/>
+            </a:xfrm>
+            <a:prstGeom prst="rect">
+              <a:avLst/>
+            </a:prstGeom>
+            <a:noFill/>
+          </p:spPr>
+          <p:txBody>
+            <a:bodyPr wrap="none" rtlCol="0">
+              <a:spAutoFit/>
+            </a:bodyPr>
+            <a:lstStyle/>
+            <a:p>
+              <a:r>
+                <a:rPr lang="ko-KR" altLang="en-US" b="1" dirty="0"/>
+                <a:t>개인 아카이브</a:t>
+              </a:r>
+            </a:p>
+          </p:txBody>
+        </p:sp>
+      </p:grpSp>
     </p:spTree>
     <p:extLst>
       <p:ext uri="{BB962C8B-B14F-4D97-AF65-F5344CB8AC3E}">
@@ -4676,10 +5126,9 @@
             <a:p>
               <a:pPr algn="ctr"/>
               <a:r>
-                <a:rPr lang="ko-KR" altLang="en-US"/>
+                <a:rPr lang="ko-KR" altLang="en-US" dirty="0"/>
                 <a:t>캘린더</a:t>
               </a:r>
-              <a:endParaRPr lang="ko-KR" altLang="en-US" dirty="0"/>
             </a:p>
           </p:txBody>
         </p:sp>
@@ -4805,15 +5254,15 @@
         </p:spPr>
         <p:style>
           <a:lnRef idx="2">
-            <a:schemeClr val="accent4">
+            <a:schemeClr val="accent3">
               <a:shade val="50000"/>
             </a:schemeClr>
           </a:lnRef>
           <a:fillRef idx="1">
-            <a:schemeClr val="accent4"/>
+            <a:schemeClr val="accent3"/>
           </a:fillRef>
           <a:effectRef idx="0">
-            <a:schemeClr val="accent4"/>
+            <a:schemeClr val="accent3"/>
           </a:effectRef>
           <a:fontRef idx="minor">
             <a:schemeClr val="lt1"/>
@@ -4960,7 +5409,7 @@
               <a:pPr algn="ctr"/>
               <a:r>
                 <a:rPr lang="ko-KR" altLang="en-US" dirty="0"/>
-                <a:t>활동 예측</a:t>
+                <a:t>활동 분석</a:t>
               </a:r>
             </a:p>
           </p:txBody>
@@ -5009,7 +5458,7 @@
               <a:pPr algn="ctr"/>
               <a:r>
                 <a:rPr lang="ko-KR" altLang="en-US" dirty="0"/>
-                <a:t>감정 예측</a:t>
+                <a:t>감정 분석</a:t>
               </a:r>
             </a:p>
           </p:txBody>
@@ -5058,7 +5507,7 @@
               <a:pPr algn="ctr"/>
               <a:r>
                 <a:rPr lang="ko-KR" altLang="en-US" dirty="0"/>
-                <a:t>관심사 예측</a:t>
+                <a:t>관심사 분석</a:t>
               </a:r>
             </a:p>
           </p:txBody>
@@ -5325,7 +5774,7 @@
           <a:blip r:embed="rId2" cstate="print">
             <a:duotone>
               <a:prstClr val="black"/>
-              <a:schemeClr val="accent5">
+              <a:schemeClr val="accent1">
                 <a:tint val="45000"/>
                 <a:satMod val="400000"/>
               </a:schemeClr>
@@ -5379,7 +5828,7 @@
           <a:blip r:embed="rId2" cstate="print">
             <a:duotone>
               <a:prstClr val="black"/>
-              <a:schemeClr val="accent1">
+              <a:schemeClr val="accent5">
                 <a:tint val="45000"/>
                 <a:satMod val="400000"/>
               </a:schemeClr>
@@ -6308,6 +6757,2215 @@
     <p:extLst>
       <p:ext uri="{BB962C8B-B14F-4D97-AF65-F5344CB8AC3E}">
         <p14:creationId xmlns:p14="http://schemas.microsoft.com/office/powerpoint/2010/main" val="1670568752"/>
+      </p:ext>
+    </p:extLst>
+  </p:cSld>
+  <p:clrMapOvr>
+    <a:masterClrMapping/>
+  </p:clrMapOvr>
+</p:sld>
+</file>
+
+<file path=ppt/slides/slide6.xml><?xml version="1.0" encoding="utf-8"?>
+<p:sld xmlns:a="http://schemas.openxmlformats.org/drawingml/2006/main" xmlns:r="http://schemas.openxmlformats.org/officeDocument/2006/relationships" xmlns:p="http://schemas.openxmlformats.org/presentationml/2006/main">
+  <p:cSld>
+    <p:spTree>
+      <p:nvGrpSpPr>
+        <p:cNvPr id="1" name=""/>
+        <p:cNvGrpSpPr/>
+        <p:nvPr/>
+      </p:nvGrpSpPr>
+      <p:grpSpPr>
+        <a:xfrm>
+          <a:off x="0" y="0"/>
+          <a:ext cx="0" cy="0"/>
+          <a:chOff x="0" y="0"/>
+          <a:chExt cx="0" cy="0"/>
+        </a:xfrm>
+      </p:grpSpPr>
+      <p:sp>
+        <p:nvSpPr>
+          <p:cNvPr id="2" name="제목 1">
+            <a:extLst>
+              <a:ext uri="{FF2B5EF4-FFF2-40B4-BE49-F238E27FC236}">
+                <a16:creationId xmlns:a16="http://schemas.microsoft.com/office/drawing/2014/main" id="{741068D5-C5CA-4966-8B79-7148E4784F27}"/>
+              </a:ext>
+            </a:extLst>
+          </p:cNvPr>
+          <p:cNvSpPr>
+            <a:spLocks noGrp="1"/>
+          </p:cNvSpPr>
+          <p:nvPr>
+            <p:ph type="title"/>
+          </p:nvPr>
+        </p:nvSpPr>
+        <p:spPr/>
+        <p:txBody>
+          <a:bodyPr/>
+          <a:lstStyle/>
+          <a:p>
+            <a:r>
+              <a:rPr lang="en-US" altLang="ko-KR" dirty="0"/>
+              <a:t>1. </a:t>
+            </a:r>
+            <a:r>
+              <a:rPr lang="ko-KR" altLang="en-US" dirty="0"/>
+              <a:t>일정 관리</a:t>
+            </a:r>
+          </a:p>
+        </p:txBody>
+      </p:sp>
+      <p:sp>
+        <p:nvSpPr>
+          <p:cNvPr id="3" name="내용 개체 틀 2">
+            <a:extLst>
+              <a:ext uri="{FF2B5EF4-FFF2-40B4-BE49-F238E27FC236}">
+                <a16:creationId xmlns:a16="http://schemas.microsoft.com/office/drawing/2014/main" id="{268EBCE7-6EDC-4FEB-812E-FF7D8D9B6ED0}"/>
+              </a:ext>
+            </a:extLst>
+          </p:cNvPr>
+          <p:cNvSpPr>
+            <a:spLocks noGrp="1"/>
+          </p:cNvSpPr>
+          <p:nvPr>
+            <p:ph idx="1"/>
+          </p:nvPr>
+        </p:nvSpPr>
+        <p:spPr/>
+        <p:txBody>
+          <a:bodyPr/>
+          <a:lstStyle/>
+          <a:p>
+            <a:r>
+              <a:rPr lang="ko-KR" altLang="en-US" dirty="0"/>
+              <a:t>사용자 요청 시 일정 저장</a:t>
+            </a:r>
+            <a:endParaRPr lang="en-US" altLang="ko-KR" dirty="0"/>
+          </a:p>
+          <a:p>
+            <a:endParaRPr lang="en-US" altLang="ko-KR" dirty="0"/>
+          </a:p>
+          <a:p>
+            <a:pPr marL="514350" indent="-514350">
+              <a:buAutoNum type="arabicParenR"/>
+            </a:pPr>
+            <a:r>
+              <a:rPr lang="ko-KR" altLang="en-US" dirty="0"/>
+              <a:t>일정 직전에 리마인드</a:t>
+            </a:r>
+            <a:endParaRPr lang="en-US" altLang="ko-KR" dirty="0"/>
+          </a:p>
+          <a:p>
+            <a:pPr marL="514350" indent="-514350">
+              <a:buAutoNum type="arabicParenR"/>
+            </a:pPr>
+            <a:r>
+              <a:rPr lang="ko-KR" altLang="en-US" dirty="0"/>
+              <a:t>웹 페이지에서 일정 </a:t>
+            </a:r>
+            <a:r>
+              <a:rPr lang="en-US" altLang="ko-KR" dirty="0"/>
+              <a:t>“</a:t>
+            </a:r>
+            <a:r>
+              <a:rPr lang="ko-KR" altLang="en-US" dirty="0"/>
+              <a:t>확인</a:t>
+            </a:r>
+            <a:r>
+              <a:rPr lang="en-US" altLang="ko-KR" dirty="0"/>
+              <a:t>/</a:t>
+            </a:r>
+            <a:r>
+              <a:rPr lang="ko-KR" altLang="en-US" dirty="0"/>
+              <a:t>추가</a:t>
+            </a:r>
+            <a:r>
+              <a:rPr lang="en-US" altLang="ko-KR" dirty="0"/>
+              <a:t>/</a:t>
+            </a:r>
+            <a:r>
+              <a:rPr lang="ko-KR" altLang="en-US" dirty="0"/>
+              <a:t>수정</a:t>
+            </a:r>
+            <a:r>
+              <a:rPr lang="en-US" altLang="ko-KR" dirty="0"/>
+              <a:t>/</a:t>
+            </a:r>
+            <a:r>
+              <a:rPr lang="ko-KR" altLang="en-US" dirty="0"/>
+              <a:t>삭제</a:t>
+            </a:r>
+            <a:r>
+              <a:rPr lang="en-US" altLang="ko-KR" dirty="0"/>
+              <a:t>”</a:t>
+            </a:r>
+            <a:endParaRPr lang="ko-KR" altLang="en-US" dirty="0"/>
+          </a:p>
+        </p:txBody>
+      </p:sp>
+      <p:sp>
+        <p:nvSpPr>
+          <p:cNvPr id="4" name="직사각형 3">
+            <a:extLst>
+              <a:ext uri="{FF2B5EF4-FFF2-40B4-BE49-F238E27FC236}">
+                <a16:creationId xmlns:a16="http://schemas.microsoft.com/office/drawing/2014/main" id="{B741C4E7-D34D-4670-A6A2-CD995BE5366F}"/>
+              </a:ext>
+            </a:extLst>
+          </p:cNvPr>
+          <p:cNvSpPr/>
+          <p:nvPr/>
+        </p:nvSpPr>
+        <p:spPr>
+          <a:xfrm>
+            <a:off x="10550183" y="365130"/>
+            <a:ext cx="1269110" cy="658328"/>
+          </a:xfrm>
+          <a:prstGeom prst="rect">
+            <a:avLst/>
+          </a:prstGeom>
+        </p:spPr>
+        <p:style>
+          <a:lnRef idx="2">
+            <a:schemeClr val="accent2">
+              <a:shade val="50000"/>
+            </a:schemeClr>
+          </a:lnRef>
+          <a:fillRef idx="1">
+            <a:schemeClr val="accent2"/>
+          </a:fillRef>
+          <a:effectRef idx="0">
+            <a:schemeClr val="accent2"/>
+          </a:effectRef>
+          <a:fontRef idx="minor">
+            <a:schemeClr val="lt1"/>
+          </a:fontRef>
+        </p:style>
+        <p:txBody>
+          <a:bodyPr rtlCol="0" anchor="ctr"/>
+          <a:lstStyle/>
+          <a:p>
+            <a:pPr algn="ctr"/>
+            <a:r>
+              <a:rPr lang="ko-KR" altLang="en-US" dirty="0"/>
+              <a:t>캘린더</a:t>
+            </a:r>
+          </a:p>
+        </p:txBody>
+      </p:sp>
+      <p:grpSp>
+        <p:nvGrpSpPr>
+          <p:cNvPr id="7" name="그룹 6">
+            <a:extLst>
+              <a:ext uri="{FF2B5EF4-FFF2-40B4-BE49-F238E27FC236}">
+                <a16:creationId xmlns:a16="http://schemas.microsoft.com/office/drawing/2014/main" id="{A6150540-3041-4ED4-86AB-50A43EB192C8}"/>
+              </a:ext>
+            </a:extLst>
+          </p:cNvPr>
+          <p:cNvGrpSpPr/>
+          <p:nvPr/>
+        </p:nvGrpSpPr>
+        <p:grpSpPr>
+          <a:xfrm>
+            <a:off x="9810088" y="4460696"/>
+            <a:ext cx="1374650" cy="1716267"/>
+            <a:chOff x="5692149" y="1027906"/>
+            <a:chExt cx="1374650" cy="1716267"/>
+          </a:xfrm>
+        </p:grpSpPr>
+        <p:pic>
+          <p:nvPicPr>
+            <p:cNvPr id="8" name="Picture 4" descr="일정 - 무료 시간과 날짜개 아이콘">
+              <a:extLst>
+                <a:ext uri="{FF2B5EF4-FFF2-40B4-BE49-F238E27FC236}">
+                  <a16:creationId xmlns:a16="http://schemas.microsoft.com/office/drawing/2014/main" id="{CC9BFC31-4E62-4E03-9A49-998404870D15}"/>
+                </a:ext>
+              </a:extLst>
+            </p:cNvPr>
+            <p:cNvPicPr>
+              <a:picLocks noChangeAspect="1" noChangeArrowheads="1"/>
+            </p:cNvPicPr>
+            <p:nvPr/>
+          </p:nvPicPr>
+          <p:blipFill>
+            <a:blip r:embed="rId2" cstate="print">
+              <a:extLst>
+                <a:ext uri="{28A0092B-C50C-407E-A947-70E740481C1C}">
+                  <a14:useLocalDpi xmlns:a14="http://schemas.microsoft.com/office/drawing/2010/main" val="0"/>
+                </a:ext>
+              </a:extLst>
+            </a:blip>
+            <a:srcRect/>
+            <a:stretch>
+              <a:fillRect/>
+            </a:stretch>
+          </p:blipFill>
+          <p:spPr bwMode="auto">
+            <a:xfrm>
+              <a:off x="5692149" y="1027906"/>
+              <a:ext cx="1374650" cy="1374650"/>
+            </a:xfrm>
+            <a:prstGeom prst="rect">
+              <a:avLst/>
+            </a:prstGeom>
+            <a:noFill/>
+            <a:extLst>
+              <a:ext uri="{909E8E84-426E-40DD-AFC4-6F175D3DCCD1}">
+                <a14:hiddenFill xmlns:a14="http://schemas.microsoft.com/office/drawing/2010/main">
+                  <a:solidFill>
+                    <a:srgbClr val="FFFFFF"/>
+                  </a:solidFill>
+                </a14:hiddenFill>
+              </a:ext>
+            </a:extLst>
+          </p:spPr>
+        </p:pic>
+        <p:sp>
+          <p:nvSpPr>
+            <p:cNvPr id="9" name="TextBox 8">
+              <a:extLst>
+                <a:ext uri="{FF2B5EF4-FFF2-40B4-BE49-F238E27FC236}">
+                  <a16:creationId xmlns:a16="http://schemas.microsoft.com/office/drawing/2014/main" id="{77CB5B1E-FB66-403C-AE26-A69869E342A6}"/>
+                </a:ext>
+              </a:extLst>
+            </p:cNvPr>
+            <p:cNvSpPr txBox="1"/>
+            <p:nvPr/>
+          </p:nvSpPr>
+          <p:spPr>
+            <a:xfrm>
+              <a:off x="5692149" y="2374841"/>
+              <a:ext cx="1189749" cy="369332"/>
+            </a:xfrm>
+            <a:prstGeom prst="rect">
+              <a:avLst/>
+            </a:prstGeom>
+            <a:noFill/>
+          </p:spPr>
+          <p:txBody>
+            <a:bodyPr wrap="none" rtlCol="0">
+              <a:spAutoFit/>
+            </a:bodyPr>
+            <a:lstStyle/>
+            <a:p>
+              <a:r>
+                <a:rPr lang="ko-KR" altLang="en-US" b="1" dirty="0"/>
+                <a:t>일정 관리</a:t>
+              </a:r>
+            </a:p>
+          </p:txBody>
+        </p:sp>
+      </p:grpSp>
+    </p:spTree>
+    <p:extLst>
+      <p:ext uri="{BB962C8B-B14F-4D97-AF65-F5344CB8AC3E}">
+        <p14:creationId xmlns:p14="http://schemas.microsoft.com/office/powerpoint/2010/main" val="3307331757"/>
+      </p:ext>
+    </p:extLst>
+  </p:cSld>
+  <p:clrMapOvr>
+    <a:masterClrMapping/>
+  </p:clrMapOvr>
+</p:sld>
+</file>
+
+<file path=ppt/slides/slide7.xml><?xml version="1.0" encoding="utf-8"?>
+<p:sld xmlns:a="http://schemas.openxmlformats.org/drawingml/2006/main" xmlns:r="http://schemas.openxmlformats.org/officeDocument/2006/relationships" xmlns:p="http://schemas.openxmlformats.org/presentationml/2006/main">
+  <p:cSld>
+    <p:spTree>
+      <p:nvGrpSpPr>
+        <p:cNvPr id="1" name=""/>
+        <p:cNvGrpSpPr/>
+        <p:nvPr/>
+      </p:nvGrpSpPr>
+      <p:grpSpPr>
+        <a:xfrm>
+          <a:off x="0" y="0"/>
+          <a:ext cx="0" cy="0"/>
+          <a:chOff x="0" y="0"/>
+          <a:chExt cx="0" cy="0"/>
+        </a:xfrm>
+      </p:grpSpPr>
+      <p:sp>
+        <p:nvSpPr>
+          <p:cNvPr id="5" name="직사각형 4">
+            <a:extLst>
+              <a:ext uri="{FF2B5EF4-FFF2-40B4-BE49-F238E27FC236}">
+                <a16:creationId xmlns:a16="http://schemas.microsoft.com/office/drawing/2014/main" id="{CD134F95-BD73-407F-A158-AD8E6AC591E7}"/>
+              </a:ext>
+            </a:extLst>
+          </p:cNvPr>
+          <p:cNvSpPr/>
+          <p:nvPr/>
+        </p:nvSpPr>
+        <p:spPr>
+          <a:xfrm>
+            <a:off x="10550183" y="365128"/>
+            <a:ext cx="1269110" cy="658330"/>
+          </a:xfrm>
+          <a:prstGeom prst="rect">
+            <a:avLst/>
+          </a:prstGeom>
+        </p:spPr>
+        <p:style>
+          <a:lnRef idx="2">
+            <a:schemeClr val="accent1">
+              <a:shade val="50000"/>
+            </a:schemeClr>
+          </a:lnRef>
+          <a:fillRef idx="1">
+            <a:schemeClr val="accent1"/>
+          </a:fillRef>
+          <a:effectRef idx="0">
+            <a:schemeClr val="accent1"/>
+          </a:effectRef>
+          <a:fontRef idx="minor">
+            <a:schemeClr val="lt1"/>
+          </a:fontRef>
+        </p:style>
+        <p:txBody>
+          <a:bodyPr rtlCol="0" anchor="ctr"/>
+          <a:lstStyle/>
+          <a:p>
+            <a:pPr algn="ctr"/>
+            <a:r>
+              <a:rPr lang="ko-KR" altLang="en-US" dirty="0"/>
+              <a:t>아카이브</a:t>
+            </a:r>
+          </a:p>
+        </p:txBody>
+      </p:sp>
+      <p:sp>
+        <p:nvSpPr>
+          <p:cNvPr id="2" name="제목 1">
+            <a:extLst>
+              <a:ext uri="{FF2B5EF4-FFF2-40B4-BE49-F238E27FC236}">
+                <a16:creationId xmlns:a16="http://schemas.microsoft.com/office/drawing/2014/main" id="{741068D5-C5CA-4966-8B79-7148E4784F27}"/>
+              </a:ext>
+            </a:extLst>
+          </p:cNvPr>
+          <p:cNvSpPr>
+            <a:spLocks noGrp="1"/>
+          </p:cNvSpPr>
+          <p:nvPr>
+            <p:ph type="title"/>
+          </p:nvPr>
+        </p:nvSpPr>
+        <p:spPr/>
+        <p:txBody>
+          <a:bodyPr/>
+          <a:lstStyle/>
+          <a:p>
+            <a:r>
+              <a:rPr lang="en-US" altLang="ko-KR" dirty="0"/>
+              <a:t>2. </a:t>
+            </a:r>
+            <a:r>
+              <a:rPr lang="ko-KR" altLang="en-US" dirty="0"/>
+              <a:t>개인 아카이브</a:t>
+            </a:r>
+          </a:p>
+        </p:txBody>
+      </p:sp>
+      <p:sp>
+        <p:nvSpPr>
+          <p:cNvPr id="3" name="내용 개체 틀 2">
+            <a:extLst>
+              <a:ext uri="{FF2B5EF4-FFF2-40B4-BE49-F238E27FC236}">
+                <a16:creationId xmlns:a16="http://schemas.microsoft.com/office/drawing/2014/main" id="{268EBCE7-6EDC-4FEB-812E-FF7D8D9B6ED0}"/>
+              </a:ext>
+            </a:extLst>
+          </p:cNvPr>
+          <p:cNvSpPr>
+            <a:spLocks noGrp="1"/>
+          </p:cNvSpPr>
+          <p:nvPr>
+            <p:ph idx="1"/>
+          </p:nvPr>
+        </p:nvSpPr>
+        <p:spPr/>
+        <p:txBody>
+          <a:bodyPr/>
+          <a:lstStyle/>
+          <a:p>
+            <a:r>
+              <a:rPr lang="ko-KR" altLang="en-US" dirty="0"/>
+              <a:t>사용자 요청 시 메모 저장</a:t>
+            </a:r>
+            <a:endParaRPr lang="en-US" altLang="ko-KR" dirty="0"/>
+          </a:p>
+          <a:p>
+            <a:endParaRPr lang="en-US" altLang="ko-KR" dirty="0"/>
+          </a:p>
+          <a:p>
+            <a:pPr marL="514350" indent="-514350">
+              <a:buAutoNum type="arabicParenR"/>
+            </a:pPr>
+            <a:r>
+              <a:rPr lang="ko-KR" altLang="en-US" dirty="0"/>
+              <a:t>질문 시</a:t>
+            </a:r>
+            <a:r>
+              <a:rPr lang="en-US" altLang="ko-KR" dirty="0"/>
+              <a:t>,</a:t>
+            </a:r>
+            <a:r>
+              <a:rPr lang="ko-KR" altLang="en-US" dirty="0"/>
+              <a:t> 아카이브 </a:t>
+            </a:r>
+            <a:r>
+              <a:rPr lang="en-US" altLang="ko-KR" dirty="0"/>
+              <a:t>RAG </a:t>
+            </a:r>
+            <a:r>
+              <a:rPr lang="ko-KR" altLang="en-US" dirty="0"/>
+              <a:t>우선 활용</a:t>
+            </a:r>
+            <a:endParaRPr lang="en-US" altLang="ko-KR" dirty="0"/>
+          </a:p>
+          <a:p>
+            <a:pPr marL="514350" indent="-514350">
+              <a:buAutoNum type="arabicParenR"/>
+            </a:pPr>
+            <a:r>
+              <a:rPr lang="ko-KR" altLang="en-US" dirty="0"/>
+              <a:t>웹 페이지에서 메모 </a:t>
+            </a:r>
+            <a:r>
+              <a:rPr lang="en-US" altLang="ko-KR" dirty="0"/>
+              <a:t>“</a:t>
+            </a:r>
+            <a:r>
+              <a:rPr lang="ko-KR" altLang="en-US" dirty="0"/>
+              <a:t>확인</a:t>
+            </a:r>
+            <a:r>
+              <a:rPr lang="en-US" altLang="ko-KR" dirty="0"/>
+              <a:t>/</a:t>
+            </a:r>
+            <a:r>
+              <a:rPr lang="ko-KR" altLang="en-US" dirty="0"/>
+              <a:t>추가</a:t>
+            </a:r>
+            <a:r>
+              <a:rPr lang="en-US" altLang="ko-KR" dirty="0"/>
+              <a:t>/</a:t>
+            </a:r>
+            <a:r>
+              <a:rPr lang="ko-KR" altLang="en-US" dirty="0"/>
+              <a:t>수정</a:t>
+            </a:r>
+            <a:r>
+              <a:rPr lang="en-US" altLang="ko-KR" dirty="0"/>
+              <a:t>/</a:t>
+            </a:r>
+            <a:r>
+              <a:rPr lang="ko-KR" altLang="en-US" dirty="0"/>
+              <a:t>삭제</a:t>
+            </a:r>
+            <a:r>
+              <a:rPr lang="en-US" altLang="ko-KR" dirty="0"/>
+              <a:t>”</a:t>
+            </a:r>
+            <a:endParaRPr lang="ko-KR" altLang="en-US" dirty="0"/>
+          </a:p>
+        </p:txBody>
+      </p:sp>
+      <p:grpSp>
+        <p:nvGrpSpPr>
+          <p:cNvPr id="7" name="그룹 6">
+            <a:extLst>
+              <a:ext uri="{FF2B5EF4-FFF2-40B4-BE49-F238E27FC236}">
+                <a16:creationId xmlns:a16="http://schemas.microsoft.com/office/drawing/2014/main" id="{DD3A9275-930B-40A4-8C0F-56F812CF58CA}"/>
+              </a:ext>
+            </a:extLst>
+          </p:cNvPr>
+          <p:cNvGrpSpPr/>
+          <p:nvPr/>
+        </p:nvGrpSpPr>
+        <p:grpSpPr>
+          <a:xfrm>
+            <a:off x="9702386" y="4382406"/>
+            <a:ext cx="1651414" cy="1794557"/>
+            <a:chOff x="7312442" y="1003363"/>
+            <a:chExt cx="1651414" cy="1794557"/>
+          </a:xfrm>
+        </p:grpSpPr>
+        <p:pic>
+          <p:nvPicPr>
+            <p:cNvPr id="8" name="Picture 6" descr="아카이브 - 무료 교육개 아이콘">
+              <a:extLst>
+                <a:ext uri="{FF2B5EF4-FFF2-40B4-BE49-F238E27FC236}">
+                  <a16:creationId xmlns:a16="http://schemas.microsoft.com/office/drawing/2014/main" id="{AA929EAD-6895-4BD6-AF9D-C875C7F3197A}"/>
+                </a:ext>
+              </a:extLst>
+            </p:cNvPr>
+            <p:cNvPicPr>
+              <a:picLocks noChangeAspect="1" noChangeArrowheads="1"/>
+            </p:cNvPicPr>
+            <p:nvPr/>
+          </p:nvPicPr>
+          <p:blipFill>
+            <a:blip r:embed="rId2" cstate="print">
+              <a:extLst>
+                <a:ext uri="{28A0092B-C50C-407E-A947-70E740481C1C}">
+                  <a14:useLocalDpi xmlns:a14="http://schemas.microsoft.com/office/drawing/2010/main" val="0"/>
+                </a:ext>
+              </a:extLst>
+            </a:blip>
+            <a:srcRect/>
+            <a:stretch>
+              <a:fillRect/>
+            </a:stretch>
+          </p:blipFill>
+          <p:spPr bwMode="auto">
+            <a:xfrm>
+              <a:off x="7450824" y="1003363"/>
+              <a:ext cx="1374650" cy="1374650"/>
+            </a:xfrm>
+            <a:prstGeom prst="rect">
+              <a:avLst/>
+            </a:prstGeom>
+            <a:noFill/>
+            <a:extLst>
+              <a:ext uri="{909E8E84-426E-40DD-AFC4-6F175D3DCCD1}">
+                <a14:hiddenFill xmlns:a14="http://schemas.microsoft.com/office/drawing/2010/main">
+                  <a:solidFill>
+                    <a:srgbClr val="FFFFFF"/>
+                  </a:solidFill>
+                </a14:hiddenFill>
+              </a:ext>
+            </a:extLst>
+          </p:spPr>
+        </p:pic>
+        <p:sp>
+          <p:nvSpPr>
+            <p:cNvPr id="9" name="TextBox 8">
+              <a:extLst>
+                <a:ext uri="{FF2B5EF4-FFF2-40B4-BE49-F238E27FC236}">
+                  <a16:creationId xmlns:a16="http://schemas.microsoft.com/office/drawing/2014/main" id="{0B78D061-4BF0-4EBF-B09F-8D1C12BB77F7}"/>
+                </a:ext>
+              </a:extLst>
+            </p:cNvPr>
+            <p:cNvSpPr txBox="1"/>
+            <p:nvPr/>
+          </p:nvSpPr>
+          <p:spPr>
+            <a:xfrm>
+              <a:off x="7312442" y="2428588"/>
+              <a:ext cx="1651414" cy="369332"/>
+            </a:xfrm>
+            <a:prstGeom prst="rect">
+              <a:avLst/>
+            </a:prstGeom>
+            <a:noFill/>
+          </p:spPr>
+          <p:txBody>
+            <a:bodyPr wrap="none" rtlCol="0">
+              <a:spAutoFit/>
+            </a:bodyPr>
+            <a:lstStyle/>
+            <a:p>
+              <a:r>
+                <a:rPr lang="ko-KR" altLang="en-US" b="1" dirty="0"/>
+                <a:t>개인 아카이브</a:t>
+              </a:r>
+            </a:p>
+          </p:txBody>
+        </p:sp>
+      </p:grpSp>
+    </p:spTree>
+    <p:extLst>
+      <p:ext uri="{BB962C8B-B14F-4D97-AF65-F5344CB8AC3E}">
+        <p14:creationId xmlns:p14="http://schemas.microsoft.com/office/powerpoint/2010/main" val="3528189297"/>
+      </p:ext>
+    </p:extLst>
+  </p:cSld>
+  <p:clrMapOvr>
+    <a:masterClrMapping/>
+  </p:clrMapOvr>
+</p:sld>
+</file>
+
+<file path=ppt/slides/slide8.xml><?xml version="1.0" encoding="utf-8"?>
+<p:sld xmlns:a="http://schemas.openxmlformats.org/drawingml/2006/main" xmlns:r="http://schemas.openxmlformats.org/officeDocument/2006/relationships" xmlns:p="http://schemas.openxmlformats.org/presentationml/2006/main">
+  <p:cSld>
+    <p:spTree>
+      <p:nvGrpSpPr>
+        <p:cNvPr id="1" name=""/>
+        <p:cNvGrpSpPr/>
+        <p:nvPr/>
+      </p:nvGrpSpPr>
+      <p:grpSpPr>
+        <a:xfrm>
+          <a:off x="0" y="0"/>
+          <a:ext cx="0" cy="0"/>
+          <a:chOff x="0" y="0"/>
+          <a:chExt cx="0" cy="0"/>
+        </a:xfrm>
+      </p:grpSpPr>
+      <p:sp>
+        <p:nvSpPr>
+          <p:cNvPr id="6" name="직사각형 5">
+            <a:extLst>
+              <a:ext uri="{FF2B5EF4-FFF2-40B4-BE49-F238E27FC236}">
+                <a16:creationId xmlns:a16="http://schemas.microsoft.com/office/drawing/2014/main" id="{F8CA7A92-91EA-4D8C-9D3E-89F685F99DD3}"/>
+              </a:ext>
+            </a:extLst>
+          </p:cNvPr>
+          <p:cNvSpPr/>
+          <p:nvPr/>
+        </p:nvSpPr>
+        <p:spPr>
+          <a:xfrm>
+            <a:off x="10550183" y="365125"/>
+            <a:ext cx="1269110" cy="658330"/>
+          </a:xfrm>
+          <a:prstGeom prst="rect">
+            <a:avLst/>
+          </a:prstGeom>
+        </p:spPr>
+        <p:style>
+          <a:lnRef idx="2">
+            <a:schemeClr val="accent6">
+              <a:shade val="50000"/>
+            </a:schemeClr>
+          </a:lnRef>
+          <a:fillRef idx="1">
+            <a:schemeClr val="accent6"/>
+          </a:fillRef>
+          <a:effectRef idx="0">
+            <a:schemeClr val="accent6"/>
+          </a:effectRef>
+          <a:fontRef idx="minor">
+            <a:schemeClr val="lt1"/>
+          </a:fontRef>
+        </p:style>
+        <p:txBody>
+          <a:bodyPr rtlCol="0" anchor="ctr"/>
+          <a:lstStyle/>
+          <a:p>
+            <a:pPr algn="ctr"/>
+            <a:r>
+              <a:rPr lang="ko-KR" altLang="en-US" dirty="0"/>
+              <a:t>일기장</a:t>
+            </a:r>
+          </a:p>
+        </p:txBody>
+      </p:sp>
+      <p:sp>
+        <p:nvSpPr>
+          <p:cNvPr id="2" name="제목 1">
+            <a:extLst>
+              <a:ext uri="{FF2B5EF4-FFF2-40B4-BE49-F238E27FC236}">
+                <a16:creationId xmlns:a16="http://schemas.microsoft.com/office/drawing/2014/main" id="{741068D5-C5CA-4966-8B79-7148E4784F27}"/>
+              </a:ext>
+            </a:extLst>
+          </p:cNvPr>
+          <p:cNvSpPr>
+            <a:spLocks noGrp="1"/>
+          </p:cNvSpPr>
+          <p:nvPr>
+            <p:ph type="title"/>
+          </p:nvPr>
+        </p:nvSpPr>
+        <p:spPr/>
+        <p:txBody>
+          <a:bodyPr/>
+          <a:lstStyle/>
+          <a:p>
+            <a:r>
+              <a:rPr lang="en-US" altLang="ko-KR" dirty="0"/>
+              <a:t>3. </a:t>
+            </a:r>
+            <a:r>
+              <a:rPr lang="ko-KR" altLang="en-US" dirty="0"/>
+              <a:t>맞춤형 대화</a:t>
+            </a:r>
+          </a:p>
+        </p:txBody>
+      </p:sp>
+      <p:sp>
+        <p:nvSpPr>
+          <p:cNvPr id="3" name="내용 개체 틀 2">
+            <a:extLst>
+              <a:ext uri="{FF2B5EF4-FFF2-40B4-BE49-F238E27FC236}">
+                <a16:creationId xmlns:a16="http://schemas.microsoft.com/office/drawing/2014/main" id="{268EBCE7-6EDC-4FEB-812E-FF7D8D9B6ED0}"/>
+              </a:ext>
+            </a:extLst>
+          </p:cNvPr>
+          <p:cNvSpPr>
+            <a:spLocks noGrp="1"/>
+          </p:cNvSpPr>
+          <p:nvPr>
+            <p:ph idx="1"/>
+          </p:nvPr>
+        </p:nvSpPr>
+        <p:spPr/>
+        <p:txBody>
+          <a:bodyPr/>
+          <a:lstStyle/>
+          <a:p>
+            <a:r>
+              <a:rPr lang="en-US" altLang="ko-KR" dirty="0"/>
+              <a:t>“</a:t>
+            </a:r>
+            <a:r>
+              <a:rPr lang="ko-KR" altLang="en-US" dirty="0"/>
+              <a:t>오늘 하루 어땠어</a:t>
+            </a:r>
+            <a:r>
+              <a:rPr lang="en-US" altLang="ko-KR" dirty="0"/>
+              <a:t>?” </a:t>
+            </a:r>
+            <a:r>
+              <a:rPr lang="ko-KR" altLang="en-US" dirty="0"/>
+              <a:t>질문 후 응답 저장</a:t>
+            </a:r>
+            <a:r>
+              <a:rPr lang="en-US" altLang="ko-KR" dirty="0"/>
+              <a:t> </a:t>
+            </a:r>
+          </a:p>
+          <a:p>
+            <a:endParaRPr lang="en-US" altLang="ko-KR" dirty="0"/>
+          </a:p>
+          <a:p>
+            <a:pPr marL="514350" indent="-514350">
+              <a:buAutoNum type="arabicParenR"/>
+            </a:pPr>
+            <a:r>
+              <a:rPr lang="ko-KR" altLang="en-US" dirty="0"/>
+              <a:t>고민 상담 요청 시</a:t>
+            </a:r>
+            <a:r>
+              <a:rPr lang="en-US" altLang="ko-KR" dirty="0"/>
+              <a:t>, </a:t>
+            </a:r>
+            <a:r>
+              <a:rPr lang="ko-KR" altLang="en-US" dirty="0"/>
+              <a:t>일기장 </a:t>
+            </a:r>
+            <a:r>
+              <a:rPr lang="en-US" altLang="ko-KR" dirty="0"/>
+              <a:t>RAG </a:t>
+            </a:r>
+            <a:r>
+              <a:rPr lang="ko-KR" altLang="en-US" dirty="0"/>
+              <a:t>우선 활용</a:t>
+            </a:r>
+            <a:endParaRPr lang="en-US" altLang="ko-KR" dirty="0"/>
+          </a:p>
+          <a:p>
+            <a:pPr marL="514350" indent="-514350">
+              <a:buAutoNum type="arabicParenR"/>
+            </a:pPr>
+            <a:r>
+              <a:rPr lang="ko-KR" altLang="en-US" dirty="0"/>
+              <a:t>웹 페이지에서 일기 </a:t>
+            </a:r>
+            <a:r>
+              <a:rPr lang="en-US" altLang="ko-KR" dirty="0"/>
+              <a:t>“</a:t>
+            </a:r>
+            <a:r>
+              <a:rPr lang="ko-KR" altLang="en-US" dirty="0"/>
+              <a:t>확인</a:t>
+            </a:r>
+            <a:r>
+              <a:rPr lang="en-US" altLang="ko-KR" dirty="0"/>
+              <a:t>/</a:t>
+            </a:r>
+            <a:r>
+              <a:rPr lang="ko-KR" altLang="en-US" dirty="0"/>
+              <a:t>추가</a:t>
+            </a:r>
+            <a:r>
+              <a:rPr lang="en-US" altLang="ko-KR" dirty="0"/>
+              <a:t>/</a:t>
+            </a:r>
+            <a:r>
+              <a:rPr lang="ko-KR" altLang="en-US" dirty="0"/>
+              <a:t>수정</a:t>
+            </a:r>
+            <a:r>
+              <a:rPr lang="en-US" altLang="ko-KR" dirty="0"/>
+              <a:t>/</a:t>
+            </a:r>
+            <a:r>
+              <a:rPr lang="ko-KR" altLang="en-US" dirty="0"/>
+              <a:t>삭제</a:t>
+            </a:r>
+            <a:r>
+              <a:rPr lang="en-US" altLang="ko-KR" dirty="0"/>
+              <a:t>”</a:t>
+            </a:r>
+            <a:endParaRPr lang="ko-KR" altLang="en-US" dirty="0"/>
+          </a:p>
+        </p:txBody>
+      </p:sp>
+      <p:grpSp>
+        <p:nvGrpSpPr>
+          <p:cNvPr id="8" name="그룹 7">
+            <a:extLst>
+              <a:ext uri="{FF2B5EF4-FFF2-40B4-BE49-F238E27FC236}">
+                <a16:creationId xmlns:a16="http://schemas.microsoft.com/office/drawing/2014/main" id="{1F338AA0-4FF9-4C4F-AEB4-D523CAE41DE9}"/>
+              </a:ext>
+            </a:extLst>
+          </p:cNvPr>
+          <p:cNvGrpSpPr/>
+          <p:nvPr/>
+        </p:nvGrpSpPr>
+        <p:grpSpPr>
+          <a:xfrm>
+            <a:off x="9764156" y="4356189"/>
+            <a:ext cx="1420582" cy="1820774"/>
+            <a:chOff x="3322802" y="1591532"/>
+            <a:chExt cx="1420582" cy="1820774"/>
+          </a:xfrm>
+        </p:grpSpPr>
+        <p:pic>
+          <p:nvPicPr>
+            <p:cNvPr id="9" name="Picture 8" descr="말풍선 - 무료 멀티미디어개 아이콘">
+              <a:extLst>
+                <a:ext uri="{FF2B5EF4-FFF2-40B4-BE49-F238E27FC236}">
+                  <a16:creationId xmlns:a16="http://schemas.microsoft.com/office/drawing/2014/main" id="{52D87490-8AC5-4DC5-B27A-454AEA3213AA}"/>
+                </a:ext>
+              </a:extLst>
+            </p:cNvPr>
+            <p:cNvPicPr>
+              <a:picLocks noChangeAspect="1" noChangeArrowheads="1"/>
+            </p:cNvPicPr>
+            <p:nvPr/>
+          </p:nvPicPr>
+          <p:blipFill>
+            <a:blip r:embed="rId2" cstate="print">
+              <a:extLst>
+                <a:ext uri="{28A0092B-C50C-407E-A947-70E740481C1C}">
+                  <a14:useLocalDpi xmlns:a14="http://schemas.microsoft.com/office/drawing/2010/main" val="0"/>
+                </a:ext>
+              </a:extLst>
+            </a:blip>
+            <a:srcRect/>
+            <a:stretch>
+              <a:fillRect/>
+            </a:stretch>
+          </p:blipFill>
+          <p:spPr bwMode="auto">
+            <a:xfrm>
+              <a:off x="3368734" y="1591532"/>
+              <a:ext cx="1374650" cy="1374650"/>
+            </a:xfrm>
+            <a:prstGeom prst="rect">
+              <a:avLst/>
+            </a:prstGeom>
+            <a:noFill/>
+            <a:extLst>
+              <a:ext uri="{909E8E84-426E-40DD-AFC4-6F175D3DCCD1}">
+                <a14:hiddenFill xmlns:a14="http://schemas.microsoft.com/office/drawing/2010/main">
+                  <a:solidFill>
+                    <a:srgbClr val="FFFFFF"/>
+                  </a:solidFill>
+                </a14:hiddenFill>
+              </a:ext>
+            </a:extLst>
+          </p:spPr>
+        </p:pic>
+        <p:sp>
+          <p:nvSpPr>
+            <p:cNvPr id="10" name="TextBox 9">
+              <a:extLst>
+                <a:ext uri="{FF2B5EF4-FFF2-40B4-BE49-F238E27FC236}">
+                  <a16:creationId xmlns:a16="http://schemas.microsoft.com/office/drawing/2014/main" id="{F861A5A5-3154-4F3F-9A6D-77BE44077DE8}"/>
+                </a:ext>
+              </a:extLst>
+            </p:cNvPr>
+            <p:cNvSpPr txBox="1"/>
+            <p:nvPr/>
+          </p:nvSpPr>
+          <p:spPr>
+            <a:xfrm>
+              <a:off x="3322802" y="3042974"/>
+              <a:ext cx="1420582" cy="369332"/>
+            </a:xfrm>
+            <a:prstGeom prst="rect">
+              <a:avLst/>
+            </a:prstGeom>
+            <a:noFill/>
+          </p:spPr>
+          <p:txBody>
+            <a:bodyPr wrap="none" rtlCol="0">
+              <a:spAutoFit/>
+            </a:bodyPr>
+            <a:lstStyle/>
+            <a:p>
+              <a:r>
+                <a:rPr lang="ko-KR" altLang="en-US" b="1" dirty="0"/>
+                <a:t>맞춤형 대화</a:t>
+              </a:r>
+            </a:p>
+          </p:txBody>
+        </p:sp>
+      </p:grpSp>
+    </p:spTree>
+    <p:extLst>
+      <p:ext uri="{BB962C8B-B14F-4D97-AF65-F5344CB8AC3E}">
+        <p14:creationId xmlns:p14="http://schemas.microsoft.com/office/powerpoint/2010/main" val="3422218723"/>
+      </p:ext>
+    </p:extLst>
+  </p:cSld>
+  <p:clrMapOvr>
+    <a:masterClrMapping/>
+  </p:clrMapOvr>
+</p:sld>
+</file>
+
+<file path=ppt/slides/slide9.xml><?xml version="1.0" encoding="utf-8"?>
+<p:sld xmlns:a="http://schemas.openxmlformats.org/drawingml/2006/main" xmlns:r="http://schemas.openxmlformats.org/officeDocument/2006/relationships" xmlns:p="http://schemas.openxmlformats.org/presentationml/2006/main">
+  <p:cSld>
+    <p:spTree>
+      <p:nvGrpSpPr>
+        <p:cNvPr id="1" name=""/>
+        <p:cNvGrpSpPr/>
+        <p:nvPr/>
+      </p:nvGrpSpPr>
+      <p:grpSpPr>
+        <a:xfrm>
+          <a:off x="0" y="0"/>
+          <a:ext cx="0" cy="0"/>
+          <a:chOff x="0" y="0"/>
+          <a:chExt cx="0" cy="0"/>
+        </a:xfrm>
+      </p:grpSpPr>
+      <p:sp>
+        <p:nvSpPr>
+          <p:cNvPr id="6" name="직사각형 5">
+            <a:extLst>
+              <a:ext uri="{FF2B5EF4-FFF2-40B4-BE49-F238E27FC236}">
+                <a16:creationId xmlns:a16="http://schemas.microsoft.com/office/drawing/2014/main" id="{F8CA7A92-91EA-4D8C-9D3E-89F685F99DD3}"/>
+              </a:ext>
+            </a:extLst>
+          </p:cNvPr>
+          <p:cNvSpPr/>
+          <p:nvPr/>
+        </p:nvSpPr>
+        <p:spPr>
+          <a:xfrm>
+            <a:off x="10550183" y="365125"/>
+            <a:ext cx="1269110" cy="658330"/>
+          </a:xfrm>
+          <a:prstGeom prst="rect">
+            <a:avLst/>
+          </a:prstGeom>
+        </p:spPr>
+        <p:style>
+          <a:lnRef idx="2">
+            <a:schemeClr val="accent5">
+              <a:shade val="50000"/>
+            </a:schemeClr>
+          </a:lnRef>
+          <a:fillRef idx="1">
+            <a:schemeClr val="accent5"/>
+          </a:fillRef>
+          <a:effectRef idx="0">
+            <a:schemeClr val="accent5"/>
+          </a:effectRef>
+          <a:fontRef idx="minor">
+            <a:schemeClr val="lt1"/>
+          </a:fontRef>
+        </p:style>
+        <p:txBody>
+          <a:bodyPr rtlCol="0" anchor="ctr"/>
+          <a:lstStyle/>
+          <a:p>
+            <a:pPr algn="ctr"/>
+            <a:r>
+              <a:rPr lang="ko-KR" altLang="en-US" dirty="0"/>
+              <a:t>분석</a:t>
+            </a:r>
+          </a:p>
+        </p:txBody>
+      </p:sp>
+      <p:sp>
+        <p:nvSpPr>
+          <p:cNvPr id="2" name="제목 1">
+            <a:extLst>
+              <a:ext uri="{FF2B5EF4-FFF2-40B4-BE49-F238E27FC236}">
+                <a16:creationId xmlns:a16="http://schemas.microsoft.com/office/drawing/2014/main" id="{741068D5-C5CA-4966-8B79-7148E4784F27}"/>
+              </a:ext>
+            </a:extLst>
+          </p:cNvPr>
+          <p:cNvSpPr>
+            <a:spLocks noGrp="1"/>
+          </p:cNvSpPr>
+          <p:nvPr>
+            <p:ph type="title"/>
+          </p:nvPr>
+        </p:nvSpPr>
+        <p:spPr/>
+        <p:txBody>
+          <a:bodyPr/>
+          <a:lstStyle/>
+          <a:p>
+            <a:r>
+              <a:rPr lang="ko-KR" altLang="en-US" dirty="0"/>
+              <a:t>데이터 분석</a:t>
+            </a:r>
+          </a:p>
+        </p:txBody>
+      </p:sp>
+      <p:grpSp>
+        <p:nvGrpSpPr>
+          <p:cNvPr id="29" name="그룹 28">
+            <a:extLst>
+              <a:ext uri="{FF2B5EF4-FFF2-40B4-BE49-F238E27FC236}">
+                <a16:creationId xmlns:a16="http://schemas.microsoft.com/office/drawing/2014/main" id="{D9B42109-28FD-4E34-9105-F89DE37A8230}"/>
+              </a:ext>
+            </a:extLst>
+          </p:cNvPr>
+          <p:cNvGrpSpPr/>
+          <p:nvPr/>
+        </p:nvGrpSpPr>
+        <p:grpSpPr>
+          <a:xfrm>
+            <a:off x="1963023" y="2109431"/>
+            <a:ext cx="7321863" cy="1316228"/>
+            <a:chOff x="998290" y="1963299"/>
+            <a:chExt cx="10268772" cy="1316228"/>
+          </a:xfrm>
+        </p:grpSpPr>
+        <p:sp>
+          <p:nvSpPr>
+            <p:cNvPr id="26" name="직사각형 25">
+              <a:extLst>
+                <a:ext uri="{FF2B5EF4-FFF2-40B4-BE49-F238E27FC236}">
+                  <a16:creationId xmlns:a16="http://schemas.microsoft.com/office/drawing/2014/main" id="{0636BBB5-F6EB-4E05-852F-DCBB9B45FC9D}"/>
+                </a:ext>
+              </a:extLst>
+            </p:cNvPr>
+            <p:cNvSpPr/>
+            <p:nvPr/>
+          </p:nvSpPr>
+          <p:spPr>
+            <a:xfrm>
+              <a:off x="4421214" y="1963300"/>
+              <a:ext cx="3422924" cy="1316227"/>
+            </a:xfrm>
+            <a:prstGeom prst="rect">
+              <a:avLst/>
+            </a:prstGeom>
+          </p:spPr>
+          <p:style>
+            <a:lnRef idx="2">
+              <a:schemeClr val="accent2">
+                <a:shade val="50000"/>
+              </a:schemeClr>
+            </a:lnRef>
+            <a:fillRef idx="1">
+              <a:schemeClr val="accent2"/>
+            </a:fillRef>
+            <a:effectRef idx="0">
+              <a:schemeClr val="accent2"/>
+            </a:effectRef>
+            <a:fontRef idx="minor">
+              <a:schemeClr val="lt1"/>
+            </a:fontRef>
+          </p:style>
+          <p:txBody>
+            <a:bodyPr rtlCol="0" anchor="ctr"/>
+            <a:lstStyle/>
+            <a:p>
+              <a:pPr algn="ctr"/>
+              <a:r>
+                <a:rPr lang="ko-KR" altLang="en-US" dirty="0"/>
+                <a:t>활동 분야 분류</a:t>
+              </a:r>
+              <a:r>
+                <a:rPr lang="en-US" altLang="ko-KR" dirty="0"/>
+                <a:t>,</a:t>
+              </a:r>
+            </a:p>
+            <a:p>
+              <a:pPr algn="ctr"/>
+              <a:r>
+                <a:rPr lang="ko-KR" altLang="en-US" dirty="0"/>
+                <a:t>분야별 빈도수</a:t>
+              </a:r>
+              <a:r>
+                <a:rPr lang="en-US" altLang="ko-KR" dirty="0"/>
+                <a:t>&amp;</a:t>
+              </a:r>
+              <a:r>
+                <a:rPr lang="ko-KR" altLang="en-US" dirty="0"/>
+                <a:t>주기</a:t>
+              </a:r>
+              <a:endParaRPr lang="en-US" altLang="ko-KR" dirty="0"/>
+            </a:p>
+          </p:txBody>
+        </p:sp>
+        <p:sp>
+          <p:nvSpPr>
+            <p:cNvPr id="27" name="직사각형 26">
+              <a:extLst>
+                <a:ext uri="{FF2B5EF4-FFF2-40B4-BE49-F238E27FC236}">
+                  <a16:creationId xmlns:a16="http://schemas.microsoft.com/office/drawing/2014/main" id="{FC3B8A05-DC1F-4758-80BD-4F39DB50AF75}"/>
+                </a:ext>
+              </a:extLst>
+            </p:cNvPr>
+            <p:cNvSpPr/>
+            <p:nvPr/>
+          </p:nvSpPr>
+          <p:spPr>
+            <a:xfrm>
+              <a:off x="7844138" y="1963299"/>
+              <a:ext cx="3422924" cy="1316227"/>
+            </a:xfrm>
+            <a:prstGeom prst="rect">
+              <a:avLst/>
+            </a:prstGeom>
+          </p:spPr>
+          <p:style>
+            <a:lnRef idx="2">
+              <a:schemeClr val="accent2">
+                <a:shade val="50000"/>
+              </a:schemeClr>
+            </a:lnRef>
+            <a:fillRef idx="1">
+              <a:schemeClr val="accent2"/>
+            </a:fillRef>
+            <a:effectRef idx="0">
+              <a:schemeClr val="accent2"/>
+            </a:effectRef>
+            <a:fontRef idx="minor">
+              <a:schemeClr val="lt1"/>
+            </a:fontRef>
+          </p:style>
+          <p:txBody>
+            <a:bodyPr rtlCol="0" anchor="ctr"/>
+            <a:lstStyle/>
+            <a:p>
+              <a:pPr algn="ctr"/>
+              <a:r>
+                <a:rPr lang="ko-KR" altLang="en-US" dirty="0"/>
+                <a:t>활동 성향 분석</a:t>
+              </a:r>
+              <a:r>
+                <a:rPr lang="en-US" altLang="ko-KR" dirty="0"/>
+                <a:t>,</a:t>
+              </a:r>
+            </a:p>
+            <a:p>
+              <a:pPr algn="ctr"/>
+              <a:r>
+                <a:rPr lang="ko-KR" altLang="en-US" dirty="0"/>
+                <a:t>주요 생활 패턴 파악</a:t>
+              </a:r>
+            </a:p>
+          </p:txBody>
+        </p:sp>
+        <p:sp>
+          <p:nvSpPr>
+            <p:cNvPr id="28" name="직사각형 27">
+              <a:extLst>
+                <a:ext uri="{FF2B5EF4-FFF2-40B4-BE49-F238E27FC236}">
+                  <a16:creationId xmlns:a16="http://schemas.microsoft.com/office/drawing/2014/main" id="{D5DF1311-9541-405E-865B-68FBAC9E35A0}"/>
+                </a:ext>
+              </a:extLst>
+            </p:cNvPr>
+            <p:cNvSpPr/>
+            <p:nvPr/>
+          </p:nvSpPr>
+          <p:spPr>
+            <a:xfrm>
+              <a:off x="998290" y="1963300"/>
+              <a:ext cx="3422924" cy="1316227"/>
+            </a:xfrm>
+            <a:prstGeom prst="rect">
+              <a:avLst/>
+            </a:prstGeom>
+          </p:spPr>
+          <p:style>
+            <a:lnRef idx="2">
+              <a:schemeClr val="accent2">
+                <a:shade val="50000"/>
+              </a:schemeClr>
+            </a:lnRef>
+            <a:fillRef idx="1">
+              <a:schemeClr val="accent2"/>
+            </a:fillRef>
+            <a:effectRef idx="0">
+              <a:schemeClr val="accent2"/>
+            </a:effectRef>
+            <a:fontRef idx="minor">
+              <a:schemeClr val="lt1"/>
+            </a:fontRef>
+          </p:style>
+          <p:txBody>
+            <a:bodyPr rtlCol="0" anchor="ctr"/>
+            <a:lstStyle/>
+            <a:p>
+              <a:pPr marL="285750" indent="-285750" algn="ctr">
+                <a:buFontTx/>
+                <a:buChar char="-"/>
+              </a:pPr>
+              <a:r>
+                <a:rPr lang="ko-KR" altLang="en-US" dirty="0"/>
+                <a:t>캘린더</a:t>
+              </a:r>
+              <a:endParaRPr lang="en-US" altLang="ko-KR" dirty="0"/>
+            </a:p>
+            <a:p>
+              <a:pPr marL="285750" indent="-285750" algn="ctr">
+                <a:buFontTx/>
+                <a:buChar char="-"/>
+              </a:pPr>
+              <a:r>
+                <a:rPr lang="ko-KR" altLang="en-US" dirty="0"/>
+                <a:t>추가 질문</a:t>
+              </a:r>
+              <a:endParaRPr lang="en-US" altLang="ko-KR" dirty="0"/>
+            </a:p>
+          </p:txBody>
+        </p:sp>
+      </p:grpSp>
+      <p:grpSp>
+        <p:nvGrpSpPr>
+          <p:cNvPr id="30" name="그룹 29">
+            <a:extLst>
+              <a:ext uri="{FF2B5EF4-FFF2-40B4-BE49-F238E27FC236}">
+                <a16:creationId xmlns:a16="http://schemas.microsoft.com/office/drawing/2014/main" id="{85A13725-1972-4F8F-A120-CA062763FBC8}"/>
+              </a:ext>
+            </a:extLst>
+          </p:cNvPr>
+          <p:cNvGrpSpPr/>
+          <p:nvPr/>
+        </p:nvGrpSpPr>
+        <p:grpSpPr>
+          <a:xfrm>
+            <a:off x="1963023" y="3667681"/>
+            <a:ext cx="7321863" cy="1316228"/>
+            <a:chOff x="998290" y="1963299"/>
+            <a:chExt cx="10268772" cy="1316228"/>
+          </a:xfrm>
+        </p:grpSpPr>
+        <p:sp>
+          <p:nvSpPr>
+            <p:cNvPr id="31" name="직사각형 30">
+              <a:extLst>
+                <a:ext uri="{FF2B5EF4-FFF2-40B4-BE49-F238E27FC236}">
+                  <a16:creationId xmlns:a16="http://schemas.microsoft.com/office/drawing/2014/main" id="{5A1F290B-A4FD-4869-88AB-D09BBB68C437}"/>
+                </a:ext>
+              </a:extLst>
+            </p:cNvPr>
+            <p:cNvSpPr/>
+            <p:nvPr/>
+          </p:nvSpPr>
+          <p:spPr>
+            <a:xfrm>
+              <a:off x="4421214" y="1963300"/>
+              <a:ext cx="3422924" cy="1316227"/>
+            </a:xfrm>
+            <a:prstGeom prst="rect">
+              <a:avLst/>
+            </a:prstGeom>
+          </p:spPr>
+          <p:style>
+            <a:lnRef idx="2">
+              <a:schemeClr val="accent1">
+                <a:shade val="50000"/>
+              </a:schemeClr>
+            </a:lnRef>
+            <a:fillRef idx="1">
+              <a:schemeClr val="accent1"/>
+            </a:fillRef>
+            <a:effectRef idx="0">
+              <a:schemeClr val="accent1"/>
+            </a:effectRef>
+            <a:fontRef idx="minor">
+              <a:schemeClr val="lt1"/>
+            </a:fontRef>
+          </p:style>
+          <p:txBody>
+            <a:bodyPr rtlCol="0" anchor="ctr"/>
+            <a:lstStyle/>
+            <a:p>
+              <a:pPr algn="ctr"/>
+              <a:r>
+                <a:rPr lang="ko-KR" altLang="en-US" dirty="0"/>
+                <a:t>키워드 기반 군집화</a:t>
+              </a:r>
+              <a:r>
+                <a:rPr lang="en-US" altLang="ko-KR" dirty="0"/>
+                <a:t>,</a:t>
+              </a:r>
+            </a:p>
+            <a:p>
+              <a:pPr algn="ctr"/>
+              <a:r>
+                <a:rPr lang="ko-KR" altLang="en-US" dirty="0"/>
+                <a:t>중요 키워드 도출</a:t>
+              </a:r>
+            </a:p>
+          </p:txBody>
+        </p:sp>
+        <p:sp>
+          <p:nvSpPr>
+            <p:cNvPr id="32" name="직사각형 31">
+              <a:extLst>
+                <a:ext uri="{FF2B5EF4-FFF2-40B4-BE49-F238E27FC236}">
+                  <a16:creationId xmlns:a16="http://schemas.microsoft.com/office/drawing/2014/main" id="{BA01B15D-DCD9-4D4A-BBBA-D7C71F49DD10}"/>
+                </a:ext>
+              </a:extLst>
+            </p:cNvPr>
+            <p:cNvSpPr/>
+            <p:nvPr/>
+          </p:nvSpPr>
+          <p:spPr>
+            <a:xfrm>
+              <a:off x="7844138" y="1963299"/>
+              <a:ext cx="3422924" cy="1316227"/>
+            </a:xfrm>
+            <a:prstGeom prst="rect">
+              <a:avLst/>
+            </a:prstGeom>
+          </p:spPr>
+          <p:style>
+            <a:lnRef idx="2">
+              <a:schemeClr val="accent1">
+                <a:shade val="50000"/>
+              </a:schemeClr>
+            </a:lnRef>
+            <a:fillRef idx="1">
+              <a:schemeClr val="accent1"/>
+            </a:fillRef>
+            <a:effectRef idx="0">
+              <a:schemeClr val="accent1"/>
+            </a:effectRef>
+            <a:fontRef idx="minor">
+              <a:schemeClr val="lt1"/>
+            </a:fontRef>
+          </p:style>
+          <p:txBody>
+            <a:bodyPr rtlCol="0" anchor="ctr"/>
+            <a:lstStyle/>
+            <a:p>
+              <a:pPr algn="ctr"/>
+              <a:r>
+                <a:rPr lang="ko-KR" altLang="en-US" dirty="0"/>
+                <a:t>관심사 분석</a:t>
+              </a:r>
+              <a:r>
+                <a:rPr lang="en-US" altLang="ko-KR" dirty="0"/>
+                <a:t>,</a:t>
+              </a:r>
+            </a:p>
+            <a:p>
+              <a:pPr algn="ctr"/>
+              <a:r>
+                <a:rPr lang="ko-KR" altLang="en-US" dirty="0"/>
+                <a:t>사용자 니즈 파악</a:t>
+              </a:r>
+            </a:p>
+          </p:txBody>
+        </p:sp>
+        <p:sp>
+          <p:nvSpPr>
+            <p:cNvPr id="33" name="직사각형 32">
+              <a:extLst>
+                <a:ext uri="{FF2B5EF4-FFF2-40B4-BE49-F238E27FC236}">
+                  <a16:creationId xmlns:a16="http://schemas.microsoft.com/office/drawing/2014/main" id="{034433CE-F2D9-41D0-ADA6-BB987A21BE75}"/>
+                </a:ext>
+              </a:extLst>
+            </p:cNvPr>
+            <p:cNvSpPr/>
+            <p:nvPr/>
+          </p:nvSpPr>
+          <p:spPr>
+            <a:xfrm>
+              <a:off x="998290" y="1963300"/>
+              <a:ext cx="3422924" cy="1316227"/>
+            </a:xfrm>
+            <a:prstGeom prst="rect">
+              <a:avLst/>
+            </a:prstGeom>
+          </p:spPr>
+          <p:style>
+            <a:lnRef idx="2">
+              <a:schemeClr val="accent1">
+                <a:shade val="50000"/>
+              </a:schemeClr>
+            </a:lnRef>
+            <a:fillRef idx="1">
+              <a:schemeClr val="accent1"/>
+            </a:fillRef>
+            <a:effectRef idx="0">
+              <a:schemeClr val="accent1"/>
+            </a:effectRef>
+            <a:fontRef idx="minor">
+              <a:schemeClr val="lt1"/>
+            </a:fontRef>
+          </p:style>
+          <p:txBody>
+            <a:bodyPr rtlCol="0" anchor="ctr"/>
+            <a:lstStyle/>
+            <a:p>
+              <a:pPr marL="285750" indent="-285750" algn="ctr">
+                <a:buFontTx/>
+                <a:buChar char="-"/>
+              </a:pPr>
+              <a:r>
+                <a:rPr lang="ko-KR" altLang="en-US" dirty="0"/>
+                <a:t>아카이브</a:t>
+              </a:r>
+              <a:endParaRPr lang="en-US" altLang="ko-KR" dirty="0"/>
+            </a:p>
+            <a:p>
+              <a:pPr marL="285750" indent="-285750" algn="ctr">
+                <a:buFontTx/>
+                <a:buChar char="-"/>
+              </a:pPr>
+              <a:r>
+                <a:rPr lang="ko-KR" altLang="en-US" dirty="0"/>
+                <a:t>크롬 방문기록</a:t>
+              </a:r>
+              <a:endParaRPr lang="en-US" altLang="ko-KR" dirty="0"/>
+            </a:p>
+          </p:txBody>
+        </p:sp>
+      </p:grpSp>
+      <p:grpSp>
+        <p:nvGrpSpPr>
+          <p:cNvPr id="34" name="그룹 33">
+            <a:extLst>
+              <a:ext uri="{FF2B5EF4-FFF2-40B4-BE49-F238E27FC236}">
+                <a16:creationId xmlns:a16="http://schemas.microsoft.com/office/drawing/2014/main" id="{526B9516-4519-4700-8C34-C348176616D1}"/>
+              </a:ext>
+            </a:extLst>
+          </p:cNvPr>
+          <p:cNvGrpSpPr/>
+          <p:nvPr/>
+        </p:nvGrpSpPr>
+        <p:grpSpPr>
+          <a:xfrm>
+            <a:off x="1963023" y="5176647"/>
+            <a:ext cx="7321863" cy="1316228"/>
+            <a:chOff x="998290" y="1963299"/>
+            <a:chExt cx="10268772" cy="1316228"/>
+          </a:xfrm>
+        </p:grpSpPr>
+        <p:sp>
+          <p:nvSpPr>
+            <p:cNvPr id="35" name="직사각형 34">
+              <a:extLst>
+                <a:ext uri="{FF2B5EF4-FFF2-40B4-BE49-F238E27FC236}">
+                  <a16:creationId xmlns:a16="http://schemas.microsoft.com/office/drawing/2014/main" id="{02B9CC36-1506-42EE-A722-6235AEAC24B3}"/>
+                </a:ext>
+              </a:extLst>
+            </p:cNvPr>
+            <p:cNvSpPr/>
+            <p:nvPr/>
+          </p:nvSpPr>
+          <p:spPr>
+            <a:xfrm>
+              <a:off x="4421214" y="1963300"/>
+              <a:ext cx="3422924" cy="1316227"/>
+            </a:xfrm>
+            <a:prstGeom prst="rect">
+              <a:avLst/>
+            </a:prstGeom>
+          </p:spPr>
+          <p:style>
+            <a:lnRef idx="2">
+              <a:schemeClr val="accent6">
+                <a:shade val="50000"/>
+              </a:schemeClr>
+            </a:lnRef>
+            <a:fillRef idx="1">
+              <a:schemeClr val="accent6"/>
+            </a:fillRef>
+            <a:effectRef idx="0">
+              <a:schemeClr val="accent6"/>
+            </a:effectRef>
+            <a:fontRef idx="minor">
+              <a:schemeClr val="lt1"/>
+            </a:fontRef>
+          </p:style>
+          <p:txBody>
+            <a:bodyPr rtlCol="0" anchor="ctr"/>
+            <a:lstStyle/>
+            <a:p>
+              <a:pPr algn="ctr"/>
+              <a:r>
+                <a:rPr lang="ko-KR" altLang="en-US" dirty="0"/>
+                <a:t>감정 점수 평가표</a:t>
+              </a:r>
+              <a:endParaRPr lang="en-US" altLang="ko-KR" dirty="0"/>
+            </a:p>
+            <a:p>
+              <a:pPr algn="ctr"/>
+              <a:r>
+                <a:rPr lang="ko-KR" altLang="en-US" dirty="0"/>
+                <a:t>사건 인과관계 노드화</a:t>
+              </a:r>
+            </a:p>
+          </p:txBody>
+        </p:sp>
+        <p:sp>
+          <p:nvSpPr>
+            <p:cNvPr id="36" name="직사각형 35">
+              <a:extLst>
+                <a:ext uri="{FF2B5EF4-FFF2-40B4-BE49-F238E27FC236}">
+                  <a16:creationId xmlns:a16="http://schemas.microsoft.com/office/drawing/2014/main" id="{DF8AFA67-DDA9-4A92-A20C-418F7F982482}"/>
+                </a:ext>
+              </a:extLst>
+            </p:cNvPr>
+            <p:cNvSpPr/>
+            <p:nvPr/>
+          </p:nvSpPr>
+          <p:spPr>
+            <a:xfrm>
+              <a:off x="7844138" y="1963299"/>
+              <a:ext cx="3422924" cy="1316227"/>
+            </a:xfrm>
+            <a:prstGeom prst="rect">
+              <a:avLst/>
+            </a:prstGeom>
+          </p:spPr>
+          <p:style>
+            <a:lnRef idx="2">
+              <a:schemeClr val="accent6">
+                <a:shade val="50000"/>
+              </a:schemeClr>
+            </a:lnRef>
+            <a:fillRef idx="1">
+              <a:schemeClr val="accent6"/>
+            </a:fillRef>
+            <a:effectRef idx="0">
+              <a:schemeClr val="accent6"/>
+            </a:effectRef>
+            <a:fontRef idx="minor">
+              <a:schemeClr val="lt1"/>
+            </a:fontRef>
+          </p:style>
+          <p:txBody>
+            <a:bodyPr rtlCol="0" anchor="ctr"/>
+            <a:lstStyle/>
+            <a:p>
+              <a:pPr algn="ctr"/>
+              <a:r>
+                <a:rPr lang="ko-KR" altLang="en-US" dirty="0"/>
+                <a:t>감정 패턴 분석</a:t>
+              </a:r>
+              <a:r>
+                <a:rPr lang="en-US" altLang="ko-KR" dirty="0"/>
+                <a:t>,</a:t>
+              </a:r>
+            </a:p>
+            <a:p>
+              <a:pPr algn="ctr"/>
+              <a:r>
+                <a:rPr lang="ko-KR" altLang="en-US" dirty="0"/>
+                <a:t>사용자 성향 파악</a:t>
+              </a:r>
+              <a:endParaRPr lang="en-US" altLang="ko-KR" dirty="0"/>
+            </a:p>
+          </p:txBody>
+        </p:sp>
+        <p:sp>
+          <p:nvSpPr>
+            <p:cNvPr id="37" name="직사각형 36">
+              <a:extLst>
+                <a:ext uri="{FF2B5EF4-FFF2-40B4-BE49-F238E27FC236}">
+                  <a16:creationId xmlns:a16="http://schemas.microsoft.com/office/drawing/2014/main" id="{75D4D402-98FB-475C-A467-043DCE02BD6B}"/>
+                </a:ext>
+              </a:extLst>
+            </p:cNvPr>
+            <p:cNvSpPr/>
+            <p:nvPr/>
+          </p:nvSpPr>
+          <p:spPr>
+            <a:xfrm>
+              <a:off x="998290" y="1963300"/>
+              <a:ext cx="3422924" cy="1316227"/>
+            </a:xfrm>
+            <a:prstGeom prst="rect">
+              <a:avLst/>
+            </a:prstGeom>
+          </p:spPr>
+          <p:style>
+            <a:lnRef idx="2">
+              <a:schemeClr val="accent6">
+                <a:shade val="50000"/>
+              </a:schemeClr>
+            </a:lnRef>
+            <a:fillRef idx="1">
+              <a:schemeClr val="accent6"/>
+            </a:fillRef>
+            <a:effectRef idx="0">
+              <a:schemeClr val="accent6"/>
+            </a:effectRef>
+            <a:fontRef idx="minor">
+              <a:schemeClr val="lt1"/>
+            </a:fontRef>
+          </p:style>
+          <p:txBody>
+            <a:bodyPr rtlCol="0" anchor="ctr"/>
+            <a:lstStyle/>
+            <a:p>
+              <a:pPr marL="285750" indent="-285750" algn="ctr">
+                <a:buFontTx/>
+                <a:buChar char="-"/>
+              </a:pPr>
+              <a:r>
+                <a:rPr lang="ko-KR" altLang="en-US" dirty="0"/>
+                <a:t>일기장</a:t>
+              </a:r>
+              <a:endParaRPr lang="en-US" altLang="ko-KR" dirty="0"/>
+            </a:p>
+            <a:p>
+              <a:pPr marL="285750" indent="-285750" algn="ctr">
+                <a:buFontTx/>
+                <a:buChar char="-"/>
+              </a:pPr>
+              <a:r>
+                <a:rPr lang="ko-KR" altLang="en-US" dirty="0"/>
+                <a:t>추가 질문</a:t>
+              </a:r>
+              <a:endParaRPr lang="en-US" altLang="ko-KR" dirty="0"/>
+            </a:p>
+          </p:txBody>
+        </p:sp>
+      </p:grpSp>
+      <p:sp>
+        <p:nvSpPr>
+          <p:cNvPr id="38" name="직사각형 37">
+            <a:extLst>
+              <a:ext uri="{FF2B5EF4-FFF2-40B4-BE49-F238E27FC236}">
+                <a16:creationId xmlns:a16="http://schemas.microsoft.com/office/drawing/2014/main" id="{AC043AA8-A6F7-4712-AACA-AD8A82F2C762}"/>
+              </a:ext>
+            </a:extLst>
+          </p:cNvPr>
+          <p:cNvSpPr/>
+          <p:nvPr/>
+        </p:nvSpPr>
+        <p:spPr>
+          <a:xfrm>
+            <a:off x="9284885" y="2109430"/>
+            <a:ext cx="2440621" cy="4383443"/>
+          </a:xfrm>
+          <a:prstGeom prst="rect">
+            <a:avLst/>
+          </a:prstGeom>
+        </p:spPr>
+        <p:style>
+          <a:lnRef idx="2">
+            <a:schemeClr val="accent5">
+              <a:shade val="50000"/>
+            </a:schemeClr>
+          </a:lnRef>
+          <a:fillRef idx="1">
+            <a:schemeClr val="accent5"/>
+          </a:fillRef>
+          <a:effectRef idx="0">
+            <a:schemeClr val="accent5"/>
+          </a:effectRef>
+          <a:fontRef idx="minor">
+            <a:schemeClr val="lt1"/>
+          </a:fontRef>
+        </p:style>
+        <p:txBody>
+          <a:bodyPr rtlCol="0" anchor="ctr"/>
+          <a:lstStyle/>
+          <a:p>
+            <a:pPr algn="ctr"/>
+            <a:r>
+              <a:rPr lang="ko-KR" altLang="en-US" dirty="0"/>
+              <a:t>생활 패턴 기반 연락</a:t>
+            </a:r>
+            <a:endParaRPr lang="en-US" altLang="ko-KR" dirty="0"/>
+          </a:p>
+          <a:p>
+            <a:pPr algn="ctr"/>
+            <a:endParaRPr lang="en-US" altLang="ko-KR" dirty="0"/>
+          </a:p>
+          <a:p>
+            <a:pPr algn="ctr"/>
+            <a:r>
+              <a:rPr lang="ko-KR" altLang="en-US" dirty="0"/>
+              <a:t>관심사 기반 대화</a:t>
+            </a:r>
+            <a:endParaRPr lang="en-US" altLang="ko-KR" dirty="0"/>
+          </a:p>
+          <a:p>
+            <a:pPr algn="ctr"/>
+            <a:endParaRPr lang="en-US" altLang="ko-KR" dirty="0"/>
+          </a:p>
+          <a:p>
+            <a:pPr algn="ctr"/>
+            <a:r>
+              <a:rPr lang="ko-KR" altLang="en-US" dirty="0"/>
+              <a:t>성향 맞춤형 태도</a:t>
+            </a:r>
+            <a:endParaRPr lang="en-US" altLang="ko-KR" dirty="0"/>
+          </a:p>
+        </p:txBody>
+      </p:sp>
+      <p:grpSp>
+        <p:nvGrpSpPr>
+          <p:cNvPr id="39" name="그룹 38">
+            <a:extLst>
+              <a:ext uri="{FF2B5EF4-FFF2-40B4-BE49-F238E27FC236}">
+                <a16:creationId xmlns:a16="http://schemas.microsoft.com/office/drawing/2014/main" id="{D970EF2A-9122-42C2-96CC-622A4811BD04}"/>
+              </a:ext>
+            </a:extLst>
+          </p:cNvPr>
+          <p:cNvGrpSpPr/>
+          <p:nvPr/>
+        </p:nvGrpSpPr>
+        <p:grpSpPr>
+          <a:xfrm>
+            <a:off x="330336" y="5236775"/>
+            <a:ext cx="1420582" cy="1256099"/>
+            <a:chOff x="2918718" y="1591532"/>
+            <a:chExt cx="2228750" cy="2055956"/>
+          </a:xfrm>
+        </p:grpSpPr>
+        <p:pic>
+          <p:nvPicPr>
+            <p:cNvPr id="40" name="Picture 8" descr="말풍선 - 무료 멀티미디어개 아이콘">
+              <a:extLst>
+                <a:ext uri="{FF2B5EF4-FFF2-40B4-BE49-F238E27FC236}">
+                  <a16:creationId xmlns:a16="http://schemas.microsoft.com/office/drawing/2014/main" id="{A1DB8840-A27C-46C7-8522-83C299CAF237}"/>
+                </a:ext>
+              </a:extLst>
+            </p:cNvPr>
+            <p:cNvPicPr>
+              <a:picLocks noChangeAspect="1" noChangeArrowheads="1"/>
+            </p:cNvPicPr>
+            <p:nvPr/>
+          </p:nvPicPr>
+          <p:blipFill>
+            <a:blip r:embed="rId2" cstate="print">
+              <a:extLst>
+                <a:ext uri="{28A0092B-C50C-407E-A947-70E740481C1C}">
+                  <a14:useLocalDpi xmlns:a14="http://schemas.microsoft.com/office/drawing/2010/main" val="0"/>
+                </a:ext>
+              </a:extLst>
+            </a:blip>
+            <a:srcRect/>
+            <a:stretch>
+              <a:fillRect/>
+            </a:stretch>
+          </p:blipFill>
+          <p:spPr bwMode="auto">
+            <a:xfrm>
+              <a:off x="3368734" y="1591532"/>
+              <a:ext cx="1374650" cy="1374650"/>
+            </a:xfrm>
+            <a:prstGeom prst="rect">
+              <a:avLst/>
+            </a:prstGeom>
+            <a:noFill/>
+            <a:extLst>
+              <a:ext uri="{909E8E84-426E-40DD-AFC4-6F175D3DCCD1}">
+                <a14:hiddenFill xmlns:a14="http://schemas.microsoft.com/office/drawing/2010/main">
+                  <a:solidFill>
+                    <a:srgbClr val="FFFFFF"/>
+                  </a:solidFill>
+                </a14:hiddenFill>
+              </a:ext>
+            </a:extLst>
+          </p:spPr>
+        </p:pic>
+        <p:sp>
+          <p:nvSpPr>
+            <p:cNvPr id="41" name="TextBox 40">
+              <a:extLst>
+                <a:ext uri="{FF2B5EF4-FFF2-40B4-BE49-F238E27FC236}">
+                  <a16:creationId xmlns:a16="http://schemas.microsoft.com/office/drawing/2014/main" id="{F9EA1F4D-7ED4-4F46-9550-F6802B259C24}"/>
+                </a:ext>
+              </a:extLst>
+            </p:cNvPr>
+            <p:cNvSpPr txBox="1"/>
+            <p:nvPr/>
+          </p:nvSpPr>
+          <p:spPr>
+            <a:xfrm>
+              <a:off x="2918718" y="3042973"/>
+              <a:ext cx="2228750" cy="604515"/>
+            </a:xfrm>
+            <a:prstGeom prst="rect">
+              <a:avLst/>
+            </a:prstGeom>
+            <a:noFill/>
+          </p:spPr>
+          <p:txBody>
+            <a:bodyPr wrap="none" rtlCol="0">
+              <a:spAutoFit/>
+            </a:bodyPr>
+            <a:lstStyle/>
+            <a:p>
+              <a:pPr algn="ctr"/>
+              <a:r>
+                <a:rPr lang="ko-KR" altLang="en-US" b="1" dirty="0"/>
+                <a:t>맞춤형 대화</a:t>
+              </a:r>
+            </a:p>
+          </p:txBody>
+        </p:sp>
+      </p:grpSp>
+      <p:grpSp>
+        <p:nvGrpSpPr>
+          <p:cNvPr id="42" name="그룹 41">
+            <a:extLst>
+              <a:ext uri="{FF2B5EF4-FFF2-40B4-BE49-F238E27FC236}">
+                <a16:creationId xmlns:a16="http://schemas.microsoft.com/office/drawing/2014/main" id="{BE56D60A-1C2F-4D3F-A382-B42804C72604}"/>
+              </a:ext>
+            </a:extLst>
+          </p:cNvPr>
+          <p:cNvGrpSpPr/>
+          <p:nvPr/>
+        </p:nvGrpSpPr>
+        <p:grpSpPr>
+          <a:xfrm>
+            <a:off x="386824" y="2233408"/>
+            <a:ext cx="1189749" cy="1192250"/>
+            <a:chOff x="5353727" y="1027906"/>
+            <a:chExt cx="1866595" cy="1951449"/>
+          </a:xfrm>
+        </p:grpSpPr>
+        <p:pic>
+          <p:nvPicPr>
+            <p:cNvPr id="43" name="Picture 4" descr="일정 - 무료 시간과 날짜개 아이콘">
+              <a:extLst>
+                <a:ext uri="{FF2B5EF4-FFF2-40B4-BE49-F238E27FC236}">
+                  <a16:creationId xmlns:a16="http://schemas.microsoft.com/office/drawing/2014/main" id="{6CDC9B4C-0C0C-475C-8F3A-837D31CF01E2}"/>
+                </a:ext>
+              </a:extLst>
+            </p:cNvPr>
+            <p:cNvPicPr>
+              <a:picLocks noChangeAspect="1" noChangeArrowheads="1"/>
+            </p:cNvPicPr>
+            <p:nvPr/>
+          </p:nvPicPr>
+          <p:blipFill>
+            <a:blip r:embed="rId3" cstate="print">
+              <a:extLst>
+                <a:ext uri="{28A0092B-C50C-407E-A947-70E740481C1C}">
+                  <a14:useLocalDpi xmlns:a14="http://schemas.microsoft.com/office/drawing/2010/main" val="0"/>
+                </a:ext>
+              </a:extLst>
+            </a:blip>
+            <a:srcRect/>
+            <a:stretch>
+              <a:fillRect/>
+            </a:stretch>
+          </p:blipFill>
+          <p:spPr bwMode="auto">
+            <a:xfrm>
+              <a:off x="5692151" y="1027906"/>
+              <a:ext cx="1374650" cy="1374650"/>
+            </a:xfrm>
+            <a:prstGeom prst="rect">
+              <a:avLst/>
+            </a:prstGeom>
+            <a:noFill/>
+            <a:extLst>
+              <a:ext uri="{909E8E84-426E-40DD-AFC4-6F175D3DCCD1}">
+                <a14:hiddenFill xmlns:a14="http://schemas.microsoft.com/office/drawing/2010/main">
+                  <a:solidFill>
+                    <a:srgbClr val="FFFFFF"/>
+                  </a:solidFill>
+                </a14:hiddenFill>
+              </a:ext>
+            </a:extLst>
+          </p:spPr>
+        </p:pic>
+        <p:sp>
+          <p:nvSpPr>
+            <p:cNvPr id="44" name="TextBox 43">
+              <a:extLst>
+                <a:ext uri="{FF2B5EF4-FFF2-40B4-BE49-F238E27FC236}">
+                  <a16:creationId xmlns:a16="http://schemas.microsoft.com/office/drawing/2014/main" id="{61CDCD24-FE40-4E7B-9823-F877DD05DCFB}"/>
+                </a:ext>
+              </a:extLst>
+            </p:cNvPr>
+            <p:cNvSpPr txBox="1"/>
+            <p:nvPr/>
+          </p:nvSpPr>
+          <p:spPr>
+            <a:xfrm>
+              <a:off x="5353727" y="2374840"/>
+              <a:ext cx="1866595" cy="604515"/>
+            </a:xfrm>
+            <a:prstGeom prst="rect">
+              <a:avLst/>
+            </a:prstGeom>
+            <a:noFill/>
+          </p:spPr>
+          <p:txBody>
+            <a:bodyPr wrap="none" rtlCol="0">
+              <a:spAutoFit/>
+            </a:bodyPr>
+            <a:lstStyle/>
+            <a:p>
+              <a:pPr algn="ctr"/>
+              <a:r>
+                <a:rPr lang="ko-KR" altLang="en-US" b="1" dirty="0"/>
+                <a:t>일정 관리</a:t>
+              </a:r>
+            </a:p>
+          </p:txBody>
+        </p:sp>
+      </p:grpSp>
+      <p:grpSp>
+        <p:nvGrpSpPr>
+          <p:cNvPr id="45" name="그룹 44">
+            <a:extLst>
+              <a:ext uri="{FF2B5EF4-FFF2-40B4-BE49-F238E27FC236}">
+                <a16:creationId xmlns:a16="http://schemas.microsoft.com/office/drawing/2014/main" id="{09448D9F-5B61-4C98-8016-941D7FBF942D}"/>
+              </a:ext>
+            </a:extLst>
+          </p:cNvPr>
+          <p:cNvGrpSpPr/>
+          <p:nvPr/>
+        </p:nvGrpSpPr>
+        <p:grpSpPr>
+          <a:xfrm>
+            <a:off x="155991" y="3739344"/>
+            <a:ext cx="1651414" cy="1240081"/>
+            <a:chOff x="6842698" y="1003363"/>
+            <a:chExt cx="2590902" cy="2029739"/>
+          </a:xfrm>
+        </p:grpSpPr>
+        <p:pic>
+          <p:nvPicPr>
+            <p:cNvPr id="46" name="Picture 6" descr="아카이브 - 무료 교육개 아이콘">
+              <a:extLst>
+                <a:ext uri="{FF2B5EF4-FFF2-40B4-BE49-F238E27FC236}">
+                  <a16:creationId xmlns:a16="http://schemas.microsoft.com/office/drawing/2014/main" id="{9D202512-155E-4BBC-96CC-B3B6912DC25D}"/>
+                </a:ext>
+              </a:extLst>
+            </p:cNvPr>
+            <p:cNvPicPr>
+              <a:picLocks noChangeAspect="1" noChangeArrowheads="1"/>
+            </p:cNvPicPr>
+            <p:nvPr/>
+          </p:nvPicPr>
+          <p:blipFill>
+            <a:blip r:embed="rId4" cstate="print">
+              <a:extLst>
+                <a:ext uri="{28A0092B-C50C-407E-A947-70E740481C1C}">
+                  <a14:useLocalDpi xmlns:a14="http://schemas.microsoft.com/office/drawing/2010/main" val="0"/>
+                </a:ext>
+              </a:extLst>
+            </a:blip>
+            <a:srcRect/>
+            <a:stretch>
+              <a:fillRect/>
+            </a:stretch>
+          </p:blipFill>
+          <p:spPr bwMode="auto">
+            <a:xfrm>
+              <a:off x="7450824" y="1003363"/>
+              <a:ext cx="1374650" cy="1374650"/>
+            </a:xfrm>
+            <a:prstGeom prst="rect">
+              <a:avLst/>
+            </a:prstGeom>
+            <a:noFill/>
+            <a:extLst>
+              <a:ext uri="{909E8E84-426E-40DD-AFC4-6F175D3DCCD1}">
+                <a14:hiddenFill xmlns:a14="http://schemas.microsoft.com/office/drawing/2010/main">
+                  <a:solidFill>
+                    <a:srgbClr val="FFFFFF"/>
+                  </a:solidFill>
+                </a14:hiddenFill>
+              </a:ext>
+            </a:extLst>
+          </p:spPr>
+        </p:pic>
+        <p:sp>
+          <p:nvSpPr>
+            <p:cNvPr id="47" name="TextBox 46">
+              <a:extLst>
+                <a:ext uri="{FF2B5EF4-FFF2-40B4-BE49-F238E27FC236}">
+                  <a16:creationId xmlns:a16="http://schemas.microsoft.com/office/drawing/2014/main" id="{FBDA2497-1284-4928-9C2D-03D9DB259660}"/>
+                </a:ext>
+              </a:extLst>
+            </p:cNvPr>
+            <p:cNvSpPr txBox="1"/>
+            <p:nvPr/>
+          </p:nvSpPr>
+          <p:spPr>
+            <a:xfrm>
+              <a:off x="6842698" y="2428587"/>
+              <a:ext cx="2590902" cy="604515"/>
+            </a:xfrm>
+            <a:prstGeom prst="rect">
+              <a:avLst/>
+            </a:prstGeom>
+            <a:noFill/>
+          </p:spPr>
+          <p:txBody>
+            <a:bodyPr wrap="none" rtlCol="0">
+              <a:spAutoFit/>
+            </a:bodyPr>
+            <a:lstStyle/>
+            <a:p>
+              <a:pPr algn="ctr"/>
+              <a:r>
+                <a:rPr lang="ko-KR" altLang="en-US" b="1" dirty="0"/>
+                <a:t>개인 아카이브</a:t>
+              </a:r>
+            </a:p>
+          </p:txBody>
+        </p:sp>
+      </p:grpSp>
+      <p:sp>
+        <p:nvSpPr>
+          <p:cNvPr id="48" name="TextBox 47">
+            <a:extLst>
+              <a:ext uri="{FF2B5EF4-FFF2-40B4-BE49-F238E27FC236}">
+                <a16:creationId xmlns:a16="http://schemas.microsoft.com/office/drawing/2014/main" id="{3A503EAF-8F87-40FA-A2DB-E89B21F375F2}"/>
+              </a:ext>
+            </a:extLst>
+          </p:cNvPr>
+          <p:cNvSpPr txBox="1"/>
+          <p:nvPr/>
+        </p:nvSpPr>
+        <p:spPr>
+          <a:xfrm>
+            <a:off x="2473042" y="1696600"/>
+            <a:ext cx="1420582" cy="369332"/>
+          </a:xfrm>
+          <a:prstGeom prst="rect">
+            <a:avLst/>
+          </a:prstGeom>
+          <a:noFill/>
+        </p:spPr>
+        <p:txBody>
+          <a:bodyPr wrap="none" rtlCol="0">
+            <a:spAutoFit/>
+          </a:bodyPr>
+          <a:lstStyle/>
+          <a:p>
+            <a:r>
+              <a:rPr lang="ko-KR" altLang="en-US" dirty="0"/>
+              <a:t>데이터 수집</a:t>
+            </a:r>
+          </a:p>
+        </p:txBody>
+      </p:sp>
+      <p:sp>
+        <p:nvSpPr>
+          <p:cNvPr id="49" name="TextBox 48">
+            <a:extLst>
+              <a:ext uri="{FF2B5EF4-FFF2-40B4-BE49-F238E27FC236}">
+                <a16:creationId xmlns:a16="http://schemas.microsoft.com/office/drawing/2014/main" id="{4F0368F4-1B90-44C3-ADBA-16EBE572262F}"/>
+              </a:ext>
+            </a:extLst>
+          </p:cNvPr>
+          <p:cNvSpPr txBox="1"/>
+          <p:nvPr/>
+        </p:nvSpPr>
+        <p:spPr>
+          <a:xfrm>
+            <a:off x="4913663" y="1698760"/>
+            <a:ext cx="1420582" cy="369332"/>
+          </a:xfrm>
+          <a:prstGeom prst="rect">
+            <a:avLst/>
+          </a:prstGeom>
+          <a:noFill/>
+        </p:spPr>
+        <p:txBody>
+          <a:bodyPr wrap="none" rtlCol="0">
+            <a:spAutoFit/>
+          </a:bodyPr>
+          <a:lstStyle/>
+          <a:p>
+            <a:r>
+              <a:rPr lang="ko-KR" altLang="en-US" dirty="0"/>
+              <a:t>데이터 가공</a:t>
+            </a:r>
+          </a:p>
+        </p:txBody>
+      </p:sp>
+      <p:sp>
+        <p:nvSpPr>
+          <p:cNvPr id="50" name="TextBox 49">
+            <a:extLst>
+              <a:ext uri="{FF2B5EF4-FFF2-40B4-BE49-F238E27FC236}">
+                <a16:creationId xmlns:a16="http://schemas.microsoft.com/office/drawing/2014/main" id="{29C9C856-B759-46F9-A88D-211A6D5F6E22}"/>
+              </a:ext>
+            </a:extLst>
+          </p:cNvPr>
+          <p:cNvSpPr txBox="1"/>
+          <p:nvPr/>
+        </p:nvSpPr>
+        <p:spPr>
+          <a:xfrm>
+            <a:off x="7354284" y="1732026"/>
+            <a:ext cx="1420582" cy="369332"/>
+          </a:xfrm>
+          <a:prstGeom prst="rect">
+            <a:avLst/>
+          </a:prstGeom>
+          <a:noFill/>
+        </p:spPr>
+        <p:txBody>
+          <a:bodyPr wrap="none" rtlCol="0">
+            <a:spAutoFit/>
+          </a:bodyPr>
+          <a:lstStyle/>
+          <a:p>
+            <a:r>
+              <a:rPr lang="ko-KR" altLang="en-US" dirty="0"/>
+              <a:t>데이터 분석</a:t>
+            </a:r>
+          </a:p>
+        </p:txBody>
+      </p:sp>
+      <p:sp>
+        <p:nvSpPr>
+          <p:cNvPr id="51" name="TextBox 50">
+            <a:extLst>
+              <a:ext uri="{FF2B5EF4-FFF2-40B4-BE49-F238E27FC236}">
+                <a16:creationId xmlns:a16="http://schemas.microsoft.com/office/drawing/2014/main" id="{AACB1FD9-2E83-434A-AF17-FB298469A868}"/>
+              </a:ext>
+            </a:extLst>
+          </p:cNvPr>
+          <p:cNvSpPr txBox="1"/>
+          <p:nvPr/>
+        </p:nvSpPr>
+        <p:spPr>
+          <a:xfrm>
+            <a:off x="9523195" y="1715393"/>
+            <a:ext cx="1963999" cy="369332"/>
+          </a:xfrm>
+          <a:prstGeom prst="rect">
+            <a:avLst/>
+          </a:prstGeom>
+          <a:noFill/>
+        </p:spPr>
+        <p:txBody>
+          <a:bodyPr wrap="none" rtlCol="0">
+            <a:spAutoFit/>
+          </a:bodyPr>
+          <a:lstStyle/>
+          <a:p>
+            <a:r>
+              <a:rPr lang="ko-KR" altLang="en-US"/>
+              <a:t>사용자 대응 전략</a:t>
+            </a:r>
+            <a:endParaRPr lang="ko-KR" altLang="en-US" dirty="0"/>
+          </a:p>
+        </p:txBody>
+      </p:sp>
+    </p:spTree>
+    <p:extLst>
+      <p:ext uri="{BB962C8B-B14F-4D97-AF65-F5344CB8AC3E}">
+        <p14:creationId xmlns:p14="http://schemas.microsoft.com/office/powerpoint/2010/main" val="1593846639"/>
       </p:ext>
     </p:extLst>
   </p:cSld>

--- a/시스템 설계도.pptx
+++ b/시스템 설계도.pptx
@@ -206,7 +206,7 @@
           <a:p>
             <a:fld id="{569F5EC4-47E6-4672-A22A-0BA91B49A62D}" type="datetimeFigureOut">
               <a:rPr lang="ko-KR" altLang="en-US" smtClean="0"/>
-              <a:t>2025-03-19</a:t>
+              <a:t>2025-03-20</a:t>
             </a:fld>
             <a:endParaRPr lang="ko-KR" altLang="en-US"/>
           </a:p>
@@ -686,7 +686,7 @@
           <a:p>
             <a:fld id="{6CA2144F-5261-45C2-AF35-9E74089734CA}" type="datetimeFigureOut">
               <a:rPr lang="ko-KR" altLang="en-US" smtClean="0"/>
-              <a:t>2025-03-19</a:t>
+              <a:t>2025-03-20</a:t>
             </a:fld>
             <a:endParaRPr lang="ko-KR" altLang="en-US"/>
           </a:p>
@@ -854,7 +854,7 @@
           <a:p>
             <a:fld id="{6CA2144F-5261-45C2-AF35-9E74089734CA}" type="datetimeFigureOut">
               <a:rPr lang="ko-KR" altLang="en-US" smtClean="0"/>
-              <a:t>2025-03-19</a:t>
+              <a:t>2025-03-20</a:t>
             </a:fld>
             <a:endParaRPr lang="ko-KR" altLang="en-US"/>
           </a:p>
@@ -1032,7 +1032,7 @@
           <a:p>
             <a:fld id="{6CA2144F-5261-45C2-AF35-9E74089734CA}" type="datetimeFigureOut">
               <a:rPr lang="ko-KR" altLang="en-US" smtClean="0"/>
-              <a:t>2025-03-19</a:t>
+              <a:t>2025-03-20</a:t>
             </a:fld>
             <a:endParaRPr lang="ko-KR" altLang="en-US"/>
           </a:p>
@@ -1200,7 +1200,7 @@
           <a:p>
             <a:fld id="{6CA2144F-5261-45C2-AF35-9E74089734CA}" type="datetimeFigureOut">
               <a:rPr lang="ko-KR" altLang="en-US" smtClean="0"/>
-              <a:t>2025-03-19</a:t>
+              <a:t>2025-03-20</a:t>
             </a:fld>
             <a:endParaRPr lang="ko-KR" altLang="en-US"/>
           </a:p>
@@ -1445,7 +1445,7 @@
           <a:p>
             <a:fld id="{6CA2144F-5261-45C2-AF35-9E74089734CA}" type="datetimeFigureOut">
               <a:rPr lang="ko-KR" altLang="en-US" smtClean="0"/>
-              <a:t>2025-03-19</a:t>
+              <a:t>2025-03-20</a:t>
             </a:fld>
             <a:endParaRPr lang="ko-KR" altLang="en-US"/>
           </a:p>
@@ -1674,7 +1674,7 @@
           <a:p>
             <a:fld id="{6CA2144F-5261-45C2-AF35-9E74089734CA}" type="datetimeFigureOut">
               <a:rPr lang="ko-KR" altLang="en-US" smtClean="0"/>
-              <a:t>2025-03-19</a:t>
+              <a:t>2025-03-20</a:t>
             </a:fld>
             <a:endParaRPr lang="ko-KR" altLang="en-US"/>
           </a:p>
@@ -2038,7 +2038,7 @@
           <a:p>
             <a:fld id="{6CA2144F-5261-45C2-AF35-9E74089734CA}" type="datetimeFigureOut">
               <a:rPr lang="ko-KR" altLang="en-US" smtClean="0"/>
-              <a:t>2025-03-19</a:t>
+              <a:t>2025-03-20</a:t>
             </a:fld>
             <a:endParaRPr lang="ko-KR" altLang="en-US"/>
           </a:p>
@@ -2155,7 +2155,7 @@
           <a:p>
             <a:fld id="{6CA2144F-5261-45C2-AF35-9E74089734CA}" type="datetimeFigureOut">
               <a:rPr lang="ko-KR" altLang="en-US" smtClean="0"/>
-              <a:t>2025-03-19</a:t>
+              <a:t>2025-03-20</a:t>
             </a:fld>
             <a:endParaRPr lang="ko-KR" altLang="en-US"/>
           </a:p>
@@ -2250,7 +2250,7 @@
           <a:p>
             <a:fld id="{6CA2144F-5261-45C2-AF35-9E74089734CA}" type="datetimeFigureOut">
               <a:rPr lang="ko-KR" altLang="en-US" smtClean="0"/>
-              <a:t>2025-03-19</a:t>
+              <a:t>2025-03-20</a:t>
             </a:fld>
             <a:endParaRPr lang="ko-KR" altLang="en-US"/>
           </a:p>
@@ -2525,7 +2525,7 @@
           <a:p>
             <a:fld id="{6CA2144F-5261-45C2-AF35-9E74089734CA}" type="datetimeFigureOut">
               <a:rPr lang="ko-KR" altLang="en-US" smtClean="0"/>
-              <a:t>2025-03-19</a:t>
+              <a:t>2025-03-20</a:t>
             </a:fld>
             <a:endParaRPr lang="ko-KR" altLang="en-US"/>
           </a:p>
@@ -2777,7 +2777,7 @@
           <a:p>
             <a:fld id="{6CA2144F-5261-45C2-AF35-9E74089734CA}" type="datetimeFigureOut">
               <a:rPr lang="ko-KR" altLang="en-US" smtClean="0"/>
-              <a:t>2025-03-19</a:t>
+              <a:t>2025-03-20</a:t>
             </a:fld>
             <a:endParaRPr lang="ko-KR" altLang="en-US"/>
           </a:p>
@@ -2988,7 +2988,7 @@
           <a:p>
             <a:fld id="{6CA2144F-5261-45C2-AF35-9E74089734CA}" type="datetimeFigureOut">
               <a:rPr lang="ko-KR" altLang="en-US" smtClean="0"/>
-              <a:t>2025-03-19</a:t>
+              <a:t>2025-03-20</a:t>
             </a:fld>
             <a:endParaRPr lang="ko-KR" altLang="en-US"/>
           </a:p>
@@ -3601,20 +3601,28 @@
           </a:p>
           <a:p>
             <a:r>
-              <a:rPr lang="ko-KR" altLang="en-US" dirty="0"/>
-              <a:t>사용자와 형성한 유대감을 기반으로</a:t>
-            </a:r>
-            <a:r>
-              <a:rPr lang="en-US" altLang="ko-KR" dirty="0"/>
-              <a:t>..??(</a:t>
-            </a:r>
-            <a:r>
-              <a:rPr lang="ko-KR" altLang="en-US" dirty="0"/>
-              <a:t>미정</a:t>
-            </a:r>
-            <a:r>
-              <a:rPr lang="en-US" altLang="ko-KR" dirty="0"/>
-              <a:t>)</a:t>
+              <a:rPr lang="en-US" altLang="ko-KR" dirty="0" smtClean="0"/>
+              <a:t>“</a:t>
+            </a:r>
+            <a:r>
+              <a:rPr lang="ko-KR" altLang="en-US" dirty="0" smtClean="0"/>
+              <a:t>친밀감</a:t>
+            </a:r>
+            <a:r>
+              <a:rPr lang="en-US" altLang="ko-KR" dirty="0" smtClean="0"/>
+              <a:t>-</a:t>
+            </a:r>
+            <a:r>
+              <a:rPr lang="ko-KR" altLang="en-US" dirty="0" smtClean="0"/>
+              <a:t>정보공유</a:t>
+            </a:r>
+            <a:r>
+              <a:rPr lang="en-US" altLang="ko-KR" dirty="0" smtClean="0"/>
+              <a:t>”</a:t>
+            </a:r>
+            <a:r>
+              <a:rPr lang="ko-KR" altLang="en-US" dirty="0" smtClean="0"/>
+              <a:t> 선순환 구조를 통한 사용자 신뢰 확보</a:t>
             </a:r>
             <a:endParaRPr lang="ko-KR" altLang="en-US" dirty="0"/>
           </a:p>

--- a/시스템 설계도.pptx
+++ b/시스템 설계도.pptx
@@ -5,7 +5,7 @@
     <p:sldMasterId id="2147483648" r:id="rId1"/>
   </p:sldMasterIdLst>
   <p:notesMasterIdLst>
-    <p:notesMasterId r:id="rId12"/>
+    <p:notesMasterId r:id="rId18"/>
   </p:notesMasterIdLst>
   <p:sldIdLst>
     <p:sldId id="256" r:id="rId2"/>
@@ -17,7 +17,13 @@
     <p:sldId id="282" r:id="rId8"/>
     <p:sldId id="283" r:id="rId9"/>
     <p:sldId id="284" r:id="rId10"/>
-    <p:sldId id="290" r:id="rId11"/>
+    <p:sldId id="292" r:id="rId11"/>
+    <p:sldId id="293" r:id="rId12"/>
+    <p:sldId id="294" r:id="rId13"/>
+    <p:sldId id="295" r:id="rId14"/>
+    <p:sldId id="296" r:id="rId15"/>
+    <p:sldId id="297" r:id="rId16"/>
+    <p:sldId id="290" r:id="rId17"/>
   </p:sldIdLst>
   <p:sldSz cx="12192000" cy="6858000"/>
   <p:notesSz cx="6858000" cy="9144000"/>
@@ -206,7 +212,7 @@
           <a:p>
             <a:fld id="{569F5EC4-47E6-4672-A22A-0BA91B49A62D}" type="datetimeFigureOut">
               <a:rPr lang="ko-KR" altLang="en-US" smtClean="0"/>
-              <a:t>2025-03-20</a:t>
+              <a:t>2025-03-21</a:t>
             </a:fld>
             <a:endParaRPr lang="ko-KR" altLang="en-US"/>
           </a:p>
@@ -686,7 +692,7 @@
           <a:p>
             <a:fld id="{6CA2144F-5261-45C2-AF35-9E74089734CA}" type="datetimeFigureOut">
               <a:rPr lang="ko-KR" altLang="en-US" smtClean="0"/>
-              <a:t>2025-03-20</a:t>
+              <a:t>2025-03-21</a:t>
             </a:fld>
             <a:endParaRPr lang="ko-KR" altLang="en-US"/>
           </a:p>
@@ -854,7 +860,7 @@
           <a:p>
             <a:fld id="{6CA2144F-5261-45C2-AF35-9E74089734CA}" type="datetimeFigureOut">
               <a:rPr lang="ko-KR" altLang="en-US" smtClean="0"/>
-              <a:t>2025-03-20</a:t>
+              <a:t>2025-03-21</a:t>
             </a:fld>
             <a:endParaRPr lang="ko-KR" altLang="en-US"/>
           </a:p>
@@ -1032,7 +1038,7 @@
           <a:p>
             <a:fld id="{6CA2144F-5261-45C2-AF35-9E74089734CA}" type="datetimeFigureOut">
               <a:rPr lang="ko-KR" altLang="en-US" smtClean="0"/>
-              <a:t>2025-03-20</a:t>
+              <a:t>2025-03-21</a:t>
             </a:fld>
             <a:endParaRPr lang="ko-KR" altLang="en-US"/>
           </a:p>
@@ -1200,7 +1206,7 @@
           <a:p>
             <a:fld id="{6CA2144F-5261-45C2-AF35-9E74089734CA}" type="datetimeFigureOut">
               <a:rPr lang="ko-KR" altLang="en-US" smtClean="0"/>
-              <a:t>2025-03-20</a:t>
+              <a:t>2025-03-21</a:t>
             </a:fld>
             <a:endParaRPr lang="ko-KR" altLang="en-US"/>
           </a:p>
@@ -1445,7 +1451,7 @@
           <a:p>
             <a:fld id="{6CA2144F-5261-45C2-AF35-9E74089734CA}" type="datetimeFigureOut">
               <a:rPr lang="ko-KR" altLang="en-US" smtClean="0"/>
-              <a:t>2025-03-20</a:t>
+              <a:t>2025-03-21</a:t>
             </a:fld>
             <a:endParaRPr lang="ko-KR" altLang="en-US"/>
           </a:p>
@@ -1674,7 +1680,7 @@
           <a:p>
             <a:fld id="{6CA2144F-5261-45C2-AF35-9E74089734CA}" type="datetimeFigureOut">
               <a:rPr lang="ko-KR" altLang="en-US" smtClean="0"/>
-              <a:t>2025-03-20</a:t>
+              <a:t>2025-03-21</a:t>
             </a:fld>
             <a:endParaRPr lang="ko-KR" altLang="en-US"/>
           </a:p>
@@ -2038,7 +2044,7 @@
           <a:p>
             <a:fld id="{6CA2144F-5261-45C2-AF35-9E74089734CA}" type="datetimeFigureOut">
               <a:rPr lang="ko-KR" altLang="en-US" smtClean="0"/>
-              <a:t>2025-03-20</a:t>
+              <a:t>2025-03-21</a:t>
             </a:fld>
             <a:endParaRPr lang="ko-KR" altLang="en-US"/>
           </a:p>
@@ -2155,7 +2161,7 @@
           <a:p>
             <a:fld id="{6CA2144F-5261-45C2-AF35-9E74089734CA}" type="datetimeFigureOut">
               <a:rPr lang="ko-KR" altLang="en-US" smtClean="0"/>
-              <a:t>2025-03-20</a:t>
+              <a:t>2025-03-21</a:t>
             </a:fld>
             <a:endParaRPr lang="ko-KR" altLang="en-US"/>
           </a:p>
@@ -2250,7 +2256,7 @@
           <a:p>
             <a:fld id="{6CA2144F-5261-45C2-AF35-9E74089734CA}" type="datetimeFigureOut">
               <a:rPr lang="ko-KR" altLang="en-US" smtClean="0"/>
-              <a:t>2025-03-20</a:t>
+              <a:t>2025-03-21</a:t>
             </a:fld>
             <a:endParaRPr lang="ko-KR" altLang="en-US"/>
           </a:p>
@@ -2525,7 +2531,7 @@
           <a:p>
             <a:fld id="{6CA2144F-5261-45C2-AF35-9E74089734CA}" type="datetimeFigureOut">
               <a:rPr lang="ko-KR" altLang="en-US" smtClean="0"/>
-              <a:t>2025-03-20</a:t>
+              <a:t>2025-03-21</a:t>
             </a:fld>
             <a:endParaRPr lang="ko-KR" altLang="en-US"/>
           </a:p>
@@ -2777,7 +2783,7 @@
           <a:p>
             <a:fld id="{6CA2144F-5261-45C2-AF35-9E74089734CA}" type="datetimeFigureOut">
               <a:rPr lang="ko-KR" altLang="en-US" smtClean="0"/>
-              <a:t>2025-03-20</a:t>
+              <a:t>2025-03-21</a:t>
             </a:fld>
             <a:endParaRPr lang="ko-KR" altLang="en-US"/>
           </a:p>
@@ -2988,7 +2994,7 @@
           <a:p>
             <a:fld id="{6CA2144F-5261-45C2-AF35-9E74089734CA}" type="datetimeFigureOut">
               <a:rPr lang="ko-KR" altLang="en-US" smtClean="0"/>
-              <a:t>2025-03-20</a:t>
+              <a:t>2025-03-21</a:t>
             </a:fld>
             <a:endParaRPr lang="ko-KR" altLang="en-US"/>
           </a:p>
@@ -3503,6 +3509,13 @@
   <p:clrMapOvr>
     <a:masterClrMapping/>
   </p:clrMapOvr>
+  <p:timing>
+    <p:tnLst>
+      <p:par>
+        <p:cTn id="1" dur="indefinite" restart="never" nodeType="tmRoot"/>
+      </p:par>
+    </p:tnLst>
+  </p:timing>
 </p:sld>
 </file>
 
@@ -3525,6 +3538,3447 @@
       </p:grpSpPr>
       <p:sp>
         <p:nvSpPr>
+          <p:cNvPr id="66" name="직사각형 65"/>
+          <p:cNvSpPr/>
+          <p:nvPr/>
+        </p:nvSpPr>
+        <p:spPr>
+          <a:xfrm>
+            <a:off x="2841594" y="2606318"/>
+            <a:ext cx="2041864" cy="2917383"/>
+          </a:xfrm>
+          <a:prstGeom prst="rect">
+            <a:avLst/>
+          </a:prstGeom>
+          <a:solidFill>
+            <a:schemeClr val="bg1">
+              <a:lumMod val="95000"/>
+            </a:schemeClr>
+          </a:solidFill>
+          <a:ln w="19050">
+            <a:solidFill>
+              <a:schemeClr val="tx1"/>
+            </a:solidFill>
+          </a:ln>
+        </p:spPr>
+        <p:style>
+          <a:lnRef idx="2">
+            <a:schemeClr val="accent3">
+              <a:shade val="50000"/>
+            </a:schemeClr>
+          </a:lnRef>
+          <a:fillRef idx="1">
+            <a:schemeClr val="accent3"/>
+          </a:fillRef>
+          <a:effectRef idx="0">
+            <a:schemeClr val="accent3"/>
+          </a:effectRef>
+          <a:fontRef idx="minor">
+            <a:schemeClr val="lt1"/>
+          </a:fontRef>
+        </p:style>
+        <p:txBody>
+          <a:bodyPr rtlCol="0" anchor="ctr"/>
+          <a:lstStyle/>
+          <a:p>
+            <a:pPr algn="ctr"/>
+            <a:endParaRPr lang="ko-KR" altLang="en-US"/>
+          </a:p>
+        </p:txBody>
+      </p:sp>
+      <p:sp>
+        <p:nvSpPr>
+          <p:cNvPr id="67" name="직사각형 66"/>
+          <p:cNvSpPr/>
+          <p:nvPr/>
+        </p:nvSpPr>
+        <p:spPr>
+          <a:xfrm>
+            <a:off x="2837157" y="2588677"/>
+            <a:ext cx="2041864" cy="406790"/>
+          </a:xfrm>
+          <a:prstGeom prst="rect">
+            <a:avLst/>
+          </a:prstGeom>
+        </p:spPr>
+        <p:style>
+          <a:lnRef idx="2">
+            <a:schemeClr val="accent4">
+              <a:shade val="50000"/>
+            </a:schemeClr>
+          </a:lnRef>
+          <a:fillRef idx="1">
+            <a:schemeClr val="accent4"/>
+          </a:fillRef>
+          <a:effectRef idx="0">
+            <a:schemeClr val="accent4"/>
+          </a:effectRef>
+          <a:fontRef idx="minor">
+            <a:schemeClr val="lt1"/>
+          </a:fontRef>
+        </p:style>
+        <p:txBody>
+          <a:bodyPr rtlCol="0" anchor="ctr"/>
+          <a:lstStyle/>
+          <a:p>
+            <a:pPr algn="ctr"/>
+            <a:r>
+              <a:rPr lang="en-US" altLang="ko-KR" dirty="0" smtClean="0"/>
+              <a:t>3/13 </a:t>
+            </a:r>
+            <a:r>
+              <a:rPr lang="ko-KR" altLang="en-US" dirty="0" smtClean="0"/>
+              <a:t>친구랑 카페</a:t>
+            </a:r>
+            <a:endParaRPr lang="ko-KR" altLang="en-US" dirty="0"/>
+          </a:p>
+        </p:txBody>
+      </p:sp>
+      <p:sp>
+        <p:nvSpPr>
+          <p:cNvPr id="68" name="직사각형 67"/>
+          <p:cNvSpPr/>
+          <p:nvPr/>
+        </p:nvSpPr>
+        <p:spPr>
+          <a:xfrm>
+            <a:off x="2837157" y="2995467"/>
+            <a:ext cx="2041864" cy="406790"/>
+          </a:xfrm>
+          <a:prstGeom prst="rect">
+            <a:avLst/>
+          </a:prstGeom>
+        </p:spPr>
+        <p:style>
+          <a:lnRef idx="2">
+            <a:schemeClr val="accent6">
+              <a:shade val="50000"/>
+            </a:schemeClr>
+          </a:lnRef>
+          <a:fillRef idx="1">
+            <a:schemeClr val="accent6"/>
+          </a:fillRef>
+          <a:effectRef idx="0">
+            <a:schemeClr val="accent6"/>
+          </a:effectRef>
+          <a:fontRef idx="minor">
+            <a:schemeClr val="lt1"/>
+          </a:fontRef>
+        </p:style>
+        <p:txBody>
+          <a:bodyPr rtlCol="0" anchor="ctr"/>
+          <a:lstStyle/>
+          <a:p>
+            <a:pPr algn="ctr"/>
+            <a:r>
+              <a:rPr lang="en-US" altLang="ko-KR" dirty="0" smtClean="0"/>
+              <a:t>3/26 </a:t>
+            </a:r>
+            <a:r>
+              <a:rPr lang="ko-KR" altLang="en-US" dirty="0" smtClean="0"/>
+              <a:t>자소서 마감</a:t>
+            </a:r>
+            <a:endParaRPr lang="ko-KR" altLang="en-US" dirty="0"/>
+          </a:p>
+        </p:txBody>
+      </p:sp>
+      <p:sp>
+        <p:nvSpPr>
+          <p:cNvPr id="69" name="직사각형 68"/>
+          <p:cNvSpPr/>
+          <p:nvPr/>
+        </p:nvSpPr>
+        <p:spPr>
+          <a:xfrm>
+            <a:off x="2837157" y="3410911"/>
+            <a:ext cx="2041864" cy="406790"/>
+          </a:xfrm>
+          <a:prstGeom prst="rect">
+            <a:avLst/>
+          </a:prstGeom>
+        </p:spPr>
+        <p:style>
+          <a:lnRef idx="2">
+            <a:schemeClr val="accent6">
+              <a:shade val="50000"/>
+            </a:schemeClr>
+          </a:lnRef>
+          <a:fillRef idx="1">
+            <a:schemeClr val="accent6"/>
+          </a:fillRef>
+          <a:effectRef idx="0">
+            <a:schemeClr val="accent6"/>
+          </a:effectRef>
+          <a:fontRef idx="minor">
+            <a:schemeClr val="lt1"/>
+          </a:fontRef>
+        </p:style>
+        <p:txBody>
+          <a:bodyPr rtlCol="0" anchor="ctr"/>
+          <a:lstStyle/>
+          <a:p>
+            <a:pPr algn="ctr"/>
+            <a:r>
+              <a:rPr lang="en-US" altLang="ko-KR" dirty="0" smtClean="0"/>
+              <a:t>4/1 </a:t>
+            </a:r>
+            <a:r>
+              <a:rPr lang="ko-KR" altLang="en-US" dirty="0" smtClean="0"/>
+              <a:t>결혼식 참석</a:t>
+            </a:r>
+            <a:endParaRPr lang="ko-KR" altLang="en-US" dirty="0"/>
+          </a:p>
+        </p:txBody>
+      </p:sp>
+      <p:sp>
+        <p:nvSpPr>
+          <p:cNvPr id="70" name="직사각형 69"/>
+          <p:cNvSpPr/>
+          <p:nvPr/>
+        </p:nvSpPr>
+        <p:spPr>
+          <a:xfrm>
+            <a:off x="2837157" y="3826356"/>
+            <a:ext cx="2041864" cy="406790"/>
+          </a:xfrm>
+          <a:prstGeom prst="rect">
+            <a:avLst/>
+          </a:prstGeom>
+        </p:spPr>
+        <p:style>
+          <a:lnRef idx="2">
+            <a:schemeClr val="accent4">
+              <a:shade val="50000"/>
+            </a:schemeClr>
+          </a:lnRef>
+          <a:fillRef idx="1">
+            <a:schemeClr val="accent4"/>
+          </a:fillRef>
+          <a:effectRef idx="0">
+            <a:schemeClr val="accent4"/>
+          </a:effectRef>
+          <a:fontRef idx="minor">
+            <a:schemeClr val="lt1"/>
+          </a:fontRef>
+        </p:style>
+        <p:txBody>
+          <a:bodyPr rtlCol="0" anchor="ctr"/>
+          <a:lstStyle/>
+          <a:p>
+            <a:pPr algn="ctr"/>
+            <a:r>
+              <a:rPr lang="en-US" altLang="ko-KR" dirty="0"/>
+              <a:t>5</a:t>
+            </a:r>
+            <a:r>
+              <a:rPr lang="en-US" altLang="ko-KR" dirty="0" smtClean="0"/>
+              <a:t>/15 </a:t>
+            </a:r>
+            <a:r>
+              <a:rPr lang="ko-KR" altLang="en-US" dirty="0" smtClean="0"/>
+              <a:t>데이트</a:t>
+            </a:r>
+            <a:endParaRPr lang="ko-KR" altLang="en-US" dirty="0"/>
+          </a:p>
+        </p:txBody>
+      </p:sp>
+      <p:sp>
+        <p:nvSpPr>
+          <p:cNvPr id="71" name="직사각형 70"/>
+          <p:cNvSpPr/>
+          <p:nvPr/>
+        </p:nvSpPr>
+        <p:spPr>
+          <a:xfrm>
+            <a:off x="2837155" y="4233146"/>
+            <a:ext cx="2041864" cy="406790"/>
+          </a:xfrm>
+          <a:prstGeom prst="rect">
+            <a:avLst/>
+          </a:prstGeom>
+        </p:spPr>
+        <p:style>
+          <a:lnRef idx="2">
+            <a:schemeClr val="accent3">
+              <a:shade val="50000"/>
+            </a:schemeClr>
+          </a:lnRef>
+          <a:fillRef idx="1">
+            <a:schemeClr val="accent3"/>
+          </a:fillRef>
+          <a:effectRef idx="0">
+            <a:schemeClr val="accent3"/>
+          </a:effectRef>
+          <a:fontRef idx="minor">
+            <a:schemeClr val="lt1"/>
+          </a:fontRef>
+        </p:style>
+        <p:txBody>
+          <a:bodyPr rtlCol="0" anchor="ctr"/>
+          <a:lstStyle/>
+          <a:p>
+            <a:pPr algn="ctr"/>
+            <a:r>
+              <a:rPr lang="en-US" altLang="ko-KR" dirty="0" smtClean="0"/>
+              <a:t>2/18 </a:t>
+            </a:r>
+            <a:r>
+              <a:rPr lang="ko-KR" altLang="en-US" dirty="0" smtClean="0"/>
+              <a:t>헬스장</a:t>
+            </a:r>
+            <a:endParaRPr lang="ko-KR" altLang="en-US" dirty="0"/>
+          </a:p>
+        </p:txBody>
+      </p:sp>
+      <p:sp>
+        <p:nvSpPr>
+          <p:cNvPr id="72" name="직사각형 71"/>
+          <p:cNvSpPr/>
+          <p:nvPr/>
+        </p:nvSpPr>
+        <p:spPr>
+          <a:xfrm>
+            <a:off x="2837155" y="4654560"/>
+            <a:ext cx="2041864" cy="406790"/>
+          </a:xfrm>
+          <a:prstGeom prst="rect">
+            <a:avLst/>
+          </a:prstGeom>
+        </p:spPr>
+        <p:style>
+          <a:lnRef idx="2">
+            <a:schemeClr val="accent3">
+              <a:shade val="50000"/>
+            </a:schemeClr>
+          </a:lnRef>
+          <a:fillRef idx="1">
+            <a:schemeClr val="accent3"/>
+          </a:fillRef>
+          <a:effectRef idx="0">
+            <a:schemeClr val="accent3"/>
+          </a:effectRef>
+          <a:fontRef idx="minor">
+            <a:schemeClr val="lt1"/>
+          </a:fontRef>
+        </p:style>
+        <p:txBody>
+          <a:bodyPr rtlCol="0" anchor="ctr"/>
+          <a:lstStyle/>
+          <a:p>
+            <a:pPr algn="ctr"/>
+            <a:r>
+              <a:rPr lang="en-US" altLang="ko-KR" dirty="0" smtClean="0"/>
+              <a:t>1/3 </a:t>
+            </a:r>
+            <a:r>
+              <a:rPr lang="ko-KR" altLang="en-US" dirty="0" smtClean="0"/>
+              <a:t>헬스장</a:t>
+            </a:r>
+            <a:endParaRPr lang="ko-KR" altLang="en-US" dirty="0"/>
+          </a:p>
+        </p:txBody>
+      </p:sp>
+      <p:sp>
+        <p:nvSpPr>
+          <p:cNvPr id="2" name="제목 1"/>
+          <p:cNvSpPr>
+            <a:spLocks noGrp="1"/>
+          </p:cNvSpPr>
+          <p:nvPr>
+            <p:ph type="title"/>
+          </p:nvPr>
+        </p:nvSpPr>
+        <p:spPr/>
+        <p:txBody>
+          <a:bodyPr/>
+          <a:lstStyle/>
+          <a:p>
+            <a:r>
+              <a:rPr lang="en-US" altLang="ko-KR" dirty="0" smtClean="0"/>
+              <a:t>UI/UX </a:t>
+            </a:r>
+            <a:r>
+              <a:rPr lang="ko-KR" altLang="en-US" dirty="0" smtClean="0"/>
+              <a:t>설계</a:t>
+            </a:r>
+            <a:endParaRPr lang="ko-KR" altLang="en-US" dirty="0"/>
+          </a:p>
+        </p:txBody>
+      </p:sp>
+      <p:sp>
+        <p:nvSpPr>
+          <p:cNvPr id="4" name="직사각형 3"/>
+          <p:cNvSpPr/>
+          <p:nvPr/>
+        </p:nvSpPr>
+        <p:spPr>
+          <a:xfrm>
+            <a:off x="577049" y="2606318"/>
+            <a:ext cx="2041864" cy="2917383"/>
+          </a:xfrm>
+          <a:prstGeom prst="rect">
+            <a:avLst/>
+          </a:prstGeom>
+          <a:solidFill>
+            <a:schemeClr val="bg1">
+              <a:lumMod val="95000"/>
+            </a:schemeClr>
+          </a:solidFill>
+          <a:ln w="19050">
+            <a:solidFill>
+              <a:schemeClr val="tx1"/>
+            </a:solidFill>
+          </a:ln>
+        </p:spPr>
+        <p:style>
+          <a:lnRef idx="2">
+            <a:schemeClr val="accent3">
+              <a:shade val="50000"/>
+            </a:schemeClr>
+          </a:lnRef>
+          <a:fillRef idx="1">
+            <a:schemeClr val="accent3"/>
+          </a:fillRef>
+          <a:effectRef idx="0">
+            <a:schemeClr val="accent3"/>
+          </a:effectRef>
+          <a:fontRef idx="minor">
+            <a:schemeClr val="lt1"/>
+          </a:fontRef>
+        </p:style>
+        <p:txBody>
+          <a:bodyPr rtlCol="0" anchor="ctr"/>
+          <a:lstStyle/>
+          <a:p>
+            <a:pPr algn="ctr"/>
+            <a:endParaRPr lang="ko-KR" altLang="en-US"/>
+          </a:p>
+        </p:txBody>
+      </p:sp>
+      <p:sp>
+        <p:nvSpPr>
+          <p:cNvPr id="10" name="TextBox 9"/>
+          <p:cNvSpPr txBox="1"/>
+          <p:nvPr/>
+        </p:nvSpPr>
+        <p:spPr>
+          <a:xfrm>
+            <a:off x="1003107" y="2208587"/>
+            <a:ext cx="1189749" cy="369332"/>
+          </a:xfrm>
+          <a:prstGeom prst="rect">
+            <a:avLst/>
+          </a:prstGeom>
+          <a:noFill/>
+        </p:spPr>
+        <p:txBody>
+          <a:bodyPr wrap="none" rtlCol="0">
+            <a:spAutoFit/>
+          </a:bodyPr>
+          <a:lstStyle/>
+          <a:p>
+            <a:pPr algn="ctr"/>
+            <a:r>
+              <a:rPr lang="ko-KR" altLang="en-US" dirty="0" smtClean="0"/>
+              <a:t>이드 대화</a:t>
+            </a:r>
+            <a:endParaRPr lang="ko-KR" altLang="en-US" dirty="0"/>
+          </a:p>
+        </p:txBody>
+      </p:sp>
+      <p:sp>
+        <p:nvSpPr>
+          <p:cNvPr id="12" name="TextBox 11"/>
+          <p:cNvSpPr txBox="1"/>
+          <p:nvPr/>
+        </p:nvSpPr>
+        <p:spPr>
+          <a:xfrm>
+            <a:off x="3223334" y="2208587"/>
+            <a:ext cx="1189749" cy="369332"/>
+          </a:xfrm>
+          <a:prstGeom prst="rect">
+            <a:avLst/>
+          </a:prstGeom>
+          <a:noFill/>
+        </p:spPr>
+        <p:txBody>
+          <a:bodyPr wrap="none" rtlCol="0">
+            <a:spAutoFit/>
+          </a:bodyPr>
+          <a:lstStyle/>
+          <a:p>
+            <a:pPr algn="ctr"/>
+            <a:r>
+              <a:rPr lang="ko-KR" altLang="en-US" dirty="0" smtClean="0"/>
+              <a:t>일정 관리</a:t>
+            </a:r>
+            <a:endParaRPr lang="ko-KR" altLang="en-US" dirty="0"/>
+          </a:p>
+        </p:txBody>
+      </p:sp>
+      <p:sp>
+        <p:nvSpPr>
+          <p:cNvPr id="13" name="직사각형 12"/>
+          <p:cNvSpPr/>
+          <p:nvPr/>
+        </p:nvSpPr>
+        <p:spPr>
+          <a:xfrm>
+            <a:off x="9617476" y="2606318"/>
+            <a:ext cx="2041864" cy="2917383"/>
+          </a:xfrm>
+          <a:prstGeom prst="rect">
+            <a:avLst/>
+          </a:prstGeom>
+          <a:solidFill>
+            <a:schemeClr val="bg1">
+              <a:lumMod val="95000"/>
+            </a:schemeClr>
+          </a:solidFill>
+          <a:ln w="19050">
+            <a:solidFill>
+              <a:schemeClr val="tx1"/>
+            </a:solidFill>
+          </a:ln>
+        </p:spPr>
+        <p:style>
+          <a:lnRef idx="2">
+            <a:schemeClr val="accent3">
+              <a:shade val="50000"/>
+            </a:schemeClr>
+          </a:lnRef>
+          <a:fillRef idx="1">
+            <a:schemeClr val="accent3"/>
+          </a:fillRef>
+          <a:effectRef idx="0">
+            <a:schemeClr val="accent3"/>
+          </a:effectRef>
+          <a:fontRef idx="minor">
+            <a:schemeClr val="lt1"/>
+          </a:fontRef>
+        </p:style>
+        <p:txBody>
+          <a:bodyPr rtlCol="0" anchor="ctr"/>
+          <a:lstStyle/>
+          <a:p>
+            <a:pPr algn="ctr"/>
+            <a:r>
+              <a:rPr lang="ko-KR" altLang="en-US" dirty="0" smtClean="0">
+                <a:solidFill>
+                  <a:schemeClr val="tx1"/>
+                </a:solidFill>
+              </a:rPr>
+              <a:t>사용자 프로필</a:t>
+            </a:r>
+            <a:endParaRPr lang="en-US" altLang="ko-KR" dirty="0" smtClean="0">
+              <a:solidFill>
+                <a:schemeClr val="tx1"/>
+              </a:solidFill>
+            </a:endParaRPr>
+          </a:p>
+          <a:p>
+            <a:pPr algn="ctr"/>
+            <a:endParaRPr lang="en-US" altLang="ko-KR" dirty="0" smtClean="0">
+              <a:solidFill>
+                <a:schemeClr val="tx1"/>
+              </a:solidFill>
+            </a:endParaRPr>
+          </a:p>
+          <a:p>
+            <a:pPr algn="ctr"/>
+            <a:r>
+              <a:rPr lang="ko-KR" altLang="en-US" dirty="0" smtClean="0">
+                <a:solidFill>
+                  <a:schemeClr val="tx1"/>
+                </a:solidFill>
+              </a:rPr>
+              <a:t>이드 프로필</a:t>
+            </a:r>
+            <a:endParaRPr lang="en-US" altLang="ko-KR" dirty="0" smtClean="0">
+              <a:solidFill>
+                <a:schemeClr val="tx1"/>
+              </a:solidFill>
+            </a:endParaRPr>
+          </a:p>
+          <a:p>
+            <a:pPr algn="ctr"/>
+            <a:endParaRPr lang="en-US" altLang="ko-KR" dirty="0" smtClean="0">
+              <a:solidFill>
+                <a:schemeClr val="tx1"/>
+              </a:solidFill>
+            </a:endParaRPr>
+          </a:p>
+          <a:p>
+            <a:pPr algn="ctr"/>
+            <a:r>
+              <a:rPr lang="ko-KR" altLang="en-US" dirty="0" smtClean="0">
+                <a:solidFill>
+                  <a:schemeClr val="tx1"/>
+                </a:solidFill>
+              </a:rPr>
+              <a:t>사용자에 대한 이드의 인식</a:t>
+            </a:r>
+            <a:endParaRPr lang="en-US" altLang="ko-KR" dirty="0" smtClean="0">
+              <a:solidFill>
+                <a:schemeClr val="tx1"/>
+              </a:solidFill>
+            </a:endParaRPr>
+          </a:p>
+        </p:txBody>
+      </p:sp>
+      <p:sp>
+        <p:nvSpPr>
+          <p:cNvPr id="14" name="TextBox 13"/>
+          <p:cNvSpPr txBox="1"/>
+          <p:nvPr/>
+        </p:nvSpPr>
+        <p:spPr>
+          <a:xfrm>
+            <a:off x="10043533" y="2208587"/>
+            <a:ext cx="1189749" cy="369332"/>
+          </a:xfrm>
+          <a:prstGeom prst="rect">
+            <a:avLst/>
+          </a:prstGeom>
+          <a:noFill/>
+        </p:spPr>
+        <p:txBody>
+          <a:bodyPr wrap="none" rtlCol="0">
+            <a:spAutoFit/>
+          </a:bodyPr>
+          <a:lstStyle/>
+          <a:p>
+            <a:pPr algn="ctr"/>
+            <a:r>
+              <a:rPr lang="ko-KR" altLang="en-US" dirty="0" smtClean="0"/>
+              <a:t>이드 정보</a:t>
+            </a:r>
+            <a:endParaRPr lang="ko-KR" altLang="en-US" dirty="0"/>
+          </a:p>
+        </p:txBody>
+      </p:sp>
+      <p:sp>
+        <p:nvSpPr>
+          <p:cNvPr id="15" name="직사각형 14"/>
+          <p:cNvSpPr/>
+          <p:nvPr/>
+        </p:nvSpPr>
+        <p:spPr>
+          <a:xfrm>
+            <a:off x="5097263" y="2606318"/>
+            <a:ext cx="2041864" cy="2917383"/>
+          </a:xfrm>
+          <a:prstGeom prst="rect">
+            <a:avLst/>
+          </a:prstGeom>
+          <a:solidFill>
+            <a:schemeClr val="bg1">
+              <a:lumMod val="95000"/>
+            </a:schemeClr>
+          </a:solidFill>
+          <a:ln w="19050">
+            <a:solidFill>
+              <a:schemeClr val="tx1"/>
+            </a:solidFill>
+          </a:ln>
+        </p:spPr>
+        <p:style>
+          <a:lnRef idx="2">
+            <a:schemeClr val="accent3">
+              <a:shade val="50000"/>
+            </a:schemeClr>
+          </a:lnRef>
+          <a:fillRef idx="1">
+            <a:schemeClr val="accent3"/>
+          </a:fillRef>
+          <a:effectRef idx="0">
+            <a:schemeClr val="accent3"/>
+          </a:effectRef>
+          <a:fontRef idx="minor">
+            <a:schemeClr val="lt1"/>
+          </a:fontRef>
+        </p:style>
+        <p:txBody>
+          <a:bodyPr rtlCol="0" anchor="ctr"/>
+          <a:lstStyle/>
+          <a:p>
+            <a:pPr algn="ctr"/>
+            <a:endParaRPr lang="ko-KR" altLang="en-US">
+              <a:solidFill>
+                <a:schemeClr val="tx1"/>
+              </a:solidFill>
+            </a:endParaRPr>
+          </a:p>
+        </p:txBody>
+      </p:sp>
+      <p:sp>
+        <p:nvSpPr>
+          <p:cNvPr id="16" name="TextBox 15"/>
+          <p:cNvSpPr txBox="1"/>
+          <p:nvPr/>
+        </p:nvSpPr>
+        <p:spPr>
+          <a:xfrm>
+            <a:off x="5564196" y="2208587"/>
+            <a:ext cx="1107997" cy="369332"/>
+          </a:xfrm>
+          <a:prstGeom prst="rect">
+            <a:avLst/>
+          </a:prstGeom>
+          <a:noFill/>
+        </p:spPr>
+        <p:txBody>
+          <a:bodyPr wrap="none" rtlCol="0">
+            <a:spAutoFit/>
+          </a:bodyPr>
+          <a:lstStyle/>
+          <a:p>
+            <a:pPr algn="ctr"/>
+            <a:r>
+              <a:rPr lang="ko-KR" altLang="en-US" dirty="0" smtClean="0"/>
+              <a:t>아카이브</a:t>
+            </a:r>
+            <a:endParaRPr lang="ko-KR" altLang="en-US" dirty="0"/>
+          </a:p>
+        </p:txBody>
+      </p:sp>
+      <p:sp>
+        <p:nvSpPr>
+          <p:cNvPr id="17" name="직사각형 16"/>
+          <p:cNvSpPr/>
+          <p:nvPr/>
+        </p:nvSpPr>
+        <p:spPr>
+          <a:xfrm>
+            <a:off x="7357370" y="2606318"/>
+            <a:ext cx="2041864" cy="2917383"/>
+          </a:xfrm>
+          <a:prstGeom prst="rect">
+            <a:avLst/>
+          </a:prstGeom>
+          <a:solidFill>
+            <a:schemeClr val="bg1">
+              <a:lumMod val="95000"/>
+            </a:schemeClr>
+          </a:solidFill>
+          <a:ln w="19050">
+            <a:solidFill>
+              <a:schemeClr val="tx1"/>
+            </a:solidFill>
+          </a:ln>
+        </p:spPr>
+        <p:style>
+          <a:lnRef idx="2">
+            <a:schemeClr val="accent3">
+              <a:shade val="50000"/>
+            </a:schemeClr>
+          </a:lnRef>
+          <a:fillRef idx="1">
+            <a:schemeClr val="accent3"/>
+          </a:fillRef>
+          <a:effectRef idx="0">
+            <a:schemeClr val="accent3"/>
+          </a:effectRef>
+          <a:fontRef idx="minor">
+            <a:schemeClr val="lt1"/>
+          </a:fontRef>
+        </p:style>
+        <p:txBody>
+          <a:bodyPr rtlCol="0" anchor="ctr"/>
+          <a:lstStyle/>
+          <a:p>
+            <a:pPr algn="ctr"/>
+            <a:endParaRPr lang="ko-KR" altLang="en-US"/>
+          </a:p>
+        </p:txBody>
+      </p:sp>
+      <p:sp>
+        <p:nvSpPr>
+          <p:cNvPr id="18" name="TextBox 17"/>
+          <p:cNvSpPr txBox="1"/>
+          <p:nvPr/>
+        </p:nvSpPr>
+        <p:spPr>
+          <a:xfrm>
+            <a:off x="7899840" y="2208587"/>
+            <a:ext cx="877163" cy="369332"/>
+          </a:xfrm>
+          <a:prstGeom prst="rect">
+            <a:avLst/>
+          </a:prstGeom>
+          <a:noFill/>
+        </p:spPr>
+        <p:txBody>
+          <a:bodyPr wrap="none" rtlCol="0">
+            <a:spAutoFit/>
+          </a:bodyPr>
+          <a:lstStyle/>
+          <a:p>
+            <a:pPr algn="ctr"/>
+            <a:r>
+              <a:rPr lang="ko-KR" altLang="en-US" dirty="0" smtClean="0"/>
+              <a:t>일기장</a:t>
+            </a:r>
+            <a:endParaRPr lang="ko-KR" altLang="en-US" dirty="0"/>
+          </a:p>
+        </p:txBody>
+      </p:sp>
+      <p:sp>
+        <p:nvSpPr>
+          <p:cNvPr id="26" name="직사각형 25"/>
+          <p:cNvSpPr/>
+          <p:nvPr/>
+        </p:nvSpPr>
+        <p:spPr>
+          <a:xfrm>
+            <a:off x="5097262" y="2606318"/>
+            <a:ext cx="2041864" cy="406790"/>
+          </a:xfrm>
+          <a:prstGeom prst="rect">
+            <a:avLst/>
+          </a:prstGeom>
+        </p:spPr>
+        <p:style>
+          <a:lnRef idx="2">
+            <a:schemeClr val="dk1">
+              <a:shade val="50000"/>
+            </a:schemeClr>
+          </a:lnRef>
+          <a:fillRef idx="1">
+            <a:schemeClr val="dk1"/>
+          </a:fillRef>
+          <a:effectRef idx="0">
+            <a:schemeClr val="dk1"/>
+          </a:effectRef>
+          <a:fontRef idx="minor">
+            <a:schemeClr val="lt1"/>
+          </a:fontRef>
+        </p:style>
+        <p:txBody>
+          <a:bodyPr rtlCol="0" anchor="ctr"/>
+          <a:lstStyle/>
+          <a:p>
+            <a:pPr algn="ctr"/>
+            <a:r>
+              <a:rPr lang="en-US" altLang="ko-KR" dirty="0" smtClean="0"/>
+              <a:t>#</a:t>
+            </a:r>
+            <a:r>
+              <a:rPr lang="ko-KR" altLang="en-US" dirty="0" err="1" smtClean="0"/>
+              <a:t>검색창</a:t>
+            </a:r>
+            <a:endParaRPr lang="ko-KR" altLang="en-US" dirty="0"/>
+          </a:p>
+        </p:txBody>
+      </p:sp>
+      <p:sp>
+        <p:nvSpPr>
+          <p:cNvPr id="27" name="직사각형 26"/>
+          <p:cNvSpPr/>
+          <p:nvPr/>
+        </p:nvSpPr>
+        <p:spPr>
+          <a:xfrm>
+            <a:off x="585927" y="5116911"/>
+            <a:ext cx="2041864" cy="406790"/>
+          </a:xfrm>
+          <a:prstGeom prst="rect">
+            <a:avLst/>
+          </a:prstGeom>
+        </p:spPr>
+        <p:style>
+          <a:lnRef idx="2">
+            <a:schemeClr val="dk1">
+              <a:shade val="50000"/>
+            </a:schemeClr>
+          </a:lnRef>
+          <a:fillRef idx="1">
+            <a:schemeClr val="dk1"/>
+          </a:fillRef>
+          <a:effectRef idx="0">
+            <a:schemeClr val="dk1"/>
+          </a:effectRef>
+          <a:fontRef idx="minor">
+            <a:schemeClr val="lt1"/>
+          </a:fontRef>
+        </p:style>
+        <p:txBody>
+          <a:bodyPr rtlCol="0" anchor="ctr"/>
+          <a:lstStyle/>
+          <a:p>
+            <a:pPr algn="ctr"/>
+            <a:r>
+              <a:rPr lang="en-US" altLang="ko-KR" dirty="0" smtClean="0"/>
+              <a:t>#</a:t>
+            </a:r>
+            <a:r>
+              <a:rPr lang="ko-KR" altLang="en-US" dirty="0" err="1" smtClean="0"/>
+              <a:t>입력창</a:t>
+            </a:r>
+            <a:endParaRPr lang="ko-KR" altLang="en-US" dirty="0"/>
+          </a:p>
+        </p:txBody>
+      </p:sp>
+      <p:sp>
+        <p:nvSpPr>
+          <p:cNvPr id="28" name="직사각형 27"/>
+          <p:cNvSpPr/>
+          <p:nvPr/>
+        </p:nvSpPr>
+        <p:spPr>
+          <a:xfrm>
+            <a:off x="585927" y="2920178"/>
+            <a:ext cx="1216240" cy="406790"/>
+          </a:xfrm>
+          <a:prstGeom prst="rect">
+            <a:avLst/>
+          </a:prstGeom>
+        </p:spPr>
+        <p:style>
+          <a:lnRef idx="2">
+            <a:schemeClr val="accent1">
+              <a:shade val="50000"/>
+            </a:schemeClr>
+          </a:lnRef>
+          <a:fillRef idx="1">
+            <a:schemeClr val="accent1"/>
+          </a:fillRef>
+          <a:effectRef idx="0">
+            <a:schemeClr val="accent1"/>
+          </a:effectRef>
+          <a:fontRef idx="minor">
+            <a:schemeClr val="lt1"/>
+          </a:fontRef>
+        </p:style>
+        <p:txBody>
+          <a:bodyPr rtlCol="0" anchor="ctr"/>
+          <a:lstStyle/>
+          <a:p>
+            <a:pPr algn="ctr"/>
+            <a:r>
+              <a:rPr lang="ko-KR" altLang="en-US" dirty="0" smtClean="0"/>
+              <a:t>대화</a:t>
+            </a:r>
+            <a:endParaRPr lang="ko-KR" altLang="en-US" dirty="0"/>
+          </a:p>
+        </p:txBody>
+      </p:sp>
+      <p:sp>
+        <p:nvSpPr>
+          <p:cNvPr id="29" name="직사각형 28"/>
+          <p:cNvSpPr/>
+          <p:nvPr/>
+        </p:nvSpPr>
+        <p:spPr>
+          <a:xfrm>
+            <a:off x="1402673" y="3435278"/>
+            <a:ext cx="1216240" cy="406790"/>
+          </a:xfrm>
+          <a:prstGeom prst="rect">
+            <a:avLst/>
+          </a:prstGeom>
+        </p:spPr>
+        <p:style>
+          <a:lnRef idx="2">
+            <a:schemeClr val="accent1">
+              <a:shade val="50000"/>
+            </a:schemeClr>
+          </a:lnRef>
+          <a:fillRef idx="1">
+            <a:schemeClr val="accent1"/>
+          </a:fillRef>
+          <a:effectRef idx="0">
+            <a:schemeClr val="accent1"/>
+          </a:effectRef>
+          <a:fontRef idx="minor">
+            <a:schemeClr val="lt1"/>
+          </a:fontRef>
+        </p:style>
+        <p:txBody>
+          <a:bodyPr rtlCol="0" anchor="ctr"/>
+          <a:lstStyle/>
+          <a:p>
+            <a:pPr algn="ctr"/>
+            <a:r>
+              <a:rPr lang="ko-KR" altLang="en-US" dirty="0" smtClean="0"/>
+              <a:t>대화</a:t>
+            </a:r>
+            <a:endParaRPr lang="ko-KR" altLang="en-US" dirty="0"/>
+          </a:p>
+        </p:txBody>
+      </p:sp>
+      <p:sp>
+        <p:nvSpPr>
+          <p:cNvPr id="30" name="직사각형 29"/>
+          <p:cNvSpPr/>
+          <p:nvPr/>
+        </p:nvSpPr>
+        <p:spPr>
+          <a:xfrm>
+            <a:off x="585927" y="3936954"/>
+            <a:ext cx="1216240" cy="406790"/>
+          </a:xfrm>
+          <a:prstGeom prst="rect">
+            <a:avLst/>
+          </a:prstGeom>
+        </p:spPr>
+        <p:style>
+          <a:lnRef idx="2">
+            <a:schemeClr val="accent1">
+              <a:shade val="50000"/>
+            </a:schemeClr>
+          </a:lnRef>
+          <a:fillRef idx="1">
+            <a:schemeClr val="accent1"/>
+          </a:fillRef>
+          <a:effectRef idx="0">
+            <a:schemeClr val="accent1"/>
+          </a:effectRef>
+          <a:fontRef idx="minor">
+            <a:schemeClr val="lt1"/>
+          </a:fontRef>
+        </p:style>
+        <p:txBody>
+          <a:bodyPr rtlCol="0" anchor="ctr"/>
+          <a:lstStyle/>
+          <a:p>
+            <a:pPr algn="ctr"/>
+            <a:r>
+              <a:rPr lang="ko-KR" altLang="en-US" dirty="0" smtClean="0"/>
+              <a:t>대화</a:t>
+            </a:r>
+            <a:endParaRPr lang="ko-KR" altLang="en-US" dirty="0"/>
+          </a:p>
+        </p:txBody>
+      </p:sp>
+      <p:sp>
+        <p:nvSpPr>
+          <p:cNvPr id="31" name="직사각형 30"/>
+          <p:cNvSpPr/>
+          <p:nvPr/>
+        </p:nvSpPr>
+        <p:spPr>
+          <a:xfrm>
+            <a:off x="7477958" y="2764210"/>
+            <a:ext cx="1800687" cy="874463"/>
+          </a:xfrm>
+          <a:prstGeom prst="rect">
+            <a:avLst/>
+          </a:prstGeom>
+        </p:spPr>
+        <p:style>
+          <a:lnRef idx="2">
+            <a:schemeClr val="accent2">
+              <a:shade val="50000"/>
+            </a:schemeClr>
+          </a:lnRef>
+          <a:fillRef idx="1">
+            <a:schemeClr val="accent2"/>
+          </a:fillRef>
+          <a:effectRef idx="0">
+            <a:schemeClr val="accent2"/>
+          </a:effectRef>
+          <a:fontRef idx="minor">
+            <a:schemeClr val="lt1"/>
+          </a:fontRef>
+        </p:style>
+        <p:txBody>
+          <a:bodyPr rtlCol="0" anchor="ctr"/>
+          <a:lstStyle/>
+          <a:p>
+            <a:pPr algn="ctr"/>
+            <a:r>
+              <a:rPr lang="en-US" altLang="ko-KR" dirty="0" smtClean="0"/>
+              <a:t>3/17 </a:t>
+            </a:r>
+            <a:r>
+              <a:rPr lang="ko-KR" altLang="en-US" dirty="0" smtClean="0"/>
+              <a:t>일기</a:t>
+            </a:r>
+            <a:endParaRPr lang="ko-KR" altLang="en-US" dirty="0"/>
+          </a:p>
+        </p:txBody>
+      </p:sp>
+      <p:sp>
+        <p:nvSpPr>
+          <p:cNvPr id="32" name="직사각형 31"/>
+          <p:cNvSpPr/>
+          <p:nvPr/>
+        </p:nvSpPr>
+        <p:spPr>
+          <a:xfrm>
+            <a:off x="7477958" y="3758571"/>
+            <a:ext cx="1800687" cy="874463"/>
+          </a:xfrm>
+          <a:prstGeom prst="rect">
+            <a:avLst/>
+          </a:prstGeom>
+        </p:spPr>
+        <p:style>
+          <a:lnRef idx="2">
+            <a:schemeClr val="accent2">
+              <a:shade val="50000"/>
+            </a:schemeClr>
+          </a:lnRef>
+          <a:fillRef idx="1">
+            <a:schemeClr val="accent2"/>
+          </a:fillRef>
+          <a:effectRef idx="0">
+            <a:schemeClr val="accent2"/>
+          </a:effectRef>
+          <a:fontRef idx="minor">
+            <a:schemeClr val="lt1"/>
+          </a:fontRef>
+        </p:style>
+        <p:txBody>
+          <a:bodyPr rtlCol="0" anchor="ctr"/>
+          <a:lstStyle/>
+          <a:p>
+            <a:pPr algn="ctr"/>
+            <a:r>
+              <a:rPr lang="en-US" altLang="ko-KR" dirty="0" smtClean="0"/>
+              <a:t>3/16 </a:t>
+            </a:r>
+            <a:r>
+              <a:rPr lang="ko-KR" altLang="en-US" dirty="0" smtClean="0"/>
+              <a:t>일기</a:t>
+            </a:r>
+            <a:endParaRPr lang="ko-KR" altLang="en-US" dirty="0"/>
+          </a:p>
+        </p:txBody>
+      </p:sp>
+      <p:pic>
+        <p:nvPicPr>
+          <p:cNvPr id="37" name="그림 36"/>
+          <p:cNvPicPr>
+            <a:picLocks noChangeAspect="1"/>
+          </p:cNvPicPr>
+          <p:nvPr/>
+        </p:nvPicPr>
+        <p:blipFill>
+          <a:blip r:embed="rId2"/>
+          <a:stretch>
+            <a:fillRect/>
+          </a:stretch>
+        </p:blipFill>
+        <p:spPr>
+          <a:xfrm>
+            <a:off x="3223334" y="5806293"/>
+            <a:ext cx="5507898" cy="775271"/>
+          </a:xfrm>
+          <a:prstGeom prst="rect">
+            <a:avLst/>
+          </a:prstGeom>
+          <a:ln w="12700">
+            <a:solidFill>
+              <a:schemeClr val="tx1"/>
+            </a:solidFill>
+          </a:ln>
+        </p:spPr>
+      </p:pic>
+      <p:pic>
+        <p:nvPicPr>
+          <p:cNvPr id="38" name="그림 37"/>
+          <p:cNvPicPr>
+            <a:picLocks noChangeAspect="1"/>
+          </p:cNvPicPr>
+          <p:nvPr/>
+        </p:nvPicPr>
+        <p:blipFill>
+          <a:blip r:embed="rId3"/>
+          <a:stretch>
+            <a:fillRect/>
+          </a:stretch>
+        </p:blipFill>
+        <p:spPr>
+          <a:xfrm>
+            <a:off x="3223334" y="1544842"/>
+            <a:ext cx="5507898" cy="543847"/>
+          </a:xfrm>
+          <a:prstGeom prst="rect">
+            <a:avLst/>
+          </a:prstGeom>
+          <a:ln w="12700">
+            <a:solidFill>
+              <a:schemeClr val="tx1"/>
+            </a:solidFill>
+          </a:ln>
+        </p:spPr>
+      </p:pic>
+      <p:pic>
+        <p:nvPicPr>
+          <p:cNvPr id="73" name="그림 72"/>
+          <p:cNvPicPr>
+            <a:picLocks noChangeAspect="1"/>
+          </p:cNvPicPr>
+          <p:nvPr/>
+        </p:nvPicPr>
+        <p:blipFill>
+          <a:blip r:embed="rId4"/>
+          <a:stretch>
+            <a:fillRect/>
+          </a:stretch>
+        </p:blipFill>
+        <p:spPr>
+          <a:xfrm>
+            <a:off x="5206101" y="3125840"/>
+            <a:ext cx="1824186" cy="1732115"/>
+          </a:xfrm>
+          <a:prstGeom prst="rect">
+            <a:avLst/>
+          </a:prstGeom>
+        </p:spPr>
+      </p:pic>
+    </p:spTree>
+    <p:extLst>
+      <p:ext uri="{BB962C8B-B14F-4D97-AF65-F5344CB8AC3E}">
+        <p14:creationId xmlns:p14="http://schemas.microsoft.com/office/powerpoint/2010/main" val="2817954427"/>
+      </p:ext>
+    </p:extLst>
+  </p:cSld>
+  <p:clrMapOvr>
+    <a:masterClrMapping/>
+  </p:clrMapOvr>
+  <p:timing>
+    <p:tnLst>
+      <p:par>
+        <p:cTn id="1" dur="indefinite" restart="never" nodeType="tmRoot"/>
+      </p:par>
+    </p:tnLst>
+  </p:timing>
+</p:sld>
+</file>
+
+<file path=ppt/slides/slide11.xml><?xml version="1.0" encoding="utf-8"?>
+<p:sld xmlns:a="http://schemas.openxmlformats.org/drawingml/2006/main" xmlns:r="http://schemas.openxmlformats.org/officeDocument/2006/relationships" xmlns:p="http://schemas.openxmlformats.org/presentationml/2006/main">
+  <p:cSld>
+    <p:spTree>
+      <p:nvGrpSpPr>
+        <p:cNvPr id="1" name=""/>
+        <p:cNvGrpSpPr/>
+        <p:nvPr/>
+      </p:nvGrpSpPr>
+      <p:grpSpPr>
+        <a:xfrm>
+          <a:off x="0" y="0"/>
+          <a:ext cx="0" cy="0"/>
+          <a:chOff x="0" y="0"/>
+          <a:chExt cx="0" cy="0"/>
+        </a:xfrm>
+      </p:grpSpPr>
+      <p:sp>
+        <p:nvSpPr>
+          <p:cNvPr id="2" name="제목 1"/>
+          <p:cNvSpPr>
+            <a:spLocks noGrp="1"/>
+          </p:cNvSpPr>
+          <p:nvPr>
+            <p:ph type="title"/>
+          </p:nvPr>
+        </p:nvSpPr>
+        <p:spPr/>
+        <p:txBody>
+          <a:bodyPr/>
+          <a:lstStyle/>
+          <a:p>
+            <a:r>
+              <a:rPr lang="en-US" altLang="ko-KR" dirty="0" smtClean="0"/>
+              <a:t>1. </a:t>
+            </a:r>
+            <a:r>
+              <a:rPr lang="ko-KR" altLang="en-US" dirty="0" smtClean="0"/>
+              <a:t>이드 대화</a:t>
+            </a:r>
+            <a:endParaRPr lang="ko-KR" altLang="en-US" dirty="0"/>
+          </a:p>
+        </p:txBody>
+      </p:sp>
+      <p:sp>
+        <p:nvSpPr>
+          <p:cNvPr id="4" name="직사각형 3"/>
+          <p:cNvSpPr/>
+          <p:nvPr/>
+        </p:nvSpPr>
+        <p:spPr>
+          <a:xfrm>
+            <a:off x="838200" y="2088419"/>
+            <a:ext cx="2041864" cy="2917383"/>
+          </a:xfrm>
+          <a:prstGeom prst="rect">
+            <a:avLst/>
+          </a:prstGeom>
+          <a:solidFill>
+            <a:schemeClr val="bg1">
+              <a:lumMod val="95000"/>
+            </a:schemeClr>
+          </a:solidFill>
+          <a:ln w="19050">
+            <a:solidFill>
+              <a:schemeClr val="tx1"/>
+            </a:solidFill>
+          </a:ln>
+        </p:spPr>
+        <p:style>
+          <a:lnRef idx="2">
+            <a:schemeClr val="accent3">
+              <a:shade val="50000"/>
+            </a:schemeClr>
+          </a:lnRef>
+          <a:fillRef idx="1">
+            <a:schemeClr val="accent3"/>
+          </a:fillRef>
+          <a:effectRef idx="0">
+            <a:schemeClr val="accent3"/>
+          </a:effectRef>
+          <a:fontRef idx="minor">
+            <a:schemeClr val="lt1"/>
+          </a:fontRef>
+        </p:style>
+        <p:txBody>
+          <a:bodyPr rtlCol="0" anchor="ctr"/>
+          <a:lstStyle/>
+          <a:p>
+            <a:pPr algn="ctr"/>
+            <a:endParaRPr lang="ko-KR" altLang="en-US"/>
+          </a:p>
+        </p:txBody>
+      </p:sp>
+      <p:sp>
+        <p:nvSpPr>
+          <p:cNvPr id="10" name="TextBox 9"/>
+          <p:cNvSpPr txBox="1"/>
+          <p:nvPr/>
+        </p:nvSpPr>
+        <p:spPr>
+          <a:xfrm>
+            <a:off x="1264258" y="1690688"/>
+            <a:ext cx="1189749" cy="369332"/>
+          </a:xfrm>
+          <a:prstGeom prst="rect">
+            <a:avLst/>
+          </a:prstGeom>
+          <a:noFill/>
+        </p:spPr>
+        <p:txBody>
+          <a:bodyPr wrap="none" rtlCol="0">
+            <a:spAutoFit/>
+          </a:bodyPr>
+          <a:lstStyle/>
+          <a:p>
+            <a:pPr algn="ctr"/>
+            <a:r>
+              <a:rPr lang="ko-KR" altLang="en-US" dirty="0" smtClean="0"/>
+              <a:t>이드 대화</a:t>
+            </a:r>
+            <a:endParaRPr lang="ko-KR" altLang="en-US" dirty="0"/>
+          </a:p>
+        </p:txBody>
+      </p:sp>
+      <p:sp>
+        <p:nvSpPr>
+          <p:cNvPr id="27" name="직사각형 26"/>
+          <p:cNvSpPr/>
+          <p:nvPr/>
+        </p:nvSpPr>
+        <p:spPr>
+          <a:xfrm>
+            <a:off x="847078" y="4599012"/>
+            <a:ext cx="2041864" cy="406790"/>
+          </a:xfrm>
+          <a:prstGeom prst="rect">
+            <a:avLst/>
+          </a:prstGeom>
+        </p:spPr>
+        <p:style>
+          <a:lnRef idx="2">
+            <a:schemeClr val="dk1">
+              <a:shade val="50000"/>
+            </a:schemeClr>
+          </a:lnRef>
+          <a:fillRef idx="1">
+            <a:schemeClr val="dk1"/>
+          </a:fillRef>
+          <a:effectRef idx="0">
+            <a:schemeClr val="dk1"/>
+          </a:effectRef>
+          <a:fontRef idx="minor">
+            <a:schemeClr val="lt1"/>
+          </a:fontRef>
+        </p:style>
+        <p:txBody>
+          <a:bodyPr rtlCol="0" anchor="ctr"/>
+          <a:lstStyle/>
+          <a:p>
+            <a:pPr algn="ctr"/>
+            <a:r>
+              <a:rPr lang="en-US" altLang="ko-KR" dirty="0" smtClean="0"/>
+              <a:t>#</a:t>
+            </a:r>
+            <a:r>
+              <a:rPr lang="ko-KR" altLang="en-US" dirty="0" err="1" smtClean="0"/>
+              <a:t>입력창</a:t>
+            </a:r>
+            <a:endParaRPr lang="ko-KR" altLang="en-US" dirty="0"/>
+          </a:p>
+        </p:txBody>
+      </p:sp>
+      <p:sp>
+        <p:nvSpPr>
+          <p:cNvPr id="28" name="직사각형 27"/>
+          <p:cNvSpPr/>
+          <p:nvPr/>
+        </p:nvSpPr>
+        <p:spPr>
+          <a:xfrm>
+            <a:off x="847078" y="2402279"/>
+            <a:ext cx="1216240" cy="406790"/>
+          </a:xfrm>
+          <a:prstGeom prst="rect">
+            <a:avLst/>
+          </a:prstGeom>
+        </p:spPr>
+        <p:style>
+          <a:lnRef idx="2">
+            <a:schemeClr val="accent1">
+              <a:shade val="50000"/>
+            </a:schemeClr>
+          </a:lnRef>
+          <a:fillRef idx="1">
+            <a:schemeClr val="accent1"/>
+          </a:fillRef>
+          <a:effectRef idx="0">
+            <a:schemeClr val="accent1"/>
+          </a:effectRef>
+          <a:fontRef idx="minor">
+            <a:schemeClr val="lt1"/>
+          </a:fontRef>
+        </p:style>
+        <p:txBody>
+          <a:bodyPr rtlCol="0" anchor="ctr"/>
+          <a:lstStyle/>
+          <a:p>
+            <a:pPr algn="ctr"/>
+            <a:r>
+              <a:rPr lang="ko-KR" altLang="en-US" dirty="0" smtClean="0"/>
+              <a:t>대화</a:t>
+            </a:r>
+            <a:endParaRPr lang="ko-KR" altLang="en-US" dirty="0"/>
+          </a:p>
+        </p:txBody>
+      </p:sp>
+      <p:sp>
+        <p:nvSpPr>
+          <p:cNvPr id="29" name="직사각형 28"/>
+          <p:cNvSpPr/>
+          <p:nvPr/>
+        </p:nvSpPr>
+        <p:spPr>
+          <a:xfrm>
+            <a:off x="1663824" y="2917379"/>
+            <a:ext cx="1216240" cy="406790"/>
+          </a:xfrm>
+          <a:prstGeom prst="rect">
+            <a:avLst/>
+          </a:prstGeom>
+        </p:spPr>
+        <p:style>
+          <a:lnRef idx="2">
+            <a:schemeClr val="accent1">
+              <a:shade val="50000"/>
+            </a:schemeClr>
+          </a:lnRef>
+          <a:fillRef idx="1">
+            <a:schemeClr val="accent1"/>
+          </a:fillRef>
+          <a:effectRef idx="0">
+            <a:schemeClr val="accent1"/>
+          </a:effectRef>
+          <a:fontRef idx="minor">
+            <a:schemeClr val="lt1"/>
+          </a:fontRef>
+        </p:style>
+        <p:txBody>
+          <a:bodyPr rtlCol="0" anchor="ctr"/>
+          <a:lstStyle/>
+          <a:p>
+            <a:pPr algn="ctr"/>
+            <a:r>
+              <a:rPr lang="ko-KR" altLang="en-US" dirty="0" smtClean="0"/>
+              <a:t>대화</a:t>
+            </a:r>
+            <a:endParaRPr lang="ko-KR" altLang="en-US" dirty="0"/>
+          </a:p>
+        </p:txBody>
+      </p:sp>
+      <p:sp>
+        <p:nvSpPr>
+          <p:cNvPr id="30" name="직사각형 29"/>
+          <p:cNvSpPr/>
+          <p:nvPr/>
+        </p:nvSpPr>
+        <p:spPr>
+          <a:xfrm>
+            <a:off x="847078" y="3419055"/>
+            <a:ext cx="1216240" cy="406790"/>
+          </a:xfrm>
+          <a:prstGeom prst="rect">
+            <a:avLst/>
+          </a:prstGeom>
+        </p:spPr>
+        <p:style>
+          <a:lnRef idx="2">
+            <a:schemeClr val="accent1">
+              <a:shade val="50000"/>
+            </a:schemeClr>
+          </a:lnRef>
+          <a:fillRef idx="1">
+            <a:schemeClr val="accent1"/>
+          </a:fillRef>
+          <a:effectRef idx="0">
+            <a:schemeClr val="accent1"/>
+          </a:effectRef>
+          <a:fontRef idx="minor">
+            <a:schemeClr val="lt1"/>
+          </a:fontRef>
+        </p:style>
+        <p:txBody>
+          <a:bodyPr rtlCol="0" anchor="ctr"/>
+          <a:lstStyle/>
+          <a:p>
+            <a:pPr algn="ctr"/>
+            <a:r>
+              <a:rPr lang="ko-KR" altLang="en-US" dirty="0" smtClean="0"/>
+              <a:t>대화</a:t>
+            </a:r>
+            <a:endParaRPr lang="ko-KR" altLang="en-US" dirty="0"/>
+          </a:p>
+        </p:txBody>
+      </p:sp>
+      <p:sp>
+        <p:nvSpPr>
+          <p:cNvPr id="33" name="TextBox 32"/>
+          <p:cNvSpPr txBox="1"/>
+          <p:nvPr/>
+        </p:nvSpPr>
+        <p:spPr>
+          <a:xfrm>
+            <a:off x="3424226" y="1690688"/>
+            <a:ext cx="6959354" cy="3139321"/>
+          </a:xfrm>
+          <a:prstGeom prst="rect">
+            <a:avLst/>
+          </a:prstGeom>
+          <a:noFill/>
+        </p:spPr>
+        <p:txBody>
+          <a:bodyPr wrap="square" rtlCol="0">
+            <a:spAutoFit/>
+          </a:bodyPr>
+          <a:lstStyle/>
+          <a:p>
+            <a:r>
+              <a:rPr lang="en-US" altLang="ko-KR" dirty="0" smtClean="0"/>
+              <a:t>&lt;</a:t>
+            </a:r>
+            <a:r>
+              <a:rPr lang="ko-KR" altLang="en-US" dirty="0" err="1" smtClean="0"/>
+              <a:t>프롬포트</a:t>
+            </a:r>
+            <a:r>
+              <a:rPr lang="en-US" altLang="ko-KR" dirty="0" smtClean="0"/>
+              <a:t>&gt;</a:t>
+            </a:r>
+          </a:p>
+          <a:p>
+            <a:endParaRPr lang="en-US" altLang="ko-KR" dirty="0" smtClean="0"/>
+          </a:p>
+          <a:p>
+            <a:r>
+              <a:rPr lang="en-US" altLang="ko-KR" dirty="0" smtClean="0"/>
+              <a:t>#</a:t>
+            </a:r>
+            <a:r>
+              <a:rPr lang="ko-KR" altLang="en-US" dirty="0" smtClean="0"/>
+              <a:t>일정 등록 </a:t>
+            </a:r>
+            <a:r>
+              <a:rPr lang="en-US" altLang="ko-KR" dirty="0" smtClean="0"/>
+              <a:t>: ex) “2/26 </a:t>
+            </a:r>
+            <a:r>
+              <a:rPr lang="ko-KR" altLang="en-US" dirty="0" smtClean="0"/>
+              <a:t>미용실</a:t>
+            </a:r>
+            <a:r>
+              <a:rPr lang="en-US" altLang="ko-KR" dirty="0" smtClean="0"/>
+              <a:t>” </a:t>
+            </a:r>
+            <a:r>
+              <a:rPr lang="ko-KR" altLang="en-US" dirty="0" smtClean="0"/>
+              <a:t>양식으로 입력</a:t>
+            </a:r>
+            <a:endParaRPr lang="en-US" altLang="ko-KR" dirty="0" smtClean="0"/>
+          </a:p>
+          <a:p>
+            <a:endParaRPr lang="en-US" altLang="ko-KR" dirty="0"/>
+          </a:p>
+          <a:p>
+            <a:r>
+              <a:rPr lang="en-US" altLang="ko-KR" dirty="0" smtClean="0"/>
+              <a:t>#</a:t>
+            </a:r>
+            <a:r>
+              <a:rPr lang="ko-KR" altLang="en-US" dirty="0" smtClean="0"/>
+              <a:t>메모 등록</a:t>
+            </a:r>
+            <a:endParaRPr lang="en-US" altLang="ko-KR" dirty="0" smtClean="0"/>
+          </a:p>
+          <a:p>
+            <a:endParaRPr lang="en-US" altLang="ko-KR" dirty="0"/>
+          </a:p>
+          <a:p>
+            <a:r>
+              <a:rPr lang="en-US" altLang="ko-KR" dirty="0" smtClean="0"/>
+              <a:t>#</a:t>
+            </a:r>
+            <a:r>
+              <a:rPr lang="ko-KR" altLang="en-US" dirty="0" smtClean="0"/>
+              <a:t>질문 </a:t>
+            </a:r>
+            <a:r>
+              <a:rPr lang="en-US" altLang="ko-KR" dirty="0" smtClean="0"/>
+              <a:t>-&gt; </a:t>
+            </a:r>
+            <a:r>
+              <a:rPr lang="ko-KR" altLang="en-US" dirty="0" smtClean="0"/>
+              <a:t>아카이브 우선 탐색</a:t>
+            </a:r>
+            <a:endParaRPr lang="en-US" altLang="ko-KR" dirty="0" smtClean="0"/>
+          </a:p>
+          <a:p>
+            <a:endParaRPr lang="en-US" altLang="ko-KR" dirty="0"/>
+          </a:p>
+          <a:p>
+            <a:r>
+              <a:rPr lang="en-US" altLang="ko-KR" dirty="0" smtClean="0"/>
+              <a:t>#</a:t>
+            </a:r>
+            <a:r>
+              <a:rPr lang="ko-KR" altLang="en-US" dirty="0" smtClean="0"/>
+              <a:t>상담 </a:t>
+            </a:r>
+            <a:r>
+              <a:rPr lang="en-US" altLang="ko-KR" dirty="0" smtClean="0"/>
+              <a:t>-&gt; </a:t>
+            </a:r>
+            <a:r>
+              <a:rPr lang="ko-KR" altLang="en-US" dirty="0" smtClean="0"/>
+              <a:t>일기장 우선 탐색</a:t>
+            </a:r>
+            <a:endParaRPr lang="en-US" altLang="ko-KR" dirty="0" smtClean="0"/>
+          </a:p>
+          <a:p>
+            <a:endParaRPr lang="en-US" altLang="ko-KR" dirty="0"/>
+          </a:p>
+          <a:p>
+            <a:r>
+              <a:rPr lang="ko-KR" altLang="en-US" dirty="0" smtClean="0"/>
+              <a:t>외 일반 </a:t>
+            </a:r>
+            <a:r>
+              <a:rPr lang="en-US" altLang="ko-KR" dirty="0" smtClean="0"/>
+              <a:t>LLM </a:t>
+            </a:r>
+            <a:r>
+              <a:rPr lang="ko-KR" altLang="en-US" dirty="0" smtClean="0"/>
+              <a:t>답변</a:t>
+            </a:r>
+            <a:endParaRPr lang="ko-KR" altLang="en-US" dirty="0"/>
+          </a:p>
+        </p:txBody>
+      </p:sp>
+    </p:spTree>
+    <p:extLst>
+      <p:ext uri="{BB962C8B-B14F-4D97-AF65-F5344CB8AC3E}">
+        <p14:creationId xmlns:p14="http://schemas.microsoft.com/office/powerpoint/2010/main" val="450167840"/>
+      </p:ext>
+    </p:extLst>
+  </p:cSld>
+  <p:clrMapOvr>
+    <a:masterClrMapping/>
+  </p:clrMapOvr>
+  <p:timing>
+    <p:tnLst>
+      <p:par>
+        <p:cTn id="1" dur="indefinite" restart="never" nodeType="tmRoot"/>
+      </p:par>
+    </p:tnLst>
+  </p:timing>
+</p:sld>
+</file>
+
+<file path=ppt/slides/slide12.xml><?xml version="1.0" encoding="utf-8"?>
+<p:sld xmlns:a="http://schemas.openxmlformats.org/drawingml/2006/main" xmlns:r="http://schemas.openxmlformats.org/officeDocument/2006/relationships" xmlns:p="http://schemas.openxmlformats.org/presentationml/2006/main">
+  <p:cSld>
+    <p:spTree>
+      <p:nvGrpSpPr>
+        <p:cNvPr id="1" name=""/>
+        <p:cNvGrpSpPr/>
+        <p:nvPr/>
+      </p:nvGrpSpPr>
+      <p:grpSpPr>
+        <a:xfrm>
+          <a:off x="0" y="0"/>
+          <a:ext cx="0" cy="0"/>
+          <a:chOff x="0" y="0"/>
+          <a:chExt cx="0" cy="0"/>
+        </a:xfrm>
+      </p:grpSpPr>
+      <p:sp>
+        <p:nvSpPr>
+          <p:cNvPr id="39" name="TextBox 38"/>
+          <p:cNvSpPr txBox="1"/>
+          <p:nvPr/>
+        </p:nvSpPr>
+        <p:spPr>
+          <a:xfrm>
+            <a:off x="3424226" y="1690688"/>
+            <a:ext cx="6959354" cy="1754326"/>
+          </a:xfrm>
+          <a:prstGeom prst="rect">
+            <a:avLst/>
+          </a:prstGeom>
+          <a:noFill/>
+        </p:spPr>
+        <p:txBody>
+          <a:bodyPr wrap="square" rtlCol="0">
+            <a:spAutoFit/>
+          </a:bodyPr>
+          <a:lstStyle/>
+          <a:p>
+            <a:r>
+              <a:rPr lang="ko-KR" altLang="en-US" dirty="0"/>
+              <a:t>종류</a:t>
+            </a:r>
+            <a:endParaRPr lang="en-US" altLang="ko-KR" dirty="0"/>
+          </a:p>
+          <a:p>
+            <a:pPr marL="285750" indent="-285750">
+              <a:buFontTx/>
+              <a:buChar char="-"/>
+            </a:pPr>
+            <a:r>
+              <a:rPr lang="ko-KR" altLang="en-US" dirty="0"/>
+              <a:t>공적 일정</a:t>
+            </a:r>
+            <a:r>
+              <a:rPr lang="en-US" altLang="ko-KR" dirty="0"/>
+              <a:t>(</a:t>
+            </a:r>
+            <a:r>
+              <a:rPr lang="ko-KR" altLang="en-US" dirty="0"/>
+              <a:t>녹색</a:t>
+            </a:r>
+            <a:r>
+              <a:rPr lang="en-US" altLang="ko-KR" dirty="0"/>
+              <a:t>)</a:t>
+            </a:r>
+          </a:p>
+          <a:p>
+            <a:pPr marL="285750" indent="-285750">
+              <a:buFontTx/>
+              <a:buChar char="-"/>
+            </a:pPr>
+            <a:r>
+              <a:rPr lang="ko-KR" altLang="en-US" dirty="0"/>
+              <a:t>사적 일정</a:t>
+            </a:r>
+            <a:r>
+              <a:rPr lang="en-US" altLang="ko-KR" dirty="0"/>
+              <a:t>(</a:t>
+            </a:r>
+            <a:r>
+              <a:rPr lang="ko-KR" altLang="en-US" dirty="0"/>
+              <a:t>황색</a:t>
+            </a:r>
+            <a:r>
+              <a:rPr lang="en-US" altLang="ko-KR" dirty="0"/>
+              <a:t>)</a:t>
+            </a:r>
+          </a:p>
+          <a:p>
+            <a:pPr marL="285750" indent="-285750">
+              <a:buFontTx/>
+              <a:buChar char="-"/>
+            </a:pPr>
+            <a:endParaRPr lang="en-US" altLang="ko-KR" dirty="0"/>
+          </a:p>
+          <a:p>
+            <a:pPr marL="285750" indent="-285750">
+              <a:buFontTx/>
+              <a:buChar char="-"/>
+            </a:pPr>
+            <a:endParaRPr lang="en-US" altLang="ko-KR" dirty="0"/>
+          </a:p>
+          <a:p>
+            <a:r>
+              <a:rPr lang="en-US" altLang="ko-KR" dirty="0"/>
+              <a:t>*</a:t>
+            </a:r>
+            <a:r>
+              <a:rPr lang="ko-KR" altLang="en-US" dirty="0"/>
+              <a:t>완료한 일정은 비활성화 후 하단으로 이동 및 일기장 등재</a:t>
+            </a:r>
+            <a:endParaRPr lang="en-US" altLang="ko-KR" dirty="0"/>
+          </a:p>
+        </p:txBody>
+      </p:sp>
+      <p:sp>
+        <p:nvSpPr>
+          <p:cNvPr id="2" name="제목 1"/>
+          <p:cNvSpPr>
+            <a:spLocks noGrp="1"/>
+          </p:cNvSpPr>
+          <p:nvPr>
+            <p:ph type="title"/>
+          </p:nvPr>
+        </p:nvSpPr>
+        <p:spPr/>
+        <p:txBody>
+          <a:bodyPr/>
+          <a:lstStyle/>
+          <a:p>
+            <a:r>
+              <a:rPr lang="en-US" altLang="ko-KR" dirty="0" smtClean="0"/>
+              <a:t>2. </a:t>
+            </a:r>
+            <a:r>
+              <a:rPr lang="ko-KR" altLang="en-US" dirty="0" smtClean="0"/>
+              <a:t>일정 관리</a:t>
+            </a:r>
+            <a:endParaRPr lang="ko-KR" altLang="en-US" dirty="0"/>
+          </a:p>
+        </p:txBody>
+      </p:sp>
+      <p:sp>
+        <p:nvSpPr>
+          <p:cNvPr id="12" name="TextBox 11"/>
+          <p:cNvSpPr txBox="1"/>
+          <p:nvPr/>
+        </p:nvSpPr>
+        <p:spPr>
+          <a:xfrm>
+            <a:off x="1224378" y="1690688"/>
+            <a:ext cx="1189749" cy="369332"/>
+          </a:xfrm>
+          <a:prstGeom prst="rect">
+            <a:avLst/>
+          </a:prstGeom>
+          <a:noFill/>
+        </p:spPr>
+        <p:txBody>
+          <a:bodyPr wrap="none" rtlCol="0">
+            <a:spAutoFit/>
+          </a:bodyPr>
+          <a:lstStyle/>
+          <a:p>
+            <a:pPr algn="ctr"/>
+            <a:r>
+              <a:rPr lang="ko-KR" altLang="en-US" dirty="0" smtClean="0"/>
+              <a:t>일정 관리</a:t>
+            </a:r>
+            <a:endParaRPr lang="ko-KR" altLang="en-US" dirty="0"/>
+          </a:p>
+        </p:txBody>
+      </p:sp>
+      <p:sp>
+        <p:nvSpPr>
+          <p:cNvPr id="20" name="직사각형 19"/>
+          <p:cNvSpPr/>
+          <p:nvPr/>
+        </p:nvSpPr>
+        <p:spPr>
+          <a:xfrm>
+            <a:off x="838200" y="2088419"/>
+            <a:ext cx="2041864" cy="2917383"/>
+          </a:xfrm>
+          <a:prstGeom prst="rect">
+            <a:avLst/>
+          </a:prstGeom>
+          <a:solidFill>
+            <a:schemeClr val="bg1">
+              <a:lumMod val="95000"/>
+            </a:schemeClr>
+          </a:solidFill>
+          <a:ln w="19050">
+            <a:solidFill>
+              <a:schemeClr val="tx1"/>
+            </a:solidFill>
+          </a:ln>
+        </p:spPr>
+        <p:style>
+          <a:lnRef idx="2">
+            <a:schemeClr val="accent3">
+              <a:shade val="50000"/>
+            </a:schemeClr>
+          </a:lnRef>
+          <a:fillRef idx="1">
+            <a:schemeClr val="accent3"/>
+          </a:fillRef>
+          <a:effectRef idx="0">
+            <a:schemeClr val="accent3"/>
+          </a:effectRef>
+          <a:fontRef idx="minor">
+            <a:schemeClr val="lt1"/>
+          </a:fontRef>
+        </p:style>
+        <p:txBody>
+          <a:bodyPr rtlCol="0" anchor="ctr"/>
+          <a:lstStyle/>
+          <a:p>
+            <a:pPr algn="ctr"/>
+            <a:endParaRPr lang="ko-KR" altLang="en-US"/>
+          </a:p>
+        </p:txBody>
+      </p:sp>
+      <p:sp>
+        <p:nvSpPr>
+          <p:cNvPr id="21" name="직사각형 20"/>
+          <p:cNvSpPr/>
+          <p:nvPr/>
+        </p:nvSpPr>
+        <p:spPr>
+          <a:xfrm>
+            <a:off x="838201" y="2070778"/>
+            <a:ext cx="2041864" cy="406790"/>
+          </a:xfrm>
+          <a:prstGeom prst="rect">
+            <a:avLst/>
+          </a:prstGeom>
+        </p:spPr>
+        <p:style>
+          <a:lnRef idx="2">
+            <a:schemeClr val="accent4">
+              <a:shade val="50000"/>
+            </a:schemeClr>
+          </a:lnRef>
+          <a:fillRef idx="1">
+            <a:schemeClr val="accent4"/>
+          </a:fillRef>
+          <a:effectRef idx="0">
+            <a:schemeClr val="accent4"/>
+          </a:effectRef>
+          <a:fontRef idx="minor">
+            <a:schemeClr val="lt1"/>
+          </a:fontRef>
+        </p:style>
+        <p:txBody>
+          <a:bodyPr rtlCol="0" anchor="ctr"/>
+          <a:lstStyle/>
+          <a:p>
+            <a:pPr algn="ctr"/>
+            <a:r>
+              <a:rPr lang="en-US" altLang="ko-KR" dirty="0" smtClean="0"/>
+              <a:t>3/13 </a:t>
+            </a:r>
+            <a:r>
+              <a:rPr lang="ko-KR" altLang="en-US" dirty="0" smtClean="0"/>
+              <a:t>친구랑 카페</a:t>
+            </a:r>
+            <a:endParaRPr lang="ko-KR" altLang="en-US" dirty="0"/>
+          </a:p>
+        </p:txBody>
+      </p:sp>
+      <p:sp>
+        <p:nvSpPr>
+          <p:cNvPr id="23" name="직사각형 22"/>
+          <p:cNvSpPr/>
+          <p:nvPr/>
+        </p:nvSpPr>
+        <p:spPr>
+          <a:xfrm>
+            <a:off x="838201" y="2477568"/>
+            <a:ext cx="2041864" cy="406790"/>
+          </a:xfrm>
+          <a:prstGeom prst="rect">
+            <a:avLst/>
+          </a:prstGeom>
+        </p:spPr>
+        <p:style>
+          <a:lnRef idx="2">
+            <a:schemeClr val="accent6">
+              <a:shade val="50000"/>
+            </a:schemeClr>
+          </a:lnRef>
+          <a:fillRef idx="1">
+            <a:schemeClr val="accent6"/>
+          </a:fillRef>
+          <a:effectRef idx="0">
+            <a:schemeClr val="accent6"/>
+          </a:effectRef>
+          <a:fontRef idx="minor">
+            <a:schemeClr val="lt1"/>
+          </a:fontRef>
+        </p:style>
+        <p:txBody>
+          <a:bodyPr rtlCol="0" anchor="ctr"/>
+          <a:lstStyle/>
+          <a:p>
+            <a:pPr algn="ctr"/>
+            <a:r>
+              <a:rPr lang="en-US" altLang="ko-KR" dirty="0" smtClean="0"/>
+              <a:t>3/26 </a:t>
+            </a:r>
+            <a:r>
+              <a:rPr lang="ko-KR" altLang="en-US" dirty="0" smtClean="0"/>
+              <a:t>자소서 마감</a:t>
+            </a:r>
+            <a:endParaRPr lang="ko-KR" altLang="en-US" dirty="0"/>
+          </a:p>
+        </p:txBody>
+      </p:sp>
+      <p:sp>
+        <p:nvSpPr>
+          <p:cNvPr id="24" name="직사각형 23"/>
+          <p:cNvSpPr/>
+          <p:nvPr/>
+        </p:nvSpPr>
+        <p:spPr>
+          <a:xfrm>
+            <a:off x="838201" y="2893012"/>
+            <a:ext cx="2041864" cy="406790"/>
+          </a:xfrm>
+          <a:prstGeom prst="rect">
+            <a:avLst/>
+          </a:prstGeom>
+        </p:spPr>
+        <p:style>
+          <a:lnRef idx="2">
+            <a:schemeClr val="accent6">
+              <a:shade val="50000"/>
+            </a:schemeClr>
+          </a:lnRef>
+          <a:fillRef idx="1">
+            <a:schemeClr val="accent6"/>
+          </a:fillRef>
+          <a:effectRef idx="0">
+            <a:schemeClr val="accent6"/>
+          </a:effectRef>
+          <a:fontRef idx="minor">
+            <a:schemeClr val="lt1"/>
+          </a:fontRef>
+        </p:style>
+        <p:txBody>
+          <a:bodyPr rtlCol="0" anchor="ctr"/>
+          <a:lstStyle/>
+          <a:p>
+            <a:pPr algn="ctr"/>
+            <a:r>
+              <a:rPr lang="en-US" altLang="ko-KR" dirty="0" smtClean="0"/>
+              <a:t>4/1 </a:t>
+            </a:r>
+            <a:r>
+              <a:rPr lang="ko-KR" altLang="en-US" dirty="0" smtClean="0"/>
+              <a:t>결혼식 참석</a:t>
+            </a:r>
+            <a:endParaRPr lang="ko-KR" altLang="en-US" dirty="0"/>
+          </a:p>
+        </p:txBody>
+      </p:sp>
+      <p:sp>
+        <p:nvSpPr>
+          <p:cNvPr id="25" name="직사각형 24"/>
+          <p:cNvSpPr/>
+          <p:nvPr/>
+        </p:nvSpPr>
+        <p:spPr>
+          <a:xfrm>
+            <a:off x="838201" y="3308457"/>
+            <a:ext cx="2041864" cy="406790"/>
+          </a:xfrm>
+          <a:prstGeom prst="rect">
+            <a:avLst/>
+          </a:prstGeom>
+        </p:spPr>
+        <p:style>
+          <a:lnRef idx="2">
+            <a:schemeClr val="accent4">
+              <a:shade val="50000"/>
+            </a:schemeClr>
+          </a:lnRef>
+          <a:fillRef idx="1">
+            <a:schemeClr val="accent4"/>
+          </a:fillRef>
+          <a:effectRef idx="0">
+            <a:schemeClr val="accent4"/>
+          </a:effectRef>
+          <a:fontRef idx="minor">
+            <a:schemeClr val="lt1"/>
+          </a:fontRef>
+        </p:style>
+        <p:txBody>
+          <a:bodyPr rtlCol="0" anchor="ctr"/>
+          <a:lstStyle/>
+          <a:p>
+            <a:pPr algn="ctr"/>
+            <a:r>
+              <a:rPr lang="en-US" altLang="ko-KR" dirty="0"/>
+              <a:t>5</a:t>
+            </a:r>
+            <a:r>
+              <a:rPr lang="en-US" altLang="ko-KR" dirty="0" smtClean="0"/>
+              <a:t>/15 </a:t>
+            </a:r>
+            <a:r>
+              <a:rPr lang="ko-KR" altLang="en-US" dirty="0" smtClean="0"/>
+              <a:t>데이트</a:t>
+            </a:r>
+            <a:endParaRPr lang="ko-KR" altLang="en-US" dirty="0"/>
+          </a:p>
+        </p:txBody>
+      </p:sp>
+      <p:sp>
+        <p:nvSpPr>
+          <p:cNvPr id="34" name="직사각형 33"/>
+          <p:cNvSpPr/>
+          <p:nvPr/>
+        </p:nvSpPr>
+        <p:spPr>
+          <a:xfrm>
+            <a:off x="838199" y="3715247"/>
+            <a:ext cx="2041864" cy="406790"/>
+          </a:xfrm>
+          <a:prstGeom prst="rect">
+            <a:avLst/>
+          </a:prstGeom>
+        </p:spPr>
+        <p:style>
+          <a:lnRef idx="2">
+            <a:schemeClr val="accent3">
+              <a:shade val="50000"/>
+            </a:schemeClr>
+          </a:lnRef>
+          <a:fillRef idx="1">
+            <a:schemeClr val="accent3"/>
+          </a:fillRef>
+          <a:effectRef idx="0">
+            <a:schemeClr val="accent3"/>
+          </a:effectRef>
+          <a:fontRef idx="minor">
+            <a:schemeClr val="lt1"/>
+          </a:fontRef>
+        </p:style>
+        <p:txBody>
+          <a:bodyPr rtlCol="0" anchor="ctr"/>
+          <a:lstStyle/>
+          <a:p>
+            <a:pPr algn="ctr"/>
+            <a:r>
+              <a:rPr lang="en-US" altLang="ko-KR" dirty="0" smtClean="0"/>
+              <a:t>2/18 </a:t>
+            </a:r>
+            <a:r>
+              <a:rPr lang="ko-KR" altLang="en-US" dirty="0" smtClean="0"/>
+              <a:t>헬스장</a:t>
+            </a:r>
+            <a:endParaRPr lang="ko-KR" altLang="en-US" dirty="0"/>
+          </a:p>
+        </p:txBody>
+      </p:sp>
+      <p:sp>
+        <p:nvSpPr>
+          <p:cNvPr id="36" name="직사각형 35"/>
+          <p:cNvSpPr/>
+          <p:nvPr/>
+        </p:nvSpPr>
+        <p:spPr>
+          <a:xfrm>
+            <a:off x="838199" y="4136661"/>
+            <a:ext cx="2041864" cy="406790"/>
+          </a:xfrm>
+          <a:prstGeom prst="rect">
+            <a:avLst/>
+          </a:prstGeom>
+        </p:spPr>
+        <p:style>
+          <a:lnRef idx="2">
+            <a:schemeClr val="accent3">
+              <a:shade val="50000"/>
+            </a:schemeClr>
+          </a:lnRef>
+          <a:fillRef idx="1">
+            <a:schemeClr val="accent3"/>
+          </a:fillRef>
+          <a:effectRef idx="0">
+            <a:schemeClr val="accent3"/>
+          </a:effectRef>
+          <a:fontRef idx="minor">
+            <a:schemeClr val="lt1"/>
+          </a:fontRef>
+        </p:style>
+        <p:txBody>
+          <a:bodyPr rtlCol="0" anchor="ctr"/>
+          <a:lstStyle/>
+          <a:p>
+            <a:pPr algn="ctr"/>
+            <a:r>
+              <a:rPr lang="en-US" altLang="ko-KR" dirty="0" smtClean="0"/>
+              <a:t>1/3 </a:t>
+            </a:r>
+            <a:r>
+              <a:rPr lang="ko-KR" altLang="en-US" dirty="0" smtClean="0"/>
+              <a:t>헬스장</a:t>
+            </a:r>
+            <a:endParaRPr lang="ko-KR" altLang="en-US" dirty="0"/>
+          </a:p>
+        </p:txBody>
+      </p:sp>
+    </p:spTree>
+    <p:extLst>
+      <p:ext uri="{BB962C8B-B14F-4D97-AF65-F5344CB8AC3E}">
+        <p14:creationId xmlns:p14="http://schemas.microsoft.com/office/powerpoint/2010/main" val="746552268"/>
+      </p:ext>
+    </p:extLst>
+  </p:cSld>
+  <p:clrMapOvr>
+    <a:masterClrMapping/>
+  </p:clrMapOvr>
+  <p:timing>
+    <p:tnLst>
+      <p:par>
+        <p:cTn id="1" dur="indefinite" restart="never" nodeType="tmRoot"/>
+      </p:par>
+    </p:tnLst>
+  </p:timing>
+</p:sld>
+</file>
+
+<file path=ppt/slides/slide13.xml><?xml version="1.0" encoding="utf-8"?>
+<p:sld xmlns:a="http://schemas.openxmlformats.org/drawingml/2006/main" xmlns:r="http://schemas.openxmlformats.org/officeDocument/2006/relationships" xmlns:p="http://schemas.openxmlformats.org/presentationml/2006/main">
+  <p:cSld>
+    <p:spTree>
+      <p:nvGrpSpPr>
+        <p:cNvPr id="1" name=""/>
+        <p:cNvGrpSpPr/>
+        <p:nvPr/>
+      </p:nvGrpSpPr>
+      <p:grpSpPr>
+        <a:xfrm>
+          <a:off x="0" y="0"/>
+          <a:ext cx="0" cy="0"/>
+          <a:chOff x="0" y="0"/>
+          <a:chExt cx="0" cy="0"/>
+        </a:xfrm>
+      </p:grpSpPr>
+      <p:sp>
+        <p:nvSpPr>
+          <p:cNvPr id="2" name="제목 1"/>
+          <p:cNvSpPr>
+            <a:spLocks noGrp="1"/>
+          </p:cNvSpPr>
+          <p:nvPr>
+            <p:ph type="title"/>
+          </p:nvPr>
+        </p:nvSpPr>
+        <p:spPr/>
+        <p:txBody>
+          <a:bodyPr/>
+          <a:lstStyle/>
+          <a:p>
+            <a:r>
+              <a:rPr lang="en-US" altLang="ko-KR" dirty="0" smtClean="0"/>
+              <a:t>3. </a:t>
+            </a:r>
+            <a:r>
+              <a:rPr lang="ko-KR" altLang="en-US" dirty="0" smtClean="0"/>
+              <a:t>아카이브</a:t>
+            </a:r>
+            <a:endParaRPr lang="ko-KR" altLang="en-US" dirty="0"/>
+          </a:p>
+        </p:txBody>
+      </p:sp>
+      <p:grpSp>
+        <p:nvGrpSpPr>
+          <p:cNvPr id="35" name="그룹 34">
+            <a:extLst>
+              <a:ext uri="{FF2B5EF4-FFF2-40B4-BE49-F238E27FC236}">
+                <a16:creationId xmlns:a16="http://schemas.microsoft.com/office/drawing/2014/main" id="{962FC5E3-4B5E-4F09-BA2B-3682054219CC}"/>
+              </a:ext>
+            </a:extLst>
+          </p:cNvPr>
+          <p:cNvGrpSpPr/>
+          <p:nvPr/>
+        </p:nvGrpSpPr>
+        <p:grpSpPr>
+          <a:xfrm>
+            <a:off x="9687648" y="5133083"/>
+            <a:ext cx="2113079" cy="1290783"/>
+            <a:chOff x="5309203" y="5153173"/>
+            <a:chExt cx="2113079" cy="1290783"/>
+          </a:xfrm>
+        </p:grpSpPr>
+        <p:sp>
+          <p:nvSpPr>
+            <p:cNvPr id="36" name="TextBox 35">
+              <a:extLst>
+                <a:ext uri="{FF2B5EF4-FFF2-40B4-BE49-F238E27FC236}">
+                  <a16:creationId xmlns:a16="http://schemas.microsoft.com/office/drawing/2014/main" id="{04B62690-09C5-4B53-AF2F-304673258A0E}"/>
+                </a:ext>
+              </a:extLst>
+            </p:cNvPr>
+            <p:cNvSpPr txBox="1"/>
+            <p:nvPr/>
+          </p:nvSpPr>
+          <p:spPr>
+            <a:xfrm>
+              <a:off x="5309203" y="6074624"/>
+              <a:ext cx="2113079" cy="369332"/>
+            </a:xfrm>
+            <a:prstGeom prst="rect">
+              <a:avLst/>
+            </a:prstGeom>
+            <a:noFill/>
+          </p:spPr>
+          <p:txBody>
+            <a:bodyPr wrap="none" rtlCol="0">
+              <a:spAutoFit/>
+            </a:bodyPr>
+            <a:lstStyle/>
+            <a:p>
+              <a:r>
+                <a:rPr lang="ko-KR" altLang="en-US" dirty="0"/>
+                <a:t>크롬 확장프로그램</a:t>
+              </a:r>
+            </a:p>
+          </p:txBody>
+        </p:sp>
+        <p:pic>
+          <p:nvPicPr>
+            <p:cNvPr id="39" name="Picture 2" descr="구글 크롬 로고 크롬 웹 스토어 웹 브라우저 바탕 화면, 크롬, 로고, 컴퓨터 벽지 png | PNGEgg">
+              <a:extLst>
+                <a:ext uri="{FF2B5EF4-FFF2-40B4-BE49-F238E27FC236}">
+                  <a16:creationId xmlns:a16="http://schemas.microsoft.com/office/drawing/2014/main" id="{9B38088B-9FFB-4B59-9248-9E6C3AB0F861}"/>
+                </a:ext>
+              </a:extLst>
+            </p:cNvPr>
+            <p:cNvPicPr>
+              <a:picLocks noChangeAspect="1" noChangeArrowheads="1"/>
+            </p:cNvPicPr>
+            <p:nvPr/>
+          </p:nvPicPr>
+          <p:blipFill>
+            <a:blip r:embed="rId2" cstate="print">
+              <a:extLst>
+                <a:ext uri="{28A0092B-C50C-407E-A947-70E740481C1C}">
+                  <a14:useLocalDpi xmlns:a14="http://schemas.microsoft.com/office/drawing/2010/main" val="0"/>
+                </a:ext>
+              </a:extLst>
+            </a:blip>
+            <a:srcRect/>
+            <a:stretch>
+              <a:fillRect/>
+            </a:stretch>
+          </p:blipFill>
+          <p:spPr bwMode="auto">
+            <a:xfrm>
+              <a:off x="5662251" y="5153173"/>
+              <a:ext cx="1406982" cy="887962"/>
+            </a:xfrm>
+            <a:prstGeom prst="rect">
+              <a:avLst/>
+            </a:prstGeom>
+            <a:noFill/>
+            <a:extLst>
+              <a:ext uri="{909E8E84-426E-40DD-AFC4-6F175D3DCCD1}">
+                <a14:hiddenFill xmlns:a14="http://schemas.microsoft.com/office/drawing/2010/main">
+                  <a:solidFill>
+                    <a:srgbClr val="FFFFFF"/>
+                  </a:solidFill>
+                </a14:hiddenFill>
+              </a:ext>
+            </a:extLst>
+          </p:spPr>
+        </p:pic>
+      </p:grpSp>
+      <p:sp>
+        <p:nvSpPr>
+          <p:cNvPr id="43" name="직사각형 42"/>
+          <p:cNvSpPr/>
+          <p:nvPr/>
+        </p:nvSpPr>
+        <p:spPr>
+          <a:xfrm>
+            <a:off x="838200" y="2088419"/>
+            <a:ext cx="2041864" cy="2917383"/>
+          </a:xfrm>
+          <a:prstGeom prst="rect">
+            <a:avLst/>
+          </a:prstGeom>
+          <a:solidFill>
+            <a:schemeClr val="bg1">
+              <a:lumMod val="95000"/>
+            </a:schemeClr>
+          </a:solidFill>
+          <a:ln w="19050">
+            <a:solidFill>
+              <a:schemeClr val="tx1"/>
+            </a:solidFill>
+          </a:ln>
+        </p:spPr>
+        <p:style>
+          <a:lnRef idx="2">
+            <a:schemeClr val="accent3">
+              <a:shade val="50000"/>
+            </a:schemeClr>
+          </a:lnRef>
+          <a:fillRef idx="1">
+            <a:schemeClr val="accent3"/>
+          </a:fillRef>
+          <a:effectRef idx="0">
+            <a:schemeClr val="accent3"/>
+          </a:effectRef>
+          <a:fontRef idx="minor">
+            <a:schemeClr val="lt1"/>
+          </a:fontRef>
+        </p:style>
+        <p:txBody>
+          <a:bodyPr rtlCol="0" anchor="ctr"/>
+          <a:lstStyle/>
+          <a:p>
+            <a:pPr algn="ctr"/>
+            <a:endParaRPr lang="ko-KR" altLang="en-US">
+              <a:solidFill>
+                <a:schemeClr val="tx1"/>
+              </a:solidFill>
+            </a:endParaRPr>
+          </a:p>
+        </p:txBody>
+      </p:sp>
+      <p:sp>
+        <p:nvSpPr>
+          <p:cNvPr id="44" name="TextBox 43"/>
+          <p:cNvSpPr txBox="1"/>
+          <p:nvPr/>
+        </p:nvSpPr>
+        <p:spPr>
+          <a:xfrm>
+            <a:off x="1305133" y="1690688"/>
+            <a:ext cx="1107997" cy="369332"/>
+          </a:xfrm>
+          <a:prstGeom prst="rect">
+            <a:avLst/>
+          </a:prstGeom>
+          <a:noFill/>
+        </p:spPr>
+        <p:txBody>
+          <a:bodyPr wrap="none" rtlCol="0">
+            <a:spAutoFit/>
+          </a:bodyPr>
+          <a:lstStyle/>
+          <a:p>
+            <a:pPr algn="ctr"/>
+            <a:r>
+              <a:rPr lang="ko-KR" altLang="en-US" dirty="0" smtClean="0"/>
+              <a:t>아카이브</a:t>
+            </a:r>
+            <a:endParaRPr lang="ko-KR" altLang="en-US" dirty="0"/>
+          </a:p>
+        </p:txBody>
+      </p:sp>
+      <p:sp>
+        <p:nvSpPr>
+          <p:cNvPr id="45" name="직사각형 44"/>
+          <p:cNvSpPr/>
+          <p:nvPr/>
+        </p:nvSpPr>
+        <p:spPr>
+          <a:xfrm>
+            <a:off x="838199" y="2088419"/>
+            <a:ext cx="2041864" cy="406790"/>
+          </a:xfrm>
+          <a:prstGeom prst="rect">
+            <a:avLst/>
+          </a:prstGeom>
+        </p:spPr>
+        <p:style>
+          <a:lnRef idx="2">
+            <a:schemeClr val="dk1">
+              <a:shade val="50000"/>
+            </a:schemeClr>
+          </a:lnRef>
+          <a:fillRef idx="1">
+            <a:schemeClr val="dk1"/>
+          </a:fillRef>
+          <a:effectRef idx="0">
+            <a:schemeClr val="dk1"/>
+          </a:effectRef>
+          <a:fontRef idx="minor">
+            <a:schemeClr val="lt1"/>
+          </a:fontRef>
+        </p:style>
+        <p:txBody>
+          <a:bodyPr rtlCol="0" anchor="ctr"/>
+          <a:lstStyle/>
+          <a:p>
+            <a:pPr algn="ctr"/>
+            <a:r>
+              <a:rPr lang="en-US" altLang="ko-KR" dirty="0" smtClean="0"/>
+              <a:t>#</a:t>
+            </a:r>
+            <a:r>
+              <a:rPr lang="ko-KR" altLang="en-US" dirty="0" err="1" smtClean="0"/>
+              <a:t>검색창</a:t>
+            </a:r>
+            <a:endParaRPr lang="ko-KR" altLang="en-US" dirty="0"/>
+          </a:p>
+        </p:txBody>
+      </p:sp>
+      <p:pic>
+        <p:nvPicPr>
+          <p:cNvPr id="50" name="그림 49"/>
+          <p:cNvPicPr>
+            <a:picLocks noChangeAspect="1"/>
+          </p:cNvPicPr>
+          <p:nvPr/>
+        </p:nvPicPr>
+        <p:blipFill>
+          <a:blip r:embed="rId3"/>
+          <a:stretch>
+            <a:fillRect/>
+          </a:stretch>
+        </p:blipFill>
+        <p:spPr>
+          <a:xfrm>
+            <a:off x="947038" y="2607941"/>
+            <a:ext cx="1824186" cy="1732115"/>
+          </a:xfrm>
+          <a:prstGeom prst="rect">
+            <a:avLst/>
+          </a:prstGeom>
+        </p:spPr>
+      </p:pic>
+      <p:sp>
+        <p:nvSpPr>
+          <p:cNvPr id="51" name="TextBox 50"/>
+          <p:cNvSpPr txBox="1"/>
+          <p:nvPr/>
+        </p:nvSpPr>
+        <p:spPr>
+          <a:xfrm>
+            <a:off x="3424226" y="1690688"/>
+            <a:ext cx="8196274" cy="2308324"/>
+          </a:xfrm>
+          <a:prstGeom prst="rect">
+            <a:avLst/>
+          </a:prstGeom>
+          <a:noFill/>
+        </p:spPr>
+        <p:txBody>
+          <a:bodyPr wrap="square" rtlCol="0">
+            <a:spAutoFit/>
+          </a:bodyPr>
+          <a:lstStyle/>
+          <a:p>
+            <a:r>
+              <a:rPr lang="ko-KR" altLang="en-US" dirty="0" smtClean="0"/>
+              <a:t>메모에 </a:t>
+            </a:r>
+            <a:r>
+              <a:rPr lang="ko-KR" altLang="en-US" dirty="0" err="1" smtClean="0"/>
+              <a:t>폴더명이</a:t>
+            </a:r>
+            <a:r>
+              <a:rPr lang="ko-KR" altLang="en-US" dirty="0" smtClean="0"/>
+              <a:t> 자동 생성되며</a:t>
+            </a:r>
+            <a:r>
+              <a:rPr lang="en-US" altLang="ko-KR" dirty="0" smtClean="0"/>
+              <a:t>, </a:t>
+            </a:r>
+          </a:p>
+          <a:p>
+            <a:endParaRPr lang="en-US" altLang="ko-KR" dirty="0"/>
+          </a:p>
+          <a:p>
+            <a:r>
+              <a:rPr lang="ko-KR" altLang="en-US" dirty="0" smtClean="0"/>
+              <a:t>이후 폴더에 다른 메모 </a:t>
+            </a:r>
+            <a:r>
+              <a:rPr lang="en-US" altLang="ko-KR" dirty="0" smtClean="0"/>
+              <a:t>or </a:t>
+            </a:r>
+            <a:r>
+              <a:rPr lang="ko-KR" altLang="en-US" dirty="0" smtClean="0"/>
+              <a:t>사이트 링크가 </a:t>
+            </a:r>
+            <a:r>
+              <a:rPr lang="ko-KR" altLang="en-US" dirty="0"/>
+              <a:t>추가될 수 있음</a:t>
+            </a:r>
+            <a:endParaRPr lang="en-US" altLang="ko-KR" dirty="0"/>
+          </a:p>
+          <a:p>
+            <a:endParaRPr lang="en-US" altLang="ko-KR" dirty="0"/>
+          </a:p>
+          <a:p>
+            <a:endParaRPr lang="en-US" altLang="ko-KR" dirty="0"/>
+          </a:p>
+          <a:p>
+            <a:pPr marL="285750" indent="-285750">
+              <a:buFontTx/>
+              <a:buChar char="-"/>
+            </a:pPr>
+            <a:r>
+              <a:rPr lang="ko-KR" altLang="en-US" dirty="0"/>
+              <a:t>폴더 테이블</a:t>
+            </a:r>
+            <a:r>
+              <a:rPr lang="en-US" altLang="ko-KR" dirty="0"/>
+              <a:t>(</a:t>
+            </a:r>
+            <a:r>
+              <a:rPr lang="ko-KR" altLang="en-US" dirty="0"/>
+              <a:t>여러 내용 테이블 합침</a:t>
+            </a:r>
+            <a:r>
+              <a:rPr lang="en-US" altLang="ko-KR" dirty="0"/>
+              <a:t>)</a:t>
+            </a:r>
+          </a:p>
+          <a:p>
+            <a:pPr marL="285750" indent="-285750">
+              <a:buFontTx/>
+              <a:buChar char="-"/>
+            </a:pPr>
+            <a:endParaRPr lang="en-US" altLang="ko-KR" dirty="0"/>
+          </a:p>
+          <a:p>
+            <a:pPr marL="285750" indent="-285750">
+              <a:buFontTx/>
+              <a:buChar char="-"/>
+            </a:pPr>
+            <a:r>
+              <a:rPr lang="ko-KR" altLang="en-US" dirty="0"/>
+              <a:t>내용 테이블</a:t>
+            </a:r>
+            <a:r>
+              <a:rPr lang="en-US" altLang="ko-KR" dirty="0"/>
+              <a:t>(</a:t>
+            </a:r>
+            <a:r>
+              <a:rPr lang="ko-KR" altLang="en-US" dirty="0"/>
+              <a:t>메모 </a:t>
+            </a:r>
+            <a:r>
+              <a:rPr lang="en-US" altLang="ko-KR" dirty="0"/>
+              <a:t>or</a:t>
+            </a:r>
+            <a:r>
+              <a:rPr lang="ko-KR" altLang="en-US" dirty="0"/>
+              <a:t> 사이트 링크</a:t>
+            </a:r>
+            <a:r>
+              <a:rPr lang="en-US" altLang="ko-KR" dirty="0"/>
+              <a:t>)</a:t>
+            </a:r>
+            <a:endParaRPr lang="ko-KR" altLang="en-US" dirty="0"/>
+          </a:p>
+        </p:txBody>
+      </p:sp>
+    </p:spTree>
+    <p:extLst>
+      <p:ext uri="{BB962C8B-B14F-4D97-AF65-F5344CB8AC3E}">
+        <p14:creationId xmlns:p14="http://schemas.microsoft.com/office/powerpoint/2010/main" val="319066534"/>
+      </p:ext>
+    </p:extLst>
+  </p:cSld>
+  <p:clrMapOvr>
+    <a:masterClrMapping/>
+  </p:clrMapOvr>
+  <p:timing>
+    <p:tnLst>
+      <p:par>
+        <p:cTn id="1" dur="indefinite" restart="never" nodeType="tmRoot"/>
+      </p:par>
+    </p:tnLst>
+  </p:timing>
+</p:sld>
+</file>
+
+<file path=ppt/slides/slide14.xml><?xml version="1.0" encoding="utf-8"?>
+<p:sld xmlns:a="http://schemas.openxmlformats.org/drawingml/2006/main" xmlns:r="http://schemas.openxmlformats.org/officeDocument/2006/relationships" xmlns:p="http://schemas.openxmlformats.org/presentationml/2006/main">
+  <p:cSld>
+    <p:spTree>
+      <p:nvGrpSpPr>
+        <p:cNvPr id="1" name=""/>
+        <p:cNvGrpSpPr/>
+        <p:nvPr/>
+      </p:nvGrpSpPr>
+      <p:grpSpPr>
+        <a:xfrm>
+          <a:off x="0" y="0"/>
+          <a:ext cx="0" cy="0"/>
+          <a:chOff x="0" y="0"/>
+          <a:chExt cx="0" cy="0"/>
+        </a:xfrm>
+      </p:grpSpPr>
+      <p:sp>
+        <p:nvSpPr>
+          <p:cNvPr id="34" name="TextBox 33"/>
+          <p:cNvSpPr txBox="1"/>
+          <p:nvPr/>
+        </p:nvSpPr>
+        <p:spPr>
+          <a:xfrm>
+            <a:off x="3424226" y="1690688"/>
+            <a:ext cx="6959354" cy="923330"/>
+          </a:xfrm>
+          <a:prstGeom prst="rect">
+            <a:avLst/>
+          </a:prstGeom>
+          <a:noFill/>
+        </p:spPr>
+        <p:txBody>
+          <a:bodyPr wrap="square" rtlCol="0">
+            <a:spAutoFit/>
+          </a:bodyPr>
+          <a:lstStyle/>
+          <a:p>
+            <a:r>
+              <a:rPr lang="en-US" altLang="ko-KR" dirty="0"/>
+              <a:t>“</a:t>
+            </a:r>
+            <a:r>
+              <a:rPr lang="ko-KR" altLang="en-US" dirty="0"/>
+              <a:t>이드 대화</a:t>
+            </a:r>
+            <a:r>
+              <a:rPr lang="en-US" altLang="ko-KR" dirty="0"/>
+              <a:t>”</a:t>
+            </a:r>
+            <a:r>
+              <a:rPr lang="ko-KR" altLang="en-US" dirty="0"/>
+              <a:t>를 통해 하루를 자동으로 일기장에 작성</a:t>
+            </a:r>
+            <a:endParaRPr lang="en-US" altLang="ko-KR" dirty="0"/>
+          </a:p>
+          <a:p>
+            <a:endParaRPr lang="en-US" altLang="ko-KR" dirty="0"/>
+          </a:p>
+          <a:p>
+            <a:r>
+              <a:rPr lang="en-US" altLang="ko-KR" dirty="0"/>
+              <a:t>“</a:t>
+            </a:r>
+            <a:r>
+              <a:rPr lang="ko-KR" altLang="en-US" dirty="0"/>
+              <a:t>오늘 뭐 했어</a:t>
+            </a:r>
+            <a:r>
+              <a:rPr lang="en-US" altLang="ko-KR" dirty="0"/>
+              <a:t>?” </a:t>
+            </a:r>
+            <a:r>
+              <a:rPr lang="ko-KR" altLang="en-US" dirty="0"/>
+              <a:t>등 선 질문</a:t>
+            </a:r>
+            <a:endParaRPr lang="ko-KR" altLang="en-US" dirty="0"/>
+          </a:p>
+        </p:txBody>
+      </p:sp>
+      <p:sp>
+        <p:nvSpPr>
+          <p:cNvPr id="2" name="제목 1"/>
+          <p:cNvSpPr>
+            <a:spLocks noGrp="1"/>
+          </p:cNvSpPr>
+          <p:nvPr>
+            <p:ph type="title"/>
+          </p:nvPr>
+        </p:nvSpPr>
+        <p:spPr/>
+        <p:txBody>
+          <a:bodyPr/>
+          <a:lstStyle/>
+          <a:p>
+            <a:r>
+              <a:rPr lang="en-US" altLang="ko-KR" dirty="0" smtClean="0"/>
+              <a:t>4. </a:t>
+            </a:r>
+            <a:r>
+              <a:rPr lang="ko-KR" altLang="en-US" dirty="0" smtClean="0"/>
+              <a:t>일기장</a:t>
+            </a:r>
+            <a:endParaRPr lang="ko-KR" altLang="en-US" dirty="0"/>
+          </a:p>
+        </p:txBody>
+      </p:sp>
+      <p:sp>
+        <p:nvSpPr>
+          <p:cNvPr id="17" name="직사각형 16"/>
+          <p:cNvSpPr/>
+          <p:nvPr/>
+        </p:nvSpPr>
+        <p:spPr>
+          <a:xfrm>
+            <a:off x="838200" y="2088419"/>
+            <a:ext cx="2041864" cy="2917383"/>
+          </a:xfrm>
+          <a:prstGeom prst="rect">
+            <a:avLst/>
+          </a:prstGeom>
+          <a:solidFill>
+            <a:schemeClr val="bg1">
+              <a:lumMod val="95000"/>
+            </a:schemeClr>
+          </a:solidFill>
+          <a:ln w="19050">
+            <a:solidFill>
+              <a:schemeClr val="tx1"/>
+            </a:solidFill>
+          </a:ln>
+        </p:spPr>
+        <p:style>
+          <a:lnRef idx="2">
+            <a:schemeClr val="accent3">
+              <a:shade val="50000"/>
+            </a:schemeClr>
+          </a:lnRef>
+          <a:fillRef idx="1">
+            <a:schemeClr val="accent3"/>
+          </a:fillRef>
+          <a:effectRef idx="0">
+            <a:schemeClr val="accent3"/>
+          </a:effectRef>
+          <a:fontRef idx="minor">
+            <a:schemeClr val="lt1"/>
+          </a:fontRef>
+        </p:style>
+        <p:txBody>
+          <a:bodyPr rtlCol="0" anchor="ctr"/>
+          <a:lstStyle/>
+          <a:p>
+            <a:pPr algn="ctr"/>
+            <a:endParaRPr lang="ko-KR" altLang="en-US"/>
+          </a:p>
+        </p:txBody>
+      </p:sp>
+      <p:sp>
+        <p:nvSpPr>
+          <p:cNvPr id="18" name="TextBox 17"/>
+          <p:cNvSpPr txBox="1"/>
+          <p:nvPr/>
+        </p:nvSpPr>
+        <p:spPr>
+          <a:xfrm>
+            <a:off x="1380670" y="1690688"/>
+            <a:ext cx="877163" cy="369332"/>
+          </a:xfrm>
+          <a:prstGeom prst="rect">
+            <a:avLst/>
+          </a:prstGeom>
+          <a:noFill/>
+        </p:spPr>
+        <p:txBody>
+          <a:bodyPr wrap="none" rtlCol="0">
+            <a:spAutoFit/>
+          </a:bodyPr>
+          <a:lstStyle/>
+          <a:p>
+            <a:pPr algn="ctr"/>
+            <a:r>
+              <a:rPr lang="ko-KR" altLang="en-US" dirty="0" smtClean="0"/>
+              <a:t>일기장</a:t>
+            </a:r>
+            <a:endParaRPr lang="ko-KR" altLang="en-US" dirty="0"/>
+          </a:p>
+        </p:txBody>
+      </p:sp>
+      <p:sp>
+        <p:nvSpPr>
+          <p:cNvPr id="31" name="직사각형 30"/>
+          <p:cNvSpPr/>
+          <p:nvPr/>
+        </p:nvSpPr>
+        <p:spPr>
+          <a:xfrm>
+            <a:off x="958788" y="2246311"/>
+            <a:ext cx="1800687" cy="874463"/>
+          </a:xfrm>
+          <a:prstGeom prst="rect">
+            <a:avLst/>
+          </a:prstGeom>
+        </p:spPr>
+        <p:style>
+          <a:lnRef idx="2">
+            <a:schemeClr val="accent2">
+              <a:shade val="50000"/>
+            </a:schemeClr>
+          </a:lnRef>
+          <a:fillRef idx="1">
+            <a:schemeClr val="accent2"/>
+          </a:fillRef>
+          <a:effectRef idx="0">
+            <a:schemeClr val="accent2"/>
+          </a:effectRef>
+          <a:fontRef idx="minor">
+            <a:schemeClr val="lt1"/>
+          </a:fontRef>
+        </p:style>
+        <p:txBody>
+          <a:bodyPr rtlCol="0" anchor="ctr"/>
+          <a:lstStyle/>
+          <a:p>
+            <a:pPr algn="ctr"/>
+            <a:r>
+              <a:rPr lang="en-US" altLang="ko-KR" dirty="0" smtClean="0"/>
+              <a:t>3/17 </a:t>
+            </a:r>
+            <a:r>
+              <a:rPr lang="ko-KR" altLang="en-US" dirty="0" smtClean="0"/>
+              <a:t>일기</a:t>
+            </a:r>
+            <a:endParaRPr lang="ko-KR" altLang="en-US" dirty="0"/>
+          </a:p>
+        </p:txBody>
+      </p:sp>
+      <p:sp>
+        <p:nvSpPr>
+          <p:cNvPr id="32" name="직사각형 31"/>
+          <p:cNvSpPr/>
+          <p:nvPr/>
+        </p:nvSpPr>
+        <p:spPr>
+          <a:xfrm>
+            <a:off x="958788" y="3240672"/>
+            <a:ext cx="1800687" cy="874463"/>
+          </a:xfrm>
+          <a:prstGeom prst="rect">
+            <a:avLst/>
+          </a:prstGeom>
+        </p:spPr>
+        <p:style>
+          <a:lnRef idx="2">
+            <a:schemeClr val="accent2">
+              <a:shade val="50000"/>
+            </a:schemeClr>
+          </a:lnRef>
+          <a:fillRef idx="1">
+            <a:schemeClr val="accent2"/>
+          </a:fillRef>
+          <a:effectRef idx="0">
+            <a:schemeClr val="accent2"/>
+          </a:effectRef>
+          <a:fontRef idx="minor">
+            <a:schemeClr val="lt1"/>
+          </a:fontRef>
+        </p:style>
+        <p:txBody>
+          <a:bodyPr rtlCol="0" anchor="ctr"/>
+          <a:lstStyle/>
+          <a:p>
+            <a:pPr algn="ctr"/>
+            <a:r>
+              <a:rPr lang="en-US" altLang="ko-KR" dirty="0" smtClean="0"/>
+              <a:t>3/16 </a:t>
+            </a:r>
+            <a:r>
+              <a:rPr lang="ko-KR" altLang="en-US" dirty="0" smtClean="0"/>
+              <a:t>일기</a:t>
+            </a:r>
+            <a:endParaRPr lang="ko-KR" altLang="en-US" dirty="0"/>
+          </a:p>
+        </p:txBody>
+      </p:sp>
+    </p:spTree>
+    <p:extLst>
+      <p:ext uri="{BB962C8B-B14F-4D97-AF65-F5344CB8AC3E}">
+        <p14:creationId xmlns:p14="http://schemas.microsoft.com/office/powerpoint/2010/main" val="2901814712"/>
+      </p:ext>
+    </p:extLst>
+  </p:cSld>
+  <p:clrMapOvr>
+    <a:masterClrMapping/>
+  </p:clrMapOvr>
+  <p:timing>
+    <p:tnLst>
+      <p:par>
+        <p:cTn id="1" dur="indefinite" restart="never" nodeType="tmRoot"/>
+      </p:par>
+    </p:tnLst>
+  </p:timing>
+</p:sld>
+</file>
+
+<file path=ppt/slides/slide15.xml><?xml version="1.0" encoding="utf-8"?>
+<p:sld xmlns:a="http://schemas.openxmlformats.org/drawingml/2006/main" xmlns:r="http://schemas.openxmlformats.org/officeDocument/2006/relationships" xmlns:p="http://schemas.openxmlformats.org/presentationml/2006/main">
+  <p:cSld>
+    <p:spTree>
+      <p:nvGrpSpPr>
+        <p:cNvPr id="1" name=""/>
+        <p:cNvGrpSpPr/>
+        <p:nvPr/>
+      </p:nvGrpSpPr>
+      <p:grpSpPr>
+        <a:xfrm>
+          <a:off x="0" y="0"/>
+          <a:ext cx="0" cy="0"/>
+          <a:chOff x="0" y="0"/>
+          <a:chExt cx="0" cy="0"/>
+        </a:xfrm>
+      </p:grpSpPr>
+      <p:sp>
+        <p:nvSpPr>
+          <p:cNvPr id="2" name="제목 1"/>
+          <p:cNvSpPr>
+            <a:spLocks noGrp="1"/>
+          </p:cNvSpPr>
+          <p:nvPr>
+            <p:ph type="title"/>
+          </p:nvPr>
+        </p:nvSpPr>
+        <p:spPr/>
+        <p:txBody>
+          <a:bodyPr/>
+          <a:lstStyle/>
+          <a:p>
+            <a:r>
+              <a:rPr lang="en-US" altLang="ko-KR" dirty="0" smtClean="0"/>
+              <a:t>5. </a:t>
+            </a:r>
+            <a:r>
+              <a:rPr lang="ko-KR" altLang="en-US" dirty="0" smtClean="0"/>
+              <a:t>이드 정보</a:t>
+            </a:r>
+            <a:endParaRPr lang="ko-KR" altLang="en-US" dirty="0"/>
+          </a:p>
+        </p:txBody>
+      </p:sp>
+      <p:sp>
+        <p:nvSpPr>
+          <p:cNvPr id="13" name="직사각형 12"/>
+          <p:cNvSpPr/>
+          <p:nvPr/>
+        </p:nvSpPr>
+        <p:spPr>
+          <a:xfrm>
+            <a:off x="838200" y="2088419"/>
+            <a:ext cx="2041864" cy="2917383"/>
+          </a:xfrm>
+          <a:prstGeom prst="rect">
+            <a:avLst/>
+          </a:prstGeom>
+          <a:solidFill>
+            <a:schemeClr val="bg1">
+              <a:lumMod val="95000"/>
+            </a:schemeClr>
+          </a:solidFill>
+          <a:ln w="19050">
+            <a:solidFill>
+              <a:schemeClr val="tx1"/>
+            </a:solidFill>
+          </a:ln>
+        </p:spPr>
+        <p:style>
+          <a:lnRef idx="2">
+            <a:schemeClr val="accent3">
+              <a:shade val="50000"/>
+            </a:schemeClr>
+          </a:lnRef>
+          <a:fillRef idx="1">
+            <a:schemeClr val="accent3"/>
+          </a:fillRef>
+          <a:effectRef idx="0">
+            <a:schemeClr val="accent3"/>
+          </a:effectRef>
+          <a:fontRef idx="minor">
+            <a:schemeClr val="lt1"/>
+          </a:fontRef>
+        </p:style>
+        <p:txBody>
+          <a:bodyPr rtlCol="0" anchor="ctr"/>
+          <a:lstStyle/>
+          <a:p>
+            <a:pPr algn="ctr"/>
+            <a:r>
+              <a:rPr lang="ko-KR" altLang="en-US" dirty="0" smtClean="0">
+                <a:solidFill>
+                  <a:schemeClr val="tx1"/>
+                </a:solidFill>
+              </a:rPr>
+              <a:t>사용자 프로필</a:t>
+            </a:r>
+            <a:endParaRPr lang="en-US" altLang="ko-KR" dirty="0" smtClean="0">
+              <a:solidFill>
+                <a:schemeClr val="tx1"/>
+              </a:solidFill>
+            </a:endParaRPr>
+          </a:p>
+          <a:p>
+            <a:pPr algn="ctr"/>
+            <a:endParaRPr lang="en-US" altLang="ko-KR" dirty="0" smtClean="0">
+              <a:solidFill>
+                <a:schemeClr val="tx1"/>
+              </a:solidFill>
+            </a:endParaRPr>
+          </a:p>
+          <a:p>
+            <a:pPr algn="ctr"/>
+            <a:r>
+              <a:rPr lang="ko-KR" altLang="en-US" dirty="0" smtClean="0">
+                <a:solidFill>
+                  <a:schemeClr val="tx1"/>
+                </a:solidFill>
+              </a:rPr>
+              <a:t>이드 프로필</a:t>
+            </a:r>
+            <a:endParaRPr lang="en-US" altLang="ko-KR" dirty="0" smtClean="0">
+              <a:solidFill>
+                <a:schemeClr val="tx1"/>
+              </a:solidFill>
+            </a:endParaRPr>
+          </a:p>
+          <a:p>
+            <a:pPr algn="ctr"/>
+            <a:endParaRPr lang="en-US" altLang="ko-KR" dirty="0" smtClean="0">
+              <a:solidFill>
+                <a:schemeClr val="tx1"/>
+              </a:solidFill>
+            </a:endParaRPr>
+          </a:p>
+          <a:p>
+            <a:pPr algn="ctr"/>
+            <a:r>
+              <a:rPr lang="ko-KR" altLang="en-US" dirty="0" smtClean="0">
+                <a:solidFill>
+                  <a:schemeClr val="tx1"/>
+                </a:solidFill>
+              </a:rPr>
+              <a:t>사용자에 대한 이드의 인식</a:t>
+            </a:r>
+            <a:endParaRPr lang="en-US" altLang="ko-KR" dirty="0" smtClean="0">
+              <a:solidFill>
+                <a:schemeClr val="tx1"/>
+              </a:solidFill>
+            </a:endParaRPr>
+          </a:p>
+        </p:txBody>
+      </p:sp>
+      <p:sp>
+        <p:nvSpPr>
+          <p:cNvPr id="14" name="TextBox 13"/>
+          <p:cNvSpPr txBox="1"/>
+          <p:nvPr/>
+        </p:nvSpPr>
+        <p:spPr>
+          <a:xfrm>
+            <a:off x="1264257" y="1690688"/>
+            <a:ext cx="1189749" cy="369332"/>
+          </a:xfrm>
+          <a:prstGeom prst="rect">
+            <a:avLst/>
+          </a:prstGeom>
+          <a:noFill/>
+        </p:spPr>
+        <p:txBody>
+          <a:bodyPr wrap="none" rtlCol="0">
+            <a:spAutoFit/>
+          </a:bodyPr>
+          <a:lstStyle/>
+          <a:p>
+            <a:pPr algn="ctr"/>
+            <a:r>
+              <a:rPr lang="ko-KR" altLang="en-US" dirty="0" smtClean="0"/>
+              <a:t>이드 정보</a:t>
+            </a:r>
+            <a:endParaRPr lang="ko-KR" altLang="en-US" dirty="0"/>
+          </a:p>
+        </p:txBody>
+      </p:sp>
+      <p:pic>
+        <p:nvPicPr>
+          <p:cNvPr id="38" name="그림 37"/>
+          <p:cNvPicPr>
+            <a:picLocks noChangeAspect="1"/>
+          </p:cNvPicPr>
+          <p:nvPr/>
+        </p:nvPicPr>
+        <p:blipFill>
+          <a:blip r:embed="rId2"/>
+          <a:stretch>
+            <a:fillRect/>
+          </a:stretch>
+        </p:blipFill>
+        <p:spPr>
+          <a:xfrm>
+            <a:off x="6096000" y="3189121"/>
+            <a:ext cx="5507898" cy="543847"/>
+          </a:xfrm>
+          <a:prstGeom prst="rect">
+            <a:avLst/>
+          </a:prstGeom>
+          <a:ln w="12700">
+            <a:solidFill>
+              <a:schemeClr val="tx1"/>
+            </a:solidFill>
+          </a:ln>
+        </p:spPr>
+      </p:pic>
+      <p:grpSp>
+        <p:nvGrpSpPr>
+          <p:cNvPr id="34" name="그룹 33">
+            <a:extLst>
+              <a:ext uri="{FF2B5EF4-FFF2-40B4-BE49-F238E27FC236}">
+                <a16:creationId xmlns:a16="http://schemas.microsoft.com/office/drawing/2014/main" id="{962FC5E3-4B5E-4F09-BA2B-3682054219CC}"/>
+              </a:ext>
+            </a:extLst>
+          </p:cNvPr>
+          <p:cNvGrpSpPr/>
+          <p:nvPr/>
+        </p:nvGrpSpPr>
+        <p:grpSpPr>
+          <a:xfrm>
+            <a:off x="9598871" y="5231401"/>
+            <a:ext cx="2113079" cy="1290783"/>
+            <a:chOff x="5309203" y="5153173"/>
+            <a:chExt cx="2113079" cy="1290783"/>
+          </a:xfrm>
+        </p:grpSpPr>
+        <p:sp>
+          <p:nvSpPr>
+            <p:cNvPr id="35" name="TextBox 34">
+              <a:extLst>
+                <a:ext uri="{FF2B5EF4-FFF2-40B4-BE49-F238E27FC236}">
+                  <a16:creationId xmlns:a16="http://schemas.microsoft.com/office/drawing/2014/main" id="{04B62690-09C5-4B53-AF2F-304673258A0E}"/>
+                </a:ext>
+              </a:extLst>
+            </p:cNvPr>
+            <p:cNvSpPr txBox="1"/>
+            <p:nvPr/>
+          </p:nvSpPr>
+          <p:spPr>
+            <a:xfrm>
+              <a:off x="5309203" y="6074624"/>
+              <a:ext cx="2113079" cy="369332"/>
+            </a:xfrm>
+            <a:prstGeom prst="rect">
+              <a:avLst/>
+            </a:prstGeom>
+            <a:noFill/>
+          </p:spPr>
+          <p:txBody>
+            <a:bodyPr wrap="none" rtlCol="0">
+              <a:spAutoFit/>
+            </a:bodyPr>
+            <a:lstStyle/>
+            <a:p>
+              <a:r>
+                <a:rPr lang="ko-KR" altLang="en-US" dirty="0"/>
+                <a:t>크롬 확장프로그램</a:t>
+              </a:r>
+            </a:p>
+          </p:txBody>
+        </p:sp>
+        <p:pic>
+          <p:nvPicPr>
+            <p:cNvPr id="36" name="Picture 2" descr="구글 크롬 로고 크롬 웹 스토어 웹 브라우저 바탕 화면, 크롬, 로고, 컴퓨터 벽지 png | PNGEgg">
+              <a:extLst>
+                <a:ext uri="{FF2B5EF4-FFF2-40B4-BE49-F238E27FC236}">
+                  <a16:creationId xmlns:a16="http://schemas.microsoft.com/office/drawing/2014/main" id="{9B38088B-9FFB-4B59-9248-9E6C3AB0F861}"/>
+                </a:ext>
+              </a:extLst>
+            </p:cNvPr>
+            <p:cNvPicPr>
+              <a:picLocks noChangeAspect="1" noChangeArrowheads="1"/>
+            </p:cNvPicPr>
+            <p:nvPr/>
+          </p:nvPicPr>
+          <p:blipFill>
+            <a:blip r:embed="rId3" cstate="print">
+              <a:extLst>
+                <a:ext uri="{28A0092B-C50C-407E-A947-70E740481C1C}">
+                  <a14:useLocalDpi xmlns:a14="http://schemas.microsoft.com/office/drawing/2010/main" val="0"/>
+                </a:ext>
+              </a:extLst>
+            </a:blip>
+            <a:srcRect/>
+            <a:stretch>
+              <a:fillRect/>
+            </a:stretch>
+          </p:blipFill>
+          <p:spPr bwMode="auto">
+            <a:xfrm>
+              <a:off x="5662251" y="5153173"/>
+              <a:ext cx="1406982" cy="887962"/>
+            </a:xfrm>
+            <a:prstGeom prst="rect">
+              <a:avLst/>
+            </a:prstGeom>
+            <a:noFill/>
+            <a:extLst>
+              <a:ext uri="{909E8E84-426E-40DD-AFC4-6F175D3DCCD1}">
+                <a14:hiddenFill xmlns:a14="http://schemas.microsoft.com/office/drawing/2010/main">
+                  <a:solidFill>
+                    <a:srgbClr val="FFFFFF"/>
+                  </a:solidFill>
+                </a14:hiddenFill>
+              </a:ext>
+            </a:extLst>
+          </p:spPr>
+        </p:pic>
+      </p:grpSp>
+      <p:pic>
+        <p:nvPicPr>
+          <p:cNvPr id="3" name="그림 2"/>
+          <p:cNvPicPr>
+            <a:picLocks noChangeAspect="1"/>
+          </p:cNvPicPr>
+          <p:nvPr/>
+        </p:nvPicPr>
+        <p:blipFill>
+          <a:blip r:embed="rId4"/>
+          <a:stretch>
+            <a:fillRect/>
+          </a:stretch>
+        </p:blipFill>
+        <p:spPr>
+          <a:xfrm>
+            <a:off x="6458608" y="3924109"/>
+            <a:ext cx="2842791" cy="2598075"/>
+          </a:xfrm>
+          <a:prstGeom prst="rect">
+            <a:avLst/>
+          </a:prstGeom>
+        </p:spPr>
+      </p:pic>
+      <p:sp>
+        <p:nvSpPr>
+          <p:cNvPr id="39" name="TextBox 38"/>
+          <p:cNvSpPr txBox="1"/>
+          <p:nvPr/>
+        </p:nvSpPr>
+        <p:spPr>
+          <a:xfrm>
+            <a:off x="3424226" y="1690688"/>
+            <a:ext cx="6959354" cy="1477328"/>
+          </a:xfrm>
+          <a:prstGeom prst="rect">
+            <a:avLst/>
+          </a:prstGeom>
+          <a:noFill/>
+        </p:spPr>
+        <p:txBody>
+          <a:bodyPr wrap="square" rtlCol="0">
+            <a:spAutoFit/>
+          </a:bodyPr>
+          <a:lstStyle/>
+          <a:p>
+            <a:r>
+              <a:rPr lang="ko-KR" altLang="en-US" dirty="0"/>
+              <a:t>기존의 가속 모드</a:t>
+            </a:r>
+            <a:r>
+              <a:rPr lang="en-US" altLang="ko-KR" dirty="0"/>
+              <a:t>(</a:t>
+            </a:r>
+            <a:r>
+              <a:rPr lang="ko-KR" altLang="en-US" dirty="0"/>
+              <a:t>전기 버튼</a:t>
+            </a:r>
+            <a:r>
+              <a:rPr lang="en-US" altLang="ko-KR" dirty="0"/>
+              <a:t>) </a:t>
+            </a:r>
+            <a:r>
+              <a:rPr lang="ko-KR" altLang="en-US" dirty="0"/>
+              <a:t>결제 대신</a:t>
+            </a:r>
+            <a:r>
+              <a:rPr lang="en-US" altLang="ko-KR" dirty="0"/>
+              <a:t>, </a:t>
+            </a:r>
+            <a:r>
+              <a:rPr lang="ko-KR" altLang="en-US" dirty="0"/>
+              <a:t>이 페이지에서 호감도 결제</a:t>
+            </a:r>
+            <a:endParaRPr lang="en-US" altLang="ko-KR" dirty="0"/>
+          </a:p>
+          <a:p>
+            <a:endParaRPr lang="en-US" altLang="ko-KR" dirty="0"/>
+          </a:p>
+          <a:p>
+            <a:r>
+              <a:rPr lang="ko-KR" altLang="en-US" dirty="0"/>
+              <a:t>호감도가 오를 수록 답변이 빠름</a:t>
+            </a:r>
+            <a:r>
+              <a:rPr lang="en-US" altLang="ko-KR" dirty="0"/>
+              <a:t>(</a:t>
+            </a:r>
+            <a:r>
+              <a:rPr lang="ko-KR" altLang="en-US" dirty="0" err="1"/>
+              <a:t>카톡</a:t>
+            </a:r>
+            <a:r>
+              <a:rPr lang="ko-KR" altLang="en-US" dirty="0"/>
+              <a:t> 늦게 본다는 컨셉 </a:t>
+            </a:r>
+            <a:r>
+              <a:rPr lang="en-US" altLang="ko-KR" dirty="0"/>
+              <a:t>= LLM </a:t>
+            </a:r>
+            <a:r>
+              <a:rPr lang="ko-KR" altLang="en-US" dirty="0"/>
+              <a:t>리소스 감소</a:t>
+            </a:r>
+            <a:r>
+              <a:rPr lang="en-US" altLang="ko-KR" dirty="0"/>
+              <a:t>)</a:t>
+            </a:r>
+          </a:p>
+        </p:txBody>
+      </p:sp>
+    </p:spTree>
+    <p:extLst>
+      <p:ext uri="{BB962C8B-B14F-4D97-AF65-F5344CB8AC3E}">
+        <p14:creationId xmlns:p14="http://schemas.microsoft.com/office/powerpoint/2010/main" val="2816197471"/>
+      </p:ext>
+    </p:extLst>
+  </p:cSld>
+  <p:clrMapOvr>
+    <a:masterClrMapping/>
+  </p:clrMapOvr>
+  <p:timing>
+    <p:tnLst>
+      <p:par>
+        <p:cTn id="1" dur="indefinite" restart="never" nodeType="tmRoot"/>
+      </p:par>
+    </p:tnLst>
+  </p:timing>
+</p:sld>
+</file>
+
+<file path=ppt/slides/slide16.xml><?xml version="1.0" encoding="utf-8"?>
+<p:sld xmlns:a="http://schemas.openxmlformats.org/drawingml/2006/main" xmlns:r="http://schemas.openxmlformats.org/officeDocument/2006/relationships" xmlns:p="http://schemas.openxmlformats.org/presentationml/2006/main">
+  <p:cSld>
+    <p:spTree>
+      <p:nvGrpSpPr>
+        <p:cNvPr id="1" name=""/>
+        <p:cNvGrpSpPr/>
+        <p:nvPr/>
+      </p:nvGrpSpPr>
+      <p:grpSpPr>
+        <a:xfrm>
+          <a:off x="0" y="0"/>
+          <a:ext cx="0" cy="0"/>
+          <a:chOff x="0" y="0"/>
+          <a:chExt cx="0" cy="0"/>
+        </a:xfrm>
+      </p:grpSpPr>
+      <p:sp>
+        <p:nvSpPr>
           <p:cNvPr id="2" name="제목 1">
             <a:extLst>
               <a:ext uri="{FF2B5EF4-FFF2-40B4-BE49-F238E27FC236}">
@@ -3638,6 +7092,13 @@
   <p:clrMapOvr>
     <a:masterClrMapping/>
   </p:clrMapOvr>
+  <p:timing>
+    <p:tnLst>
+      <p:par>
+        <p:cTn id="1" dur="indefinite" restart="never" nodeType="tmRoot"/>
+      </p:par>
+    </p:tnLst>
+  </p:timing>
 </p:sld>
 </file>
 
@@ -3690,7 +7151,12 @@
             <p:ph idx="1"/>
           </p:nvPr>
         </p:nvSpPr>
-        <p:spPr/>
+        <p:spPr>
+          <a:xfrm>
+            <a:off x="838199" y="1825625"/>
+            <a:ext cx="10773793" cy="4351338"/>
+          </a:xfrm>
+        </p:spPr>
         <p:txBody>
           <a:bodyPr/>
           <a:lstStyle/>
@@ -3709,25 +7175,26 @@
           </a:p>
           <a:p>
             <a:r>
-              <a:rPr lang="ko-KR" altLang="en-US" dirty="0"/>
-              <a:t>하루하루 바쁘게 보내며 정작 내 하루는 어땠는지</a:t>
-            </a:r>
-            <a:r>
-              <a:rPr lang="en-US" altLang="ko-KR" dirty="0"/>
+              <a:rPr lang="ko-KR" altLang="en-US" dirty="0" smtClean="0"/>
+              <a:t>하루를 바쁘게 살다 보니</a:t>
+            </a:r>
+            <a:r>
+              <a:rPr lang="en-US" altLang="ko-KR" dirty="0" smtClean="0"/>
               <a:t>, </a:t>
             </a:r>
             <a:r>
-              <a:rPr lang="ko-KR" altLang="en-US" dirty="0"/>
-              <a:t>나는 누구인지 신경 못 </a:t>
-            </a:r>
-            <a:r>
-              <a:rPr lang="ko-KR" altLang="en-US" dirty="0" err="1"/>
-              <a:t>쓴채로</a:t>
-            </a:r>
-            <a:r>
-              <a:rPr lang="ko-KR" altLang="en-US" dirty="0"/>
-              <a:t> 지낼 때가 많다</a:t>
-            </a:r>
+              <a:rPr lang="ko-KR" altLang="en-US" dirty="0" smtClean="0"/>
+              <a:t>정작 오늘 나는 어떤 하루를 보낸 건지 신경 못 쓰고 지나는 경우가 많다</a:t>
+            </a:r>
+            <a:r>
+              <a:rPr lang="en-US" altLang="ko-KR" dirty="0" smtClean="0"/>
+              <a:t>.</a:t>
+            </a:r>
+            <a:r>
+              <a:rPr lang="ko-KR" altLang="en-US" dirty="0" smtClean="0"/>
+              <a:t> </a:t>
+            </a:r>
+            <a:endParaRPr lang="ko-KR" altLang="en-US" dirty="0"/>
           </a:p>
         </p:txBody>
       </p:sp>
@@ -3739,8 +7206,8 @@
         </p:nvSpPr>
         <p:spPr>
           <a:xfrm>
-            <a:off x="686699" y="5281041"/>
-            <a:ext cx="1315616" cy="811861"/>
+            <a:off x="838199" y="5115836"/>
+            <a:ext cx="1301160" cy="811861"/>
           </a:xfrm>
           <a:prstGeom prst="rightArrow">
             <a:avLst/>
@@ -3779,8 +7246,8 @@
         </p:nvSpPr>
         <p:spPr>
           <a:xfrm>
-            <a:off x="2187372" y="5345966"/>
-            <a:ext cx="9166428" cy="830997"/>
+            <a:off x="2259132" y="5106269"/>
+            <a:ext cx="8491726" cy="830997"/>
           </a:xfrm>
           <a:prstGeom prst="rect">
             <a:avLst/>
@@ -3794,15 +7261,15 @@
           <a:lstStyle/>
           <a:p>
             <a:r>
-              <a:rPr lang="ko-KR" altLang="en-US" sz="2400" b="1" dirty="0">
+              <a:rPr lang="ko-KR" altLang="en-US" sz="2400" b="1" dirty="0" smtClean="0">
                 <a:solidFill>
                   <a:schemeClr val="accent1"/>
                 </a:solidFill>
               </a:rPr>
-              <a:t>사용자의 하루 일과를 공유하며 관계를 형성하고</a:t>
-            </a:r>
-            <a:r>
-              <a:rPr lang="en-US" altLang="ko-KR" sz="2400" b="1" dirty="0">
+              <a:t>당신이 해야할 많은 기억을 대신 해주고</a:t>
+            </a:r>
+            <a:r>
+              <a:rPr lang="en-US" altLang="ko-KR" sz="2400" b="1" dirty="0" smtClean="0">
                 <a:solidFill>
                   <a:schemeClr val="accent1"/>
                 </a:solidFill>
@@ -3812,149 +7279,16 @@
           </a:p>
           <a:p>
             <a:r>
-              <a:rPr lang="ko-KR" altLang="en-US" sz="2400" b="1" dirty="0">
+              <a:rPr lang="ko-KR" altLang="en-US" sz="2400" b="1" dirty="0" smtClean="0">
                 <a:solidFill>
                   <a:schemeClr val="accent1"/>
                 </a:solidFill>
               </a:rPr>
-              <a:t>일상에 대한 기억</a:t>
-            </a:r>
-            <a:r>
-              <a:rPr lang="en-US" altLang="ko-KR" sz="2400" b="1" dirty="0">
-                <a:solidFill>
-                  <a:schemeClr val="accent1"/>
-                </a:solidFill>
-              </a:rPr>
-              <a:t>, </a:t>
-            </a:r>
-            <a:r>
-              <a:rPr lang="ko-KR" altLang="en-US" sz="2400" b="1" dirty="0">
-                <a:solidFill>
-                  <a:schemeClr val="accent1"/>
-                </a:solidFill>
-              </a:rPr>
-              <a:t>분석을 통해 진정한 </a:t>
-            </a:r>
-            <a:r>
-              <a:rPr lang="en-US" altLang="ko-KR" sz="2400" b="1" dirty="0">
-                <a:solidFill>
-                  <a:schemeClr val="accent1"/>
-                </a:solidFill>
-              </a:rPr>
-              <a:t>“</a:t>
-            </a:r>
-            <a:r>
-              <a:rPr lang="ko-KR" altLang="en-US" sz="2400" b="1" dirty="0">
-                <a:solidFill>
-                  <a:schemeClr val="accent1"/>
-                </a:solidFill>
-              </a:rPr>
-              <a:t>나</a:t>
-            </a:r>
-            <a:r>
-              <a:rPr lang="en-US" altLang="ko-KR" sz="2400" b="1" dirty="0">
-                <a:solidFill>
-                  <a:schemeClr val="accent1"/>
-                </a:solidFill>
-              </a:rPr>
-              <a:t>”</a:t>
-            </a:r>
-            <a:r>
-              <a:rPr lang="ko-KR" altLang="en-US" sz="2400" b="1" dirty="0">
-                <a:solidFill>
-                  <a:schemeClr val="accent1"/>
-                </a:solidFill>
-              </a:rPr>
-              <a:t>를 찾아내는 서비스</a:t>
-            </a:r>
-          </a:p>
-        </p:txBody>
-      </p:sp>
-      <p:sp>
-        <p:nvSpPr>
-          <p:cNvPr id="6" name="TextBox 5">
-            <a:extLst>
-              <a:ext uri="{FF2B5EF4-FFF2-40B4-BE49-F238E27FC236}">
-                <a16:creationId xmlns:a16="http://schemas.microsoft.com/office/drawing/2014/main" id="{8F003860-AD47-4B05-B4E4-AA2DCF8FE275}"/>
-              </a:ext>
-            </a:extLst>
-          </p:cNvPr>
-          <p:cNvSpPr txBox="1"/>
-          <p:nvPr/>
-        </p:nvSpPr>
-        <p:spPr>
-          <a:xfrm>
-            <a:off x="7339560" y="4309001"/>
-            <a:ext cx="4014240" cy="646331"/>
-          </a:xfrm>
-          <a:prstGeom prst="rect">
-            <a:avLst/>
-          </a:prstGeom>
-          <a:noFill/>
-        </p:spPr>
-        <p:txBody>
-          <a:bodyPr wrap="none" rtlCol="0">
-            <a:spAutoFit/>
-          </a:bodyPr>
-          <a:lstStyle/>
-          <a:p>
-            <a:r>
-              <a:rPr lang="ko-KR" altLang="en-US" b="1" dirty="0">
-                <a:solidFill>
-                  <a:schemeClr val="bg1">
-                    <a:lumMod val="75000"/>
-                  </a:schemeClr>
-                </a:solidFill>
-              </a:rPr>
-              <a:t>나는 누구인가</a:t>
-            </a:r>
-            <a:r>
-              <a:rPr lang="en-US" altLang="ko-KR" b="1" dirty="0">
-                <a:solidFill>
-                  <a:schemeClr val="bg1">
-                    <a:lumMod val="75000"/>
-                  </a:schemeClr>
-                </a:solidFill>
-              </a:rPr>
-              <a:t>..</a:t>
-            </a:r>
-          </a:p>
-          <a:p>
-            <a:r>
-              <a:rPr lang="en-US" altLang="ko-KR" b="1" dirty="0">
-                <a:solidFill>
-                  <a:schemeClr val="bg1">
-                    <a:lumMod val="75000"/>
-                  </a:schemeClr>
-                </a:solidFill>
-              </a:rPr>
-              <a:t>	</a:t>
-            </a:r>
-            <a:r>
-              <a:rPr lang="ko-KR" altLang="en-US" b="1" dirty="0">
-                <a:solidFill>
-                  <a:schemeClr val="bg1">
-                    <a:lumMod val="75000"/>
-                  </a:schemeClr>
-                </a:solidFill>
-              </a:rPr>
-              <a:t>그리고 어떻게 살고 있는가</a:t>
-            </a:r>
-            <a:r>
-              <a:rPr lang="en-US" altLang="ko-KR" b="1" dirty="0">
-                <a:solidFill>
-                  <a:schemeClr val="bg1">
-                    <a:lumMod val="75000"/>
-                  </a:schemeClr>
-                </a:solidFill>
-              </a:rPr>
-              <a:t>..</a:t>
-            </a:r>
-            <a:endParaRPr lang="ko-KR" altLang="en-US" b="1" dirty="0">
+              <a:t>어떤 하루를 보내며 살았는지 알려주는 서비스</a:t>
+            </a:r>
+            <a:endParaRPr lang="ko-KR" altLang="en-US" sz="2400" b="1" dirty="0">
               <a:solidFill>
-                <a:schemeClr val="bg1">
-                  <a:lumMod val="75000"/>
-                </a:schemeClr>
+                <a:schemeClr val="accent1"/>
               </a:solidFill>
             </a:endParaRPr>
           </a:p>
@@ -3970,6 +7304,13 @@
   <p:clrMapOvr>
     <a:masterClrMapping/>
   </p:clrMapOvr>
+  <p:timing>
+    <p:tnLst>
+      <p:par>
+        <p:cTn id="1" dur="indefinite" restart="never" nodeType="tmRoot"/>
+      </p:par>
+    </p:tnLst>
+  </p:timing>
 </p:sld>
 </file>
 
@@ -4378,6 +7719,13 @@
   <p:clrMapOvr>
     <a:masterClrMapping/>
   </p:clrMapOvr>
+  <p:timing>
+    <p:tnLst>
+      <p:par>
+        <p:cTn id="1" dur="indefinite" restart="never" nodeType="tmRoot"/>
+      </p:par>
+    </p:tnLst>
+  </p:timing>
 </p:sld>
 </file>
 
@@ -4442,8 +7790,13 @@
             <a:pPr algn="ctr"/>
             <a:r>
               <a:rPr lang="ko-KR" altLang="en-US" dirty="0"/>
-              <a:t>사용자 대응 전략 수립</a:t>
-            </a:r>
+              <a:t>사용자 </a:t>
+            </a:r>
+            <a:r>
+              <a:rPr lang="ko-KR" altLang="en-US" dirty="0" smtClean="0"/>
+              <a:t>맞춤형 대화</a:t>
+            </a:r>
+            <a:endParaRPr lang="ko-KR" altLang="en-US" dirty="0"/>
           </a:p>
         </p:txBody>
       </p:sp>
@@ -5343,13 +8696,18 @@
           <a:p>
             <a:pPr algn="ctr"/>
             <a:r>
-              <a:rPr lang="ko-KR" altLang="en-US" dirty="0">
+              <a:rPr lang="ko-KR" altLang="en-US" dirty="0" smtClean="0">
                 <a:solidFill>
                   <a:schemeClr val="tx1"/>
                 </a:solidFill>
               </a:rPr>
-              <a:t>맞춤 대화</a:t>
-            </a:r>
+              <a:t>관계 형성</a:t>
+            </a:r>
+            <a:endParaRPr lang="ko-KR" altLang="en-US" dirty="0">
+              <a:solidFill>
+                <a:schemeClr val="tx1"/>
+              </a:solidFill>
+            </a:endParaRPr>
           </a:p>
         </p:txBody>
       </p:sp>
@@ -5662,6 +9020,13 @@
   <p:clrMapOvr>
     <a:masterClrMapping/>
   </p:clrMapOvr>
+  <p:timing>
+    <p:tnLst>
+      <p:par>
+        <p:cTn id="1" dur="indefinite" restart="never" nodeType="tmRoot"/>
+      </p:par>
+    </p:tnLst>
+  </p:timing>
 </p:sld>
 </file>
 
@@ -6771,6 +10136,13 @@
   <p:clrMapOvr>
     <a:masterClrMapping/>
   </p:clrMapOvr>
+  <p:timing>
+    <p:tnLst>
+      <p:par>
+        <p:cTn id="1" dur="indefinite" restart="never" nodeType="tmRoot"/>
+      </p:par>
+    </p:tnLst>
+  </p:timing>
 </p:sld>
 </file>
 
@@ -8948,8 +12320,8 @@
         </p:nvSpPr>
         <p:spPr>
           <a:xfrm>
-            <a:off x="9523195" y="1715393"/>
-            <a:ext cx="1963999" cy="369332"/>
+            <a:off x="9407779" y="1715393"/>
+            <a:ext cx="2194832" cy="369332"/>
           </a:xfrm>
           <a:prstGeom prst="rect">
             <a:avLst/>
@@ -8962,9 +12334,14 @@
           </a:bodyPr>
           <a:lstStyle/>
           <a:p>
-            <a:r>
-              <a:rPr lang="ko-KR" altLang="en-US"/>
-              <a:t>사용자 대응 전략</a:t>
+            <a:pPr algn="ctr"/>
+            <a:r>
+              <a:rPr lang="ko-KR" altLang="en-US" dirty="0"/>
+              <a:t>사용자 맞춤형 </a:t>
+            </a:r>
+            <a:r>
+              <a:rPr lang="ko-KR" altLang="en-US" dirty="0" smtClean="0"/>
+              <a:t>대화</a:t>
             </a:r>
             <a:endParaRPr lang="ko-KR" altLang="en-US" dirty="0"/>
           </a:p>
@@ -8980,6 +12357,13 @@
   <p:clrMapOvr>
     <a:masterClrMapping/>
   </p:clrMapOvr>
+  <p:timing>
+    <p:tnLst>
+      <p:par>
+        <p:cTn id="1" dur="indefinite" restart="never" nodeType="tmRoot"/>
+      </p:par>
+    </p:tnLst>
+  </p:timing>
 </p:sld>
 </file>
 

--- a/시스템 설계도.pptx
+++ b/시스템 설계도.pptx
@@ -5064,7 +5064,7 @@
         <p:spPr>
           <a:xfrm>
             <a:off x="3424226" y="1690688"/>
-            <a:ext cx="6959354" cy="3139321"/>
+            <a:ext cx="6959354" cy="3416320"/>
           </a:xfrm>
           <a:prstGeom prst="rect">
             <a:avLst/>
@@ -5095,28 +5095,99 @@
           </a:p>
           <a:p>
             <a:r>
+              <a:rPr lang="ko-KR" altLang="en-US" dirty="0"/>
+              <a:t>일정</a:t>
+            </a:r>
+            <a:r>
+              <a:rPr lang="en-US" altLang="ko-KR" dirty="0"/>
+              <a:t>: 4/8, 4</a:t>
+            </a:r>
+            <a:r>
+              <a:rPr lang="ko-KR" altLang="en-US" dirty="0"/>
+              <a:t>월 </a:t>
+            </a:r>
+            <a:r>
+              <a:rPr lang="en-US" altLang="ko-KR" dirty="0"/>
+              <a:t>8</a:t>
+            </a:r>
+            <a:r>
+              <a:rPr lang="ko-KR" altLang="en-US" dirty="0"/>
+              <a:t>일 등 문장 </a:t>
+            </a:r>
+            <a:r>
+              <a:rPr lang="ko-KR" altLang="en-US" dirty="0" err="1"/>
+              <a:t>유사도로</a:t>
+            </a:r>
+            <a:r>
+              <a:rPr lang="ko-KR" altLang="en-US" dirty="0"/>
+              <a:t> 파악</a:t>
+            </a:r>
+          </a:p>
+          <a:p>
+            <a:endParaRPr lang="ko-KR" altLang="en-US" dirty="0"/>
+          </a:p>
+          <a:p>
+            <a:r>
+              <a:rPr lang="ko-KR" altLang="en-US" dirty="0"/>
+              <a:t>메모</a:t>
+            </a:r>
+            <a:r>
+              <a:rPr lang="en-US" altLang="ko-KR" dirty="0"/>
+              <a:t>: </a:t>
+            </a:r>
+            <a:r>
+              <a:rPr lang="ko-KR" altLang="en-US" dirty="0"/>
+              <a:t>일정 이상 글이 길거나</a:t>
+            </a:r>
+            <a:r>
+              <a:rPr lang="en-US" altLang="ko-KR" dirty="0"/>
+              <a:t>, </a:t>
+            </a:r>
+            <a:r>
+              <a:rPr lang="ko-KR" altLang="en-US" dirty="0"/>
+              <a:t>메모 해줘 등의 문장 </a:t>
+            </a:r>
+            <a:r>
+              <a:rPr lang="ko-KR" altLang="en-US" dirty="0" err="1"/>
+              <a:t>유사도로</a:t>
+            </a:r>
+            <a:r>
+              <a:rPr lang="ko-KR" altLang="en-US" dirty="0"/>
+              <a:t> 파악</a:t>
+            </a:r>
+            <a:r>
+              <a:rPr lang="en-US" altLang="ko-KR" dirty="0"/>
+              <a:t>?</a:t>
+            </a:r>
+          </a:p>
+          <a:p>
+            <a:endParaRPr lang="en-US" altLang="ko-KR" dirty="0"/>
+          </a:p>
+          <a:p>
+            <a:r>
+              <a:rPr lang="ko-KR" altLang="en-US" dirty="0"/>
+              <a:t>그 외 일반 대화</a:t>
+            </a:r>
+          </a:p>
+          <a:p>
+            <a:endParaRPr lang="en-US" altLang="ko-KR" dirty="0"/>
+          </a:p>
+          <a:p>
+            <a:r>
               <a:rPr lang="en-US" altLang="ko-KR" dirty="0" smtClean="0"/>
               <a:t>#</a:t>
             </a:r>
             <a:r>
               <a:rPr lang="ko-KR" altLang="en-US" dirty="0" smtClean="0"/>
-              <a:t>일정 등록 </a:t>
+              <a:t>질문 </a:t>
             </a:r>
             <a:r>
               <a:rPr lang="en-US" altLang="ko-KR" dirty="0" smtClean="0"/>
-              <a:t>: ex) “2/26 </a:t>
+              <a:t>-&gt; </a:t>
             </a:r>
             <a:r>
               <a:rPr lang="ko-KR" altLang="en-US" dirty="0" smtClean="0"/>
-              <a:t>미용실</a:t>
-            </a:r>
-            <a:r>
-              <a:rPr lang="en-US" altLang="ko-KR" dirty="0" smtClean="0"/>
-              <a:t>” </a:t>
-            </a:r>
-            <a:r>
-              <a:rPr lang="ko-KR" altLang="en-US" dirty="0" smtClean="0"/>
-              <a:t>양식으로 입력</a:t>
+              <a:t>아카이브 우선 탐색</a:t>
             </a:r>
             <a:endParaRPr lang="en-US" altLang="ko-KR" dirty="0" smtClean="0"/>
           </a:p>
@@ -5130,21 +5201,7 @@
             </a:r>
             <a:r>
               <a:rPr lang="ko-KR" altLang="en-US" dirty="0" smtClean="0"/>
-              <a:t>메모 등록</a:t>
-            </a:r>
-            <a:endParaRPr lang="en-US" altLang="ko-KR" dirty="0" smtClean="0"/>
-          </a:p>
-          <a:p>
-            <a:endParaRPr lang="en-US" altLang="ko-KR" dirty="0"/>
-          </a:p>
-          <a:p>
-            <a:r>
-              <a:rPr lang="en-US" altLang="ko-KR" dirty="0" smtClean="0"/>
-              <a:t>#</a:t>
-            </a:r>
-            <a:r>
-              <a:rPr lang="ko-KR" altLang="en-US" dirty="0" smtClean="0"/>
-              <a:t>질문 </a:t>
+              <a:t>상담 </a:t>
             </a:r>
             <a:r>
               <a:rPr lang="en-US" altLang="ko-KR" dirty="0" smtClean="0"/>
@@ -5152,47 +5209,286 @@
             </a:r>
             <a:r>
               <a:rPr lang="ko-KR" altLang="en-US" dirty="0" smtClean="0"/>
-              <a:t>아카이브 우선 탐색</a:t>
+              <a:t>일기장 우선 탐색</a:t>
             </a:r>
             <a:endParaRPr lang="en-US" altLang="ko-KR" dirty="0" smtClean="0"/>
           </a:p>
           <a:p>
             <a:endParaRPr lang="en-US" altLang="ko-KR" dirty="0"/>
           </a:p>
-          <a:p>
+        </p:txBody>
+      </p:sp>
+      <p:sp>
+        <p:nvSpPr>
+          <p:cNvPr id="3" name="직사각형 2"/>
+          <p:cNvSpPr/>
+          <p:nvPr/>
+        </p:nvSpPr>
+        <p:spPr>
+          <a:xfrm>
+            <a:off x="6433352" y="5005802"/>
+            <a:ext cx="985422" cy="639192"/>
+          </a:xfrm>
+          <a:prstGeom prst="rect">
+            <a:avLst/>
+          </a:prstGeom>
+        </p:spPr>
+        <p:style>
+          <a:lnRef idx="2">
+            <a:schemeClr val="accent3">
+              <a:shade val="50000"/>
+            </a:schemeClr>
+          </a:lnRef>
+          <a:fillRef idx="1">
+            <a:schemeClr val="accent3"/>
+          </a:fillRef>
+          <a:effectRef idx="0">
+            <a:schemeClr val="accent3"/>
+          </a:effectRef>
+          <a:fontRef idx="minor">
+            <a:schemeClr val="lt1"/>
+          </a:fontRef>
+        </p:style>
+        <p:txBody>
+          <a:bodyPr rtlCol="0" anchor="ctr"/>
+          <a:lstStyle/>
+          <a:p>
+            <a:pPr algn="ctr"/>
+            <a:r>
+              <a:rPr lang="ko-KR" altLang="en-US" dirty="0" err="1" smtClean="0"/>
+              <a:t>채팅창</a:t>
+            </a:r>
+            <a:endParaRPr lang="ko-KR" altLang="en-US" dirty="0"/>
+          </a:p>
+        </p:txBody>
+      </p:sp>
+      <p:sp>
+        <p:nvSpPr>
+          <p:cNvPr id="11" name="직사각형 10"/>
+          <p:cNvSpPr/>
+          <p:nvPr/>
+        </p:nvSpPr>
+        <p:spPr>
+          <a:xfrm>
+            <a:off x="8796661" y="4160807"/>
+            <a:ext cx="985422" cy="639192"/>
+          </a:xfrm>
+          <a:prstGeom prst="rect">
+            <a:avLst/>
+          </a:prstGeom>
+        </p:spPr>
+        <p:style>
+          <a:lnRef idx="2">
+            <a:schemeClr val="accent1">
+              <a:shade val="50000"/>
+            </a:schemeClr>
+          </a:lnRef>
+          <a:fillRef idx="1">
+            <a:schemeClr val="accent1"/>
+          </a:fillRef>
+          <a:effectRef idx="0">
+            <a:schemeClr val="accent1"/>
+          </a:effectRef>
+          <a:fontRef idx="minor">
+            <a:schemeClr val="lt1"/>
+          </a:fontRef>
+        </p:style>
+        <p:txBody>
+          <a:bodyPr rtlCol="0" anchor="ctr"/>
+          <a:lstStyle/>
+          <a:p>
+            <a:pPr algn="ctr"/>
+            <a:r>
+              <a:rPr lang="ko-KR" altLang="en-US" dirty="0" smtClean="0"/>
+              <a:t>일정</a:t>
+            </a:r>
             <a:r>
               <a:rPr lang="en-US" altLang="ko-KR" dirty="0" smtClean="0"/>
-              <a:t>#</a:t>
-            </a:r>
+              <a:t>prompt</a:t>
+            </a:r>
+            <a:endParaRPr lang="ko-KR" altLang="en-US" dirty="0"/>
+          </a:p>
+        </p:txBody>
+      </p:sp>
+      <p:sp>
+        <p:nvSpPr>
+          <p:cNvPr id="12" name="직사각형 11"/>
+          <p:cNvSpPr/>
+          <p:nvPr/>
+        </p:nvSpPr>
+        <p:spPr>
+          <a:xfrm>
+            <a:off x="8796661" y="4992185"/>
+            <a:ext cx="985422" cy="639192"/>
+          </a:xfrm>
+          <a:prstGeom prst="rect">
+            <a:avLst/>
+          </a:prstGeom>
+        </p:spPr>
+        <p:style>
+          <a:lnRef idx="2">
+            <a:schemeClr val="accent1">
+              <a:shade val="50000"/>
+            </a:schemeClr>
+          </a:lnRef>
+          <a:fillRef idx="1">
+            <a:schemeClr val="accent1"/>
+          </a:fillRef>
+          <a:effectRef idx="0">
+            <a:schemeClr val="accent1"/>
+          </a:effectRef>
+          <a:fontRef idx="minor">
+            <a:schemeClr val="lt1"/>
+          </a:fontRef>
+        </p:style>
+        <p:txBody>
+          <a:bodyPr rtlCol="0" anchor="ctr"/>
+          <a:lstStyle/>
+          <a:p>
+            <a:pPr algn="ctr"/>
             <a:r>
               <a:rPr lang="ko-KR" altLang="en-US" dirty="0" smtClean="0"/>
-              <a:t>상담 </a:t>
+              <a:t>메모</a:t>
             </a:r>
             <a:r>
               <a:rPr lang="en-US" altLang="ko-KR" dirty="0" smtClean="0"/>
-              <a:t>-&gt; </a:t>
-            </a:r>
+              <a:t>prompt</a:t>
+            </a:r>
+            <a:endParaRPr lang="ko-KR" altLang="en-US" dirty="0"/>
+          </a:p>
+        </p:txBody>
+      </p:sp>
+      <p:sp>
+        <p:nvSpPr>
+          <p:cNvPr id="13" name="직사각형 12"/>
+          <p:cNvSpPr/>
+          <p:nvPr/>
+        </p:nvSpPr>
+        <p:spPr>
+          <a:xfrm>
+            <a:off x="8796661" y="5835976"/>
+            <a:ext cx="985422" cy="639192"/>
+          </a:xfrm>
+          <a:prstGeom prst="rect">
+            <a:avLst/>
+          </a:prstGeom>
+        </p:spPr>
+        <p:style>
+          <a:lnRef idx="2">
+            <a:schemeClr val="accent1">
+              <a:shade val="50000"/>
+            </a:schemeClr>
+          </a:lnRef>
+          <a:fillRef idx="1">
+            <a:schemeClr val="accent1"/>
+          </a:fillRef>
+          <a:effectRef idx="0">
+            <a:schemeClr val="accent1"/>
+          </a:effectRef>
+          <a:fontRef idx="minor">
+            <a:schemeClr val="lt1"/>
+          </a:fontRef>
+        </p:style>
+        <p:txBody>
+          <a:bodyPr rtlCol="0" anchor="ctr"/>
+          <a:lstStyle/>
+          <a:p>
+            <a:pPr algn="ctr"/>
             <a:r>
               <a:rPr lang="ko-KR" altLang="en-US" dirty="0" smtClean="0"/>
-              <a:t>일기장 우선 탐색</a:t>
-            </a:r>
-            <a:endParaRPr lang="en-US" altLang="ko-KR" dirty="0" smtClean="0"/>
-          </a:p>
-          <a:p>
-            <a:endParaRPr lang="en-US" altLang="ko-KR" dirty="0"/>
-          </a:p>
-          <a:p>
+              <a:t>일기</a:t>
+            </a:r>
+            <a:r>
+              <a:rPr lang="en-US" altLang="ko-KR" dirty="0" smtClean="0"/>
+              <a:t>prompt</a:t>
+            </a:r>
+            <a:endParaRPr lang="ko-KR" altLang="en-US" dirty="0"/>
+          </a:p>
+        </p:txBody>
+      </p:sp>
+      <p:sp>
+        <p:nvSpPr>
+          <p:cNvPr id="17" name="직사각형 16"/>
+          <p:cNvSpPr/>
+          <p:nvPr/>
+        </p:nvSpPr>
+        <p:spPr>
+          <a:xfrm>
+            <a:off x="7606683" y="4993389"/>
+            <a:ext cx="985422" cy="639192"/>
+          </a:xfrm>
+          <a:prstGeom prst="rect">
+            <a:avLst/>
+          </a:prstGeom>
+        </p:spPr>
+        <p:style>
+          <a:lnRef idx="2">
+            <a:schemeClr val="accent1">
+              <a:shade val="50000"/>
+            </a:schemeClr>
+          </a:lnRef>
+          <a:fillRef idx="1">
+            <a:schemeClr val="accent1"/>
+          </a:fillRef>
+          <a:effectRef idx="0">
+            <a:schemeClr val="accent1"/>
+          </a:effectRef>
+          <a:fontRef idx="minor">
+            <a:schemeClr val="lt1"/>
+          </a:fontRef>
+        </p:style>
+        <p:txBody>
+          <a:bodyPr rtlCol="0" anchor="ctr"/>
+          <a:lstStyle/>
+          <a:p>
+            <a:pPr algn="ctr"/>
             <a:r>
               <a:rPr lang="ko-KR" altLang="en-US" dirty="0" smtClean="0"/>
-              <a:t>외 일반 </a:t>
-            </a:r>
+              <a:t>필터</a:t>
+            </a:r>
+            <a:endParaRPr lang="ko-KR" altLang="en-US" dirty="0"/>
+          </a:p>
+        </p:txBody>
+      </p:sp>
+      <p:sp>
+        <p:nvSpPr>
+          <p:cNvPr id="18" name="직사각형 17"/>
+          <p:cNvSpPr/>
+          <p:nvPr/>
+        </p:nvSpPr>
+        <p:spPr>
+          <a:xfrm>
+            <a:off x="9986640" y="5005802"/>
+            <a:ext cx="985422" cy="639192"/>
+          </a:xfrm>
+          <a:prstGeom prst="rect">
+            <a:avLst/>
+          </a:prstGeom>
+        </p:spPr>
+        <p:style>
+          <a:lnRef idx="2">
+            <a:schemeClr val="accent1">
+              <a:shade val="50000"/>
+            </a:schemeClr>
+          </a:lnRef>
+          <a:fillRef idx="1">
+            <a:schemeClr val="accent1"/>
+          </a:fillRef>
+          <a:effectRef idx="0">
+            <a:schemeClr val="accent1"/>
+          </a:effectRef>
+          <a:fontRef idx="minor">
+            <a:schemeClr val="lt1"/>
+          </a:fontRef>
+        </p:style>
+        <p:txBody>
+          <a:bodyPr rtlCol="0" anchor="ctr"/>
+          <a:lstStyle/>
+          <a:p>
+            <a:pPr algn="ctr"/>
             <a:r>
               <a:rPr lang="en-US" altLang="ko-KR" dirty="0" smtClean="0"/>
-              <a:t>LLM </a:t>
-            </a:r>
-            <a:r>
-              <a:rPr lang="ko-KR" altLang="en-US" dirty="0" smtClean="0"/>
-              <a:t>답변</a:t>
+              <a:t>LLM</a:t>
             </a:r>
             <a:endParaRPr lang="ko-KR" altLang="en-US" dirty="0"/>
           </a:p>
@@ -5244,7 +5540,7 @@
         <p:spPr>
           <a:xfrm>
             <a:off x="3424226" y="1690688"/>
-            <a:ext cx="6959354" cy="1754326"/>
+            <a:ext cx="6959354" cy="2031325"/>
           </a:xfrm>
           <a:prstGeom prst="rect">
             <a:avLst/>
@@ -5303,9 +5599,32 @@
               <a:t>황색</a:t>
             </a:r>
             <a:r>
-              <a:rPr lang="en-US" altLang="ko-KR" dirty="0"/>
+              <a:rPr lang="en-US" altLang="ko-KR" dirty="0" smtClean="0"/>
               <a:t>)</a:t>
             </a:r>
+          </a:p>
+          <a:p>
+            <a:pPr marL="285750" indent="-285750">
+              <a:buFontTx/>
+              <a:buChar char="-"/>
+            </a:pPr>
+            <a:r>
+              <a:rPr lang="ko-KR" altLang="en-US" dirty="0" smtClean="0"/>
+              <a:t>완료 일정</a:t>
+            </a:r>
+            <a:r>
+              <a:rPr lang="en-US" altLang="ko-KR" dirty="0" smtClean="0"/>
+              <a:t>(</a:t>
+            </a:r>
+            <a:r>
+              <a:rPr lang="ko-KR" altLang="en-US" dirty="0" smtClean="0"/>
+              <a:t>회색</a:t>
+            </a:r>
+            <a:r>
+              <a:rPr lang="en-US" altLang="ko-KR" dirty="0" smtClean="0"/>
+              <a:t>)</a:t>
+            </a:r>
+            <a:endParaRPr lang="en-US" altLang="ko-KR" dirty="0"/>
           </a:p>
           <a:p>
             <a:pPr marL="285750" indent="-285750">
@@ -5731,6 +6050,130 @@
               <a:t>헬스장</a:t>
             </a:r>
             <a:endParaRPr lang="ko-KR" altLang="en-US" dirty="0"/>
+          </a:p>
+        </p:txBody>
+      </p:sp>
+      <p:sp>
+        <p:nvSpPr>
+          <p:cNvPr id="13" name="직사각형 12"/>
+          <p:cNvSpPr/>
+          <p:nvPr/>
+        </p:nvSpPr>
+        <p:spPr>
+          <a:xfrm>
+            <a:off x="3557391" y="4428832"/>
+            <a:ext cx="1351960" cy="1848357"/>
+          </a:xfrm>
+          <a:prstGeom prst="rect">
+            <a:avLst/>
+          </a:prstGeom>
+          <a:solidFill>
+            <a:schemeClr val="bg1">
+              <a:lumMod val="95000"/>
+            </a:schemeClr>
+          </a:solidFill>
+          <a:ln w="19050">
+            <a:solidFill>
+              <a:schemeClr val="tx1"/>
+            </a:solidFill>
+          </a:ln>
+        </p:spPr>
+        <p:style>
+          <a:lnRef idx="2">
+            <a:schemeClr val="accent3">
+              <a:shade val="50000"/>
+            </a:schemeClr>
+          </a:lnRef>
+          <a:fillRef idx="1">
+            <a:schemeClr val="accent3"/>
+          </a:fillRef>
+          <a:effectRef idx="0">
+            <a:schemeClr val="accent3"/>
+          </a:effectRef>
+          <a:fontRef idx="minor">
+            <a:schemeClr val="lt1"/>
+          </a:fontRef>
+        </p:style>
+        <p:txBody>
+          <a:bodyPr rtlCol="0" anchor="ctr"/>
+          <a:lstStyle/>
+          <a:p>
+            <a:pPr algn="ctr"/>
+            <a:r>
+              <a:rPr lang="ko-KR" altLang="en-US" dirty="0" smtClean="0">
+                <a:solidFill>
+                  <a:schemeClr val="tx1"/>
+                </a:solidFill>
+              </a:rPr>
+              <a:t>나열형</a:t>
+            </a:r>
+            <a:endParaRPr lang="ko-KR" altLang="en-US" dirty="0">
+              <a:solidFill>
+                <a:schemeClr val="tx1"/>
+              </a:solidFill>
+            </a:endParaRPr>
+          </a:p>
+        </p:txBody>
+      </p:sp>
+      <p:sp>
+        <p:nvSpPr>
+          <p:cNvPr id="14" name="직사각형 13"/>
+          <p:cNvSpPr/>
+          <p:nvPr/>
+        </p:nvSpPr>
+        <p:spPr>
+          <a:xfrm>
+            <a:off x="5139096" y="4428832"/>
+            <a:ext cx="1351960" cy="1848357"/>
+          </a:xfrm>
+          <a:prstGeom prst="rect">
+            <a:avLst/>
+          </a:prstGeom>
+          <a:solidFill>
+            <a:schemeClr val="bg1">
+              <a:lumMod val="95000"/>
+            </a:schemeClr>
+          </a:solidFill>
+          <a:ln w="19050">
+            <a:solidFill>
+              <a:schemeClr val="tx1"/>
+            </a:solidFill>
+          </a:ln>
+        </p:spPr>
+        <p:style>
+          <a:lnRef idx="2">
+            <a:schemeClr val="accent3">
+              <a:shade val="50000"/>
+            </a:schemeClr>
+          </a:lnRef>
+          <a:fillRef idx="1">
+            <a:schemeClr val="accent3"/>
+          </a:fillRef>
+          <a:effectRef idx="0">
+            <a:schemeClr val="accent3"/>
+          </a:effectRef>
+          <a:fontRef idx="minor">
+            <a:schemeClr val="lt1"/>
+          </a:fontRef>
+        </p:style>
+        <p:txBody>
+          <a:bodyPr rtlCol="0" anchor="ctr"/>
+          <a:lstStyle/>
+          <a:p>
+            <a:pPr algn="ctr"/>
+            <a:r>
+              <a:rPr lang="ko-KR" altLang="en-US" dirty="0" err="1" smtClean="0">
+                <a:solidFill>
+                  <a:schemeClr val="tx1"/>
+                </a:solidFill>
+              </a:rPr>
+              <a:t>달력형</a:t>
+            </a:r>
+            <a:endParaRPr lang="ko-KR" altLang="en-US" dirty="0">
+              <a:solidFill>
+                <a:schemeClr val="tx1"/>
+              </a:solidFill>
+            </a:endParaRPr>
           </a:p>
         </p:txBody>
       </p:sp>
@@ -6233,7 +6676,7 @@
         <p:spPr>
           <a:xfrm>
             <a:off x="3424226" y="1690688"/>
-            <a:ext cx="6959354" cy="923330"/>
+            <a:ext cx="6959354" cy="1754326"/>
           </a:xfrm>
           <a:prstGeom prst="rect">
             <a:avLst/>
@@ -6282,7 +6725,32 @@
             </a:r>
             <a:r>
               <a:rPr lang="ko-KR" altLang="en-US" dirty="0"/>
-              <a:t>등 선 질문</a:t>
+              <a:t>등 선 </a:t>
+            </a:r>
+            <a:r>
+              <a:rPr lang="ko-KR" altLang="en-US" dirty="0" smtClean="0"/>
+              <a:t>질문</a:t>
+            </a:r>
+            <a:endParaRPr lang="en-US" altLang="ko-KR" dirty="0" smtClean="0"/>
+          </a:p>
+          <a:p>
+            <a:endParaRPr lang="en-US" altLang="ko-KR" dirty="0"/>
+          </a:p>
+          <a:p>
+            <a:endParaRPr lang="en-US" altLang="ko-KR" dirty="0" smtClean="0"/>
+          </a:p>
+          <a:p>
+            <a:r>
+              <a:rPr lang="ko-KR" altLang="en-US" dirty="0"/>
+              <a:t>감정 분석 모델이 있다고 함 </a:t>
+            </a:r>
+            <a:r>
+              <a:rPr lang="en-US" altLang="ko-KR" dirty="0"/>
+              <a:t>sad: 30% </a:t>
+            </a:r>
+            <a:r>
+              <a:rPr lang="ko-KR" altLang="en-US" dirty="0"/>
+              <a:t>등</a:t>
             </a:r>
             <a:endParaRPr lang="ko-KR" altLang="en-US" dirty="0"/>
           </a:p>

--- a/시스템 설계도.pptx
+++ b/시스템 설계도.pptx
@@ -3509,13 +3509,6 @@
   <p:clrMapOvr>
     <a:masterClrMapping/>
   </p:clrMapOvr>
-  <p:timing>
-    <p:tnLst>
-      <p:par>
-        <p:cTn id="1" dur="indefinite" restart="never" nodeType="tmRoot"/>
-      </p:par>
-    </p:tnLst>
-  </p:timing>
 </p:sld>
 </file>
 
@@ -3623,14 +3616,13 @@
           <a:p>
             <a:pPr algn="ctr"/>
             <a:r>
-              <a:rPr lang="en-US" altLang="ko-KR" dirty="0" smtClean="0"/>
+              <a:rPr lang="en-US" altLang="ko-KR" dirty="0"/>
               <a:t>3/13 </a:t>
             </a:r>
             <a:r>
-              <a:rPr lang="ko-KR" altLang="en-US" dirty="0" smtClean="0"/>
+              <a:rPr lang="ko-KR" altLang="en-US" dirty="0"/>
               <a:t>친구랑 카페</a:t>
             </a:r>
-            <a:endParaRPr lang="ko-KR" altLang="en-US" dirty="0"/>
           </a:p>
         </p:txBody>
       </p:sp>
@@ -3671,14 +3663,13 @@
           <a:p>
             <a:pPr algn="ctr"/>
             <a:r>
-              <a:rPr lang="en-US" altLang="ko-KR" dirty="0" smtClean="0"/>
+              <a:rPr lang="en-US" altLang="ko-KR" dirty="0"/>
               <a:t>3/26 </a:t>
             </a:r>
             <a:r>
-              <a:rPr lang="ko-KR" altLang="en-US" dirty="0" smtClean="0"/>
+              <a:rPr lang="ko-KR" altLang="en-US" dirty="0"/>
               <a:t>자소서 마감</a:t>
             </a:r>
-            <a:endParaRPr lang="ko-KR" altLang="en-US" dirty="0"/>
           </a:p>
         </p:txBody>
       </p:sp>
@@ -3719,14 +3710,13 @@
           <a:p>
             <a:pPr algn="ctr"/>
             <a:r>
-              <a:rPr lang="en-US" altLang="ko-KR" dirty="0" smtClean="0"/>
+              <a:rPr lang="en-US" altLang="ko-KR" dirty="0"/>
               <a:t>4/1 </a:t>
             </a:r>
             <a:r>
-              <a:rPr lang="ko-KR" altLang="en-US" dirty="0" smtClean="0"/>
+              <a:rPr lang="ko-KR" altLang="en-US" dirty="0"/>
               <a:t>결혼식 참석</a:t>
             </a:r>
-            <a:endParaRPr lang="ko-KR" altLang="en-US" dirty="0"/>
           </a:p>
         </p:txBody>
       </p:sp>
@@ -3768,17 +3758,12 @@
             <a:pPr algn="ctr"/>
             <a:r>
               <a:rPr lang="en-US" altLang="ko-KR" dirty="0"/>
-              <a:t>5</a:t>
-            </a:r>
-            <a:r>
-              <a:rPr lang="en-US" altLang="ko-KR" dirty="0" smtClean="0"/>
-              <a:t>/15 </a:t>
-            </a:r>
-            <a:r>
-              <a:rPr lang="ko-KR" altLang="en-US" dirty="0" smtClean="0"/>
+              <a:t>5/15 </a:t>
+            </a:r>
+            <a:r>
+              <a:rPr lang="ko-KR" altLang="en-US" dirty="0"/>
               <a:t>데이트</a:t>
             </a:r>
-            <a:endParaRPr lang="ko-KR" altLang="en-US" dirty="0"/>
           </a:p>
         </p:txBody>
       </p:sp>
@@ -3819,14 +3804,13 @@
           <a:p>
             <a:pPr algn="ctr"/>
             <a:r>
-              <a:rPr lang="en-US" altLang="ko-KR" dirty="0" smtClean="0"/>
+              <a:rPr lang="en-US" altLang="ko-KR" dirty="0"/>
               <a:t>2/18 </a:t>
             </a:r>
             <a:r>
-              <a:rPr lang="ko-KR" altLang="en-US" dirty="0" smtClean="0"/>
+              <a:rPr lang="ko-KR" altLang="en-US" dirty="0"/>
               <a:t>헬스장</a:t>
             </a:r>
-            <a:endParaRPr lang="ko-KR" altLang="en-US" dirty="0"/>
           </a:p>
         </p:txBody>
       </p:sp>
@@ -3867,14 +3851,13 @@
           <a:p>
             <a:pPr algn="ctr"/>
             <a:r>
-              <a:rPr lang="en-US" altLang="ko-KR" dirty="0" smtClean="0"/>
+              <a:rPr lang="en-US" altLang="ko-KR" dirty="0"/>
               <a:t>1/3 </a:t>
             </a:r>
             <a:r>
-              <a:rPr lang="ko-KR" altLang="en-US" dirty="0" smtClean="0"/>
+              <a:rPr lang="ko-KR" altLang="en-US" dirty="0"/>
               <a:t>헬스장</a:t>
             </a:r>
-            <a:endParaRPr lang="ko-KR" altLang="en-US" dirty="0"/>
           </a:p>
         </p:txBody>
       </p:sp>
@@ -3894,14 +3877,13 @@
           <a:lstStyle/>
           <a:p>
             <a:r>
-              <a:rPr lang="en-US" altLang="ko-KR" dirty="0" smtClean="0"/>
+              <a:rPr lang="en-US" altLang="ko-KR" dirty="0"/>
               <a:t>UI/UX </a:t>
             </a:r>
             <a:r>
-              <a:rPr lang="ko-KR" altLang="en-US" dirty="0" smtClean="0"/>
+              <a:rPr lang="ko-KR" altLang="en-US" dirty="0"/>
               <a:t>설계</a:t>
             </a:r>
-            <a:endParaRPr lang="ko-KR" altLang="en-US" dirty="0"/>
           </a:p>
         </p:txBody>
       </p:sp>
@@ -3979,10 +3961,9 @@
           <a:p>
             <a:pPr algn="ctr"/>
             <a:r>
-              <a:rPr lang="ko-KR" altLang="en-US" dirty="0" smtClean="0"/>
+              <a:rPr lang="ko-KR" altLang="en-US" dirty="0"/>
               <a:t>이드 대화</a:t>
             </a:r>
-            <a:endParaRPr lang="ko-KR" altLang="en-US" dirty="0"/>
           </a:p>
         </p:txBody>
       </p:sp>
@@ -4010,10 +3991,9 @@
           <a:p>
             <a:pPr algn="ctr"/>
             <a:r>
-              <a:rPr lang="ko-KR" altLang="en-US" dirty="0" smtClean="0"/>
+              <a:rPr lang="ko-KR" altLang="en-US" dirty="0"/>
               <a:t>일정 관리</a:t>
             </a:r>
-            <a:endParaRPr lang="ko-KR" altLang="en-US" dirty="0"/>
           </a:p>
         </p:txBody>
       </p:sp>
@@ -4064,14 +4044,14 @@
           <a:p>
             <a:pPr algn="ctr"/>
             <a:r>
-              <a:rPr lang="ko-KR" altLang="en-US" dirty="0" smtClean="0">
+              <a:rPr lang="ko-KR" altLang="en-US" dirty="0">
                 <a:solidFill>
                   <a:schemeClr val="tx1"/>
                 </a:solidFill>
               </a:rPr>
               <a:t>사용자 프로필</a:t>
             </a:r>
-            <a:endParaRPr lang="en-US" altLang="ko-KR" dirty="0" smtClean="0">
+            <a:endParaRPr lang="en-US" altLang="ko-KR" dirty="0">
               <a:solidFill>
                 <a:schemeClr val="tx1"/>
               </a:solidFill>
@@ -4079,7 +4059,7 @@
           </a:p>
           <a:p>
             <a:pPr algn="ctr"/>
-            <a:endParaRPr lang="en-US" altLang="ko-KR" dirty="0" smtClean="0">
+            <a:endParaRPr lang="en-US" altLang="ko-KR" dirty="0">
               <a:solidFill>
                 <a:schemeClr val="tx1"/>
               </a:solidFill>
@@ -4088,14 +4068,14 @@
           <a:p>
             <a:pPr algn="ctr"/>
             <a:r>
-              <a:rPr lang="ko-KR" altLang="en-US" dirty="0" smtClean="0">
+              <a:rPr lang="ko-KR" altLang="en-US" dirty="0">
                 <a:solidFill>
                   <a:schemeClr val="tx1"/>
                 </a:solidFill>
               </a:rPr>
               <a:t>이드 프로필</a:t>
             </a:r>
-            <a:endParaRPr lang="en-US" altLang="ko-KR" dirty="0" smtClean="0">
+            <a:endParaRPr lang="en-US" altLang="ko-KR" dirty="0">
               <a:solidFill>
                 <a:schemeClr val="tx1"/>
               </a:solidFill>
@@ -4103,7 +4083,7 @@
           </a:p>
           <a:p>
             <a:pPr algn="ctr"/>
-            <a:endParaRPr lang="en-US" altLang="ko-KR" dirty="0" smtClean="0">
+            <a:endParaRPr lang="en-US" altLang="ko-KR" dirty="0">
               <a:solidFill>
                 <a:schemeClr val="tx1"/>
               </a:solidFill>
@@ -4112,14 +4092,14 @@
           <a:p>
             <a:pPr algn="ctr"/>
             <a:r>
-              <a:rPr lang="ko-KR" altLang="en-US" dirty="0" smtClean="0">
+              <a:rPr lang="ko-KR" altLang="en-US" dirty="0">
                 <a:solidFill>
                   <a:schemeClr val="tx1"/>
                 </a:solidFill>
               </a:rPr>
               <a:t>사용자에 대한 이드의 인식</a:t>
             </a:r>
-            <a:endParaRPr lang="en-US" altLang="ko-KR" dirty="0" smtClean="0">
+            <a:endParaRPr lang="en-US" altLang="ko-KR" dirty="0">
               <a:solidFill>
                 <a:schemeClr val="tx1"/>
               </a:solidFill>
@@ -4151,10 +4131,9 @@
           <a:p>
             <a:pPr algn="ctr"/>
             <a:r>
-              <a:rPr lang="ko-KR" altLang="en-US" dirty="0" smtClean="0"/>
+              <a:rPr lang="ko-KR" altLang="en-US" dirty="0"/>
               <a:t>이드 정보</a:t>
             </a:r>
-            <a:endParaRPr lang="ko-KR" altLang="en-US" dirty="0"/>
           </a:p>
         </p:txBody>
       </p:sp>
@@ -4236,10 +4215,9 @@
           <a:p>
             <a:pPr algn="ctr"/>
             <a:r>
-              <a:rPr lang="ko-KR" altLang="en-US" dirty="0" smtClean="0"/>
+              <a:rPr lang="ko-KR" altLang="en-US" dirty="0"/>
               <a:t>아카이브</a:t>
             </a:r>
-            <a:endParaRPr lang="ko-KR" altLang="en-US" dirty="0"/>
           </a:p>
         </p:txBody>
       </p:sp>
@@ -4317,10 +4295,9 @@
           <a:p>
             <a:pPr algn="ctr"/>
             <a:r>
-              <a:rPr lang="ko-KR" altLang="en-US" dirty="0" smtClean="0"/>
+              <a:rPr lang="ko-KR" altLang="en-US" dirty="0"/>
               <a:t>일기장</a:t>
             </a:r>
-            <a:endParaRPr lang="ko-KR" altLang="en-US" dirty="0"/>
           </a:p>
         </p:txBody>
       </p:sp>
@@ -4361,11 +4338,11 @@
           <a:p>
             <a:pPr algn="ctr"/>
             <a:r>
-              <a:rPr lang="en-US" altLang="ko-KR" dirty="0" smtClean="0"/>
+              <a:rPr lang="en-US" altLang="ko-KR" dirty="0"/>
               <a:t>#</a:t>
             </a:r>
             <a:r>
-              <a:rPr lang="ko-KR" altLang="en-US" dirty="0" err="1" smtClean="0"/>
+              <a:rPr lang="ko-KR" altLang="en-US" dirty="0" err="1"/>
               <a:t>검색창</a:t>
             </a:r>
             <a:endParaRPr lang="ko-KR" altLang="en-US" dirty="0"/>
@@ -4409,11 +4386,11 @@
           <a:p>
             <a:pPr algn="ctr"/>
             <a:r>
-              <a:rPr lang="en-US" altLang="ko-KR" dirty="0" smtClean="0"/>
+              <a:rPr lang="en-US" altLang="ko-KR" dirty="0"/>
               <a:t>#</a:t>
             </a:r>
             <a:r>
-              <a:rPr lang="ko-KR" altLang="en-US" dirty="0" err="1" smtClean="0"/>
+              <a:rPr lang="ko-KR" altLang="en-US" dirty="0" err="1"/>
               <a:t>입력창</a:t>
             </a:r>
             <a:endParaRPr lang="ko-KR" altLang="en-US" dirty="0"/>
@@ -4457,10 +4434,9 @@
           <a:p>
             <a:pPr algn="ctr"/>
             <a:r>
-              <a:rPr lang="ko-KR" altLang="en-US" dirty="0" smtClean="0"/>
+              <a:rPr lang="ko-KR" altLang="en-US" dirty="0"/>
               <a:t>대화</a:t>
             </a:r>
-            <a:endParaRPr lang="ko-KR" altLang="en-US" dirty="0"/>
           </a:p>
         </p:txBody>
       </p:sp>
@@ -4501,10 +4477,9 @@
           <a:p>
             <a:pPr algn="ctr"/>
             <a:r>
-              <a:rPr lang="ko-KR" altLang="en-US" dirty="0" smtClean="0"/>
+              <a:rPr lang="ko-KR" altLang="en-US" dirty="0"/>
               <a:t>대화</a:t>
             </a:r>
-            <a:endParaRPr lang="ko-KR" altLang="en-US" dirty="0"/>
           </a:p>
         </p:txBody>
       </p:sp>
@@ -4545,10 +4520,9 @@
           <a:p>
             <a:pPr algn="ctr"/>
             <a:r>
-              <a:rPr lang="ko-KR" altLang="en-US" dirty="0" smtClean="0"/>
+              <a:rPr lang="ko-KR" altLang="en-US" dirty="0"/>
               <a:t>대화</a:t>
             </a:r>
-            <a:endParaRPr lang="ko-KR" altLang="en-US" dirty="0"/>
           </a:p>
         </p:txBody>
       </p:sp>
@@ -4589,14 +4563,13 @@
           <a:p>
             <a:pPr algn="ctr"/>
             <a:r>
-              <a:rPr lang="en-US" altLang="ko-KR" dirty="0" smtClean="0"/>
+              <a:rPr lang="en-US" altLang="ko-KR" dirty="0"/>
               <a:t>3/17 </a:t>
             </a:r>
             <a:r>
-              <a:rPr lang="ko-KR" altLang="en-US" dirty="0" smtClean="0"/>
+              <a:rPr lang="ko-KR" altLang="en-US" dirty="0"/>
               <a:t>일기</a:t>
             </a:r>
-            <a:endParaRPr lang="ko-KR" altLang="en-US" dirty="0"/>
           </a:p>
         </p:txBody>
       </p:sp>
@@ -4637,14 +4610,13 @@
           <a:p>
             <a:pPr algn="ctr"/>
             <a:r>
-              <a:rPr lang="en-US" altLang="ko-KR" dirty="0" smtClean="0"/>
+              <a:rPr lang="en-US" altLang="ko-KR" dirty="0"/>
               <a:t>3/16 </a:t>
             </a:r>
             <a:r>
-              <a:rPr lang="ko-KR" altLang="en-US" dirty="0" smtClean="0"/>
+              <a:rPr lang="ko-KR" altLang="en-US" dirty="0"/>
               <a:t>일기</a:t>
             </a:r>
-            <a:endParaRPr lang="ko-KR" altLang="en-US" dirty="0"/>
           </a:p>
         </p:txBody>
       </p:sp>
@@ -4740,13 +4712,6 @@
   <p:clrMapOvr>
     <a:masterClrMapping/>
   </p:clrMapOvr>
-  <p:timing>
-    <p:tnLst>
-      <p:par>
-        <p:cTn id="1" dur="indefinite" restart="never" nodeType="tmRoot"/>
-      </p:par>
-    </p:tnLst>
-  </p:timing>
 </p:sld>
 </file>
 
@@ -4783,14 +4748,13 @@
           <a:lstStyle/>
           <a:p>
             <a:r>
-              <a:rPr lang="en-US" altLang="ko-KR" dirty="0" smtClean="0"/>
+              <a:rPr lang="en-US" altLang="ko-KR" dirty="0"/>
               <a:t>1. </a:t>
             </a:r>
             <a:r>
-              <a:rPr lang="ko-KR" altLang="en-US" dirty="0" smtClean="0"/>
+              <a:rPr lang="ko-KR" altLang="en-US" dirty="0"/>
               <a:t>이드 대화</a:t>
             </a:r>
-            <a:endParaRPr lang="ko-KR" altLang="en-US" dirty="0"/>
           </a:p>
         </p:txBody>
       </p:sp>
@@ -4868,10 +4832,9 @@
           <a:p>
             <a:pPr algn="ctr"/>
             <a:r>
-              <a:rPr lang="ko-KR" altLang="en-US" dirty="0" smtClean="0"/>
+              <a:rPr lang="ko-KR" altLang="en-US" dirty="0"/>
               <a:t>이드 대화</a:t>
             </a:r>
-            <a:endParaRPr lang="ko-KR" altLang="en-US" dirty="0"/>
           </a:p>
         </p:txBody>
       </p:sp>
@@ -4912,11 +4875,11 @@
           <a:p>
             <a:pPr algn="ctr"/>
             <a:r>
-              <a:rPr lang="en-US" altLang="ko-KR" dirty="0" smtClean="0"/>
+              <a:rPr lang="en-US" altLang="ko-KR" dirty="0"/>
               <a:t>#</a:t>
             </a:r>
             <a:r>
-              <a:rPr lang="ko-KR" altLang="en-US" dirty="0" err="1" smtClean="0"/>
+              <a:rPr lang="ko-KR" altLang="en-US" dirty="0" err="1"/>
               <a:t>입력창</a:t>
             </a:r>
             <a:endParaRPr lang="ko-KR" altLang="en-US" dirty="0"/>
@@ -4960,10 +4923,9 @@
           <a:p>
             <a:pPr algn="ctr"/>
             <a:r>
-              <a:rPr lang="ko-KR" altLang="en-US" dirty="0" smtClean="0"/>
+              <a:rPr lang="ko-KR" altLang="en-US" dirty="0"/>
               <a:t>대화</a:t>
             </a:r>
-            <a:endParaRPr lang="ko-KR" altLang="en-US" dirty="0"/>
           </a:p>
         </p:txBody>
       </p:sp>
@@ -5004,10 +4966,9 @@
           <a:p>
             <a:pPr algn="ctr"/>
             <a:r>
-              <a:rPr lang="ko-KR" altLang="en-US" dirty="0" smtClean="0"/>
+              <a:rPr lang="ko-KR" altLang="en-US" dirty="0"/>
               <a:t>대화</a:t>
             </a:r>
-            <a:endParaRPr lang="ko-KR" altLang="en-US" dirty="0"/>
           </a:p>
         </p:txBody>
       </p:sp>
@@ -5048,10 +5009,9 @@
           <a:p>
             <a:pPr algn="ctr"/>
             <a:r>
-              <a:rPr lang="ko-KR" altLang="en-US" dirty="0" smtClean="0"/>
+              <a:rPr lang="ko-KR" altLang="en-US" dirty="0"/>
               <a:t>대화</a:t>
             </a:r>
-            <a:endParaRPr lang="ko-KR" altLang="en-US" dirty="0"/>
           </a:p>
         </p:txBody>
       </p:sp>
@@ -5064,7 +5024,7 @@
         <p:spPr>
           <a:xfrm>
             <a:off x="3424226" y="1690688"/>
-            <a:ext cx="6959354" cy="3416320"/>
+            <a:ext cx="8355632" cy="3693319"/>
           </a:xfrm>
           <a:prstGeom prst="rect">
             <a:avLst/>
@@ -5078,20 +5038,20 @@
           <a:lstStyle/>
           <a:p>
             <a:r>
-              <a:rPr lang="en-US" altLang="ko-KR" dirty="0" smtClean="0"/>
+              <a:rPr lang="en-US" altLang="ko-KR" dirty="0"/>
               <a:t>&lt;</a:t>
             </a:r>
             <a:r>
-              <a:rPr lang="ko-KR" altLang="en-US" dirty="0" err="1" smtClean="0"/>
+              <a:rPr lang="ko-KR" altLang="en-US" dirty="0" err="1"/>
               <a:t>프롬포트</a:t>
             </a:r>
             <a:r>
-              <a:rPr lang="en-US" altLang="ko-KR" dirty="0" smtClean="0"/>
+              <a:rPr lang="en-US" altLang="ko-KR" dirty="0"/>
               <a:t>&gt;</a:t>
             </a:r>
           </a:p>
           <a:p>
-            <a:endParaRPr lang="en-US" altLang="ko-KR" dirty="0" smtClean="0"/>
+            <a:endParaRPr lang="en-US" altLang="ko-KR" dirty="0"/>
           </a:p>
           <a:p>
             <a:r>
@@ -5112,19 +5072,8 @@
             </a:r>
             <a:r>
               <a:rPr lang="ko-KR" altLang="en-US" dirty="0"/>
-              <a:t>일 등 문장 </a:t>
-            </a:r>
-            <a:r>
-              <a:rPr lang="ko-KR" altLang="en-US" dirty="0" err="1"/>
-              <a:t>유사도로</a:t>
-            </a:r>
-            <a:r>
-              <a:rPr lang="ko-KR" altLang="en-US" dirty="0"/>
-              <a:t> 파악</a:t>
-            </a:r>
-          </a:p>
-          <a:p>
-            <a:endParaRPr lang="ko-KR" altLang="en-US" dirty="0"/>
+              <a:t>일 등 문장 유사도로 파악</a:t>
+            </a:r>
           </a:p>
           <a:p>
             <a:r>
@@ -5145,15 +5094,7 @@
             </a:r>
             <a:r>
               <a:rPr lang="ko-KR" altLang="en-US" dirty="0"/>
-              <a:t>메모 해줘 등의 문장 </a:t>
-            </a:r>
-            <a:r>
-              <a:rPr lang="ko-KR" altLang="en-US" dirty="0" err="1"/>
-              <a:t>유사도로</a:t>
-            </a:r>
-            <a:r>
-              <a:rPr lang="ko-KR" altLang="en-US" dirty="0"/>
-              <a:t> 파악</a:t>
+              <a:t>메모 해줘 등의 문장 유사도로 파악</a:t>
             </a:r>
             <a:r>
               <a:rPr lang="en-US" altLang="ko-KR" dirty="0"/>
@@ -5161,57 +5102,100 @@
             </a:r>
           </a:p>
           <a:p>
+            <a:r>
+              <a:rPr lang="ko-KR" altLang="en-US" dirty="0"/>
+              <a:t>그 외 일반 대화</a:t>
+            </a:r>
             <a:endParaRPr lang="en-US" altLang="ko-KR" dirty="0"/>
           </a:p>
           <a:p>
-            <a:r>
-              <a:rPr lang="ko-KR" altLang="en-US" dirty="0"/>
-              <a:t>그 외 일반 대화</a:t>
-            </a:r>
-          </a:p>
-          <a:p>
             <a:endParaRPr lang="en-US" altLang="ko-KR" dirty="0"/>
           </a:p>
           <a:p>
             <a:r>
-              <a:rPr lang="en-US" altLang="ko-KR" dirty="0" smtClean="0"/>
+              <a:rPr lang="en-US" altLang="ko-KR" dirty="0"/>
+              <a:t>*</a:t>
+            </a:r>
+            <a:r>
+              <a:rPr lang="ko-KR" altLang="en-US" dirty="0"/>
+              <a:t>꼭 </a:t>
+            </a:r>
+            <a:r>
+              <a:rPr lang="en-US" altLang="ko-KR" dirty="0"/>
+              <a:t>1</a:t>
+            </a:r>
+            <a:r>
+              <a:rPr lang="ko-KR" altLang="en-US" dirty="0"/>
+              <a:t>개 선택할 필요 없이 유사도 일정 이상이면 중복 가능</a:t>
+            </a:r>
+            <a:r>
+              <a:rPr lang="en-US" altLang="ko-KR" dirty="0"/>
+              <a:t>(</a:t>
+            </a:r>
+            <a:r>
+              <a:rPr lang="ko-KR" altLang="en-US" dirty="0"/>
+              <a:t>일정이면서 메모</a:t>
+            </a:r>
+            <a:r>
+              <a:rPr lang="en-US" altLang="ko-KR" dirty="0"/>
+              <a:t>..</a:t>
+            </a:r>
+            <a:r>
+              <a:rPr lang="ko-KR" altLang="en-US" dirty="0"/>
+              <a:t>등</a:t>
+            </a:r>
+            <a:r>
+              <a:rPr lang="en-US" altLang="ko-KR" dirty="0"/>
+              <a:t>)</a:t>
+            </a:r>
+            <a:endParaRPr lang="ko-KR" altLang="en-US" dirty="0"/>
+          </a:p>
+          <a:p>
+            <a:endParaRPr lang="en-US" altLang="ko-KR" dirty="0"/>
+          </a:p>
+          <a:p>
+            <a:r>
+              <a:rPr lang="en-US" altLang="ko-KR" dirty="0"/>
               <a:t>#</a:t>
             </a:r>
             <a:r>
-              <a:rPr lang="ko-KR" altLang="en-US" dirty="0" smtClean="0"/>
+              <a:rPr lang="ko-KR" altLang="en-US" dirty="0"/>
               <a:t>질문 </a:t>
             </a:r>
             <a:r>
-              <a:rPr lang="en-US" altLang="ko-KR" dirty="0" smtClean="0"/>
+              <a:rPr lang="en-US" altLang="ko-KR" dirty="0"/>
               <a:t>-&gt; </a:t>
             </a:r>
             <a:r>
-              <a:rPr lang="ko-KR" altLang="en-US" dirty="0" smtClean="0"/>
+              <a:rPr lang="ko-KR" altLang="en-US" dirty="0"/>
               <a:t>아카이브 우선 탐색</a:t>
             </a:r>
-            <a:endParaRPr lang="en-US" altLang="ko-KR" dirty="0" smtClean="0"/>
-          </a:p>
-          <a:p>
             <a:endParaRPr lang="en-US" altLang="ko-KR" dirty="0"/>
           </a:p>
           <a:p>
-            <a:r>
-              <a:rPr lang="en-US" altLang="ko-KR" dirty="0" smtClean="0"/>
+            <a:endParaRPr lang="en-US" altLang="ko-KR" dirty="0"/>
+          </a:p>
+          <a:p>
+            <a:r>
+              <a:rPr lang="en-US" altLang="ko-KR" dirty="0"/>
               <a:t>#</a:t>
             </a:r>
             <a:r>
-              <a:rPr lang="ko-KR" altLang="en-US" dirty="0" smtClean="0"/>
+              <a:rPr lang="ko-KR" altLang="en-US" dirty="0"/>
               <a:t>상담 </a:t>
             </a:r>
             <a:r>
-              <a:rPr lang="en-US" altLang="ko-KR" dirty="0" smtClean="0"/>
+              <a:rPr lang="en-US" altLang="ko-KR" dirty="0"/>
               <a:t>-&gt; </a:t>
             </a:r>
             <a:r>
-              <a:rPr lang="ko-KR" altLang="en-US" dirty="0" smtClean="0"/>
+              <a:rPr lang="ko-KR" altLang="en-US" dirty="0"/>
               <a:t>일기장 우선 탐색</a:t>
             </a:r>
-            <a:endParaRPr lang="en-US" altLang="ko-KR" dirty="0" smtClean="0"/>
+            <a:endParaRPr lang="en-US" altLang="ko-KR" dirty="0"/>
+          </a:p>
+          <a:p>
+            <a:endParaRPr lang="en-US" altLang="ko-KR" dirty="0"/>
           </a:p>
           <a:p>
             <a:endParaRPr lang="en-US" altLang="ko-KR" dirty="0"/>
@@ -5255,7 +5239,7 @@
           <a:p>
             <a:pPr algn="ctr"/>
             <a:r>
-              <a:rPr lang="ko-KR" altLang="en-US" dirty="0" err="1" smtClean="0"/>
+              <a:rPr lang="ko-KR" altLang="en-US" dirty="0" err="1"/>
               <a:t>채팅창</a:t>
             </a:r>
             <a:endParaRPr lang="ko-KR" altLang="en-US" dirty="0"/>
@@ -5299,11 +5283,11 @@
           <a:p>
             <a:pPr algn="ctr"/>
             <a:r>
-              <a:rPr lang="ko-KR" altLang="en-US" dirty="0" smtClean="0"/>
+              <a:rPr lang="ko-KR" altLang="en-US" dirty="0"/>
               <a:t>일정</a:t>
             </a:r>
             <a:r>
-              <a:rPr lang="en-US" altLang="ko-KR" dirty="0" smtClean="0"/>
+              <a:rPr lang="en-US" altLang="ko-KR" dirty="0"/>
               <a:t>prompt</a:t>
             </a:r>
             <a:endParaRPr lang="ko-KR" altLang="en-US" dirty="0"/>
@@ -5347,11 +5331,11 @@
           <a:p>
             <a:pPr algn="ctr"/>
             <a:r>
-              <a:rPr lang="ko-KR" altLang="en-US" dirty="0" smtClean="0"/>
+              <a:rPr lang="ko-KR" altLang="en-US" dirty="0"/>
               <a:t>메모</a:t>
             </a:r>
             <a:r>
-              <a:rPr lang="en-US" altLang="ko-KR" dirty="0" smtClean="0"/>
+              <a:rPr lang="en-US" altLang="ko-KR" dirty="0"/>
               <a:t>prompt</a:t>
             </a:r>
             <a:endParaRPr lang="ko-KR" altLang="en-US" dirty="0"/>
@@ -5395,11 +5379,11 @@
           <a:p>
             <a:pPr algn="ctr"/>
             <a:r>
-              <a:rPr lang="ko-KR" altLang="en-US" dirty="0" smtClean="0"/>
+              <a:rPr lang="ko-KR" altLang="en-US" dirty="0"/>
               <a:t>일기</a:t>
             </a:r>
             <a:r>
-              <a:rPr lang="en-US" altLang="ko-KR" dirty="0" smtClean="0"/>
+              <a:rPr lang="en-US" altLang="ko-KR" dirty="0"/>
               <a:t>prompt</a:t>
             </a:r>
             <a:endParaRPr lang="ko-KR" altLang="en-US" dirty="0"/>
@@ -5443,10 +5427,9 @@
           <a:p>
             <a:pPr algn="ctr"/>
             <a:r>
-              <a:rPr lang="ko-KR" altLang="en-US" dirty="0" smtClean="0"/>
+              <a:rPr lang="ko-KR" altLang="en-US" dirty="0"/>
               <a:t>필터</a:t>
             </a:r>
-            <a:endParaRPr lang="ko-KR" altLang="en-US" dirty="0"/>
           </a:p>
         </p:txBody>
       </p:sp>
@@ -5487,7 +5470,7 @@
           <a:p>
             <a:pPr algn="ctr"/>
             <a:r>
-              <a:rPr lang="en-US" altLang="ko-KR" dirty="0" smtClean="0"/>
+              <a:rPr lang="en-US" altLang="ko-KR" dirty="0"/>
               <a:t>LLM</a:t>
             </a:r>
             <a:endParaRPr lang="ko-KR" altLang="en-US" dirty="0"/>
@@ -5504,13 +5487,6 @@
   <p:clrMapOvr>
     <a:masterClrMapping/>
   </p:clrMapOvr>
-  <p:timing>
-    <p:tnLst>
-      <p:par>
-        <p:cTn id="1" dur="indefinite" restart="never" nodeType="tmRoot"/>
-      </p:par>
-    </p:tnLst>
-  </p:timing>
 </p:sld>
 </file>
 
@@ -5599,7 +5575,7 @@
               <a:t>황색</a:t>
             </a:r>
             <a:r>
-              <a:rPr lang="en-US" altLang="ko-KR" dirty="0" smtClean="0"/>
+              <a:rPr lang="en-US" altLang="ko-KR" dirty="0"/>
               <a:t>)</a:t>
             </a:r>
           </a:p>
@@ -5609,22 +5585,21 @@
               <a:buChar char="-"/>
             </a:pPr>
             <a:r>
-              <a:rPr lang="ko-KR" altLang="en-US" dirty="0" smtClean="0"/>
+              <a:rPr lang="ko-KR" altLang="en-US" dirty="0"/>
               <a:t>완료 일정</a:t>
             </a:r>
             <a:r>
-              <a:rPr lang="en-US" altLang="ko-KR" dirty="0" smtClean="0"/>
+              <a:rPr lang="en-US" altLang="ko-KR" dirty="0"/>
               <a:t>(</a:t>
             </a:r>
             <a:r>
-              <a:rPr lang="ko-KR" altLang="en-US" dirty="0" smtClean="0"/>
+              <a:rPr lang="ko-KR" altLang="en-US" dirty="0"/>
               <a:t>회색</a:t>
             </a:r>
             <a:r>
-              <a:rPr lang="en-US" altLang="ko-KR" dirty="0" smtClean="0"/>
+              <a:rPr lang="en-US" altLang="ko-KR" dirty="0"/>
               <a:t>)</a:t>
             </a:r>
-            <a:endParaRPr lang="en-US" altLang="ko-KR" dirty="0"/>
           </a:p>
           <a:p>
             <a:pPr marL="285750" indent="-285750">
@@ -5669,14 +5644,13 @@
           <a:lstStyle/>
           <a:p>
             <a:r>
-              <a:rPr lang="en-US" altLang="ko-KR" dirty="0" smtClean="0"/>
+              <a:rPr lang="en-US" altLang="ko-KR" dirty="0"/>
               <a:t>2. </a:t>
             </a:r>
             <a:r>
-              <a:rPr lang="ko-KR" altLang="en-US" dirty="0" smtClean="0"/>
+              <a:rPr lang="ko-KR" altLang="en-US" dirty="0"/>
               <a:t>일정 관리</a:t>
             </a:r>
-            <a:endParaRPr lang="ko-KR" altLang="en-US" dirty="0"/>
           </a:p>
         </p:txBody>
       </p:sp>
@@ -5704,10 +5678,9 @@
           <a:p>
             <a:pPr algn="ctr"/>
             <a:r>
-              <a:rPr lang="ko-KR" altLang="en-US" dirty="0" smtClean="0"/>
+              <a:rPr lang="ko-KR" altLang="en-US" dirty="0"/>
               <a:t>일정 관리</a:t>
             </a:r>
-            <a:endParaRPr lang="ko-KR" altLang="en-US" dirty="0"/>
           </a:p>
         </p:txBody>
       </p:sp>
@@ -5798,14 +5771,13 @@
           <a:p>
             <a:pPr algn="ctr"/>
             <a:r>
-              <a:rPr lang="en-US" altLang="ko-KR" dirty="0" smtClean="0"/>
+              <a:rPr lang="en-US" altLang="ko-KR" dirty="0"/>
               <a:t>3/13 </a:t>
             </a:r>
             <a:r>
-              <a:rPr lang="ko-KR" altLang="en-US" dirty="0" smtClean="0"/>
+              <a:rPr lang="ko-KR" altLang="en-US" dirty="0"/>
               <a:t>친구랑 카페</a:t>
             </a:r>
-            <a:endParaRPr lang="ko-KR" altLang="en-US" dirty="0"/>
           </a:p>
         </p:txBody>
       </p:sp>
@@ -5846,14 +5818,13 @@
           <a:p>
             <a:pPr algn="ctr"/>
             <a:r>
-              <a:rPr lang="en-US" altLang="ko-KR" dirty="0" smtClean="0"/>
+              <a:rPr lang="en-US" altLang="ko-KR" dirty="0"/>
               <a:t>3/26 </a:t>
             </a:r>
             <a:r>
-              <a:rPr lang="ko-KR" altLang="en-US" dirty="0" smtClean="0"/>
+              <a:rPr lang="ko-KR" altLang="en-US" dirty="0"/>
               <a:t>자소서 마감</a:t>
             </a:r>
-            <a:endParaRPr lang="ko-KR" altLang="en-US" dirty="0"/>
           </a:p>
         </p:txBody>
       </p:sp>
@@ -5894,14 +5865,13 @@
           <a:p>
             <a:pPr algn="ctr"/>
             <a:r>
-              <a:rPr lang="en-US" altLang="ko-KR" dirty="0" smtClean="0"/>
+              <a:rPr lang="en-US" altLang="ko-KR" dirty="0"/>
               <a:t>4/1 </a:t>
             </a:r>
             <a:r>
-              <a:rPr lang="ko-KR" altLang="en-US" dirty="0" smtClean="0"/>
+              <a:rPr lang="ko-KR" altLang="en-US" dirty="0"/>
               <a:t>결혼식 참석</a:t>
             </a:r>
-            <a:endParaRPr lang="ko-KR" altLang="en-US" dirty="0"/>
           </a:p>
         </p:txBody>
       </p:sp>
@@ -5943,17 +5913,12 @@
             <a:pPr algn="ctr"/>
             <a:r>
               <a:rPr lang="en-US" altLang="ko-KR" dirty="0"/>
-              <a:t>5</a:t>
-            </a:r>
-            <a:r>
-              <a:rPr lang="en-US" altLang="ko-KR" dirty="0" smtClean="0"/>
-              <a:t>/15 </a:t>
-            </a:r>
-            <a:r>
-              <a:rPr lang="ko-KR" altLang="en-US" dirty="0" smtClean="0"/>
+              <a:t>5/15 </a:t>
+            </a:r>
+            <a:r>
+              <a:rPr lang="ko-KR" altLang="en-US" dirty="0"/>
               <a:t>데이트</a:t>
             </a:r>
-            <a:endParaRPr lang="ko-KR" altLang="en-US" dirty="0"/>
           </a:p>
         </p:txBody>
       </p:sp>
@@ -5994,14 +5959,13 @@
           <a:p>
             <a:pPr algn="ctr"/>
             <a:r>
-              <a:rPr lang="en-US" altLang="ko-KR" dirty="0" smtClean="0"/>
+              <a:rPr lang="en-US" altLang="ko-KR" dirty="0"/>
               <a:t>2/18 </a:t>
             </a:r>
             <a:r>
-              <a:rPr lang="ko-KR" altLang="en-US" dirty="0" smtClean="0"/>
+              <a:rPr lang="ko-KR" altLang="en-US" dirty="0"/>
               <a:t>헬스장</a:t>
             </a:r>
-            <a:endParaRPr lang="ko-KR" altLang="en-US" dirty="0"/>
           </a:p>
         </p:txBody>
       </p:sp>
@@ -6042,14 +6006,13 @@
           <a:p>
             <a:pPr algn="ctr"/>
             <a:r>
-              <a:rPr lang="en-US" altLang="ko-KR" dirty="0" smtClean="0"/>
+              <a:rPr lang="en-US" altLang="ko-KR" dirty="0"/>
               <a:t>1/3 </a:t>
             </a:r>
             <a:r>
-              <a:rPr lang="ko-KR" altLang="en-US" dirty="0" smtClean="0"/>
+              <a:rPr lang="ko-KR" altLang="en-US" dirty="0"/>
               <a:t>헬스장</a:t>
             </a:r>
-            <a:endParaRPr lang="ko-KR" altLang="en-US" dirty="0"/>
           </a:p>
         </p:txBody>
       </p:sp>
@@ -6100,18 +6063,13 @@
           <a:p>
             <a:pPr algn="ctr"/>
             <a:r>
-              <a:rPr lang="ko-KR" altLang="en-US" dirty="0" smtClean="0">
+              <a:rPr lang="ko-KR" altLang="en-US" dirty="0">
                 <a:solidFill>
                   <a:schemeClr val="tx1"/>
                 </a:solidFill>
               </a:rPr>
               <a:t>나열형</a:t>
             </a:r>
-            <a:endParaRPr lang="ko-KR" altLang="en-US" dirty="0">
-              <a:solidFill>
-                <a:schemeClr val="tx1"/>
-              </a:solidFill>
-            </a:endParaRPr>
           </a:p>
         </p:txBody>
       </p:sp>
@@ -6162,7 +6120,7 @@
           <a:p>
             <a:pPr algn="ctr"/>
             <a:r>
-              <a:rPr lang="ko-KR" altLang="en-US" dirty="0" err="1" smtClean="0">
+              <a:rPr lang="ko-KR" altLang="en-US" dirty="0" err="1">
                 <a:solidFill>
                   <a:schemeClr val="tx1"/>
                 </a:solidFill>
@@ -6187,13 +6145,6 @@
   <p:clrMapOvr>
     <a:masterClrMapping/>
   </p:clrMapOvr>
-  <p:timing>
-    <p:tnLst>
-      <p:par>
-        <p:cTn id="1" dur="indefinite" restart="never" nodeType="tmRoot"/>
-      </p:par>
-    </p:tnLst>
-  </p:timing>
 </p:sld>
 </file>
 
@@ -6230,14 +6181,13 @@
           <a:lstStyle/>
           <a:p>
             <a:r>
-              <a:rPr lang="en-US" altLang="ko-KR" dirty="0" smtClean="0"/>
+              <a:rPr lang="en-US" altLang="ko-KR" dirty="0"/>
               <a:t>3. </a:t>
             </a:r>
             <a:r>
-              <a:rPr lang="ko-KR" altLang="en-US" dirty="0" smtClean="0"/>
+              <a:rPr lang="ko-KR" altLang="en-US" dirty="0"/>
               <a:t>아카이브</a:t>
             </a:r>
-            <a:endParaRPr lang="ko-KR" altLang="en-US" dirty="0"/>
           </a:p>
         </p:txBody>
       </p:sp>
@@ -6422,10 +6372,9 @@
           <a:p>
             <a:pPr algn="ctr"/>
             <a:r>
-              <a:rPr lang="ko-KR" altLang="en-US" dirty="0" smtClean="0"/>
+              <a:rPr lang="ko-KR" altLang="en-US" dirty="0"/>
               <a:t>아카이브</a:t>
             </a:r>
-            <a:endParaRPr lang="ko-KR" altLang="en-US" dirty="0"/>
           </a:p>
         </p:txBody>
       </p:sp>
@@ -6466,11 +6415,11 @@
           <a:p>
             <a:pPr algn="ctr"/>
             <a:r>
-              <a:rPr lang="en-US" altLang="ko-KR" dirty="0" smtClean="0"/>
+              <a:rPr lang="en-US" altLang="ko-KR" dirty="0"/>
               <a:t>#</a:t>
             </a:r>
             <a:r>
-              <a:rPr lang="ko-KR" altLang="en-US" dirty="0" err="1" smtClean="0"/>
+              <a:rPr lang="ko-KR" altLang="en-US" dirty="0" err="1"/>
               <a:t>검색창</a:t>
             </a:r>
             <a:endParaRPr lang="ko-KR" altLang="en-US" dirty="0"/>
@@ -6524,19 +6473,19 @@
           <a:lstStyle/>
           <a:p>
             <a:r>
-              <a:rPr lang="ko-KR" altLang="en-US" dirty="0" smtClean="0"/>
+              <a:rPr lang="ko-KR" altLang="en-US" dirty="0"/>
               <a:t>메모에 </a:t>
             </a:r>
             <a:r>
-              <a:rPr lang="ko-KR" altLang="en-US" dirty="0" err="1" smtClean="0"/>
+              <a:rPr lang="ko-KR" altLang="en-US" dirty="0" err="1"/>
               <a:t>폴더명이</a:t>
             </a:r>
             <a:r>
-              <a:rPr lang="ko-KR" altLang="en-US" dirty="0" smtClean="0"/>
+              <a:rPr lang="ko-KR" altLang="en-US" dirty="0"/>
               <a:t> 자동 생성되며</a:t>
             </a:r>
             <a:r>
-              <a:rPr lang="en-US" altLang="ko-KR" dirty="0" smtClean="0"/>
+              <a:rPr lang="en-US" altLang="ko-KR" dirty="0"/>
               <a:t>, </a:t>
             </a:r>
           </a:p>
@@ -6545,20 +6494,16 @@
           </a:p>
           <a:p>
             <a:r>
-              <a:rPr lang="ko-KR" altLang="en-US" dirty="0" smtClean="0"/>
+              <a:rPr lang="ko-KR" altLang="en-US" dirty="0"/>
               <a:t>이후 폴더에 다른 메모 </a:t>
             </a:r>
             <a:r>
-              <a:rPr lang="en-US" altLang="ko-KR" dirty="0" smtClean="0"/>
+              <a:rPr lang="en-US" altLang="ko-KR" dirty="0"/>
               <a:t>or </a:t>
             </a:r>
             <a:r>
-              <a:rPr lang="ko-KR" altLang="en-US" dirty="0" smtClean="0"/>
-              <a:t>사이트 링크가 </a:t>
-            </a:r>
-            <a:r>
-              <a:rPr lang="ko-KR" altLang="en-US" dirty="0"/>
-              <a:t>추가될 수 있음</a:t>
+              <a:rPr lang="ko-KR" altLang="en-US" dirty="0"/>
+              <a:t>사이트 링크가 추가될 수 있음</a:t>
             </a:r>
             <a:endParaRPr lang="en-US" altLang="ko-KR" dirty="0"/>
           </a:p>
@@ -6640,13 +6585,6 @@
   <p:clrMapOvr>
     <a:masterClrMapping/>
   </p:clrMapOvr>
-  <p:timing>
-    <p:tnLst>
-      <p:par>
-        <p:cTn id="1" dur="indefinite" restart="never" nodeType="tmRoot"/>
-      </p:par>
-    </p:tnLst>
-  </p:timing>
 </p:sld>
 </file>
 
@@ -6725,19 +6663,15 @@
             </a:r>
             <a:r>
               <a:rPr lang="ko-KR" altLang="en-US" dirty="0"/>
-              <a:t>등 선 </a:t>
-            </a:r>
-            <a:r>
-              <a:rPr lang="ko-KR" altLang="en-US" dirty="0" smtClean="0"/>
-              <a:t>질문</a:t>
-            </a:r>
-            <a:endParaRPr lang="en-US" altLang="ko-KR" dirty="0" smtClean="0"/>
-          </a:p>
-          <a:p>
+              <a:t>등 선 질문</a:t>
+            </a:r>
             <a:endParaRPr lang="en-US" altLang="ko-KR" dirty="0"/>
           </a:p>
           <a:p>
-            <a:endParaRPr lang="en-US" altLang="ko-KR" dirty="0" smtClean="0"/>
+            <a:endParaRPr lang="en-US" altLang="ko-KR" dirty="0"/>
+          </a:p>
+          <a:p>
+            <a:endParaRPr lang="en-US" altLang="ko-KR" dirty="0"/>
           </a:p>
           <a:p>
             <a:r>
@@ -6752,7 +6686,6 @@
               <a:rPr lang="ko-KR" altLang="en-US" dirty="0"/>
               <a:t>등</a:t>
             </a:r>
-            <a:endParaRPr lang="ko-KR" altLang="en-US" dirty="0"/>
           </a:p>
         </p:txBody>
       </p:sp>
@@ -6772,14 +6705,13 @@
           <a:lstStyle/>
           <a:p>
             <a:r>
-              <a:rPr lang="en-US" altLang="ko-KR" dirty="0" smtClean="0"/>
+              <a:rPr lang="en-US" altLang="ko-KR" dirty="0"/>
               <a:t>4. </a:t>
             </a:r>
             <a:r>
-              <a:rPr lang="ko-KR" altLang="en-US" dirty="0" smtClean="0"/>
+              <a:rPr lang="ko-KR" altLang="en-US" dirty="0"/>
               <a:t>일기장</a:t>
             </a:r>
-            <a:endParaRPr lang="ko-KR" altLang="en-US" dirty="0"/>
           </a:p>
         </p:txBody>
       </p:sp>
@@ -6857,10 +6789,9 @@
           <a:p>
             <a:pPr algn="ctr"/>
             <a:r>
-              <a:rPr lang="ko-KR" altLang="en-US" dirty="0" smtClean="0"/>
+              <a:rPr lang="ko-KR" altLang="en-US" dirty="0"/>
               <a:t>일기장</a:t>
             </a:r>
-            <a:endParaRPr lang="ko-KR" altLang="en-US" dirty="0"/>
           </a:p>
         </p:txBody>
       </p:sp>
@@ -6901,14 +6832,13 @@
           <a:p>
             <a:pPr algn="ctr"/>
             <a:r>
-              <a:rPr lang="en-US" altLang="ko-KR" dirty="0" smtClean="0"/>
+              <a:rPr lang="en-US" altLang="ko-KR" dirty="0"/>
               <a:t>3/17 </a:t>
             </a:r>
             <a:r>
-              <a:rPr lang="ko-KR" altLang="en-US" dirty="0" smtClean="0"/>
+              <a:rPr lang="ko-KR" altLang="en-US" dirty="0"/>
               <a:t>일기</a:t>
             </a:r>
-            <a:endParaRPr lang="ko-KR" altLang="en-US" dirty="0"/>
           </a:p>
         </p:txBody>
       </p:sp>
@@ -6949,14 +6879,13 @@
           <a:p>
             <a:pPr algn="ctr"/>
             <a:r>
-              <a:rPr lang="en-US" altLang="ko-KR" dirty="0" smtClean="0"/>
+              <a:rPr lang="en-US" altLang="ko-KR" dirty="0"/>
               <a:t>3/16 </a:t>
             </a:r>
             <a:r>
-              <a:rPr lang="ko-KR" altLang="en-US" dirty="0" smtClean="0"/>
+              <a:rPr lang="ko-KR" altLang="en-US" dirty="0"/>
               <a:t>일기</a:t>
             </a:r>
-            <a:endParaRPr lang="ko-KR" altLang="en-US" dirty="0"/>
           </a:p>
         </p:txBody>
       </p:sp>
@@ -6970,13 +6899,6 @@
   <p:clrMapOvr>
     <a:masterClrMapping/>
   </p:clrMapOvr>
-  <p:timing>
-    <p:tnLst>
-      <p:par>
-        <p:cTn id="1" dur="indefinite" restart="never" nodeType="tmRoot"/>
-      </p:par>
-    </p:tnLst>
-  </p:timing>
 </p:sld>
 </file>
 
@@ -7013,14 +6935,13 @@
           <a:lstStyle/>
           <a:p>
             <a:r>
-              <a:rPr lang="en-US" altLang="ko-KR" dirty="0" smtClean="0"/>
+              <a:rPr lang="en-US" altLang="ko-KR" dirty="0"/>
               <a:t>5. </a:t>
             </a:r>
             <a:r>
-              <a:rPr lang="ko-KR" altLang="en-US" dirty="0" smtClean="0"/>
+              <a:rPr lang="ko-KR" altLang="en-US" dirty="0"/>
               <a:t>이드 정보</a:t>
             </a:r>
-            <a:endParaRPr lang="ko-KR" altLang="en-US" dirty="0"/>
           </a:p>
         </p:txBody>
       </p:sp>
@@ -7071,14 +6992,14 @@
           <a:p>
             <a:pPr algn="ctr"/>
             <a:r>
-              <a:rPr lang="ko-KR" altLang="en-US" dirty="0" smtClean="0">
+              <a:rPr lang="ko-KR" altLang="en-US" dirty="0">
                 <a:solidFill>
                   <a:schemeClr val="tx1"/>
                 </a:solidFill>
               </a:rPr>
               <a:t>사용자 프로필</a:t>
             </a:r>
-            <a:endParaRPr lang="en-US" altLang="ko-KR" dirty="0" smtClean="0">
+            <a:endParaRPr lang="en-US" altLang="ko-KR" dirty="0">
               <a:solidFill>
                 <a:schemeClr val="tx1"/>
               </a:solidFill>
@@ -7086,7 +7007,7 @@
           </a:p>
           <a:p>
             <a:pPr algn="ctr"/>
-            <a:endParaRPr lang="en-US" altLang="ko-KR" dirty="0" smtClean="0">
+            <a:endParaRPr lang="en-US" altLang="ko-KR" dirty="0">
               <a:solidFill>
                 <a:schemeClr val="tx1"/>
               </a:solidFill>
@@ -7095,14 +7016,14 @@
           <a:p>
             <a:pPr algn="ctr"/>
             <a:r>
-              <a:rPr lang="ko-KR" altLang="en-US" dirty="0" smtClean="0">
+              <a:rPr lang="ko-KR" altLang="en-US" dirty="0">
                 <a:solidFill>
                   <a:schemeClr val="tx1"/>
                 </a:solidFill>
               </a:rPr>
               <a:t>이드 프로필</a:t>
             </a:r>
-            <a:endParaRPr lang="en-US" altLang="ko-KR" dirty="0" smtClean="0">
+            <a:endParaRPr lang="en-US" altLang="ko-KR" dirty="0">
               <a:solidFill>
                 <a:schemeClr val="tx1"/>
               </a:solidFill>
@@ -7110,7 +7031,7 @@
           </a:p>
           <a:p>
             <a:pPr algn="ctr"/>
-            <a:endParaRPr lang="en-US" altLang="ko-KR" dirty="0" smtClean="0">
+            <a:endParaRPr lang="en-US" altLang="ko-KR" dirty="0">
               <a:solidFill>
                 <a:schemeClr val="tx1"/>
               </a:solidFill>
@@ -7119,14 +7040,14 @@
           <a:p>
             <a:pPr algn="ctr"/>
             <a:r>
-              <a:rPr lang="ko-KR" altLang="en-US" dirty="0" smtClean="0">
+              <a:rPr lang="ko-KR" altLang="en-US" dirty="0">
                 <a:solidFill>
                   <a:schemeClr val="tx1"/>
                 </a:solidFill>
               </a:rPr>
               <a:t>사용자에 대한 이드의 인식</a:t>
             </a:r>
-            <a:endParaRPr lang="en-US" altLang="ko-KR" dirty="0" smtClean="0">
+            <a:endParaRPr lang="en-US" altLang="ko-KR" dirty="0">
               <a:solidFill>
                 <a:schemeClr val="tx1"/>
               </a:solidFill>
@@ -7158,10 +7079,9 @@
           <a:p>
             <a:pPr algn="ctr"/>
             <a:r>
-              <a:rPr lang="ko-KR" altLang="en-US" dirty="0" smtClean="0"/>
+              <a:rPr lang="ko-KR" altLang="en-US" dirty="0"/>
               <a:t>이드 정보</a:t>
             </a:r>
-            <a:endParaRPr lang="ko-KR" altLang="en-US" dirty="0"/>
           </a:p>
         </p:txBody>
       </p:sp>
@@ -7418,13 +7338,6 @@
   <p:clrMapOvr>
     <a:masterClrMapping/>
   </p:clrMapOvr>
-  <p:timing>
-    <p:tnLst>
-      <p:par>
-        <p:cTn id="1" dur="indefinite" restart="never" nodeType="tmRoot"/>
-      </p:par>
-    </p:tnLst>
-  </p:timing>
 </p:sld>
 </file>
 
@@ -7523,30 +7436,29 @@
           </a:p>
           <a:p>
             <a:r>
-              <a:rPr lang="en-US" altLang="ko-KR" dirty="0" smtClean="0"/>
+              <a:rPr lang="en-US" altLang="ko-KR" dirty="0"/>
               <a:t>“</a:t>
             </a:r>
             <a:r>
-              <a:rPr lang="ko-KR" altLang="en-US" dirty="0" smtClean="0"/>
+              <a:rPr lang="ko-KR" altLang="en-US" dirty="0"/>
               <a:t>친밀감</a:t>
             </a:r>
             <a:r>
-              <a:rPr lang="en-US" altLang="ko-KR" dirty="0" smtClean="0"/>
+              <a:rPr lang="en-US" altLang="ko-KR" dirty="0"/>
               <a:t>-</a:t>
             </a:r>
             <a:r>
-              <a:rPr lang="ko-KR" altLang="en-US" dirty="0" smtClean="0"/>
+              <a:rPr lang="ko-KR" altLang="en-US" dirty="0"/>
               <a:t>정보공유</a:t>
             </a:r>
             <a:r>
-              <a:rPr lang="en-US" altLang="ko-KR" dirty="0" smtClean="0"/>
+              <a:rPr lang="en-US" altLang="ko-KR" dirty="0"/>
               <a:t>”</a:t>
             </a:r>
             <a:r>
-              <a:rPr lang="ko-KR" altLang="en-US" dirty="0" smtClean="0"/>
+              <a:rPr lang="ko-KR" altLang="en-US" dirty="0"/>
               <a:t> 선순환 구조를 통한 사용자 신뢰 확보</a:t>
             </a:r>
-            <a:endParaRPr lang="ko-KR" altLang="en-US" dirty="0"/>
           </a:p>
         </p:txBody>
       </p:sp>
@@ -7560,13 +7472,6 @@
   <p:clrMapOvr>
     <a:masterClrMapping/>
   </p:clrMapOvr>
-  <p:timing>
-    <p:tnLst>
-      <p:par>
-        <p:cTn id="1" dur="indefinite" restart="never" nodeType="tmRoot"/>
-      </p:par>
-    </p:tnLst>
-  </p:timing>
 </p:sld>
 </file>
 
@@ -7643,26 +7548,25 @@
           </a:p>
           <a:p>
             <a:r>
-              <a:rPr lang="ko-KR" altLang="en-US" dirty="0" smtClean="0"/>
+              <a:rPr lang="ko-KR" altLang="en-US" dirty="0"/>
               <a:t>하루를 바쁘게 살다 보니</a:t>
             </a:r>
             <a:r>
-              <a:rPr lang="en-US" altLang="ko-KR" dirty="0" smtClean="0"/>
+              <a:rPr lang="en-US" altLang="ko-KR" dirty="0"/>
               <a:t>, </a:t>
             </a:r>
             <a:r>
-              <a:rPr lang="ko-KR" altLang="en-US" dirty="0" smtClean="0"/>
+              <a:rPr lang="ko-KR" altLang="en-US" dirty="0"/>
               <a:t>정작 오늘 나는 어떤 하루를 보낸 건지 신경 못 쓰고 지나는 경우가 많다</a:t>
             </a:r>
             <a:r>
-              <a:rPr lang="en-US" altLang="ko-KR" dirty="0" smtClean="0"/>
+              <a:rPr lang="en-US" altLang="ko-KR" dirty="0"/>
               <a:t>.</a:t>
             </a:r>
             <a:r>
-              <a:rPr lang="ko-KR" altLang="en-US" dirty="0" smtClean="0"/>
+              <a:rPr lang="ko-KR" altLang="en-US" dirty="0"/>
               <a:t> </a:t>
             </a:r>
-            <a:endParaRPr lang="ko-KR" altLang="en-US" dirty="0"/>
           </a:p>
         </p:txBody>
       </p:sp>
@@ -7729,7 +7633,7 @@
           <a:lstStyle/>
           <a:p>
             <a:r>
-              <a:rPr lang="ko-KR" altLang="en-US" sz="2400" b="1" dirty="0" smtClean="0">
+              <a:rPr lang="ko-KR" altLang="en-US" sz="2400" b="1" dirty="0">
                 <a:solidFill>
                   <a:schemeClr val="accent1"/>
                 </a:solidFill>
@@ -7737,7 +7641,7 @@
               <a:t>당신이 해야할 많은 기억을 대신 해주고</a:t>
             </a:r>
             <a:r>
-              <a:rPr lang="en-US" altLang="ko-KR" sz="2400" b="1" dirty="0" smtClean="0">
+              <a:rPr lang="en-US" altLang="ko-KR" sz="2400" b="1" dirty="0">
                 <a:solidFill>
                   <a:schemeClr val="accent1"/>
                 </a:solidFill>
@@ -7747,18 +7651,13 @@
           </a:p>
           <a:p>
             <a:r>
-              <a:rPr lang="ko-KR" altLang="en-US" sz="2400" b="1" dirty="0" smtClean="0">
+              <a:rPr lang="ko-KR" altLang="en-US" sz="2400" b="1" dirty="0">
                 <a:solidFill>
                   <a:schemeClr val="accent1"/>
                 </a:solidFill>
               </a:rPr>
               <a:t>어떤 하루를 보내며 살았는지 알려주는 서비스</a:t>
             </a:r>
-            <a:endParaRPr lang="ko-KR" altLang="en-US" sz="2400" b="1" dirty="0">
-              <a:solidFill>
-                <a:schemeClr val="accent1"/>
-              </a:solidFill>
-            </a:endParaRPr>
           </a:p>
         </p:txBody>
       </p:sp>
@@ -7772,13 +7671,6 @@
   <p:clrMapOvr>
     <a:masterClrMapping/>
   </p:clrMapOvr>
-  <p:timing>
-    <p:tnLst>
-      <p:par>
-        <p:cTn id="1" dur="indefinite" restart="never" nodeType="tmRoot"/>
-      </p:par>
-    </p:tnLst>
-  </p:timing>
 </p:sld>
 </file>
 
@@ -8187,13 +8079,6 @@
   <p:clrMapOvr>
     <a:masterClrMapping/>
   </p:clrMapOvr>
-  <p:timing>
-    <p:tnLst>
-      <p:par>
-        <p:cTn id="1" dur="indefinite" restart="never" nodeType="tmRoot"/>
-      </p:par>
-    </p:tnLst>
-  </p:timing>
 </p:sld>
 </file>
 
@@ -8258,13 +8143,8 @@
             <a:pPr algn="ctr"/>
             <a:r>
               <a:rPr lang="ko-KR" altLang="en-US" dirty="0"/>
-              <a:t>사용자 </a:t>
-            </a:r>
-            <a:r>
-              <a:rPr lang="ko-KR" altLang="en-US" dirty="0" smtClean="0"/>
-              <a:t>맞춤형 대화</a:t>
-            </a:r>
-            <a:endParaRPr lang="ko-KR" altLang="en-US" dirty="0"/>
+              <a:t>사용자 맞춤형 대화</a:t>
+            </a:r>
           </a:p>
         </p:txBody>
       </p:sp>
@@ -9164,18 +9044,13 @@
           <a:p>
             <a:pPr algn="ctr"/>
             <a:r>
-              <a:rPr lang="ko-KR" altLang="en-US" dirty="0" smtClean="0">
+              <a:rPr lang="ko-KR" altLang="en-US" dirty="0">
                 <a:solidFill>
                   <a:schemeClr val="tx1"/>
                 </a:solidFill>
               </a:rPr>
               <a:t>관계 형성</a:t>
             </a:r>
-            <a:endParaRPr lang="ko-KR" altLang="en-US" dirty="0">
-              <a:solidFill>
-                <a:schemeClr val="tx1"/>
-              </a:solidFill>
-            </a:endParaRPr>
           </a:p>
         </p:txBody>
       </p:sp>
@@ -9488,13 +9363,6 @@
   <p:clrMapOvr>
     <a:masterClrMapping/>
   </p:clrMapOvr>
-  <p:timing>
-    <p:tnLst>
-      <p:par>
-        <p:cTn id="1" dur="indefinite" restart="never" nodeType="tmRoot"/>
-      </p:par>
-    </p:tnLst>
-  </p:timing>
 </p:sld>
 </file>
 
@@ -10604,13 +10472,6 @@
   <p:clrMapOvr>
     <a:masterClrMapping/>
   </p:clrMapOvr>
-  <p:timing>
-    <p:tnLst>
-      <p:par>
-        <p:cTn id="1" dur="indefinite" restart="never" nodeType="tmRoot"/>
-      </p:par>
-    </p:tnLst>
-  </p:timing>
 </p:sld>
 </file>
 
@@ -12805,13 +12666,8 @@
             <a:pPr algn="ctr"/>
             <a:r>
               <a:rPr lang="ko-KR" altLang="en-US" dirty="0"/>
-              <a:t>사용자 맞춤형 </a:t>
-            </a:r>
-            <a:r>
-              <a:rPr lang="ko-KR" altLang="en-US" dirty="0" smtClean="0"/>
-              <a:t>대화</a:t>
-            </a:r>
-            <a:endParaRPr lang="ko-KR" altLang="en-US" dirty="0"/>
+              <a:t>사용자 맞춤형 대화</a:t>
+            </a:r>
           </a:p>
         </p:txBody>
       </p:sp>
@@ -12825,13 +12681,6 @@
   <p:clrMapOvr>
     <a:masterClrMapping/>
   </p:clrMapOvr>
-  <p:timing>
-    <p:tnLst>
-      <p:par>
-        <p:cTn id="1" dur="indefinite" restart="never" nodeType="tmRoot"/>
-      </p:par>
-    </p:tnLst>
-  </p:timing>
 </p:sld>
 </file>
 
